--- a/중간발표.pptx
+++ b/중간발표.pptx
@@ -30,16 +30,16 @@
   <p:notesSz cx="6858000" cy="9144000"/>
   <p:embeddedFontLst>
     <p:embeddedFont>
-      <p:font typeface="나눔스퀘어 Light" panose="020B0600000101010101" pitchFamily="50" charset="-127"/>
-      <p:regular r:id="rId22"/>
+      <p:font typeface="나눔스퀘어 Bold" panose="020B0600000101010101" pitchFamily="50" charset="-127"/>
+      <p:bold r:id="rId22"/>
     </p:embeddedFont>
     <p:embeddedFont>
       <p:font typeface="나눔스퀘어 ExtraBold" panose="020B0600000101010101" pitchFamily="50" charset="-127"/>
       <p:bold r:id="rId23"/>
     </p:embeddedFont>
     <p:embeddedFont>
-      <p:font typeface="나눔스퀘어 Bold" panose="020B0600000101010101" pitchFamily="50" charset="-127"/>
-      <p:bold r:id="rId24"/>
+      <p:font typeface="나눔스퀘어 Light" panose="020B0600000101010101" pitchFamily="50" charset="-127"/>
+      <p:regular r:id="rId24"/>
     </p:embeddedFont>
     <p:embeddedFont>
       <p:font typeface="맑은 고딕" panose="020B0503020000020004" pitchFamily="50" charset="-127"/>
@@ -148,6 +148,34 @@
     </p:ext>
   </p:extLst>
 </p:presentation>
+</file>
+
+<file path=ppt/authors.xml><?xml version="1.0" encoding="utf-8"?>
+<p188:authorLst xmlns:a="http://schemas.openxmlformats.org/drawingml/2006/main" xmlns:r="http://schemas.openxmlformats.org/officeDocument/2006/relationships" xmlns:p188="http://schemas.microsoft.com/office/powerpoint/2018/8/main">
+  <p188:author id="{8AA369F8-3B8C-4D48-5423-C4DF4A817EFB}" name="진의정" initials="진" userId="진의정" providerId="None"/>
+</p188:authorLst>
+</file>
+
+<file path=ppt/comments/modernComment_119_98E9267B.xml><?xml version="1.0" encoding="utf-8"?>
+<p188:cmLst xmlns:a="http://schemas.openxmlformats.org/drawingml/2006/main" xmlns:r="http://schemas.openxmlformats.org/officeDocument/2006/relationships" xmlns:p188="http://schemas.microsoft.com/office/powerpoint/2018/8/main">
+  <p188:cm id="{843C930B-3D3F-4BC2-8D0A-6345A20CFA5B}" authorId="{8AA369F8-3B8C-4D48-5423-C4DF4A817EFB}" created="2022-04-24T17:33:52.421">
+    <ac:deMkLst xmlns:ac="http://schemas.microsoft.com/office/drawing/2013/main/command">
+      <pc:docMk xmlns:pc="http://schemas.microsoft.com/office/powerpoint/2013/main/command"/>
+      <pc:sldMk xmlns:pc="http://schemas.microsoft.com/office/powerpoint/2013/main/command" cId="2565416571" sldId="281"/>
+      <ac:spMk id="11" creationId="{796A3F55-A310-4812-82DA-85F76DEB9227}"/>
+    </ac:deMkLst>
+    <p188:txBody>
+      <a:bodyPr/>
+      <a:lstStyle/>
+      <a:p>
+        <a:r>
+          <a:rPr lang="ko-KR" altLang="en-US"/>
+          <a:t>WBS는 Work Breakdown Structure의 약어로 '작업분류체계'라고도 하며 프로젝트에서 수행할 작업을 계층적으로 정의한 문서이다.</a:t>
+        </a:r>
+      </a:p>
+    </p188:txBody>
+  </p188:cm>
+</p188:cmLst>
 </file>
 
 <file path=ppt/diagrams/colors1.xml><?xml version="1.0" encoding="utf-8"?>
@@ -3040,7 +3068,7 @@
           <a:p>
             <a:fld id="{BF6E7CB9-552A-40FD-8E25-6C9525410464}" type="datetimeFigureOut">
               <a:rPr lang="ko-KR" altLang="en-US" smtClean="0"/>
-              <a:t>2022-04-24</a:t>
+              <a:t>2022-04-25</a:t>
             </a:fld>
             <a:endParaRPr lang="ko-KR" altLang="en-US"/>
           </a:p>
@@ -3238,7 +3266,7 @@
           <a:p>
             <a:fld id="{BF6E7CB9-552A-40FD-8E25-6C9525410464}" type="datetimeFigureOut">
               <a:rPr lang="ko-KR" altLang="en-US" smtClean="0"/>
-              <a:t>2022-04-24</a:t>
+              <a:t>2022-04-25</a:t>
             </a:fld>
             <a:endParaRPr lang="ko-KR" altLang="en-US"/>
           </a:p>
@@ -3446,7 +3474,7 @@
           <a:p>
             <a:fld id="{BF6E7CB9-552A-40FD-8E25-6C9525410464}" type="datetimeFigureOut">
               <a:rPr lang="ko-KR" altLang="en-US" smtClean="0"/>
-              <a:t>2022-04-24</a:t>
+              <a:t>2022-04-25</a:t>
             </a:fld>
             <a:endParaRPr lang="ko-KR" altLang="en-US"/>
           </a:p>
@@ -3644,7 +3672,7 @@
           <a:p>
             <a:fld id="{BF6E7CB9-552A-40FD-8E25-6C9525410464}" type="datetimeFigureOut">
               <a:rPr lang="ko-KR" altLang="en-US" smtClean="0"/>
-              <a:t>2022-04-24</a:t>
+              <a:t>2022-04-25</a:t>
             </a:fld>
             <a:endParaRPr lang="ko-KR" altLang="en-US"/>
           </a:p>
@@ -3919,7 +3947,7 @@
           <a:p>
             <a:fld id="{BF6E7CB9-552A-40FD-8E25-6C9525410464}" type="datetimeFigureOut">
               <a:rPr lang="ko-KR" altLang="en-US" smtClean="0"/>
-              <a:t>2022-04-24</a:t>
+              <a:t>2022-04-25</a:t>
             </a:fld>
             <a:endParaRPr lang="ko-KR" altLang="en-US"/>
           </a:p>
@@ -4184,7 +4212,7 @@
           <a:p>
             <a:fld id="{BF6E7CB9-552A-40FD-8E25-6C9525410464}" type="datetimeFigureOut">
               <a:rPr lang="ko-KR" altLang="en-US" smtClean="0"/>
-              <a:t>2022-04-24</a:t>
+              <a:t>2022-04-25</a:t>
             </a:fld>
             <a:endParaRPr lang="ko-KR" altLang="en-US"/>
           </a:p>
@@ -4596,7 +4624,7 @@
           <a:p>
             <a:fld id="{BF6E7CB9-552A-40FD-8E25-6C9525410464}" type="datetimeFigureOut">
               <a:rPr lang="ko-KR" altLang="en-US" smtClean="0"/>
-              <a:t>2022-04-24</a:t>
+              <a:t>2022-04-25</a:t>
             </a:fld>
             <a:endParaRPr lang="ko-KR" altLang="en-US"/>
           </a:p>
@@ -4737,7 +4765,7 @@
           <a:p>
             <a:fld id="{BF6E7CB9-552A-40FD-8E25-6C9525410464}" type="datetimeFigureOut">
               <a:rPr lang="ko-KR" altLang="en-US" smtClean="0"/>
-              <a:t>2022-04-24</a:t>
+              <a:t>2022-04-25</a:t>
             </a:fld>
             <a:endParaRPr lang="ko-KR" altLang="en-US"/>
           </a:p>
@@ -4850,7 +4878,7 @@
           <a:p>
             <a:fld id="{BF6E7CB9-552A-40FD-8E25-6C9525410464}" type="datetimeFigureOut">
               <a:rPr lang="ko-KR" altLang="en-US" smtClean="0"/>
-              <a:t>2022-04-24</a:t>
+              <a:t>2022-04-25</a:t>
             </a:fld>
             <a:endParaRPr lang="ko-KR" altLang="en-US"/>
           </a:p>
@@ -5161,7 +5189,7 @@
           <a:p>
             <a:fld id="{BF6E7CB9-552A-40FD-8E25-6C9525410464}" type="datetimeFigureOut">
               <a:rPr lang="ko-KR" altLang="en-US" smtClean="0"/>
-              <a:t>2022-04-24</a:t>
+              <a:t>2022-04-25</a:t>
             </a:fld>
             <a:endParaRPr lang="ko-KR" altLang="en-US"/>
           </a:p>
@@ -5449,7 +5477,7 @@
           <a:p>
             <a:fld id="{BF6E7CB9-552A-40FD-8E25-6C9525410464}" type="datetimeFigureOut">
               <a:rPr lang="ko-KR" altLang="en-US" smtClean="0"/>
-              <a:t>2022-04-24</a:t>
+              <a:t>2022-04-25</a:t>
             </a:fld>
             <a:endParaRPr lang="ko-KR" altLang="en-US"/>
           </a:p>
@@ -5693,7 +5721,7 @@
           <a:p>
             <a:fld id="{BF6E7CB9-552A-40FD-8E25-6C9525410464}" type="datetimeFigureOut">
               <a:rPr lang="ko-KR" altLang="en-US" smtClean="0"/>
-              <a:t>2022-04-24</a:t>
+              <a:t>2022-04-25</a:t>
             </a:fld>
             <a:endParaRPr lang="ko-KR" altLang="en-US"/>
           </a:p>
@@ -6124,7 +6152,7 @@
         </p:nvSpPr>
         <p:spPr>
           <a:xfrm>
-            <a:off x="9680026" y="5232306"/>
+            <a:off x="9680026" y="5119185"/>
             <a:ext cx="821719" cy="338554"/>
           </a:xfrm>
           <a:prstGeom prst="rect">
@@ -6167,8 +6195,8 @@
         </p:nvSpPr>
         <p:spPr>
           <a:xfrm>
-            <a:off x="4455941" y="2458093"/>
-            <a:ext cx="3280118" cy="833510"/>
+            <a:off x="3356045" y="2391373"/>
+            <a:ext cx="5479911" cy="1321111"/>
           </a:xfrm>
           <a:prstGeom prst="rect">
             <a:avLst/>
@@ -6204,7 +6232,7 @@
           <a:p>
             <a:pPr algn="ctr"/>
             <a:r>
-              <a:rPr lang="ko-KR" altLang="en-US" sz="3200" err="1">
+              <a:rPr lang="ko-KR" altLang="en-US" sz="4500" dirty="0" err="1">
                 <a:solidFill>
                   <a:schemeClr val="tx2"/>
                 </a:solidFill>
@@ -6214,7 +6242,7 @@
               <a:t>캡스톤</a:t>
             </a:r>
             <a:r>
-              <a:rPr lang="ko-KR" altLang="en-US" sz="3200" dirty="0">
+              <a:rPr lang="ko-KR" altLang="en-US" sz="4500" dirty="0">
                 <a:solidFill>
                   <a:schemeClr val="tx2"/>
                 </a:solidFill>
@@ -6319,7 +6347,7 @@
         </p:nvSpPr>
         <p:spPr>
           <a:xfrm>
-            <a:off x="10816098" y="5232306"/>
+            <a:off x="10816098" y="5119185"/>
             <a:ext cx="821719" cy="338554"/>
           </a:xfrm>
           <a:prstGeom prst="rect">
@@ -6371,7 +6399,7 @@
         </p:nvSpPr>
         <p:spPr>
           <a:xfrm>
-            <a:off x="9680025" y="5570860"/>
+            <a:off x="9680025" y="5457739"/>
             <a:ext cx="821719" cy="338554"/>
           </a:xfrm>
           <a:prstGeom prst="rect">
@@ -6414,7 +6442,7 @@
         </p:nvSpPr>
         <p:spPr>
           <a:xfrm>
-            <a:off x="10816097" y="5570860"/>
+            <a:off x="10816097" y="5457739"/>
             <a:ext cx="821719" cy="338554"/>
           </a:xfrm>
           <a:prstGeom prst="rect">
@@ -6457,7 +6485,7 @@
         </p:nvSpPr>
         <p:spPr>
           <a:xfrm>
-            <a:off x="9680025" y="5912445"/>
+            <a:off x="9680025" y="5799324"/>
             <a:ext cx="821719" cy="338554"/>
           </a:xfrm>
           <a:prstGeom prst="rect">
@@ -6606,7 +6634,7 @@
         </p:nvSpPr>
         <p:spPr>
           <a:xfrm>
-            <a:off x="9050558" y="4862974"/>
+            <a:off x="9050558" y="4749853"/>
             <a:ext cx="2303242" cy="400110"/>
           </a:xfrm>
           <a:prstGeom prst="rect">
@@ -6682,7 +6710,7 @@
         </p:nvSpPr>
         <p:spPr>
           <a:xfrm>
-            <a:off x="9050558" y="6247968"/>
+            <a:off x="9050558" y="6134847"/>
             <a:ext cx="1055467" cy="400110"/>
           </a:xfrm>
           <a:prstGeom prst="rect">
@@ -6909,7 +6937,7 @@
         <p:spPr>
           <a:xfrm>
             <a:off x="276223" y="310773"/>
-            <a:ext cx="3496600" cy="461665"/>
+            <a:ext cx="3496600" cy="553998"/>
           </a:xfrm>
           <a:prstGeom prst="rect">
             <a:avLst/>
@@ -6923,7 +6951,7 @@
           <a:lstStyle/>
           <a:p>
             <a:r>
-              <a:rPr lang="en-US" altLang="ko-KR" sz="2400" spc="100" dirty="0">
+              <a:rPr lang="en-US" altLang="ko-KR" sz="3000" spc="100" dirty="0">
                 <a:solidFill>
                   <a:schemeClr val="tx2">
                     <a:lumMod val="50000"/>
@@ -6935,7 +6963,7 @@
               <a:t>Ⅱ. </a:t>
             </a:r>
             <a:r>
-              <a:rPr lang="ko-KR" altLang="en-US" sz="2400" spc="100" dirty="0">
+              <a:rPr lang="ko-KR" altLang="en-US" sz="3000" spc="100" dirty="0">
                 <a:solidFill>
                   <a:schemeClr val="tx2">
                     <a:lumMod val="50000"/>
@@ -7006,7 +7034,7 @@
         </p:nvSpPr>
         <p:spPr>
           <a:xfrm>
-            <a:off x="740083" y="957104"/>
+            <a:off x="843778" y="960828"/>
             <a:ext cx="3496600" cy="461665"/>
           </a:xfrm>
           <a:prstGeom prst="rect">
@@ -7085,8 +7113,8 @@
         </p:blipFill>
         <p:spPr>
           <a:xfrm>
-            <a:off x="1157287" y="1518551"/>
-            <a:ext cx="9877425" cy="4990265"/>
+            <a:off x="1214954" y="1576819"/>
+            <a:ext cx="9762093" cy="4931997"/>
           </a:xfrm>
           <a:prstGeom prst="rect">
             <a:avLst/>
@@ -7282,7 +7310,7 @@
         <p:spPr>
           <a:xfrm>
             <a:off x="276223" y="310773"/>
-            <a:ext cx="3496600" cy="461665"/>
+            <a:ext cx="3496600" cy="553998"/>
           </a:xfrm>
           <a:prstGeom prst="rect">
             <a:avLst/>
@@ -7296,7 +7324,7 @@
           <a:lstStyle/>
           <a:p>
             <a:r>
-              <a:rPr lang="en-US" altLang="ko-KR" sz="2400" spc="100" dirty="0">
+              <a:rPr lang="en-US" altLang="ko-KR" sz="3000" spc="100" dirty="0">
                 <a:solidFill>
                   <a:schemeClr val="tx2">
                     <a:lumMod val="50000"/>
@@ -7308,7 +7336,7 @@
               <a:t>Ⅱ. </a:t>
             </a:r>
             <a:r>
-              <a:rPr lang="ko-KR" altLang="en-US" sz="2400" spc="100" dirty="0">
+              <a:rPr lang="ko-KR" altLang="en-US" sz="3000" spc="100" dirty="0">
                 <a:solidFill>
                   <a:schemeClr val="tx2">
                     <a:lumMod val="50000"/>
@@ -7379,7 +7407,7 @@
         </p:nvSpPr>
         <p:spPr>
           <a:xfrm>
-            <a:off x="740083" y="957104"/>
+            <a:off x="749510" y="910937"/>
             <a:ext cx="3496600" cy="461665"/>
           </a:xfrm>
           <a:prstGeom prst="rect">
@@ -7655,7 +7683,7 @@
         <p:spPr>
           <a:xfrm>
             <a:off x="276223" y="310773"/>
-            <a:ext cx="3496600" cy="461665"/>
+            <a:ext cx="3496600" cy="553998"/>
           </a:xfrm>
           <a:prstGeom prst="rect">
             <a:avLst/>
@@ -7669,7 +7697,7 @@
           <a:lstStyle/>
           <a:p>
             <a:r>
-              <a:rPr lang="en-US" altLang="ko-KR" sz="2400" spc="100" dirty="0">
+              <a:rPr lang="en-US" altLang="ko-KR" sz="3000" spc="100" dirty="0">
                 <a:solidFill>
                   <a:schemeClr val="tx2">
                     <a:lumMod val="50000"/>
@@ -7681,7 +7709,7 @@
               <a:t>Ⅱ. </a:t>
             </a:r>
             <a:r>
-              <a:rPr lang="ko-KR" altLang="en-US" sz="2400" spc="100" dirty="0">
+              <a:rPr lang="ko-KR" altLang="en-US" sz="3000" spc="100" dirty="0">
                 <a:solidFill>
                   <a:schemeClr val="tx2">
                     <a:lumMod val="50000"/>
@@ -7752,7 +7780,7 @@
         </p:nvSpPr>
         <p:spPr>
           <a:xfrm>
-            <a:off x="740083" y="957104"/>
+            <a:off x="853204" y="910937"/>
             <a:ext cx="3496600" cy="461665"/>
           </a:xfrm>
           <a:prstGeom prst="rect">
@@ -8028,7 +8056,7 @@
         <p:spPr>
           <a:xfrm>
             <a:off x="276223" y="310773"/>
-            <a:ext cx="3496600" cy="461665"/>
+            <a:ext cx="3496600" cy="553998"/>
           </a:xfrm>
           <a:prstGeom prst="rect">
             <a:avLst/>
@@ -8042,7 +8070,7 @@
           <a:lstStyle/>
           <a:p>
             <a:r>
-              <a:rPr lang="en-US" altLang="ko-KR" sz="2400" spc="100" dirty="0">
+              <a:rPr lang="en-US" altLang="ko-KR" sz="3000" spc="100" dirty="0">
                 <a:solidFill>
                   <a:schemeClr val="tx2">
                     <a:lumMod val="50000"/>
@@ -8054,7 +8082,7 @@
               <a:t>Ⅲ. </a:t>
             </a:r>
             <a:r>
-              <a:rPr lang="ko-KR" altLang="en-US" sz="2400" spc="100" dirty="0">
+              <a:rPr lang="ko-KR" altLang="en-US" sz="3000" spc="100" dirty="0">
                 <a:solidFill>
                   <a:schemeClr val="tx2">
                     <a:lumMod val="50000"/>
@@ -8125,7 +8153,7 @@
         </p:nvSpPr>
         <p:spPr>
           <a:xfrm>
-            <a:off x="740082" y="957104"/>
+            <a:off x="748269" y="1225860"/>
             <a:ext cx="3603317" cy="461665"/>
           </a:xfrm>
           <a:prstGeom prst="rect">
@@ -8147,17 +8175,7 @@
                 <a:latin typeface="나눔스퀘어 Bold" panose="020B0600000101010101" pitchFamily="50" charset="-127"/>
                 <a:ea typeface="나눔스퀘어 Bold" panose="020B0600000101010101" pitchFamily="50" charset="-127"/>
               </a:rPr>
-              <a:t>사용 </a:t>
-            </a:r>
-            <a:r>
-              <a:rPr lang="ko-KR" altLang="en-US" sz="2400" spc="100">
-                <a:solidFill>
-                  <a:srgbClr val="44546A"/>
-                </a:solidFill>
-                <a:latin typeface="나눔스퀘어 Bold" panose="020B0600000101010101" pitchFamily="50" charset="-127"/>
-                <a:ea typeface="나눔스퀘어 Bold" panose="020B0600000101010101" pitchFamily="50" charset="-127"/>
-              </a:rPr>
-              <a:t>툴 </a:t>
+              <a:t>사용 툴 </a:t>
             </a:r>
             <a:r>
               <a:rPr lang="en-US" altLang="ko-KR" sz="2400" spc="100" dirty="0">
@@ -8364,7 +8382,7 @@
           </p:cNvPicPr>
           <p:nvPr/>
         </p:nvPicPr>
-        <p:blipFill>
+        <p:blipFill rotWithShape="1">
           <a:blip r:embed="rId2">
             <a:extLst>
               <a:ext uri="{28A0092B-C50C-407E-A947-70E740481C1C}">
@@ -8372,15 +8390,13 @@
               </a:ext>
             </a:extLst>
           </a:blip>
-          <a:srcRect/>
-          <a:stretch>
-            <a:fillRect/>
-          </a:stretch>
+          <a:srcRect l="14174" t="7025" r="13152" b="7066"/>
+          <a:stretch/>
         </p:blipFill>
         <p:spPr bwMode="auto">
           <a:xfrm>
-            <a:off x="1263542" y="2979939"/>
-            <a:ext cx="1994008" cy="1678878"/>
+            <a:off x="1546170" y="2889215"/>
+            <a:ext cx="1446815" cy="1440000"/>
           </a:xfrm>
           <a:prstGeom prst="rect">
             <a:avLst/>
@@ -8424,8 +8440,8 @@
         </p:blipFill>
         <p:spPr bwMode="auto">
           <a:xfrm>
-            <a:off x="5381625" y="3105003"/>
-            <a:ext cx="1428750" cy="1428750"/>
+            <a:off x="5385032" y="2889215"/>
+            <a:ext cx="1440000" cy="1440000"/>
           </a:xfrm>
           <a:prstGeom prst="ellipse">
             <a:avLst/>
@@ -8471,8 +8487,8 @@
         </p:blipFill>
         <p:spPr bwMode="auto">
           <a:xfrm>
-            <a:off x="9217079" y="3105003"/>
-            <a:ext cx="1428750" cy="1428750"/>
+            <a:off x="9217079" y="2889215"/>
+            <a:ext cx="1440000" cy="1440000"/>
           </a:xfrm>
           <a:prstGeom prst="rect">
             <a:avLst/>
@@ -8807,7 +8823,7 @@
         <p:spPr>
           <a:xfrm>
             <a:off x="276223" y="310773"/>
-            <a:ext cx="3496600" cy="461665"/>
+            <a:ext cx="3496600" cy="553998"/>
           </a:xfrm>
           <a:prstGeom prst="rect">
             <a:avLst/>
@@ -8821,7 +8837,7 @@
           <a:lstStyle/>
           <a:p>
             <a:r>
-              <a:rPr lang="en-US" altLang="ko-KR" sz="2400" spc="100" dirty="0">
+              <a:rPr lang="en-US" altLang="ko-KR" sz="3000" spc="100" dirty="0">
                 <a:solidFill>
                   <a:schemeClr val="tx2">
                     <a:lumMod val="50000"/>
@@ -8833,7 +8849,7 @@
               <a:t>Ⅲ. </a:t>
             </a:r>
             <a:r>
-              <a:rPr lang="ko-KR" altLang="en-US" sz="2400" spc="100" dirty="0">
+              <a:rPr lang="ko-KR" altLang="en-US" sz="3000" spc="100" dirty="0">
                 <a:solidFill>
                   <a:schemeClr val="tx2">
                     <a:lumMod val="50000"/>
@@ -8904,7 +8920,7 @@
         </p:nvSpPr>
         <p:spPr>
           <a:xfrm>
-            <a:off x="740082" y="957104"/>
+            <a:off x="748269" y="1247211"/>
             <a:ext cx="4012893" cy="461665"/>
           </a:xfrm>
           <a:prstGeom prst="rect">
@@ -9021,7 +9037,7 @@
         </p:nvSpPr>
         <p:spPr>
           <a:xfrm>
-            <a:off x="8419177" y="2307101"/>
+            <a:off x="8419176" y="2307101"/>
             <a:ext cx="3024554" cy="3024554"/>
           </a:xfrm>
           <a:prstGeom prst="roundRect">
@@ -9133,8 +9149,8 @@
         </p:nvSpPr>
         <p:spPr>
           <a:xfrm>
-            <a:off x="903380" y="4810570"/>
-            <a:ext cx="2714333" cy="369332"/>
+            <a:off x="1042136" y="4810570"/>
+            <a:ext cx="2436821" cy="338554"/>
           </a:xfrm>
           <a:prstGeom prst="rect">
             <a:avLst/>
@@ -9149,27 +9165,27 @@
           <a:p>
             <a:pPr algn="ctr"/>
             <a:r>
-              <a:rPr lang="en-US" altLang="ko-KR" dirty="0">
+              <a:rPr lang="en-US" altLang="ko-KR" sz="1600" dirty="0">
                 <a:latin typeface="나눔스퀘어 Light" panose="020B0600000101010101" pitchFamily="50" charset="-127"/>
                 <a:ea typeface="나눔스퀘어 Light" panose="020B0600000101010101" pitchFamily="50" charset="-127"/>
               </a:rPr>
               <a:t>PuTTY &amp; </a:t>
             </a:r>
             <a:r>
-              <a:rPr lang="en-US" altLang="ko-KR" dirty="0" err="1">
+              <a:rPr lang="en-US" altLang="ko-KR" sz="1600" dirty="0" err="1">
                 <a:latin typeface="나눔스퀘어 Light" panose="020B0600000101010101" pitchFamily="50" charset="-127"/>
                 <a:ea typeface="나눔스퀘어 Light" panose="020B0600000101010101" pitchFamily="50" charset="-127"/>
               </a:rPr>
               <a:t>openssh</a:t>
             </a:r>
             <a:r>
-              <a:rPr lang="en-US" altLang="ko-KR" dirty="0">
+              <a:rPr lang="en-US" altLang="ko-KR" sz="1600" dirty="0">
                 <a:latin typeface="나눔스퀘어 Light" panose="020B0600000101010101" pitchFamily="50" charset="-127"/>
                 <a:ea typeface="나눔스퀘어 Light" panose="020B0600000101010101" pitchFamily="50" charset="-127"/>
               </a:rPr>
               <a:t>-server</a:t>
             </a:r>
-            <a:endParaRPr lang="ko-KR" altLang="en-US" dirty="0">
+            <a:endParaRPr lang="ko-KR" altLang="en-US" sz="1600" dirty="0">
               <a:latin typeface="나눔스퀘어 Light" panose="020B0600000101010101" pitchFamily="50" charset="-127"/>
               <a:ea typeface="나눔스퀘어 Light" panose="020B0600000101010101" pitchFamily="50" charset="-127"/>
             </a:endParaRPr>
@@ -9190,8 +9206,8 @@
         </p:nvSpPr>
         <p:spPr>
           <a:xfrm>
-            <a:off x="4728834" y="4672070"/>
-            <a:ext cx="2734338" cy="646331"/>
+            <a:off x="4819802" y="4801594"/>
+            <a:ext cx="2552397" cy="338554"/>
           </a:xfrm>
           <a:prstGeom prst="rect">
             <a:avLst/>
@@ -9199,58 +9215,55 @@
           <a:noFill/>
         </p:spPr>
         <p:txBody>
-          <a:bodyPr wrap="none" rtlCol="0">
+          <a:bodyPr wrap="square" rtlCol="0">
             <a:spAutoFit/>
           </a:bodyPr>
           <a:lstStyle/>
           <a:p>
             <a:pPr algn="ctr"/>
             <a:r>
-              <a:rPr lang="en-US" altLang="ko-KR" dirty="0" err="1">
+              <a:rPr lang="en-US" altLang="ko-KR" sz="1600" dirty="0" err="1">
                 <a:latin typeface="나눔스퀘어 Light" panose="020B0600000101010101" pitchFamily="50" charset="-127"/>
                 <a:ea typeface="나눔스퀘어 Light" panose="020B0600000101010101" pitchFamily="50" charset="-127"/>
               </a:rPr>
               <a:t>mstsc</a:t>
             </a:r>
             <a:r>
-              <a:rPr lang="en-US" altLang="ko-KR" dirty="0">
+              <a:rPr lang="en-US" altLang="ko-KR" sz="1100" dirty="0">
                 <a:latin typeface="나눔스퀘어 Light" panose="020B0600000101010101" pitchFamily="50" charset="-127"/>
                 <a:ea typeface="나눔스퀘어 Light" panose="020B0600000101010101" pitchFamily="50" charset="-127"/>
               </a:rPr>
               <a:t>(</a:t>
             </a:r>
             <a:r>
-              <a:rPr lang="ko-KR" altLang="en-US" dirty="0">
+              <a:rPr lang="ko-KR" altLang="en-US" sz="1100" dirty="0">
                 <a:latin typeface="나눔스퀘어 Light" panose="020B0600000101010101" pitchFamily="50" charset="-127"/>
                 <a:ea typeface="나눔스퀘어 Light" panose="020B0600000101010101" pitchFamily="50" charset="-127"/>
               </a:rPr>
               <a:t>원격 데스크톱 연결</a:t>
             </a:r>
             <a:r>
-              <a:rPr lang="en-US" altLang="ko-KR" dirty="0">
+              <a:rPr lang="en-US" altLang="ko-KR" sz="1100" dirty="0">
                 <a:latin typeface="나눔스퀘어 Light" panose="020B0600000101010101" pitchFamily="50" charset="-127"/>
                 <a:ea typeface="나눔스퀘어 Light" panose="020B0600000101010101" pitchFamily="50" charset="-127"/>
               </a:rPr>
-              <a:t>)</a:t>
-            </a:r>
-          </a:p>
-          <a:p>
-            <a:pPr algn="ctr"/>
-            <a:r>
-              <a:rPr lang="en-US" altLang="ko-KR" dirty="0">
+              <a:t>) </a:t>
+            </a:r>
+            <a:r>
+              <a:rPr lang="en-US" altLang="ko-KR" sz="1600" dirty="0">
                 <a:latin typeface="나눔스퀘어 Light" panose="020B0600000101010101" pitchFamily="50" charset="-127"/>
                 <a:ea typeface="나눔스퀘어 Light" panose="020B0600000101010101" pitchFamily="50" charset="-127"/>
               </a:rPr>
               <a:t>&amp; </a:t>
             </a:r>
             <a:r>
-              <a:rPr lang="en-US" altLang="ko-KR" dirty="0" err="1">
+              <a:rPr lang="en-US" altLang="ko-KR" sz="1600" dirty="0" err="1">
                 <a:latin typeface="나눔스퀘어 Light" panose="020B0600000101010101" pitchFamily="50" charset="-127"/>
                 <a:ea typeface="나눔스퀘어 Light" panose="020B0600000101010101" pitchFamily="50" charset="-127"/>
               </a:rPr>
               <a:t>xrdp</a:t>
             </a:r>
-            <a:endParaRPr lang="ko-KR" altLang="en-US" dirty="0">
+            <a:endParaRPr lang="ko-KR" altLang="en-US" sz="1600" dirty="0">
               <a:latin typeface="나눔스퀘어 Light" panose="020B0600000101010101" pitchFamily="50" charset="-127"/>
               <a:ea typeface="나눔스퀘어 Light" panose="020B0600000101010101" pitchFamily="50" charset="-127"/>
             </a:endParaRPr>
@@ -9271,8 +9284,8 @@
         </p:nvSpPr>
         <p:spPr>
           <a:xfrm>
-            <a:off x="8949229" y="4666719"/>
-            <a:ext cx="1964448" cy="646331"/>
+            <a:off x="8288996" y="4775357"/>
+            <a:ext cx="3284915" cy="323165"/>
           </a:xfrm>
           <a:prstGeom prst="rect">
             <a:avLst/>
@@ -9280,51 +9293,41 @@
           <a:noFill/>
         </p:spPr>
         <p:txBody>
-          <a:bodyPr wrap="none" rtlCol="0">
+          <a:bodyPr wrap="square" rtlCol="0">
             <a:spAutoFit/>
           </a:bodyPr>
           <a:lstStyle/>
           <a:p>
             <a:pPr algn="ctr"/>
             <a:r>
-              <a:rPr lang="en-US" altLang="ko-KR" dirty="0" err="1">
+              <a:rPr lang="en-US" altLang="ko-KR" sz="1500" dirty="0" err="1">
                 <a:latin typeface="나눔스퀘어 Light" panose="020B0600000101010101" pitchFamily="50" charset="-127"/>
                 <a:ea typeface="나눔스퀘어 Light" panose="020B0600000101010101" pitchFamily="50" charset="-127"/>
               </a:rPr>
               <a:t>TightVNC</a:t>
             </a:r>
             <a:r>
-              <a:rPr lang="en-US" altLang="ko-KR" dirty="0">
+              <a:rPr lang="en-US" altLang="ko-KR" sz="1500" dirty="0">
                 <a:latin typeface="나눔스퀘어 Light" panose="020B0600000101010101" pitchFamily="50" charset="-127"/>
                 <a:ea typeface="나눔스퀘어 Light" panose="020B0600000101010101" pitchFamily="50" charset="-127"/>
               </a:rPr>
-              <a:t> Viewer</a:t>
-            </a:r>
-          </a:p>
-          <a:p>
-            <a:pPr algn="ctr"/>
-            <a:r>
-              <a:rPr lang="en-US" altLang="ko-KR" dirty="0">
+              <a:t> Viewer&amp; </a:t>
+            </a:r>
+            <a:r>
+              <a:rPr lang="en-US" altLang="ko-KR" sz="1500" dirty="0" err="1">
                 <a:latin typeface="나눔스퀘어 Light" panose="020B0600000101010101" pitchFamily="50" charset="-127"/>
                 <a:ea typeface="나눔스퀘어 Light" panose="020B0600000101010101" pitchFamily="50" charset="-127"/>
               </a:rPr>
-              <a:t>&amp; </a:t>
-            </a:r>
-            <a:r>
-              <a:rPr lang="en-US" altLang="ko-KR" dirty="0" err="1">
+              <a:t>tigervnc</a:t>
+            </a:r>
+            <a:r>
+              <a:rPr lang="en-US" altLang="ko-KR" sz="1500" dirty="0">
                 <a:latin typeface="나눔스퀘어 Light" panose="020B0600000101010101" pitchFamily="50" charset="-127"/>
                 <a:ea typeface="나눔스퀘어 Light" panose="020B0600000101010101" pitchFamily="50" charset="-127"/>
               </a:rPr>
-              <a:t>tigervnc</a:t>
-            </a:r>
-            <a:r>
-              <a:rPr lang="en-US" altLang="ko-KR" dirty="0">
-                <a:latin typeface="나눔스퀘어 Light" panose="020B0600000101010101" pitchFamily="50" charset="-127"/>
-                <a:ea typeface="나눔스퀘어 Light" panose="020B0600000101010101" pitchFamily="50" charset="-127"/>
-              </a:rPr>
               <a:t>-server</a:t>
             </a:r>
-            <a:endParaRPr lang="ko-KR" altLang="en-US" dirty="0">
+            <a:endParaRPr lang="ko-KR" altLang="en-US" sz="1500" dirty="0">
               <a:latin typeface="나눔스퀘어 Light" panose="020B0600000101010101" pitchFamily="50" charset="-127"/>
               <a:ea typeface="나눔스퀘어 Light" panose="020B0600000101010101" pitchFamily="50" charset="-127"/>
             </a:endParaRPr>
@@ -9359,8 +9362,8 @@
         </p:blipFill>
         <p:spPr>
           <a:xfrm>
-            <a:off x="1717075" y="3275907"/>
-            <a:ext cx="1086942" cy="1086942"/>
+            <a:off x="1475159" y="2869259"/>
+            <a:ext cx="1440000" cy="1440000"/>
           </a:xfrm>
           <a:prstGeom prst="rect">
             <a:avLst/>
@@ -9395,8 +9398,8 @@
         </p:blipFill>
         <p:spPr>
           <a:xfrm>
-            <a:off x="5524500" y="3247878"/>
-            <a:ext cx="1143000" cy="1143000"/>
+            <a:off x="5375999" y="2869259"/>
+            <a:ext cx="1440000" cy="1440000"/>
           </a:xfrm>
           <a:prstGeom prst="rect">
             <a:avLst/>
@@ -9431,8 +9434,8 @@
         </p:blipFill>
         <p:spPr>
           <a:xfrm>
-            <a:off x="9518756" y="3406681"/>
-            <a:ext cx="825394" cy="825394"/>
+            <a:off x="9276840" y="2869259"/>
+            <a:ext cx="1440000" cy="1440000"/>
           </a:xfrm>
           <a:prstGeom prst="rect">
             <a:avLst/>
@@ -9628,7 +9631,7 @@
         <p:spPr>
           <a:xfrm>
             <a:off x="276223" y="310773"/>
-            <a:ext cx="3496600" cy="461665"/>
+            <a:ext cx="3496600" cy="553998"/>
           </a:xfrm>
           <a:prstGeom prst="rect">
             <a:avLst/>
@@ -9642,7 +9645,7 @@
           <a:lstStyle/>
           <a:p>
             <a:r>
-              <a:rPr lang="en-US" altLang="ko-KR" sz="2400" spc="100" dirty="0">
+              <a:rPr lang="en-US" altLang="ko-KR" sz="3000" spc="100" dirty="0">
                 <a:solidFill>
                   <a:schemeClr val="tx2">
                     <a:lumMod val="50000"/>
@@ -9654,7 +9657,7 @@
               <a:t>Ⅲ. </a:t>
             </a:r>
             <a:r>
-              <a:rPr lang="ko-KR" altLang="en-US" sz="2400" spc="100" dirty="0">
+              <a:rPr lang="ko-KR" altLang="en-US" sz="3000" spc="100" dirty="0">
                 <a:solidFill>
                   <a:schemeClr val="tx2">
                     <a:lumMod val="50000"/>
@@ -9725,7 +9728,7 @@
         </p:nvSpPr>
         <p:spPr>
           <a:xfrm>
-            <a:off x="740082" y="957104"/>
+            <a:off x="748269" y="1295512"/>
             <a:ext cx="4241493" cy="461665"/>
           </a:xfrm>
           <a:prstGeom prst="rect">
@@ -10100,8 +10103,8 @@
         </p:blipFill>
         <p:spPr bwMode="auto">
           <a:xfrm>
-            <a:off x="1492142" y="3050974"/>
-            <a:ext cx="1536808" cy="1536808"/>
+            <a:off x="1492142" y="3003838"/>
+            <a:ext cx="1440000" cy="1440000"/>
           </a:xfrm>
           <a:prstGeom prst="ellipse">
             <a:avLst/>
@@ -10132,7 +10135,7 @@
           </p:cNvPicPr>
           <p:nvPr/>
         </p:nvPicPr>
-        <p:blipFill>
+        <p:blipFill rotWithShape="1">
           <a:blip r:embed="rId3">
             <a:extLst>
               <a:ext uri="{28A0092B-C50C-407E-A947-70E740481C1C}">
@@ -10140,15 +10143,13 @@
               </a:ext>
             </a:extLst>
           </a:blip>
-          <a:srcRect/>
-          <a:stretch>
-            <a:fillRect/>
-          </a:stretch>
+          <a:srcRect l="12353" t="2545" r="10800" b="2545"/>
+          <a:stretch/>
         </p:blipFill>
         <p:spPr bwMode="auto">
           <a:xfrm>
-            <a:off x="5286375" y="3009753"/>
-            <a:ext cx="1619250" cy="1619250"/>
+            <a:off x="5539332" y="3003838"/>
+            <a:ext cx="1165953" cy="1440000"/>
           </a:xfrm>
           <a:prstGeom prst="rect">
             <a:avLst/>
@@ -10194,8 +10195,8 @@
         </p:blipFill>
         <p:spPr bwMode="auto">
           <a:xfrm>
-            <a:off x="9312474" y="3200400"/>
-            <a:ext cx="1237956" cy="1237956"/>
+            <a:off x="9312474" y="3003838"/>
+            <a:ext cx="1440000" cy="1440000"/>
           </a:xfrm>
           <a:prstGeom prst="rect">
             <a:avLst/>
@@ -10401,7 +10402,7 @@
         <p:spPr>
           <a:xfrm>
             <a:off x="276223" y="310773"/>
-            <a:ext cx="3496600" cy="461665"/>
+            <a:ext cx="3496600" cy="553998"/>
           </a:xfrm>
           <a:prstGeom prst="rect">
             <a:avLst/>
@@ -10415,7 +10416,7 @@
           <a:lstStyle/>
           <a:p>
             <a:r>
-              <a:rPr lang="en-US" altLang="ko-KR" sz="2400" spc="100" dirty="0">
+              <a:rPr lang="en-US" altLang="ko-KR" sz="3000" spc="100" dirty="0">
                 <a:solidFill>
                   <a:schemeClr val="tx2">
                     <a:lumMod val="50000"/>
@@ -10427,7 +10428,7 @@
               <a:t>Ⅲ. </a:t>
             </a:r>
             <a:r>
-              <a:rPr lang="ko-KR" altLang="en-US" sz="2400" spc="100" dirty="0">
+              <a:rPr lang="ko-KR" altLang="en-US" sz="3000" spc="100" dirty="0">
                 <a:solidFill>
                   <a:schemeClr val="tx2">
                     <a:lumMod val="50000"/>
@@ -11314,7 +11315,7 @@
         <p:spPr>
           <a:xfrm>
             <a:off x="276223" y="310773"/>
-            <a:ext cx="3496600" cy="461665"/>
+            <a:ext cx="3496600" cy="553998"/>
           </a:xfrm>
           <a:prstGeom prst="rect">
             <a:avLst/>
@@ -11328,7 +11329,7 @@
           <a:lstStyle/>
           <a:p>
             <a:r>
-              <a:rPr lang="en-US" altLang="ko-KR" sz="2400" spc="100" dirty="0">
+              <a:rPr lang="en-US" altLang="ko-KR" sz="3000" spc="100" dirty="0">
                 <a:solidFill>
                   <a:schemeClr val="tx2">
                     <a:lumMod val="50000"/>
@@ -11340,7 +11341,7 @@
               <a:t>Ⅲ. </a:t>
             </a:r>
             <a:r>
-              <a:rPr lang="ko-KR" altLang="en-US" sz="2400" spc="100" dirty="0">
+              <a:rPr lang="ko-KR" altLang="en-US" sz="3000" spc="100" dirty="0">
                 <a:solidFill>
                   <a:schemeClr val="tx2">
                     <a:lumMod val="50000"/>
@@ -12371,7 +12372,7 @@
         <p:spPr>
           <a:xfrm>
             <a:off x="276223" y="310773"/>
-            <a:ext cx="3496600" cy="461665"/>
+            <a:ext cx="3496600" cy="553998"/>
           </a:xfrm>
           <a:prstGeom prst="rect">
             <a:avLst/>
@@ -12385,7 +12386,7 @@
           <a:lstStyle/>
           <a:p>
             <a:r>
-              <a:rPr lang="en-US" altLang="ko-KR" sz="2400" spc="100" dirty="0">
+              <a:rPr lang="en-US" altLang="ko-KR" sz="3000" spc="100" dirty="0">
                 <a:solidFill>
                   <a:schemeClr val="tx2">
                     <a:lumMod val="50000"/>
@@ -12397,7 +12398,7 @@
               <a:t>Ⅳ. </a:t>
             </a:r>
             <a:r>
-              <a:rPr lang="ko-KR" altLang="en-US" sz="2400" spc="100" dirty="0">
+              <a:rPr lang="ko-KR" altLang="en-US" sz="3000" spc="100" dirty="0">
                 <a:solidFill>
                   <a:schemeClr val="tx2">
                     <a:lumMod val="50000"/>
@@ -12408,7 +12409,7 @@
               </a:rPr>
               <a:t>현재 진행 상황</a:t>
             </a:r>
-            <a:endParaRPr lang="en-US" altLang="ko-KR" sz="2400" spc="100" dirty="0">
+            <a:endParaRPr lang="en-US" altLang="ko-KR" sz="3000" spc="100" dirty="0">
               <a:solidFill>
                 <a:schemeClr val="tx2">
                   <a:lumMod val="50000"/>
@@ -12477,8 +12478,8 @@
         </p:nvSpPr>
         <p:spPr>
           <a:xfrm>
-            <a:off x="740082" y="957104"/>
-            <a:ext cx="5045256" cy="461665"/>
+            <a:off x="815497" y="1098506"/>
+            <a:ext cx="900181" cy="461665"/>
           </a:xfrm>
           <a:prstGeom prst="rect">
             <a:avLst/>
@@ -12533,6 +12534,11 @@
       </p:transition>
     </mc:Fallback>
   </mc:AlternateContent>
+  <p:extLst>
+    <p:ext uri="{6950BFC3-D8DA-4A85-94F7-54DA5524770B}">
+      <p188:commentRel xmlns:p188="http://schemas.microsoft.com/office/powerpoint/2018/8/main" xmlns="" r:id="rId2"/>
+    </p:ext>
+  </p:extLst>
 </p:sld>
 </file>
 
@@ -12700,7 +12706,7 @@
         <p:spPr>
           <a:xfrm>
             <a:off x="276223" y="310773"/>
-            <a:ext cx="3496600" cy="461665"/>
+            <a:ext cx="3496600" cy="553998"/>
           </a:xfrm>
           <a:prstGeom prst="rect">
             <a:avLst/>
@@ -12714,7 +12720,7 @@
           <a:lstStyle/>
           <a:p>
             <a:r>
-              <a:rPr lang="en-US" altLang="ko-KR" sz="2400" spc="100" dirty="0">
+              <a:rPr lang="en-US" altLang="ko-KR" sz="3000" spc="100" dirty="0">
                 <a:solidFill>
                   <a:schemeClr val="tx2">
                     <a:lumMod val="50000"/>
@@ -12726,7 +12732,7 @@
               <a:t>Ⅴ. </a:t>
             </a:r>
             <a:r>
-              <a:rPr lang="ko-KR" altLang="en-US" sz="2400" spc="100" dirty="0">
+              <a:rPr lang="ko-KR" altLang="en-US" sz="3000" spc="100" dirty="0">
                 <a:solidFill>
                   <a:schemeClr val="tx2">
                     <a:lumMod val="50000"/>
@@ -12737,7 +12743,7 @@
               </a:rPr>
               <a:t>향후 계획</a:t>
             </a:r>
-            <a:endParaRPr lang="en-US" altLang="ko-KR" sz="2400" spc="100" dirty="0">
+            <a:endParaRPr lang="en-US" altLang="ko-KR" sz="3000" spc="100" dirty="0">
               <a:solidFill>
                 <a:schemeClr val="tx2">
                   <a:lumMod val="50000"/>
@@ -12843,7 +12849,9 @@
               </a:ext>
             </a:extLst>
           </p:cNvPr>
-          <p:cNvCxnSpPr/>
+          <p:cNvCxnSpPr>
+            <a:cxnSpLocks/>
+          </p:cNvCxnSpPr>
           <p:nvPr/>
         </p:nvCxnSpPr>
         <p:spPr>
@@ -12889,8 +12897,8 @@
         </p:nvSpPr>
         <p:spPr>
           <a:xfrm>
-            <a:off x="5679860" y="2179565"/>
-            <a:ext cx="832279" cy="523220"/>
+            <a:off x="5630168" y="2011703"/>
+            <a:ext cx="931665" cy="584775"/>
           </a:xfrm>
           <a:prstGeom prst="rect">
             <a:avLst/>
@@ -12904,7 +12912,7 @@
           <a:lstStyle/>
           <a:p>
             <a:r>
-              <a:rPr lang="ko-KR" altLang="en-US" sz="2800" dirty="0">
+              <a:rPr lang="ko-KR" altLang="en-US" sz="3200" dirty="0">
                 <a:solidFill>
                   <a:schemeClr val="tx2">
                     <a:lumMod val="50000"/>
@@ -12915,7 +12923,7 @@
               </a:rPr>
               <a:t>목차</a:t>
             </a:r>
-            <a:endParaRPr lang="en-US" altLang="ko-KR" sz="2800" dirty="0">
+            <a:endParaRPr lang="en-US" altLang="ko-KR" sz="3200" dirty="0">
               <a:solidFill>
                 <a:schemeClr val="tx2">
                   <a:lumMod val="50000"/>
@@ -12941,7 +12949,7 @@
         </p:nvSpPr>
         <p:spPr>
           <a:xfrm>
-            <a:off x="3578175" y="3185631"/>
+            <a:off x="3578175" y="3185632"/>
             <a:ext cx="2101685" cy="1200329"/>
           </a:xfrm>
           <a:prstGeom prst="rect">
@@ -13168,7 +13176,9 @@
               </a:ext>
             </a:extLst>
           </p:cNvPr>
-          <p:cNvCxnSpPr/>
+          <p:cNvCxnSpPr>
+            <a:cxnSpLocks/>
+          </p:cNvCxnSpPr>
           <p:nvPr/>
         </p:nvCxnSpPr>
         <p:spPr>
@@ -13556,7 +13566,7 @@
         <p:spPr>
           <a:xfrm>
             <a:off x="276223" y="310773"/>
-            <a:ext cx="3496600" cy="461665"/>
+            <a:ext cx="3496600" cy="553998"/>
           </a:xfrm>
           <a:prstGeom prst="rect">
             <a:avLst/>
@@ -13570,7 +13580,7 @@
           <a:lstStyle/>
           <a:p>
             <a:r>
-              <a:rPr lang="ko-KR" altLang="en-US" sz="2400" spc="100" dirty="0">
+              <a:rPr lang="ko-KR" altLang="en-US" sz="3000" spc="100" dirty="0">
                 <a:solidFill>
                   <a:schemeClr val="tx2">
                     <a:lumMod val="50000"/>
@@ -13582,7 +13592,7 @@
               <a:t>Ⅰ</a:t>
             </a:r>
             <a:r>
-              <a:rPr lang="en-US" altLang="ko-KR" sz="2400" spc="100" dirty="0">
+              <a:rPr lang="en-US" altLang="ko-KR" sz="3000" spc="100" dirty="0">
                 <a:solidFill>
                   <a:schemeClr val="tx2">
                     <a:lumMod val="50000"/>
@@ -13594,7 +13604,7 @@
               <a:t>. </a:t>
             </a:r>
             <a:r>
-              <a:rPr lang="ko-KR" altLang="en-US" sz="2400" spc="100" dirty="0">
+              <a:rPr lang="ko-KR" altLang="en-US" sz="3000" spc="100" dirty="0">
                 <a:solidFill>
                   <a:schemeClr val="tx2">
                     <a:lumMod val="50000"/>
@@ -13881,7 +13891,7 @@
         </p:nvSpPr>
         <p:spPr>
           <a:xfrm>
-            <a:off x="5713283" y="2307101"/>
+            <a:off x="5724940" y="2307101"/>
             <a:ext cx="765433" cy="646331"/>
           </a:xfrm>
           <a:prstGeom prst="rect">
@@ -13977,8 +13987,8 @@
         </p:nvSpPr>
         <p:spPr>
           <a:xfrm>
-            <a:off x="740083" y="957104"/>
-            <a:ext cx="3496600" cy="461665"/>
+            <a:off x="762855" y="1295512"/>
+            <a:ext cx="2137591" cy="461665"/>
           </a:xfrm>
           <a:prstGeom prst="rect">
             <a:avLst/>
@@ -14033,8 +14043,8 @@
         </p:blipFill>
         <p:spPr bwMode="auto">
           <a:xfrm>
-            <a:off x="9111706" y="2999630"/>
-            <a:ext cx="1639496" cy="1639496"/>
+            <a:off x="9111706" y="3245506"/>
+            <a:ext cx="1656000" cy="1656000"/>
           </a:xfrm>
           <a:prstGeom prst="rect">
             <a:avLst/>
@@ -14065,7 +14075,7 @@
           </p:cNvPicPr>
           <p:nvPr/>
         </p:nvPicPr>
-        <p:blipFill>
+        <p:blipFill rotWithShape="1">
           <a:blip r:embed="rId3">
             <a:extLst>
               <a:ext uri="{28A0092B-C50C-407E-A947-70E740481C1C}">
@@ -14073,15 +14083,13 @@
               </a:ext>
             </a:extLst>
           </a:blip>
-          <a:srcRect/>
-          <a:stretch>
-            <a:fillRect/>
-          </a:stretch>
+          <a:srcRect l="6969" t="5879" r="6849" b="7028"/>
+          <a:stretch/>
         </p:blipFill>
         <p:spPr bwMode="auto">
           <a:xfrm>
-            <a:off x="1308046" y="2953432"/>
-            <a:ext cx="1905000" cy="1905000"/>
+            <a:off x="1440798" y="3245506"/>
+            <a:ext cx="1638683" cy="1656000"/>
           </a:xfrm>
           <a:prstGeom prst="rect">
             <a:avLst/>
@@ -14112,7 +14120,7 @@
           </p:cNvPicPr>
           <p:nvPr/>
         </p:nvPicPr>
-        <p:blipFill>
+        <p:blipFill rotWithShape="1">
           <a:blip r:embed="rId4">
             <a:extLst>
               <a:ext uri="{28A0092B-C50C-407E-A947-70E740481C1C}">
@@ -14123,14 +14131,13 @@
               </a:ext>
             </a:extLst>
           </a:blip>
-          <a:stretch>
-            <a:fillRect/>
-          </a:stretch>
+          <a:srcRect l="15526" t="13938" r="17175" b="16926"/>
+          <a:stretch/>
         </p:blipFill>
         <p:spPr>
           <a:xfrm>
-            <a:off x="5143499" y="2866878"/>
-            <a:ext cx="1905000" cy="1905000"/>
+            <a:off x="5289611" y="3245506"/>
+            <a:ext cx="1611965" cy="1656000"/>
           </a:xfrm>
           <a:prstGeom prst="rect">
             <a:avLst/>
@@ -14326,7 +14333,7 @@
         <p:spPr>
           <a:xfrm>
             <a:off x="276223" y="310773"/>
-            <a:ext cx="3496600" cy="461665"/>
+            <a:ext cx="3496600" cy="553998"/>
           </a:xfrm>
           <a:prstGeom prst="rect">
             <a:avLst/>
@@ -14340,7 +14347,7 @@
           <a:lstStyle/>
           <a:p>
             <a:r>
-              <a:rPr lang="en-US" altLang="ko-KR" sz="2400" spc="100" dirty="0">
+              <a:rPr lang="en-US" altLang="ko-KR" sz="3000" spc="100" dirty="0">
                 <a:solidFill>
                   <a:schemeClr val="tx2">
                     <a:lumMod val="50000"/>
@@ -14352,7 +14359,7 @@
               <a:t>Ⅱ. </a:t>
             </a:r>
             <a:r>
-              <a:rPr lang="ko-KR" altLang="en-US" sz="2400" spc="100" dirty="0">
+              <a:rPr lang="ko-KR" altLang="en-US" sz="3000" spc="100" dirty="0">
                 <a:solidFill>
                   <a:schemeClr val="tx2">
                     <a:lumMod val="50000"/>
@@ -14423,7 +14430,7 @@
         </p:nvSpPr>
         <p:spPr>
           <a:xfrm>
-            <a:off x="740083" y="957104"/>
+            <a:off x="740083" y="1109865"/>
             <a:ext cx="3496600" cy="461665"/>
           </a:xfrm>
           <a:prstGeom prst="rect">
@@ -14481,7 +14488,7 @@
         </p:blipFill>
         <p:spPr>
           <a:xfrm>
-            <a:off x="740083" y="1752600"/>
+            <a:off x="831230" y="1876179"/>
             <a:ext cx="914400" cy="914400"/>
           </a:xfrm>
           <a:prstGeom prst="rect">
@@ -14503,8 +14510,8 @@
         </p:nvSpPr>
         <p:spPr>
           <a:xfrm>
-            <a:off x="2024523" y="2025134"/>
-            <a:ext cx="1624612" cy="369332"/>
+            <a:off x="2115670" y="2166597"/>
+            <a:ext cx="1949765" cy="430887"/>
           </a:xfrm>
           <a:prstGeom prst="rect">
             <a:avLst/>
@@ -14518,13 +14525,13 @@
           <a:lstStyle/>
           <a:p>
             <a:r>
-              <a:rPr lang="en-US" altLang="ko-KR" dirty="0">
+              <a:rPr lang="en-US" altLang="ko-KR" sz="2200" dirty="0">
                 <a:latin typeface="나눔스퀘어 Light" panose="020B0600000101010101" pitchFamily="50" charset="-127"/>
                 <a:ea typeface="나눔스퀘어 Light" panose="020B0600000101010101" pitchFamily="50" charset="-127"/>
               </a:rPr>
               <a:t>Player  :  2 ~ 4</a:t>
             </a:r>
-            <a:endParaRPr lang="ko-KR" altLang="en-US" dirty="0">
+            <a:endParaRPr lang="ko-KR" altLang="en-US" sz="2200" dirty="0">
               <a:latin typeface="나눔스퀘어 Light" panose="020B0600000101010101" pitchFamily="50" charset="-127"/>
               <a:ea typeface="나눔스퀘어 Light" panose="020B0600000101010101" pitchFamily="50" charset="-127"/>
             </a:endParaRPr>
@@ -14562,7 +14569,7 @@
         </p:blipFill>
         <p:spPr>
           <a:xfrm>
-            <a:off x="6678706" y="1757082"/>
+            <a:off x="6844086" y="1876179"/>
             <a:ext cx="914400" cy="914400"/>
           </a:xfrm>
           <a:prstGeom prst="rect">
@@ -14584,8 +14591,8 @@
         </p:nvSpPr>
         <p:spPr>
           <a:xfrm>
-            <a:off x="7968123" y="2025134"/>
-            <a:ext cx="814647" cy="369332"/>
+            <a:off x="8209784" y="2166597"/>
+            <a:ext cx="954107" cy="430887"/>
           </a:xfrm>
           <a:prstGeom prst="rect">
             <a:avLst/>
@@ -14599,7 +14606,7 @@
           <a:lstStyle/>
           <a:p>
             <a:r>
-              <a:rPr lang="ko-KR" altLang="en-US" dirty="0">
+              <a:rPr lang="ko-KR" altLang="en-US" sz="2200" dirty="0">
                 <a:latin typeface="나눔스퀘어 Light" panose="020B0600000101010101" pitchFamily="50" charset="-127"/>
                 <a:ea typeface="나눔스퀘어 Light" panose="020B0600000101010101" pitchFamily="50" charset="-127"/>
               </a:rPr>
@@ -15592,7 +15599,7 @@
         </p:blipFill>
         <p:spPr bwMode="auto">
           <a:xfrm>
-            <a:off x="5487938" y="4186519"/>
+            <a:off x="5487938" y="4347967"/>
             <a:ext cx="1216123" cy="1216123"/>
           </a:xfrm>
           <a:prstGeom prst="rect">
@@ -15955,7 +15962,7 @@
         <p:spPr>
           <a:xfrm>
             <a:off x="276223" y="310773"/>
-            <a:ext cx="3496600" cy="461665"/>
+            <a:ext cx="3496600" cy="553998"/>
           </a:xfrm>
           <a:prstGeom prst="rect">
             <a:avLst/>
@@ -15969,7 +15976,7 @@
           <a:lstStyle/>
           <a:p>
             <a:r>
-              <a:rPr lang="en-US" altLang="ko-KR" sz="2400" spc="100" dirty="0">
+              <a:rPr lang="en-US" altLang="ko-KR" sz="3000" spc="100" dirty="0">
                 <a:solidFill>
                   <a:schemeClr val="tx2">
                     <a:lumMod val="50000"/>
@@ -15981,7 +15988,7 @@
               <a:t>Ⅱ. </a:t>
             </a:r>
             <a:r>
-              <a:rPr lang="ko-KR" altLang="en-US" sz="2400" spc="100" dirty="0">
+              <a:rPr lang="ko-KR" altLang="en-US" sz="3000" spc="100" dirty="0">
                 <a:solidFill>
                   <a:schemeClr val="tx2">
                     <a:lumMod val="50000"/>
@@ -16052,8 +16059,8 @@
         </p:nvSpPr>
         <p:spPr>
           <a:xfrm>
-            <a:off x="740083" y="957104"/>
-            <a:ext cx="3496600" cy="461665"/>
+            <a:off x="863763" y="1097556"/>
+            <a:ext cx="1501879" cy="461665"/>
           </a:xfrm>
           <a:prstGeom prst="rect">
             <a:avLst/>
@@ -16094,13 +16101,13 @@
           <p:nvPr>
             <p:extLst>
               <p:ext uri="{D42A27DB-BD31-4B8C-83A1-F6EECF244321}">
-                <p14:modId xmlns:p14="http://schemas.microsoft.com/office/powerpoint/2010/main" val="768091058"/>
+                <p14:modId xmlns:p14="http://schemas.microsoft.com/office/powerpoint/2010/main" val="1938641626"/>
               </p:ext>
             </p:extLst>
           </p:nvPr>
         </p:nvGraphicFramePr>
         <p:xfrm>
-          <a:off x="1863765" y="1674385"/>
+          <a:off x="1873192" y="1900633"/>
           <a:ext cx="4320000" cy="4320000"/>
         </p:xfrm>
         <a:graphic>
@@ -16945,7 +16952,7 @@
         </p:nvSpPr>
         <p:spPr>
           <a:xfrm>
-            <a:off x="1964550" y="2429435"/>
+            <a:off x="1973977" y="2655683"/>
             <a:ext cx="340659" cy="1153455"/>
           </a:xfrm>
           <a:prstGeom prst="ellipse">
@@ -17008,7 +17015,7 @@
         </p:blipFill>
         <p:spPr>
           <a:xfrm>
-            <a:off x="2356215" y="4328975"/>
+            <a:off x="2365642" y="4555223"/>
             <a:ext cx="636940" cy="636940"/>
           </a:xfrm>
           <a:prstGeom prst="rect">
@@ -17030,7 +17037,7 @@
         </p:nvSpPr>
         <p:spPr>
           <a:xfrm>
-            <a:off x="1965828" y="2328681"/>
+            <a:off x="1975255" y="2554929"/>
             <a:ext cx="340659" cy="322730"/>
           </a:xfrm>
           <a:prstGeom prst="ellipse">
@@ -17081,7 +17088,7 @@
         </p:nvSpPr>
         <p:spPr>
           <a:xfrm rot="8100000">
-            <a:off x="4129601" y="2271901"/>
+            <a:off x="4139028" y="2498149"/>
             <a:ext cx="340659" cy="1509361"/>
           </a:xfrm>
           <a:prstGeom prst="ellipse">
@@ -17127,7 +17134,7 @@
         </p:nvSpPr>
         <p:spPr>
           <a:xfrm rot="5400000">
-            <a:off x="3588048" y="2328681"/>
+            <a:off x="3597475" y="2554929"/>
             <a:ext cx="340659" cy="322730"/>
           </a:xfrm>
           <a:prstGeom prst="ellipse">
@@ -17193,7 +17200,7 @@
         </p:blipFill>
         <p:spPr bwMode="auto">
           <a:xfrm>
-            <a:off x="2993155" y="4944980"/>
+            <a:off x="3002582" y="5171228"/>
             <a:ext cx="454448" cy="459340"/>
           </a:xfrm>
           <a:prstGeom prst="rect">
@@ -17242,7 +17249,7 @@
         </p:blipFill>
         <p:spPr>
           <a:xfrm>
-            <a:off x="2891795" y="4328975"/>
+            <a:off x="2901222" y="4555223"/>
             <a:ext cx="636940" cy="636940"/>
           </a:xfrm>
           <a:prstGeom prst="rect">
@@ -17281,7 +17288,7 @@
         </p:blipFill>
         <p:spPr>
           <a:xfrm>
-            <a:off x="3439907" y="4328975"/>
+            <a:off x="3449334" y="4555223"/>
             <a:ext cx="636940" cy="636940"/>
           </a:xfrm>
           <a:prstGeom prst="rect">
@@ -17320,7 +17327,7 @@
         </p:blipFill>
         <p:spPr>
           <a:xfrm>
-            <a:off x="2356215" y="4866648"/>
+            <a:off x="2365642" y="5092896"/>
             <a:ext cx="636940" cy="636940"/>
           </a:xfrm>
           <a:prstGeom prst="rect">
@@ -17359,7 +17366,7 @@
         </p:blipFill>
         <p:spPr>
           <a:xfrm>
-            <a:off x="3439907" y="4866648"/>
+            <a:off x="3449334" y="5092896"/>
             <a:ext cx="636940" cy="636940"/>
           </a:xfrm>
           <a:prstGeom prst="rect">
@@ -17398,7 +17405,7 @@
         </p:blipFill>
         <p:spPr>
           <a:xfrm>
-            <a:off x="2356215" y="5404320"/>
+            <a:off x="2365642" y="5630568"/>
             <a:ext cx="636940" cy="636940"/>
           </a:xfrm>
           <a:prstGeom prst="rect">
@@ -17437,7 +17444,7 @@
         </p:blipFill>
         <p:spPr>
           <a:xfrm>
-            <a:off x="2891795" y="5404320"/>
+            <a:off x="2901222" y="5630568"/>
             <a:ext cx="636940" cy="636940"/>
           </a:xfrm>
           <a:prstGeom prst="rect">
@@ -17476,7 +17483,7 @@
         </p:blipFill>
         <p:spPr>
           <a:xfrm>
-            <a:off x="3439907" y="5404320"/>
+            <a:off x="3449334" y="5630568"/>
             <a:ext cx="636940" cy="636940"/>
           </a:xfrm>
           <a:prstGeom prst="rect">
@@ -17498,7 +17505,7 @@
         </p:nvSpPr>
         <p:spPr>
           <a:xfrm flipH="1">
-            <a:off x="8356990" y="2933468"/>
+            <a:off x="8356990" y="3291687"/>
             <a:ext cx="110364" cy="373687"/>
           </a:xfrm>
           <a:prstGeom prst="ellipse">
@@ -17544,7 +17551,7 @@
         </p:nvSpPr>
         <p:spPr>
           <a:xfrm flipH="1">
-            <a:off x="8358268" y="2832714"/>
+            <a:off x="8358268" y="3190933"/>
             <a:ext cx="110363" cy="104555"/>
           </a:xfrm>
           <a:prstGeom prst="ellipse">
@@ -17595,8 +17602,8 @@
         </p:nvSpPr>
         <p:spPr>
           <a:xfrm>
-            <a:off x="8783911" y="2884991"/>
-            <a:ext cx="572593" cy="369332"/>
+            <a:off x="8783911" y="3243210"/>
+            <a:ext cx="659155" cy="430887"/>
           </a:xfrm>
           <a:prstGeom prst="rect">
             <a:avLst/>
@@ -17610,13 +17617,13 @@
           <a:lstStyle/>
           <a:p>
             <a:r>
-              <a:rPr lang="en-US" altLang="ko-KR" dirty="0">
+              <a:rPr lang="en-US" altLang="ko-KR" sz="2200" dirty="0">
                 <a:latin typeface="나눔스퀘어 Light" panose="020B0600000101010101" pitchFamily="50" charset="-127"/>
                 <a:ea typeface="나눔스퀘어 Light" panose="020B0600000101010101" pitchFamily="50" charset="-127"/>
               </a:rPr>
               <a:t>×  3</a:t>
             </a:r>
-            <a:endParaRPr lang="ko-KR" altLang="en-US" dirty="0">
+            <a:endParaRPr lang="ko-KR" altLang="en-US" sz="2200" dirty="0">
               <a:latin typeface="나눔스퀘어 Light" panose="020B0600000101010101" pitchFamily="50" charset="-127"/>
               <a:ea typeface="나눔스퀘어 Light" panose="020B0600000101010101" pitchFamily="50" charset="-127"/>
             </a:endParaRPr>
@@ -17637,7 +17644,7 @@
         </p:nvSpPr>
         <p:spPr>
           <a:xfrm rot="5400000">
-            <a:off x="8241843" y="4002912"/>
+            <a:off x="8241843" y="4361131"/>
             <a:ext cx="340659" cy="322730"/>
           </a:xfrm>
           <a:prstGeom prst="ellipse">
@@ -17688,8 +17695,8 @@
         </p:nvSpPr>
         <p:spPr>
           <a:xfrm>
-            <a:off x="8783911" y="3979611"/>
-            <a:ext cx="1191801" cy="369332"/>
+            <a:off x="8783911" y="4337830"/>
+            <a:ext cx="832472" cy="430887"/>
           </a:xfrm>
           <a:prstGeom prst="rect">
             <a:avLst/>
@@ -17703,13 +17710,13 @@
           <a:lstStyle/>
           <a:p>
             <a:r>
-              <a:rPr lang="en-US" altLang="ko-KR" dirty="0" err="1">
+              <a:rPr lang="en-US" altLang="ko-KR" sz="2200" dirty="0">
                 <a:latin typeface="나눔스퀘어 Light" panose="020B0600000101010101" pitchFamily="50" charset="-127"/>
                 <a:ea typeface="나눔스퀘어 Light" panose="020B0600000101010101" pitchFamily="50" charset="-127"/>
               </a:rPr>
-              <a:t>HeadShot</a:t>
-            </a:r>
-            <a:endParaRPr lang="ko-KR" altLang="en-US" dirty="0">
+              <a:t>Head</a:t>
+            </a:r>
+            <a:endParaRPr lang="ko-KR" altLang="en-US" sz="2200" dirty="0">
               <a:latin typeface="나눔스퀘어 Light" panose="020B0600000101010101" pitchFamily="50" charset="-127"/>
               <a:ea typeface="나눔스퀘어 Light" panose="020B0600000101010101" pitchFamily="50" charset="-127"/>
             </a:endParaRPr>
@@ -17745,7 +17752,7 @@
         </p:blipFill>
         <p:spPr bwMode="auto">
           <a:xfrm>
-            <a:off x="8240130" y="5054169"/>
+            <a:off x="8240130" y="5412388"/>
             <a:ext cx="454448" cy="459340"/>
           </a:xfrm>
           <a:prstGeom prst="rect">
@@ -17777,8 +17784,8 @@
         </p:nvSpPr>
         <p:spPr>
           <a:xfrm>
-            <a:off x="8783911" y="5078426"/>
-            <a:ext cx="572593" cy="369332"/>
+            <a:off x="8783911" y="5436645"/>
+            <a:ext cx="659155" cy="430887"/>
           </a:xfrm>
           <a:prstGeom prst="rect">
             <a:avLst/>
@@ -17792,13 +17799,13 @@
           <a:lstStyle/>
           <a:p>
             <a:r>
-              <a:rPr lang="en-US" altLang="ko-KR" dirty="0">
+              <a:rPr lang="en-US" altLang="ko-KR" sz="2200" dirty="0">
                 <a:latin typeface="나눔스퀘어 Light" panose="020B0600000101010101" pitchFamily="50" charset="-127"/>
                 <a:ea typeface="나눔스퀘어 Light" panose="020B0600000101010101" pitchFamily="50" charset="-127"/>
               </a:rPr>
               <a:t>×  1</a:t>
             </a:r>
-            <a:endParaRPr lang="ko-KR" altLang="en-US" dirty="0">
+            <a:endParaRPr lang="ko-KR" altLang="en-US" sz="2200" dirty="0">
               <a:latin typeface="나눔스퀘어 Light" panose="020B0600000101010101" pitchFamily="50" charset="-127"/>
               <a:ea typeface="나눔스퀘어 Light" panose="020B0600000101010101" pitchFamily="50" charset="-127"/>
             </a:endParaRPr>
@@ -17819,7 +17826,7 @@
         </p:nvSpPr>
         <p:spPr>
           <a:xfrm>
-            <a:off x="8140334" y="1674385"/>
+            <a:off x="8140334" y="2032604"/>
             <a:ext cx="270000" cy="270000"/>
           </a:xfrm>
           <a:prstGeom prst="rect">
@@ -17873,7 +17880,7 @@
         </p:nvSpPr>
         <p:spPr>
           <a:xfrm>
-            <a:off x="8415299" y="1674385"/>
+            <a:off x="8415299" y="2032604"/>
             <a:ext cx="270000" cy="270000"/>
           </a:xfrm>
           <a:prstGeom prst="rect">
@@ -17927,7 +17934,7 @@
         </p:nvSpPr>
         <p:spPr>
           <a:xfrm>
-            <a:off x="8140334" y="1944385"/>
+            <a:off x="8140334" y="2302604"/>
             <a:ext cx="270000" cy="270000"/>
           </a:xfrm>
           <a:prstGeom prst="rect">
@@ -17981,7 +17988,7 @@
         </p:nvSpPr>
         <p:spPr>
           <a:xfrm>
-            <a:off x="8415299" y="1944385"/>
+            <a:off x="8415299" y="2302604"/>
             <a:ext cx="270000" cy="270000"/>
           </a:xfrm>
           <a:prstGeom prst="rect">
@@ -18035,8 +18042,8 @@
         </p:nvSpPr>
         <p:spPr>
           <a:xfrm>
-            <a:off x="8783911" y="1764757"/>
-            <a:ext cx="1096775" cy="369332"/>
+            <a:off x="8783911" y="2122976"/>
+            <a:ext cx="1300356" cy="430887"/>
           </a:xfrm>
           <a:prstGeom prst="rect">
             <a:avLst/>
@@ -18050,13 +18057,13 @@
           <a:lstStyle/>
           <a:p>
             <a:r>
-              <a:rPr lang="en-US" altLang="ko-KR" dirty="0">
+              <a:rPr lang="en-US" altLang="ko-KR" sz="2200" dirty="0">
                 <a:latin typeface="나눔스퀘어 Light" panose="020B0600000101010101" pitchFamily="50" charset="-127"/>
                 <a:ea typeface="나눔스퀘어 Light" panose="020B0600000101010101" pitchFamily="50" charset="-127"/>
               </a:rPr>
               <a:t>10  ×  10</a:t>
             </a:r>
-            <a:endParaRPr lang="ko-KR" altLang="en-US" dirty="0">
+            <a:endParaRPr lang="ko-KR" altLang="en-US" sz="2200" dirty="0">
               <a:latin typeface="나눔스퀘어 Light" panose="020B0600000101010101" pitchFamily="50" charset="-127"/>
               <a:ea typeface="나눔스퀘어 Light" panose="020B0600000101010101" pitchFamily="50" charset="-127"/>
             </a:endParaRPr>
@@ -18094,7 +18101,7 @@
         </p:blipFill>
         <p:spPr>
           <a:xfrm>
-            <a:off x="5053679" y="2708111"/>
+            <a:off x="5063106" y="2934359"/>
             <a:ext cx="636940" cy="636940"/>
           </a:xfrm>
           <a:prstGeom prst="rect">
@@ -18116,7 +18123,7 @@
         </p:nvSpPr>
         <p:spPr>
           <a:xfrm>
-            <a:off x="4662547" y="4605368"/>
+            <a:off x="4671974" y="4831616"/>
             <a:ext cx="340659" cy="1153455"/>
           </a:xfrm>
           <a:prstGeom prst="ellipse">
@@ -18162,7 +18169,7 @@
         </p:nvSpPr>
         <p:spPr>
           <a:xfrm>
-            <a:off x="4663825" y="5561425"/>
+            <a:off x="4673252" y="5787673"/>
             <a:ext cx="340659" cy="322730"/>
           </a:xfrm>
           <a:prstGeom prst="ellipse">
@@ -18230,7 +18237,7 @@
         </p:blipFill>
         <p:spPr>
           <a:xfrm>
-            <a:off x="4510338" y="4328975"/>
+            <a:off x="4519765" y="4555223"/>
             <a:ext cx="636940" cy="636940"/>
           </a:xfrm>
           <a:prstGeom prst="rect">
@@ -18269,7 +18276,7 @@
         </p:blipFill>
         <p:spPr>
           <a:xfrm>
-            <a:off x="4510338" y="4866648"/>
+            <a:off x="4519765" y="5092896"/>
             <a:ext cx="636940" cy="636940"/>
           </a:xfrm>
           <a:prstGeom prst="rect">
@@ -18466,7 +18473,7 @@
         <p:spPr>
           <a:xfrm>
             <a:off x="276223" y="310773"/>
-            <a:ext cx="3496600" cy="461665"/>
+            <a:ext cx="3496600" cy="553998"/>
           </a:xfrm>
           <a:prstGeom prst="rect">
             <a:avLst/>
@@ -18480,7 +18487,7 @@
           <a:lstStyle/>
           <a:p>
             <a:r>
-              <a:rPr lang="en-US" altLang="ko-KR" sz="2400" spc="100" dirty="0">
+              <a:rPr lang="en-US" altLang="ko-KR" sz="3000" spc="100" dirty="0">
                 <a:solidFill>
                   <a:schemeClr val="tx2">
                     <a:lumMod val="50000"/>
@@ -18492,7 +18499,7 @@
               <a:t>Ⅱ. </a:t>
             </a:r>
             <a:r>
-              <a:rPr lang="ko-KR" altLang="en-US" sz="2400" spc="100" dirty="0">
+              <a:rPr lang="ko-KR" altLang="en-US" sz="3000" spc="100" dirty="0">
                 <a:solidFill>
                   <a:schemeClr val="tx2">
                     <a:lumMod val="50000"/>
@@ -18563,8 +18570,8 @@
         </p:nvSpPr>
         <p:spPr>
           <a:xfrm>
-            <a:off x="740083" y="957104"/>
-            <a:ext cx="3496600" cy="461665"/>
+            <a:off x="1022887" y="1135704"/>
+            <a:ext cx="1475216" cy="461665"/>
           </a:xfrm>
           <a:prstGeom prst="rect">
             <a:avLst/>
@@ -18844,8 +18851,8 @@
         </p:nvSpPr>
         <p:spPr>
           <a:xfrm>
-            <a:off x="8388813" y="1944234"/>
-            <a:ext cx="1697901" cy="369332"/>
+            <a:off x="8473656" y="1934807"/>
+            <a:ext cx="2032929" cy="430887"/>
           </a:xfrm>
           <a:prstGeom prst="rect">
             <a:avLst/>
@@ -18859,21 +18866,21 @@
           <a:lstStyle/>
           <a:p>
             <a:r>
-              <a:rPr lang="ko-KR" altLang="en-US" dirty="0">
+              <a:rPr lang="ko-KR" altLang="en-US" sz="2200" dirty="0">
                 <a:latin typeface="나눔스퀘어 Light" panose="020B0600000101010101" pitchFamily="50" charset="-127"/>
                 <a:ea typeface="나눔스퀘어 Light" panose="020B0600000101010101" pitchFamily="50" charset="-127"/>
               </a:rPr>
               <a:t>방 만들기</a:t>
             </a:r>
             <a:r>
-              <a:rPr lang="en-US" altLang="ko-KR" dirty="0">
+              <a:rPr lang="en-US" altLang="ko-KR" sz="2200" dirty="0">
                 <a:latin typeface="나눔스퀘어 Light" panose="020B0600000101010101" pitchFamily="50" charset="-127"/>
                 <a:ea typeface="나눔스퀘어 Light" panose="020B0600000101010101" pitchFamily="50" charset="-127"/>
               </a:rPr>
               <a:t> / </a:t>
             </a:r>
             <a:r>
-              <a:rPr lang="ko-KR" altLang="en-US" dirty="0">
+              <a:rPr lang="ko-KR" altLang="en-US" sz="2200" dirty="0">
                 <a:latin typeface="나눔스퀘어 Light" panose="020B0600000101010101" pitchFamily="50" charset="-127"/>
                 <a:ea typeface="나눔스퀘어 Light" panose="020B0600000101010101" pitchFamily="50" charset="-127"/>
               </a:rPr>
@@ -18913,7 +18920,7 @@
         </p:blipFill>
         <p:spPr>
           <a:xfrm>
-            <a:off x="7522164" y="2746507"/>
+            <a:off x="7522164" y="2746646"/>
             <a:ext cx="576000" cy="576000"/>
           </a:xfrm>
           <a:prstGeom prst="rect">
@@ -18935,8 +18942,8 @@
         </p:nvSpPr>
         <p:spPr>
           <a:xfrm>
-            <a:off x="8388813" y="2849841"/>
-            <a:ext cx="1292341" cy="369332"/>
+            <a:off x="8473656" y="2840553"/>
+            <a:ext cx="1537600" cy="430887"/>
           </a:xfrm>
           <a:prstGeom prst="rect">
             <a:avLst/>
@@ -18950,7 +18957,7 @@
           <a:lstStyle/>
           <a:p>
             <a:r>
-              <a:rPr lang="ko-KR" altLang="en-US" dirty="0">
+              <a:rPr lang="ko-KR" altLang="en-US" sz="2200" dirty="0">
                 <a:latin typeface="나눔스퀘어 Light" panose="020B0600000101010101" pitchFamily="50" charset="-127"/>
                 <a:ea typeface="나눔스퀘어 Light" panose="020B0600000101010101" pitchFamily="50" charset="-127"/>
               </a:rPr>
@@ -18990,7 +18997,7 @@
         </p:blipFill>
         <p:spPr>
           <a:xfrm>
-            <a:off x="7522164" y="4557721"/>
+            <a:off x="7522164" y="4558138"/>
             <a:ext cx="576000" cy="576000"/>
           </a:xfrm>
           <a:prstGeom prst="rect">
@@ -19012,8 +19019,8 @@
         </p:nvSpPr>
         <p:spPr>
           <a:xfrm>
-            <a:off x="8388813" y="4639611"/>
-            <a:ext cx="2190023" cy="369332"/>
+            <a:off x="8473656" y="4652045"/>
+            <a:ext cx="2634054" cy="430887"/>
           </a:xfrm>
           <a:prstGeom prst="rect">
             <a:avLst/>
@@ -19027,7 +19034,7 @@
           <a:lstStyle/>
           <a:p>
             <a:r>
-              <a:rPr lang="ko-KR" altLang="en-US" dirty="0">
+              <a:rPr lang="ko-KR" altLang="en-US" sz="2200" dirty="0">
                 <a:latin typeface="나눔스퀘어 Light" panose="020B0600000101010101" pitchFamily="50" charset="-127"/>
                 <a:ea typeface="나눔스퀘어 Light" panose="020B0600000101010101" pitchFamily="50" charset="-127"/>
               </a:rPr>
@@ -19089,8 +19096,8 @@
         </p:nvSpPr>
         <p:spPr>
           <a:xfrm>
-            <a:off x="8388813" y="5567218"/>
-            <a:ext cx="1292341" cy="369332"/>
+            <a:off x="8473656" y="5557791"/>
+            <a:ext cx="1537600" cy="430887"/>
           </a:xfrm>
           <a:prstGeom prst="rect">
             <a:avLst/>
@@ -19104,7 +19111,7 @@
           <a:lstStyle/>
           <a:p>
             <a:r>
-              <a:rPr lang="ko-KR" altLang="en-US" dirty="0">
+              <a:rPr lang="ko-KR" altLang="en-US" sz="2200" dirty="0">
                 <a:latin typeface="나눔스퀘어 Light" panose="020B0600000101010101" pitchFamily="50" charset="-127"/>
                 <a:ea typeface="나눔스퀘어 Light" panose="020B0600000101010101" pitchFamily="50" charset="-127"/>
               </a:rPr>
@@ -19144,7 +19151,7 @@
         </p:blipFill>
         <p:spPr>
           <a:xfrm>
-            <a:off x="7522164" y="3652114"/>
+            <a:off x="7522164" y="3652392"/>
             <a:ext cx="576000" cy="576000"/>
           </a:xfrm>
           <a:prstGeom prst="rect">
@@ -19166,8 +19173,8 @@
         </p:nvSpPr>
         <p:spPr>
           <a:xfrm>
-            <a:off x="8388813" y="3673286"/>
-            <a:ext cx="2502608" cy="369332"/>
+            <a:off x="8473656" y="3746299"/>
+            <a:ext cx="3015569" cy="430887"/>
           </a:xfrm>
           <a:prstGeom prst="rect">
             <a:avLst/>
@@ -19181,21 +19188,21 @@
           <a:lstStyle/>
           <a:p>
             <a:r>
-              <a:rPr lang="ko-KR" altLang="en-US" dirty="0">
+              <a:rPr lang="ko-KR" altLang="en-US" sz="2200" dirty="0">
                 <a:latin typeface="나눔스퀘어 Light" panose="020B0600000101010101" pitchFamily="50" charset="-127"/>
                 <a:ea typeface="나눔스퀘어 Light" panose="020B0600000101010101" pitchFamily="50" charset="-127"/>
               </a:rPr>
               <a:t>플레이어 별 지렁이</a:t>
             </a:r>
             <a:r>
-              <a:rPr lang="en-US" altLang="ko-KR" dirty="0">
+              <a:rPr lang="en-US" altLang="ko-KR" sz="2200" dirty="0">
                 <a:latin typeface="나눔스퀘어 Light" panose="020B0600000101010101" pitchFamily="50" charset="-127"/>
                 <a:ea typeface="나눔스퀘어 Light" panose="020B0600000101010101" pitchFamily="50" charset="-127"/>
               </a:rPr>
               <a:t>, </a:t>
             </a:r>
             <a:r>
-              <a:rPr lang="ko-KR" altLang="en-US" dirty="0">
+              <a:rPr lang="ko-KR" altLang="en-US" sz="2200" dirty="0">
                 <a:latin typeface="나눔스퀘어 Light" panose="020B0600000101010101" pitchFamily="50" charset="-127"/>
                 <a:ea typeface="나눔스퀘어 Light" panose="020B0600000101010101" pitchFamily="50" charset="-127"/>
               </a:rPr>
@@ -19393,7 +19400,7 @@
         <p:spPr>
           <a:xfrm>
             <a:off x="276223" y="310773"/>
-            <a:ext cx="3496600" cy="461665"/>
+            <a:ext cx="3496600" cy="553998"/>
           </a:xfrm>
           <a:prstGeom prst="rect">
             <a:avLst/>
@@ -19407,7 +19414,7 @@
           <a:lstStyle/>
           <a:p>
             <a:r>
-              <a:rPr lang="en-US" altLang="ko-KR" sz="2400" spc="100" dirty="0">
+              <a:rPr lang="en-US" altLang="ko-KR" sz="3000" spc="100" dirty="0">
                 <a:solidFill>
                   <a:schemeClr val="tx2">
                     <a:lumMod val="50000"/>
@@ -19419,7 +19426,7 @@
               <a:t>Ⅱ. </a:t>
             </a:r>
             <a:r>
-              <a:rPr lang="ko-KR" altLang="en-US" sz="2400" spc="100" dirty="0">
+              <a:rPr lang="ko-KR" altLang="en-US" sz="3000" spc="100" dirty="0">
                 <a:solidFill>
                   <a:schemeClr val="tx2">
                     <a:lumMod val="50000"/>
@@ -19490,7 +19497,7 @@
         </p:nvSpPr>
         <p:spPr>
           <a:xfrm>
-            <a:off x="740083" y="957104"/>
+            <a:off x="975753" y="965168"/>
             <a:ext cx="3496600" cy="461665"/>
           </a:xfrm>
           <a:prstGeom prst="rect">
@@ -19533,7 +19540,7 @@
         </p:blipFill>
         <p:spPr>
           <a:xfrm>
-            <a:off x="1524000" y="1527230"/>
+            <a:off x="1627695" y="1527230"/>
             <a:ext cx="9144000" cy="5076825"/>
           </a:xfrm>
           <a:prstGeom prst="rect">
@@ -19729,8 +19736,8 @@
         </p:nvSpPr>
         <p:spPr>
           <a:xfrm>
-            <a:off x="276223" y="310773"/>
-            <a:ext cx="3496600" cy="461665"/>
+            <a:off x="276223" y="267285"/>
+            <a:ext cx="3496600" cy="553998"/>
           </a:xfrm>
           <a:prstGeom prst="rect">
             <a:avLst/>
@@ -19744,7 +19751,7 @@
           <a:lstStyle/>
           <a:p>
             <a:r>
-              <a:rPr lang="en-US" altLang="ko-KR" sz="2400" spc="100" dirty="0">
+              <a:rPr lang="en-US" altLang="ko-KR" sz="3000" spc="100" dirty="0">
                 <a:solidFill>
                   <a:schemeClr val="tx2">
                     <a:lumMod val="50000"/>
@@ -19756,7 +19763,7 @@
               <a:t>Ⅱ. </a:t>
             </a:r>
             <a:r>
-              <a:rPr lang="ko-KR" altLang="en-US" sz="2400" spc="100" dirty="0">
+              <a:rPr lang="ko-KR" altLang="en-US" sz="3000" spc="100" dirty="0">
                 <a:solidFill>
                   <a:schemeClr val="tx2">
                     <a:lumMod val="50000"/>
@@ -19827,7 +19834,7 @@
         </p:nvSpPr>
         <p:spPr>
           <a:xfrm>
-            <a:off x="740083" y="957104"/>
+            <a:off x="872058" y="932606"/>
             <a:ext cx="3496600" cy="461665"/>
           </a:xfrm>
           <a:prstGeom prst="rect">
@@ -19880,8 +19887,8 @@
         </p:blipFill>
         <p:spPr>
           <a:xfrm>
-            <a:off x="3234970" y="1394271"/>
-            <a:ext cx="5722061" cy="5463729"/>
+            <a:off x="3412503" y="1394272"/>
+            <a:ext cx="5544527" cy="5294210"/>
           </a:xfrm>
           <a:prstGeom prst="rect">
             <a:avLst/>
@@ -19910,13 +19917,6 @@
       </p:transition>
     </mc:Fallback>
   </mc:AlternateContent>
-  <p:timing>
-    <p:tnLst>
-      <p:par>
-        <p:cTn id="1" dur="indefinite" restart="never" nodeType="tmRoot"/>
-      </p:par>
-    </p:tnLst>
-  </p:timing>
 </p:sld>
 </file>
 
@@ -20084,7 +20084,7 @@
         <p:spPr>
           <a:xfrm>
             <a:off x="276223" y="310773"/>
-            <a:ext cx="3496600" cy="461665"/>
+            <a:ext cx="3496600" cy="553998"/>
           </a:xfrm>
           <a:prstGeom prst="rect">
             <a:avLst/>
@@ -20098,7 +20098,7 @@
           <a:lstStyle/>
           <a:p>
             <a:r>
-              <a:rPr lang="en-US" altLang="ko-KR" sz="2400" spc="100" dirty="0">
+              <a:rPr lang="en-US" altLang="ko-KR" sz="3000" spc="100" dirty="0">
                 <a:solidFill>
                   <a:schemeClr val="tx2">
                     <a:lumMod val="50000"/>
@@ -20110,7 +20110,7 @@
               <a:t>Ⅱ. </a:t>
             </a:r>
             <a:r>
-              <a:rPr lang="ko-KR" altLang="en-US" sz="2400" spc="100" dirty="0">
+              <a:rPr lang="ko-KR" altLang="en-US" sz="3000" spc="100" dirty="0">
                 <a:solidFill>
                   <a:schemeClr val="tx2">
                     <a:lumMod val="50000"/>
@@ -20181,7 +20181,7 @@
         </p:nvSpPr>
         <p:spPr>
           <a:xfrm>
-            <a:off x="740083" y="957104"/>
+            <a:off x="815498" y="1003270"/>
             <a:ext cx="3496600" cy="461665"/>
           </a:xfrm>
           <a:prstGeom prst="rect">
@@ -20282,16 +20282,15 @@
           </p:cNvPicPr>
           <p:nvPr/>
         </p:nvPicPr>
-        <p:blipFill>
+        <p:blipFill rotWithShape="1">
           <a:blip r:embed="rId3"/>
-          <a:stretch>
-            <a:fillRect/>
-          </a:stretch>
+          <a:srcRect b="23700"/>
+          <a:stretch/>
         </p:blipFill>
         <p:spPr>
           <a:xfrm>
             <a:off x="7907319" y="3056529"/>
-            <a:ext cx="3762900" cy="2381582"/>
+            <a:ext cx="3762900" cy="1817129"/>
           </a:xfrm>
           <a:prstGeom prst="rect">
             <a:avLst/>
@@ -20413,14 +20412,14 @@
         </p:nvSpPr>
         <p:spPr>
           <a:xfrm>
-            <a:off x="7676818" y="4981650"/>
-            <a:ext cx="3993401" cy="369332"/>
+            <a:off x="7938332" y="4816377"/>
+            <a:ext cx="3791423" cy="353943"/>
           </a:xfrm>
           <a:prstGeom prst="rect">
             <a:avLst/>
           </a:prstGeom>
           <a:solidFill>
-            <a:srgbClr val="F8FAFA"/>
+            <a:schemeClr val="bg1"/>
           </a:solidFill>
         </p:spPr>
         <p:txBody>
@@ -20430,49 +20429,49 @@
           <a:lstStyle/>
           <a:p>
             <a:r>
-              <a:rPr lang="ko-KR" altLang="en-US" dirty="0">
+              <a:rPr lang="ko-KR" altLang="en-US" sz="1700" dirty="0">
                 <a:latin typeface="나눔스퀘어 Light" panose="020B0600000101010101" pitchFamily="50" charset="-127"/>
                 <a:ea typeface="나눔스퀘어 Light" panose="020B0600000101010101" pitchFamily="50" charset="-127"/>
               </a:rPr>
               <a:t>모든 버튼 </a:t>
             </a:r>
             <a:r>
-              <a:rPr lang="ko-KR" altLang="en-US" dirty="0" err="1">
+              <a:rPr lang="ko-KR" altLang="en-US" sz="1700" dirty="0" err="1">
                 <a:latin typeface="나눔스퀘어 Light" panose="020B0600000101010101" pitchFamily="50" charset="-127"/>
                 <a:ea typeface="나눔스퀘어 Light" panose="020B0600000101010101" pitchFamily="50" charset="-127"/>
               </a:rPr>
               <a:t>클릭시</a:t>
             </a:r>
             <a:r>
-              <a:rPr lang="ko-KR" altLang="en-US" dirty="0">
+              <a:rPr lang="ko-KR" altLang="en-US" sz="1700" dirty="0">
                 <a:latin typeface="나눔스퀘어 Light" panose="020B0600000101010101" pitchFamily="50" charset="-127"/>
                 <a:ea typeface="나눔스퀘어 Light" panose="020B0600000101010101" pitchFamily="50" charset="-127"/>
               </a:rPr>
               <a:t> </a:t>
             </a:r>
             <a:r>
-              <a:rPr lang="en-US" altLang="ko-KR" dirty="0">
+              <a:rPr lang="en-US" altLang="ko-KR" sz="1700" dirty="0">
                 <a:latin typeface="나눔스퀘어 Light" panose="020B0600000101010101" pitchFamily="50" charset="-127"/>
                 <a:ea typeface="나눔스퀘어 Light" panose="020B0600000101010101" pitchFamily="50" charset="-127"/>
               </a:rPr>
               <a:t>“</a:t>
             </a:r>
             <a:r>
-              <a:rPr lang="ko-KR" altLang="en-US" dirty="0" err="1">
+              <a:rPr lang="ko-KR" altLang="en-US" sz="1700" dirty="0" err="1">
                 <a:latin typeface="나눔스퀘어 Light" panose="020B0600000101010101" pitchFamily="50" charset="-127"/>
                 <a:ea typeface="나눔스퀘어 Light" panose="020B0600000101010101" pitchFamily="50" charset="-127"/>
               </a:rPr>
               <a:t>삐용</a:t>
             </a:r>
             <a:r>
-              <a:rPr lang="en-US" altLang="ko-KR" dirty="0">
+              <a:rPr lang="en-US" altLang="ko-KR" sz="1700" dirty="0">
                 <a:latin typeface="나눔스퀘어 Light" panose="020B0600000101010101" pitchFamily="50" charset="-127"/>
                 <a:ea typeface="나눔스퀘어 Light" panose="020B0600000101010101" pitchFamily="50" charset="-127"/>
               </a:rPr>
               <a:t>”</a:t>
             </a:r>
             <a:r>
-              <a:rPr lang="ko-KR" altLang="en-US" dirty="0">
+              <a:rPr lang="ko-KR" altLang="en-US" sz="1700" dirty="0">
                 <a:latin typeface="나눔스퀘어 Light" panose="020B0600000101010101" pitchFamily="50" charset="-127"/>
                 <a:ea typeface="나눔스퀘어 Light" panose="020B0600000101010101" pitchFamily="50" charset="-127"/>
               </a:rPr>
@@ -20503,13 +20502,6 @@
       </p:transition>
     </mc:Fallback>
   </mc:AlternateContent>
-  <p:timing>
-    <p:tnLst>
-      <p:par>
-        <p:cTn id="1" dur="indefinite" restart="never" nodeType="tmRoot"/>
-      </p:par>
-    </p:tnLst>
-  </p:timing>
 </p:sld>
 </file>
 

--- a/중간발표.pptx
+++ b/중간발표.pptx
@@ -1101,14 +1101,6 @@
         </dgm:presLayoutVars>
       </dgm:prSet>
       <dgm:spPr/>
-      <dgm:t>
-        <a:bodyPr/>
-        <a:lstStyle/>
-        <a:p>
-          <a:pPr latinLnBrk="1"/>
-          <a:endParaRPr lang="ko-KR" altLang="en-US"/>
-        </a:p>
-      </dgm:t>
     </dgm:pt>
     <dgm:pt modelId="{C9911BA2-7D6F-4ACE-81E0-330EF66C05DD}" type="pres">
       <dgm:prSet presAssocID="{3B51B6D3-17D8-457E-9A0F-505B5FC3E8C4}" presName="node" presStyleLbl="node1" presStyleIdx="0" presStyleCnt="3">
@@ -1117,38 +1109,14 @@
         </dgm:presLayoutVars>
       </dgm:prSet>
       <dgm:spPr/>
-      <dgm:t>
-        <a:bodyPr/>
-        <a:lstStyle/>
-        <a:p>
-          <a:pPr latinLnBrk="1"/>
-          <a:endParaRPr lang="ko-KR" altLang="en-US"/>
-        </a:p>
-      </dgm:t>
     </dgm:pt>
     <dgm:pt modelId="{00BBB1F7-9D2F-4D91-88CB-D921ECD59123}" type="pres">
       <dgm:prSet presAssocID="{0A506054-53AC-40F0-895B-7608FF1144A2}" presName="sibTrans" presStyleLbl="sibTrans2D1" presStyleIdx="0" presStyleCnt="3"/>
       <dgm:spPr/>
-      <dgm:t>
-        <a:bodyPr/>
-        <a:lstStyle/>
-        <a:p>
-          <a:pPr latinLnBrk="1"/>
-          <a:endParaRPr lang="ko-KR" altLang="en-US"/>
-        </a:p>
-      </dgm:t>
     </dgm:pt>
     <dgm:pt modelId="{CF30D058-4C5D-4966-9C27-56203CC989E8}" type="pres">
       <dgm:prSet presAssocID="{0A506054-53AC-40F0-895B-7608FF1144A2}" presName="connectorText" presStyleLbl="sibTrans2D1" presStyleIdx="0" presStyleCnt="3"/>
       <dgm:spPr/>
-      <dgm:t>
-        <a:bodyPr/>
-        <a:lstStyle/>
-        <a:p>
-          <a:pPr latinLnBrk="1"/>
-          <a:endParaRPr lang="ko-KR" altLang="en-US"/>
-        </a:p>
-      </dgm:t>
     </dgm:pt>
     <dgm:pt modelId="{2A9BBD25-B36E-428B-8463-A442122E3C0B}" type="pres">
       <dgm:prSet presAssocID="{0A3E1AB8-3388-46AC-87EF-3BAC5F88063E}" presName="node" presStyleLbl="node1" presStyleIdx="1" presStyleCnt="3">
@@ -1157,38 +1125,14 @@
         </dgm:presLayoutVars>
       </dgm:prSet>
       <dgm:spPr/>
-      <dgm:t>
-        <a:bodyPr/>
-        <a:lstStyle/>
-        <a:p>
-          <a:pPr latinLnBrk="1"/>
-          <a:endParaRPr lang="ko-KR" altLang="en-US"/>
-        </a:p>
-      </dgm:t>
     </dgm:pt>
     <dgm:pt modelId="{55BB2857-3B9E-4CDC-A651-03E9F2C80372}" type="pres">
       <dgm:prSet presAssocID="{F8CD5E6D-91B4-469B-9F85-996CCC56FE73}" presName="sibTrans" presStyleLbl="sibTrans2D1" presStyleIdx="1" presStyleCnt="3"/>
       <dgm:spPr/>
-      <dgm:t>
-        <a:bodyPr/>
-        <a:lstStyle/>
-        <a:p>
-          <a:pPr latinLnBrk="1"/>
-          <a:endParaRPr lang="ko-KR" altLang="en-US"/>
-        </a:p>
-      </dgm:t>
     </dgm:pt>
     <dgm:pt modelId="{657E6441-4262-48FC-BE3B-275469CFCE20}" type="pres">
       <dgm:prSet presAssocID="{F8CD5E6D-91B4-469B-9F85-996CCC56FE73}" presName="connectorText" presStyleLbl="sibTrans2D1" presStyleIdx="1" presStyleCnt="3"/>
       <dgm:spPr/>
-      <dgm:t>
-        <a:bodyPr/>
-        <a:lstStyle/>
-        <a:p>
-          <a:pPr latinLnBrk="1"/>
-          <a:endParaRPr lang="ko-KR" altLang="en-US"/>
-        </a:p>
-      </dgm:t>
     </dgm:pt>
     <dgm:pt modelId="{46B13D7F-4E3C-4300-BE93-4B3B20D7FED8}" type="pres">
       <dgm:prSet presAssocID="{7A503C67-E77A-40D4-9797-1F8F25C9280D}" presName="node" presStyleLbl="node1" presStyleIdx="2" presStyleCnt="3">
@@ -1197,54 +1141,30 @@
         </dgm:presLayoutVars>
       </dgm:prSet>
       <dgm:spPr/>
-      <dgm:t>
-        <a:bodyPr/>
-        <a:lstStyle/>
-        <a:p>
-          <a:pPr latinLnBrk="1"/>
-          <a:endParaRPr lang="ko-KR" altLang="en-US"/>
-        </a:p>
-      </dgm:t>
     </dgm:pt>
     <dgm:pt modelId="{60526E7B-B055-44BE-A78D-F72C23472E8F}" type="pres">
       <dgm:prSet presAssocID="{7B1D6632-AF29-457C-A1BE-0AC9AD94F489}" presName="sibTrans" presStyleLbl="sibTrans2D1" presStyleIdx="2" presStyleCnt="3"/>
       <dgm:spPr/>
-      <dgm:t>
-        <a:bodyPr/>
-        <a:lstStyle/>
-        <a:p>
-          <a:pPr latinLnBrk="1"/>
-          <a:endParaRPr lang="ko-KR" altLang="en-US"/>
-        </a:p>
-      </dgm:t>
     </dgm:pt>
     <dgm:pt modelId="{482B9A67-A9F7-42A1-B8C9-6ECC09875A63}" type="pres">
       <dgm:prSet presAssocID="{7B1D6632-AF29-457C-A1BE-0AC9AD94F489}" presName="connectorText" presStyleLbl="sibTrans2D1" presStyleIdx="2" presStyleCnt="3"/>
       <dgm:spPr/>
-      <dgm:t>
-        <a:bodyPr/>
-        <a:lstStyle/>
-        <a:p>
-          <a:pPr latinLnBrk="1"/>
-          <a:endParaRPr lang="ko-KR" altLang="en-US"/>
-        </a:p>
-      </dgm:t>
     </dgm:pt>
   </dgm:ptLst>
   <dgm:cxnLst>
     <dgm:cxn modelId="{856B3A46-6500-44D4-80BE-C4D7F9D347A5}" type="presOf" srcId="{3B51B6D3-17D8-457E-9A0F-505B5FC3E8C4}" destId="{C9911BA2-7D6F-4ACE-81E0-330EF66C05DD}" srcOrd="0" destOrd="0" presId="urn:microsoft.com/office/officeart/2005/8/layout/cycle2"/>
+    <dgm:cxn modelId="{C771E447-7BA5-43D5-B28F-62F20898E5D1}" type="presOf" srcId="{F8CD5E6D-91B4-469B-9F85-996CCC56FE73}" destId="{657E6441-4262-48FC-BE3B-275469CFCE20}" srcOrd="1" destOrd="0" presId="urn:microsoft.com/office/officeart/2005/8/layout/cycle2"/>
+    <dgm:cxn modelId="{633FB06D-B0AA-4388-9059-F17904EB23EE}" srcId="{DCB627C1-857C-42B6-8D40-0D29E0944CB5}" destId="{3B51B6D3-17D8-457E-9A0F-505B5FC3E8C4}" srcOrd="0" destOrd="0" parTransId="{208A43E6-0D84-4BD6-B826-C243FC3DE993}" sibTransId="{0A506054-53AC-40F0-895B-7608FF1144A2}"/>
+    <dgm:cxn modelId="{D0269A72-05BA-4C3C-8B5B-7A81B0A7B34C}" type="presOf" srcId="{F8CD5E6D-91B4-469B-9F85-996CCC56FE73}" destId="{55BB2857-3B9E-4CDC-A651-03E9F2C80372}" srcOrd="0" destOrd="0" presId="urn:microsoft.com/office/officeart/2005/8/layout/cycle2"/>
+    <dgm:cxn modelId="{C78DCE7F-7D02-4DC0-9EDD-8B1A6A4AFA8B}" type="presOf" srcId="{7B1D6632-AF29-457C-A1BE-0AC9AD94F489}" destId="{482B9A67-A9F7-42A1-B8C9-6ECC09875A63}" srcOrd="1" destOrd="0" presId="urn:microsoft.com/office/officeart/2005/8/layout/cycle2"/>
+    <dgm:cxn modelId="{C588BC89-7DC6-4D10-8A4E-611C680F5B6C}" type="presOf" srcId="{0A3E1AB8-3388-46AC-87EF-3BAC5F88063E}" destId="{2A9BBD25-B36E-428B-8463-A442122E3C0B}" srcOrd="0" destOrd="0" presId="urn:microsoft.com/office/officeart/2005/8/layout/cycle2"/>
+    <dgm:cxn modelId="{5DAB6498-1D77-4FA4-A232-8E7190F51143}" type="presOf" srcId="{0A506054-53AC-40F0-895B-7608FF1144A2}" destId="{CF30D058-4C5D-4966-9C27-56203CC989E8}" srcOrd="1" destOrd="0" presId="urn:microsoft.com/office/officeart/2005/8/layout/cycle2"/>
+    <dgm:cxn modelId="{6203DBB0-3DB0-43B1-A905-37DCA7ADCEEF}" type="presOf" srcId="{7A503C67-E77A-40D4-9797-1F8F25C9280D}" destId="{46B13D7F-4E3C-4300-BE93-4B3B20D7FED8}" srcOrd="0" destOrd="0" presId="urn:microsoft.com/office/officeart/2005/8/layout/cycle2"/>
     <dgm:cxn modelId="{3C0D08C1-3245-4EFD-9DCE-824CD1C22B11}" type="presOf" srcId="{0A506054-53AC-40F0-895B-7608FF1144A2}" destId="{00BBB1F7-9D2F-4D91-88CB-D921ECD59123}" srcOrd="0" destOrd="0" presId="urn:microsoft.com/office/officeart/2005/8/layout/cycle2"/>
-    <dgm:cxn modelId="{D0269A72-05BA-4C3C-8B5B-7A81B0A7B34C}" type="presOf" srcId="{F8CD5E6D-91B4-469B-9F85-996CCC56FE73}" destId="{55BB2857-3B9E-4CDC-A651-03E9F2C80372}" srcOrd="0" destOrd="0" presId="urn:microsoft.com/office/officeart/2005/8/layout/cycle2"/>
+    <dgm:cxn modelId="{59F409D4-384C-45B5-ABD1-A64F32B7E075}" srcId="{DCB627C1-857C-42B6-8D40-0D29E0944CB5}" destId="{0A3E1AB8-3388-46AC-87EF-3BAC5F88063E}" srcOrd="1" destOrd="0" parTransId="{82546982-B0E6-456E-95D5-83C8BB6B4D36}" sibTransId="{F8CD5E6D-91B4-469B-9F85-996CCC56FE73}"/>
+    <dgm:cxn modelId="{4CDF25D5-A3E9-4017-91A0-7FFF60C7193B}" srcId="{DCB627C1-857C-42B6-8D40-0D29E0944CB5}" destId="{7A503C67-E77A-40D4-9797-1F8F25C9280D}" srcOrd="2" destOrd="0" parTransId="{49507068-354E-4FF9-8D7A-231CB3451E39}" sibTransId="{7B1D6632-AF29-457C-A1BE-0AC9AD94F489}"/>
+    <dgm:cxn modelId="{D6231FEC-79BE-4252-A858-96AB837A4387}" type="presOf" srcId="{7B1D6632-AF29-457C-A1BE-0AC9AD94F489}" destId="{60526E7B-B055-44BE-A78D-F72C23472E8F}" srcOrd="0" destOrd="0" presId="urn:microsoft.com/office/officeart/2005/8/layout/cycle2"/>
     <dgm:cxn modelId="{3D1EC0FE-506B-40B4-85AE-2E1CA2283729}" type="presOf" srcId="{DCB627C1-857C-42B6-8D40-0D29E0944CB5}" destId="{2EABC2DA-0649-4316-95FF-33D8C2D82C3E}" srcOrd="0" destOrd="0" presId="urn:microsoft.com/office/officeart/2005/8/layout/cycle2"/>
-    <dgm:cxn modelId="{C588BC89-7DC6-4D10-8A4E-611C680F5B6C}" type="presOf" srcId="{0A3E1AB8-3388-46AC-87EF-3BAC5F88063E}" destId="{2A9BBD25-B36E-428B-8463-A442122E3C0B}" srcOrd="0" destOrd="0" presId="urn:microsoft.com/office/officeart/2005/8/layout/cycle2"/>
-    <dgm:cxn modelId="{C78DCE7F-7D02-4DC0-9EDD-8B1A6A4AFA8B}" type="presOf" srcId="{7B1D6632-AF29-457C-A1BE-0AC9AD94F489}" destId="{482B9A67-A9F7-42A1-B8C9-6ECC09875A63}" srcOrd="1" destOrd="0" presId="urn:microsoft.com/office/officeart/2005/8/layout/cycle2"/>
-    <dgm:cxn modelId="{D6231FEC-79BE-4252-A858-96AB837A4387}" type="presOf" srcId="{7B1D6632-AF29-457C-A1BE-0AC9AD94F489}" destId="{60526E7B-B055-44BE-A78D-F72C23472E8F}" srcOrd="0" destOrd="0" presId="urn:microsoft.com/office/officeart/2005/8/layout/cycle2"/>
-    <dgm:cxn modelId="{5DAB6498-1D77-4FA4-A232-8E7190F51143}" type="presOf" srcId="{0A506054-53AC-40F0-895B-7608FF1144A2}" destId="{CF30D058-4C5D-4966-9C27-56203CC989E8}" srcOrd="1" destOrd="0" presId="urn:microsoft.com/office/officeart/2005/8/layout/cycle2"/>
-    <dgm:cxn modelId="{C771E447-7BA5-43D5-B28F-62F20898E5D1}" type="presOf" srcId="{F8CD5E6D-91B4-469B-9F85-996CCC56FE73}" destId="{657E6441-4262-48FC-BE3B-275469CFCE20}" srcOrd="1" destOrd="0" presId="urn:microsoft.com/office/officeart/2005/8/layout/cycle2"/>
-    <dgm:cxn modelId="{59F409D4-384C-45B5-ABD1-A64F32B7E075}" srcId="{DCB627C1-857C-42B6-8D40-0D29E0944CB5}" destId="{0A3E1AB8-3388-46AC-87EF-3BAC5F88063E}" srcOrd="1" destOrd="0" parTransId="{82546982-B0E6-456E-95D5-83C8BB6B4D36}" sibTransId="{F8CD5E6D-91B4-469B-9F85-996CCC56FE73}"/>
-    <dgm:cxn modelId="{633FB06D-B0AA-4388-9059-F17904EB23EE}" srcId="{DCB627C1-857C-42B6-8D40-0D29E0944CB5}" destId="{3B51B6D3-17D8-457E-9A0F-505B5FC3E8C4}" srcOrd="0" destOrd="0" parTransId="{208A43E6-0D84-4BD6-B826-C243FC3DE993}" sibTransId="{0A506054-53AC-40F0-895B-7608FF1144A2}"/>
-    <dgm:cxn modelId="{4CDF25D5-A3E9-4017-91A0-7FFF60C7193B}" srcId="{DCB627C1-857C-42B6-8D40-0D29E0944CB5}" destId="{7A503C67-E77A-40D4-9797-1F8F25C9280D}" srcOrd="2" destOrd="0" parTransId="{49507068-354E-4FF9-8D7A-231CB3451E39}" sibTransId="{7B1D6632-AF29-457C-A1BE-0AC9AD94F489}"/>
-    <dgm:cxn modelId="{6203DBB0-3DB0-43B1-A905-37DCA7ADCEEF}" type="presOf" srcId="{7A503C67-E77A-40D4-9797-1F8F25C9280D}" destId="{46B13D7F-4E3C-4300-BE93-4B3B20D7FED8}" srcOrd="0" destOrd="0" presId="urn:microsoft.com/office/officeart/2005/8/layout/cycle2"/>
     <dgm:cxn modelId="{A199CDBB-8BD1-4BD6-B80D-585F1AF97418}" type="presParOf" srcId="{2EABC2DA-0649-4316-95FF-33D8C2D82C3E}" destId="{C9911BA2-7D6F-4ACE-81E0-330EF66C05DD}" srcOrd="0" destOrd="0" presId="urn:microsoft.com/office/officeart/2005/8/layout/cycle2"/>
     <dgm:cxn modelId="{9DC780D2-B25C-4ABF-B634-8AADE6DEBFE5}" type="presParOf" srcId="{2EABC2DA-0649-4316-95FF-33D8C2D82C3E}" destId="{00BBB1F7-9D2F-4D91-88CB-D921ECD59123}" srcOrd="1" destOrd="0" presId="urn:microsoft.com/office/officeart/2005/8/layout/cycle2"/>
     <dgm:cxn modelId="{F163E5FC-3F8A-45A2-9DD9-F83F200397E2}" type="presParOf" srcId="{00BBB1F7-9D2F-4D91-88CB-D921ECD59123}" destId="{CF30D058-4C5D-4966-9C27-56203CC989E8}" srcOrd="0" destOrd="0" presId="urn:microsoft.com/office/officeart/2005/8/layout/cycle2"/>
@@ -1318,7 +1238,7 @@
         </a:bodyPr>
         <a:lstStyle/>
         <a:p>
-          <a:pPr lvl="0" algn="ctr" defTabSz="2133600" latinLnBrk="1">
+          <a:pPr marL="0" lvl="0" indent="0" algn="ctr" defTabSz="2133600" latinLnBrk="1">
             <a:lnSpc>
               <a:spcPct val="90000"/>
             </a:lnSpc>
@@ -1328,6 +1248,7 @@
             <a:spcAft>
               <a:spcPct val="35000"/>
             </a:spcAft>
+            <a:buNone/>
           </a:pPr>
           <a:endParaRPr lang="en-US" altLang="ko-KR" sz="4800" kern="1200" dirty="0"/>
         </a:p>
@@ -1387,7 +1308,7 @@
         </a:bodyPr>
         <a:lstStyle/>
         <a:p>
-          <a:pPr lvl="0" algn="ctr" defTabSz="666750" latinLnBrk="1">
+          <a:pPr marL="0" lvl="0" indent="0" algn="ctr" defTabSz="666750" latinLnBrk="1">
             <a:lnSpc>
               <a:spcPct val="90000"/>
             </a:lnSpc>
@@ -1397,6 +1318,7 @@
             <a:spcAft>
               <a:spcPct val="35000"/>
             </a:spcAft>
+            <a:buNone/>
           </a:pPr>
           <a:endParaRPr lang="ko-KR" altLang="en-US" sz="1500" kern="1200"/>
         </a:p>
@@ -1451,7 +1373,7 @@
         </a:bodyPr>
         <a:lstStyle/>
         <a:p>
-          <a:pPr lvl="0" algn="ctr" defTabSz="2133600" latinLnBrk="1">
+          <a:pPr marL="0" lvl="0" indent="0" algn="ctr" defTabSz="2133600" latinLnBrk="1">
             <a:lnSpc>
               <a:spcPct val="90000"/>
             </a:lnSpc>
@@ -1461,6 +1383,7 @@
             <a:spcAft>
               <a:spcPct val="35000"/>
             </a:spcAft>
+            <a:buNone/>
           </a:pPr>
           <a:endParaRPr lang="en-US" altLang="ko-KR" sz="4800" kern="1200" dirty="0"/>
         </a:p>
@@ -1520,7 +1443,7 @@
         </a:bodyPr>
         <a:lstStyle/>
         <a:p>
-          <a:pPr lvl="0" algn="ctr" defTabSz="666750" latinLnBrk="1">
+          <a:pPr marL="0" lvl="0" indent="0" algn="ctr" defTabSz="666750" latinLnBrk="1">
             <a:lnSpc>
               <a:spcPct val="90000"/>
             </a:lnSpc>
@@ -1530,6 +1453,7 @@
             <a:spcAft>
               <a:spcPct val="35000"/>
             </a:spcAft>
+            <a:buNone/>
           </a:pPr>
           <a:endParaRPr lang="ko-KR" altLang="en-US" sz="1500" kern="1200"/>
         </a:p>
@@ -1584,7 +1508,7 @@
         </a:bodyPr>
         <a:lstStyle/>
         <a:p>
-          <a:pPr lvl="0" algn="ctr" defTabSz="2133600" latinLnBrk="1">
+          <a:pPr marL="0" lvl="0" indent="0" algn="ctr" defTabSz="2133600" latinLnBrk="1">
             <a:lnSpc>
               <a:spcPct val="90000"/>
             </a:lnSpc>
@@ -1594,6 +1518,7 @@
             <a:spcAft>
               <a:spcPct val="35000"/>
             </a:spcAft>
+            <a:buNone/>
           </a:pPr>
           <a:endParaRPr lang="en-US" altLang="ko-KR" sz="4800" kern="1200" dirty="0"/>
         </a:p>
@@ -1653,7 +1578,7 @@
         </a:bodyPr>
         <a:lstStyle/>
         <a:p>
-          <a:pPr lvl="0" algn="ctr" defTabSz="666750" latinLnBrk="1">
+          <a:pPr marL="0" lvl="0" indent="0" algn="ctr" defTabSz="666750" latinLnBrk="1">
             <a:lnSpc>
               <a:spcPct val="90000"/>
             </a:lnSpc>
@@ -1663,6 +1588,7 @@
             <a:spcAft>
               <a:spcPct val="35000"/>
             </a:spcAft>
+            <a:buNone/>
           </a:pPr>
           <a:endParaRPr lang="ko-KR" altLang="en-US" sz="1500" kern="1200"/>
         </a:p>
@@ -2943,7 +2869,7 @@
           <p:cNvPr id="2" name="제목 1">
             <a:extLst>
               <a:ext uri="{FF2B5EF4-FFF2-40B4-BE49-F238E27FC236}">
-                <a16:creationId xmlns:a16="http://schemas.microsoft.com/office/drawing/2014/main" xmlns="" id="{E540DAE3-C179-4C9E-AF79-83FC2F7E6901}"/>
+                <a16:creationId xmlns:a16="http://schemas.microsoft.com/office/drawing/2014/main" id="{E540DAE3-C179-4C9E-AF79-83FC2F7E6901}"/>
               </a:ext>
             </a:extLst>
           </p:cNvPr>
@@ -2980,7 +2906,7 @@
           <p:cNvPr id="3" name="부제목 2">
             <a:extLst>
               <a:ext uri="{FF2B5EF4-FFF2-40B4-BE49-F238E27FC236}">
-                <a16:creationId xmlns:a16="http://schemas.microsoft.com/office/drawing/2014/main" xmlns="" id="{088A386E-0C58-406B-BF0E-37A1DC646E1C}"/>
+                <a16:creationId xmlns:a16="http://schemas.microsoft.com/office/drawing/2014/main" id="{088A386E-0C58-406B-BF0E-37A1DC646E1C}"/>
               </a:ext>
             </a:extLst>
           </p:cNvPr>
@@ -3050,7 +2976,7 @@
           <p:cNvPr id="4" name="날짜 개체 틀 3">
             <a:extLst>
               <a:ext uri="{FF2B5EF4-FFF2-40B4-BE49-F238E27FC236}">
-                <a16:creationId xmlns:a16="http://schemas.microsoft.com/office/drawing/2014/main" xmlns="" id="{CF9BD2F5-890C-4789-A8D7-94BDD48A9E2C}"/>
+                <a16:creationId xmlns:a16="http://schemas.microsoft.com/office/drawing/2014/main" id="{CF9BD2F5-890C-4789-A8D7-94BDD48A9E2C}"/>
               </a:ext>
             </a:extLst>
           </p:cNvPr>
@@ -3068,7 +2994,7 @@
           <a:p>
             <a:fld id="{BF6E7CB9-552A-40FD-8E25-6C9525410464}" type="datetimeFigureOut">
               <a:rPr lang="ko-KR" altLang="en-US" smtClean="0"/>
-              <a:t>2022-04-25</a:t>
+              <a:t>2022-04-26</a:t>
             </a:fld>
             <a:endParaRPr lang="ko-KR" altLang="en-US"/>
           </a:p>
@@ -3079,7 +3005,7 @@
           <p:cNvPr id="5" name="바닥글 개체 틀 4">
             <a:extLst>
               <a:ext uri="{FF2B5EF4-FFF2-40B4-BE49-F238E27FC236}">
-                <a16:creationId xmlns:a16="http://schemas.microsoft.com/office/drawing/2014/main" xmlns="" id="{E83B01E0-52A1-43F7-9DDA-1567A03C87EF}"/>
+                <a16:creationId xmlns:a16="http://schemas.microsoft.com/office/drawing/2014/main" id="{E83B01E0-52A1-43F7-9DDA-1567A03C87EF}"/>
               </a:ext>
             </a:extLst>
           </p:cNvPr>
@@ -3104,7 +3030,7 @@
           <p:cNvPr id="6" name="슬라이드 번호 개체 틀 5">
             <a:extLst>
               <a:ext uri="{FF2B5EF4-FFF2-40B4-BE49-F238E27FC236}">
-                <a16:creationId xmlns:a16="http://schemas.microsoft.com/office/drawing/2014/main" xmlns="" id="{E15E1083-0233-4C16-87A0-6018B16573DA}"/>
+                <a16:creationId xmlns:a16="http://schemas.microsoft.com/office/drawing/2014/main" id="{E15E1083-0233-4C16-87A0-6018B16573DA}"/>
               </a:ext>
             </a:extLst>
           </p:cNvPr>
@@ -3163,7 +3089,7 @@
           <p:cNvPr id="2" name="제목 1">
             <a:extLst>
               <a:ext uri="{FF2B5EF4-FFF2-40B4-BE49-F238E27FC236}">
-                <a16:creationId xmlns:a16="http://schemas.microsoft.com/office/drawing/2014/main" xmlns="" id="{B8FC7D2F-FC24-4489-A8C1-4EDB520BC718}"/>
+                <a16:creationId xmlns:a16="http://schemas.microsoft.com/office/drawing/2014/main" id="{B8FC7D2F-FC24-4489-A8C1-4EDB520BC718}"/>
               </a:ext>
             </a:extLst>
           </p:cNvPr>
@@ -3191,7 +3117,7 @@
           <p:cNvPr id="3" name="세로 텍스트 개체 틀 2">
             <a:extLst>
               <a:ext uri="{FF2B5EF4-FFF2-40B4-BE49-F238E27FC236}">
-                <a16:creationId xmlns:a16="http://schemas.microsoft.com/office/drawing/2014/main" xmlns="" id="{73C91149-F52C-4826-B785-266A652E5F88}"/>
+                <a16:creationId xmlns:a16="http://schemas.microsoft.com/office/drawing/2014/main" id="{73C91149-F52C-4826-B785-266A652E5F88}"/>
               </a:ext>
             </a:extLst>
           </p:cNvPr>
@@ -3248,7 +3174,7 @@
           <p:cNvPr id="4" name="날짜 개체 틀 3">
             <a:extLst>
               <a:ext uri="{FF2B5EF4-FFF2-40B4-BE49-F238E27FC236}">
-                <a16:creationId xmlns:a16="http://schemas.microsoft.com/office/drawing/2014/main" xmlns="" id="{E22AB15C-5CDB-4CE9-B369-1BBA7BEA516C}"/>
+                <a16:creationId xmlns:a16="http://schemas.microsoft.com/office/drawing/2014/main" id="{E22AB15C-5CDB-4CE9-B369-1BBA7BEA516C}"/>
               </a:ext>
             </a:extLst>
           </p:cNvPr>
@@ -3266,7 +3192,7 @@
           <a:p>
             <a:fld id="{BF6E7CB9-552A-40FD-8E25-6C9525410464}" type="datetimeFigureOut">
               <a:rPr lang="ko-KR" altLang="en-US" smtClean="0"/>
-              <a:t>2022-04-25</a:t>
+              <a:t>2022-04-26</a:t>
             </a:fld>
             <a:endParaRPr lang="ko-KR" altLang="en-US"/>
           </a:p>
@@ -3277,7 +3203,7 @@
           <p:cNvPr id="5" name="바닥글 개체 틀 4">
             <a:extLst>
               <a:ext uri="{FF2B5EF4-FFF2-40B4-BE49-F238E27FC236}">
-                <a16:creationId xmlns:a16="http://schemas.microsoft.com/office/drawing/2014/main" xmlns="" id="{9BF2C6A2-C5E0-4A04-9956-9E57F3C2E7DC}"/>
+                <a16:creationId xmlns:a16="http://schemas.microsoft.com/office/drawing/2014/main" id="{9BF2C6A2-C5E0-4A04-9956-9E57F3C2E7DC}"/>
               </a:ext>
             </a:extLst>
           </p:cNvPr>
@@ -3302,7 +3228,7 @@
           <p:cNvPr id="6" name="슬라이드 번호 개체 틀 5">
             <a:extLst>
               <a:ext uri="{FF2B5EF4-FFF2-40B4-BE49-F238E27FC236}">
-                <a16:creationId xmlns:a16="http://schemas.microsoft.com/office/drawing/2014/main" xmlns="" id="{4C7EEFE6-CF05-4FE5-87E5-BDB8F6EC28E6}"/>
+                <a16:creationId xmlns:a16="http://schemas.microsoft.com/office/drawing/2014/main" id="{4C7EEFE6-CF05-4FE5-87E5-BDB8F6EC28E6}"/>
               </a:ext>
             </a:extLst>
           </p:cNvPr>
@@ -3361,7 +3287,7 @@
           <p:cNvPr id="2" name="세로 제목 1">
             <a:extLst>
               <a:ext uri="{FF2B5EF4-FFF2-40B4-BE49-F238E27FC236}">
-                <a16:creationId xmlns:a16="http://schemas.microsoft.com/office/drawing/2014/main" xmlns="" id="{768492B9-9950-410E-BCA2-EB45365F3063}"/>
+                <a16:creationId xmlns:a16="http://schemas.microsoft.com/office/drawing/2014/main" id="{768492B9-9950-410E-BCA2-EB45365F3063}"/>
               </a:ext>
             </a:extLst>
           </p:cNvPr>
@@ -3394,7 +3320,7 @@
           <p:cNvPr id="3" name="세로 텍스트 개체 틀 2">
             <a:extLst>
               <a:ext uri="{FF2B5EF4-FFF2-40B4-BE49-F238E27FC236}">
-                <a16:creationId xmlns:a16="http://schemas.microsoft.com/office/drawing/2014/main" xmlns="" id="{371CEE5F-8B8D-4D1C-9C86-31999DC4F1CB}"/>
+                <a16:creationId xmlns:a16="http://schemas.microsoft.com/office/drawing/2014/main" id="{371CEE5F-8B8D-4D1C-9C86-31999DC4F1CB}"/>
               </a:ext>
             </a:extLst>
           </p:cNvPr>
@@ -3456,7 +3382,7 @@
           <p:cNvPr id="4" name="날짜 개체 틀 3">
             <a:extLst>
               <a:ext uri="{FF2B5EF4-FFF2-40B4-BE49-F238E27FC236}">
-                <a16:creationId xmlns:a16="http://schemas.microsoft.com/office/drawing/2014/main" xmlns="" id="{462AAC8E-4157-4AF2-9456-51155B87D1C2}"/>
+                <a16:creationId xmlns:a16="http://schemas.microsoft.com/office/drawing/2014/main" id="{462AAC8E-4157-4AF2-9456-51155B87D1C2}"/>
               </a:ext>
             </a:extLst>
           </p:cNvPr>
@@ -3474,7 +3400,7 @@
           <a:p>
             <a:fld id="{BF6E7CB9-552A-40FD-8E25-6C9525410464}" type="datetimeFigureOut">
               <a:rPr lang="ko-KR" altLang="en-US" smtClean="0"/>
-              <a:t>2022-04-25</a:t>
+              <a:t>2022-04-26</a:t>
             </a:fld>
             <a:endParaRPr lang="ko-KR" altLang="en-US"/>
           </a:p>
@@ -3485,7 +3411,7 @@
           <p:cNvPr id="5" name="바닥글 개체 틀 4">
             <a:extLst>
               <a:ext uri="{FF2B5EF4-FFF2-40B4-BE49-F238E27FC236}">
-                <a16:creationId xmlns:a16="http://schemas.microsoft.com/office/drawing/2014/main" xmlns="" id="{0240787F-F432-4440-AC66-0757C833A934}"/>
+                <a16:creationId xmlns:a16="http://schemas.microsoft.com/office/drawing/2014/main" id="{0240787F-F432-4440-AC66-0757C833A934}"/>
               </a:ext>
             </a:extLst>
           </p:cNvPr>
@@ -3510,7 +3436,7 @@
           <p:cNvPr id="6" name="슬라이드 번호 개체 틀 5">
             <a:extLst>
               <a:ext uri="{FF2B5EF4-FFF2-40B4-BE49-F238E27FC236}">
-                <a16:creationId xmlns:a16="http://schemas.microsoft.com/office/drawing/2014/main" xmlns="" id="{71FF5C59-7269-4F5B-8E9A-8AA15EA9C293}"/>
+                <a16:creationId xmlns:a16="http://schemas.microsoft.com/office/drawing/2014/main" id="{71FF5C59-7269-4F5B-8E9A-8AA15EA9C293}"/>
               </a:ext>
             </a:extLst>
           </p:cNvPr>
@@ -3569,7 +3495,7 @@
           <p:cNvPr id="2" name="제목 1">
             <a:extLst>
               <a:ext uri="{FF2B5EF4-FFF2-40B4-BE49-F238E27FC236}">
-                <a16:creationId xmlns:a16="http://schemas.microsoft.com/office/drawing/2014/main" xmlns="" id="{97913FD6-957E-4BEA-834B-761D591502F2}"/>
+                <a16:creationId xmlns:a16="http://schemas.microsoft.com/office/drawing/2014/main" id="{97913FD6-957E-4BEA-834B-761D591502F2}"/>
               </a:ext>
             </a:extLst>
           </p:cNvPr>
@@ -3597,7 +3523,7 @@
           <p:cNvPr id="3" name="내용 개체 틀 2">
             <a:extLst>
               <a:ext uri="{FF2B5EF4-FFF2-40B4-BE49-F238E27FC236}">
-                <a16:creationId xmlns:a16="http://schemas.microsoft.com/office/drawing/2014/main" xmlns="" id="{8301424C-1A38-4C57-8700-B02A03E33810}"/>
+                <a16:creationId xmlns:a16="http://schemas.microsoft.com/office/drawing/2014/main" id="{8301424C-1A38-4C57-8700-B02A03E33810}"/>
               </a:ext>
             </a:extLst>
           </p:cNvPr>
@@ -3654,7 +3580,7 @@
           <p:cNvPr id="4" name="날짜 개체 틀 3">
             <a:extLst>
               <a:ext uri="{FF2B5EF4-FFF2-40B4-BE49-F238E27FC236}">
-                <a16:creationId xmlns:a16="http://schemas.microsoft.com/office/drawing/2014/main" xmlns="" id="{030497B0-0B75-4617-A1CC-8A85FEA0376C}"/>
+                <a16:creationId xmlns:a16="http://schemas.microsoft.com/office/drawing/2014/main" id="{030497B0-0B75-4617-A1CC-8A85FEA0376C}"/>
               </a:ext>
             </a:extLst>
           </p:cNvPr>
@@ -3672,7 +3598,7 @@
           <a:p>
             <a:fld id="{BF6E7CB9-552A-40FD-8E25-6C9525410464}" type="datetimeFigureOut">
               <a:rPr lang="ko-KR" altLang="en-US" smtClean="0"/>
-              <a:t>2022-04-25</a:t>
+              <a:t>2022-04-26</a:t>
             </a:fld>
             <a:endParaRPr lang="ko-KR" altLang="en-US"/>
           </a:p>
@@ -3683,7 +3609,7 @@
           <p:cNvPr id="5" name="바닥글 개체 틀 4">
             <a:extLst>
               <a:ext uri="{FF2B5EF4-FFF2-40B4-BE49-F238E27FC236}">
-                <a16:creationId xmlns:a16="http://schemas.microsoft.com/office/drawing/2014/main" xmlns="" id="{4F50544B-3E1B-4074-9140-D1144E6E7EF3}"/>
+                <a16:creationId xmlns:a16="http://schemas.microsoft.com/office/drawing/2014/main" id="{4F50544B-3E1B-4074-9140-D1144E6E7EF3}"/>
               </a:ext>
             </a:extLst>
           </p:cNvPr>
@@ -3708,7 +3634,7 @@
           <p:cNvPr id="6" name="슬라이드 번호 개체 틀 5">
             <a:extLst>
               <a:ext uri="{FF2B5EF4-FFF2-40B4-BE49-F238E27FC236}">
-                <a16:creationId xmlns:a16="http://schemas.microsoft.com/office/drawing/2014/main" xmlns="" id="{9F547240-F9EF-4932-A818-031B8CD721A1}"/>
+                <a16:creationId xmlns:a16="http://schemas.microsoft.com/office/drawing/2014/main" id="{9F547240-F9EF-4932-A818-031B8CD721A1}"/>
               </a:ext>
             </a:extLst>
           </p:cNvPr>
@@ -3767,7 +3693,7 @@
           <p:cNvPr id="2" name="제목 1">
             <a:extLst>
               <a:ext uri="{FF2B5EF4-FFF2-40B4-BE49-F238E27FC236}">
-                <a16:creationId xmlns:a16="http://schemas.microsoft.com/office/drawing/2014/main" xmlns="" id="{2C35B9DA-006E-425B-9EA6-5D836F8CF65A}"/>
+                <a16:creationId xmlns:a16="http://schemas.microsoft.com/office/drawing/2014/main" id="{2C35B9DA-006E-425B-9EA6-5D836F8CF65A}"/>
               </a:ext>
             </a:extLst>
           </p:cNvPr>
@@ -3804,7 +3730,7 @@
           <p:cNvPr id="3" name="텍스트 개체 틀 2">
             <a:extLst>
               <a:ext uri="{FF2B5EF4-FFF2-40B4-BE49-F238E27FC236}">
-                <a16:creationId xmlns:a16="http://schemas.microsoft.com/office/drawing/2014/main" xmlns="" id="{E4111410-5480-4488-A7C6-3A8AA0E1A3DF}"/>
+                <a16:creationId xmlns:a16="http://schemas.microsoft.com/office/drawing/2014/main" id="{E4111410-5480-4488-A7C6-3A8AA0E1A3DF}"/>
               </a:ext>
             </a:extLst>
           </p:cNvPr>
@@ -3929,7 +3855,7 @@
           <p:cNvPr id="4" name="날짜 개체 틀 3">
             <a:extLst>
               <a:ext uri="{FF2B5EF4-FFF2-40B4-BE49-F238E27FC236}">
-                <a16:creationId xmlns:a16="http://schemas.microsoft.com/office/drawing/2014/main" xmlns="" id="{E96463DC-A7D3-42D2-94B8-45C8C527600F}"/>
+                <a16:creationId xmlns:a16="http://schemas.microsoft.com/office/drawing/2014/main" id="{E96463DC-A7D3-42D2-94B8-45C8C527600F}"/>
               </a:ext>
             </a:extLst>
           </p:cNvPr>
@@ -3947,7 +3873,7 @@
           <a:p>
             <a:fld id="{BF6E7CB9-552A-40FD-8E25-6C9525410464}" type="datetimeFigureOut">
               <a:rPr lang="ko-KR" altLang="en-US" smtClean="0"/>
-              <a:t>2022-04-25</a:t>
+              <a:t>2022-04-26</a:t>
             </a:fld>
             <a:endParaRPr lang="ko-KR" altLang="en-US"/>
           </a:p>
@@ -3958,7 +3884,7 @@
           <p:cNvPr id="5" name="바닥글 개체 틀 4">
             <a:extLst>
               <a:ext uri="{FF2B5EF4-FFF2-40B4-BE49-F238E27FC236}">
-                <a16:creationId xmlns:a16="http://schemas.microsoft.com/office/drawing/2014/main" xmlns="" id="{DBA6EE3A-C25D-4C9B-8442-30BDF14D86AD}"/>
+                <a16:creationId xmlns:a16="http://schemas.microsoft.com/office/drawing/2014/main" id="{DBA6EE3A-C25D-4C9B-8442-30BDF14D86AD}"/>
               </a:ext>
             </a:extLst>
           </p:cNvPr>
@@ -3983,7 +3909,7 @@
           <p:cNvPr id="6" name="슬라이드 번호 개체 틀 5">
             <a:extLst>
               <a:ext uri="{FF2B5EF4-FFF2-40B4-BE49-F238E27FC236}">
-                <a16:creationId xmlns:a16="http://schemas.microsoft.com/office/drawing/2014/main" xmlns="" id="{55D02F37-2CAF-42A2-A6CB-BEF4AE69E69E}"/>
+                <a16:creationId xmlns:a16="http://schemas.microsoft.com/office/drawing/2014/main" id="{55D02F37-2CAF-42A2-A6CB-BEF4AE69E69E}"/>
               </a:ext>
             </a:extLst>
           </p:cNvPr>
@@ -4042,7 +3968,7 @@
           <p:cNvPr id="2" name="제목 1">
             <a:extLst>
               <a:ext uri="{FF2B5EF4-FFF2-40B4-BE49-F238E27FC236}">
-                <a16:creationId xmlns:a16="http://schemas.microsoft.com/office/drawing/2014/main" xmlns="" id="{B607C7CB-EDCD-47BD-B147-D2E464154F8B}"/>
+                <a16:creationId xmlns:a16="http://schemas.microsoft.com/office/drawing/2014/main" id="{B607C7CB-EDCD-47BD-B147-D2E464154F8B}"/>
               </a:ext>
             </a:extLst>
           </p:cNvPr>
@@ -4070,7 +3996,7 @@
           <p:cNvPr id="3" name="내용 개체 틀 2">
             <a:extLst>
               <a:ext uri="{FF2B5EF4-FFF2-40B4-BE49-F238E27FC236}">
-                <a16:creationId xmlns:a16="http://schemas.microsoft.com/office/drawing/2014/main" xmlns="" id="{A9DBE5C1-56EA-4C96-A15A-2DB55575A7D6}"/>
+                <a16:creationId xmlns:a16="http://schemas.microsoft.com/office/drawing/2014/main" id="{A9DBE5C1-56EA-4C96-A15A-2DB55575A7D6}"/>
               </a:ext>
             </a:extLst>
           </p:cNvPr>
@@ -4132,7 +4058,7 @@
           <p:cNvPr id="4" name="내용 개체 틀 3">
             <a:extLst>
               <a:ext uri="{FF2B5EF4-FFF2-40B4-BE49-F238E27FC236}">
-                <a16:creationId xmlns:a16="http://schemas.microsoft.com/office/drawing/2014/main" xmlns="" id="{B8F5117D-34EE-4270-A510-2F59E8BA904C}"/>
+                <a16:creationId xmlns:a16="http://schemas.microsoft.com/office/drawing/2014/main" id="{B8F5117D-34EE-4270-A510-2F59E8BA904C}"/>
               </a:ext>
             </a:extLst>
           </p:cNvPr>
@@ -4194,7 +4120,7 @@
           <p:cNvPr id="5" name="날짜 개체 틀 4">
             <a:extLst>
               <a:ext uri="{FF2B5EF4-FFF2-40B4-BE49-F238E27FC236}">
-                <a16:creationId xmlns:a16="http://schemas.microsoft.com/office/drawing/2014/main" xmlns="" id="{F0B6DA34-E971-4421-A90F-1C46B5220BFD}"/>
+                <a16:creationId xmlns:a16="http://schemas.microsoft.com/office/drawing/2014/main" id="{F0B6DA34-E971-4421-A90F-1C46B5220BFD}"/>
               </a:ext>
             </a:extLst>
           </p:cNvPr>
@@ -4212,7 +4138,7 @@
           <a:p>
             <a:fld id="{BF6E7CB9-552A-40FD-8E25-6C9525410464}" type="datetimeFigureOut">
               <a:rPr lang="ko-KR" altLang="en-US" smtClean="0"/>
-              <a:t>2022-04-25</a:t>
+              <a:t>2022-04-26</a:t>
             </a:fld>
             <a:endParaRPr lang="ko-KR" altLang="en-US"/>
           </a:p>
@@ -4223,7 +4149,7 @@
           <p:cNvPr id="6" name="바닥글 개체 틀 5">
             <a:extLst>
               <a:ext uri="{FF2B5EF4-FFF2-40B4-BE49-F238E27FC236}">
-                <a16:creationId xmlns:a16="http://schemas.microsoft.com/office/drawing/2014/main" xmlns="" id="{67AA0CD2-795A-4383-B917-17EB4E22F464}"/>
+                <a16:creationId xmlns:a16="http://schemas.microsoft.com/office/drawing/2014/main" id="{67AA0CD2-795A-4383-B917-17EB4E22F464}"/>
               </a:ext>
             </a:extLst>
           </p:cNvPr>
@@ -4248,7 +4174,7 @@
           <p:cNvPr id="7" name="슬라이드 번호 개체 틀 6">
             <a:extLst>
               <a:ext uri="{FF2B5EF4-FFF2-40B4-BE49-F238E27FC236}">
-                <a16:creationId xmlns:a16="http://schemas.microsoft.com/office/drawing/2014/main" xmlns="" id="{34CD3501-3F70-4144-8CFB-8D27723FE202}"/>
+                <a16:creationId xmlns:a16="http://schemas.microsoft.com/office/drawing/2014/main" id="{34CD3501-3F70-4144-8CFB-8D27723FE202}"/>
               </a:ext>
             </a:extLst>
           </p:cNvPr>
@@ -4307,7 +4233,7 @@
           <p:cNvPr id="2" name="제목 1">
             <a:extLst>
               <a:ext uri="{FF2B5EF4-FFF2-40B4-BE49-F238E27FC236}">
-                <a16:creationId xmlns:a16="http://schemas.microsoft.com/office/drawing/2014/main" xmlns="" id="{FF7DC413-BB49-42D2-9EC2-0B4D08A8D836}"/>
+                <a16:creationId xmlns:a16="http://schemas.microsoft.com/office/drawing/2014/main" id="{FF7DC413-BB49-42D2-9EC2-0B4D08A8D836}"/>
               </a:ext>
             </a:extLst>
           </p:cNvPr>
@@ -4340,7 +4266,7 @@
           <p:cNvPr id="3" name="텍스트 개체 틀 2">
             <a:extLst>
               <a:ext uri="{FF2B5EF4-FFF2-40B4-BE49-F238E27FC236}">
-                <a16:creationId xmlns:a16="http://schemas.microsoft.com/office/drawing/2014/main" xmlns="" id="{FC2CE0B5-D47E-4030-A1BC-881714FA3FBB}"/>
+                <a16:creationId xmlns:a16="http://schemas.microsoft.com/office/drawing/2014/main" id="{FC2CE0B5-D47E-4030-A1BC-881714FA3FBB}"/>
               </a:ext>
             </a:extLst>
           </p:cNvPr>
@@ -4411,7 +4337,7 @@
           <p:cNvPr id="4" name="내용 개체 틀 3">
             <a:extLst>
               <a:ext uri="{FF2B5EF4-FFF2-40B4-BE49-F238E27FC236}">
-                <a16:creationId xmlns:a16="http://schemas.microsoft.com/office/drawing/2014/main" xmlns="" id="{7FA98280-17C0-4276-A608-FC8867EAF473}"/>
+                <a16:creationId xmlns:a16="http://schemas.microsoft.com/office/drawing/2014/main" id="{7FA98280-17C0-4276-A608-FC8867EAF473}"/>
               </a:ext>
             </a:extLst>
           </p:cNvPr>
@@ -4473,7 +4399,7 @@
           <p:cNvPr id="5" name="텍스트 개체 틀 4">
             <a:extLst>
               <a:ext uri="{FF2B5EF4-FFF2-40B4-BE49-F238E27FC236}">
-                <a16:creationId xmlns:a16="http://schemas.microsoft.com/office/drawing/2014/main" xmlns="" id="{FF8528D5-F43B-4323-A0C4-70E303AA8C28}"/>
+                <a16:creationId xmlns:a16="http://schemas.microsoft.com/office/drawing/2014/main" id="{FF8528D5-F43B-4323-A0C4-70E303AA8C28}"/>
               </a:ext>
             </a:extLst>
           </p:cNvPr>
@@ -4544,7 +4470,7 @@
           <p:cNvPr id="6" name="내용 개체 틀 5">
             <a:extLst>
               <a:ext uri="{FF2B5EF4-FFF2-40B4-BE49-F238E27FC236}">
-                <a16:creationId xmlns:a16="http://schemas.microsoft.com/office/drawing/2014/main" xmlns="" id="{895BCC2B-DD4F-4CD8-9624-9DAD949A3E21}"/>
+                <a16:creationId xmlns:a16="http://schemas.microsoft.com/office/drawing/2014/main" id="{895BCC2B-DD4F-4CD8-9624-9DAD949A3E21}"/>
               </a:ext>
             </a:extLst>
           </p:cNvPr>
@@ -4606,7 +4532,7 @@
           <p:cNvPr id="7" name="날짜 개체 틀 6">
             <a:extLst>
               <a:ext uri="{FF2B5EF4-FFF2-40B4-BE49-F238E27FC236}">
-                <a16:creationId xmlns:a16="http://schemas.microsoft.com/office/drawing/2014/main" xmlns="" id="{5039F14E-6017-4A00-86F1-B0097F804407}"/>
+                <a16:creationId xmlns:a16="http://schemas.microsoft.com/office/drawing/2014/main" id="{5039F14E-6017-4A00-86F1-B0097F804407}"/>
               </a:ext>
             </a:extLst>
           </p:cNvPr>
@@ -4624,7 +4550,7 @@
           <a:p>
             <a:fld id="{BF6E7CB9-552A-40FD-8E25-6C9525410464}" type="datetimeFigureOut">
               <a:rPr lang="ko-KR" altLang="en-US" smtClean="0"/>
-              <a:t>2022-04-25</a:t>
+              <a:t>2022-04-26</a:t>
             </a:fld>
             <a:endParaRPr lang="ko-KR" altLang="en-US"/>
           </a:p>
@@ -4635,7 +4561,7 @@
           <p:cNvPr id="8" name="바닥글 개체 틀 7">
             <a:extLst>
               <a:ext uri="{FF2B5EF4-FFF2-40B4-BE49-F238E27FC236}">
-                <a16:creationId xmlns:a16="http://schemas.microsoft.com/office/drawing/2014/main" xmlns="" id="{E31B008D-F7AC-4162-A26C-6809689C891C}"/>
+                <a16:creationId xmlns:a16="http://schemas.microsoft.com/office/drawing/2014/main" id="{E31B008D-F7AC-4162-A26C-6809689C891C}"/>
               </a:ext>
             </a:extLst>
           </p:cNvPr>
@@ -4660,7 +4586,7 @@
           <p:cNvPr id="9" name="슬라이드 번호 개체 틀 8">
             <a:extLst>
               <a:ext uri="{FF2B5EF4-FFF2-40B4-BE49-F238E27FC236}">
-                <a16:creationId xmlns:a16="http://schemas.microsoft.com/office/drawing/2014/main" xmlns="" id="{B461FCAB-3FD8-48F4-BE02-31CBBB297DA5}"/>
+                <a16:creationId xmlns:a16="http://schemas.microsoft.com/office/drawing/2014/main" id="{B461FCAB-3FD8-48F4-BE02-31CBBB297DA5}"/>
               </a:ext>
             </a:extLst>
           </p:cNvPr>
@@ -4719,7 +4645,7 @@
           <p:cNvPr id="2" name="제목 1">
             <a:extLst>
               <a:ext uri="{FF2B5EF4-FFF2-40B4-BE49-F238E27FC236}">
-                <a16:creationId xmlns:a16="http://schemas.microsoft.com/office/drawing/2014/main" xmlns="" id="{0475B495-6E02-4D99-8674-575BFDF06C5D}"/>
+                <a16:creationId xmlns:a16="http://schemas.microsoft.com/office/drawing/2014/main" id="{0475B495-6E02-4D99-8674-575BFDF06C5D}"/>
               </a:ext>
             </a:extLst>
           </p:cNvPr>
@@ -4747,7 +4673,7 @@
           <p:cNvPr id="3" name="날짜 개체 틀 2">
             <a:extLst>
               <a:ext uri="{FF2B5EF4-FFF2-40B4-BE49-F238E27FC236}">
-                <a16:creationId xmlns:a16="http://schemas.microsoft.com/office/drawing/2014/main" xmlns="" id="{8561D7CB-7B6B-497A-9DAB-E7B6D6F8260F}"/>
+                <a16:creationId xmlns:a16="http://schemas.microsoft.com/office/drawing/2014/main" id="{8561D7CB-7B6B-497A-9DAB-E7B6D6F8260F}"/>
               </a:ext>
             </a:extLst>
           </p:cNvPr>
@@ -4765,7 +4691,7 @@
           <a:p>
             <a:fld id="{BF6E7CB9-552A-40FD-8E25-6C9525410464}" type="datetimeFigureOut">
               <a:rPr lang="ko-KR" altLang="en-US" smtClean="0"/>
-              <a:t>2022-04-25</a:t>
+              <a:t>2022-04-26</a:t>
             </a:fld>
             <a:endParaRPr lang="ko-KR" altLang="en-US"/>
           </a:p>
@@ -4776,7 +4702,7 @@
           <p:cNvPr id="4" name="바닥글 개체 틀 3">
             <a:extLst>
               <a:ext uri="{FF2B5EF4-FFF2-40B4-BE49-F238E27FC236}">
-                <a16:creationId xmlns:a16="http://schemas.microsoft.com/office/drawing/2014/main" xmlns="" id="{62CFAA7F-0542-4A16-9AF4-8AB052B46CEB}"/>
+                <a16:creationId xmlns:a16="http://schemas.microsoft.com/office/drawing/2014/main" id="{62CFAA7F-0542-4A16-9AF4-8AB052B46CEB}"/>
               </a:ext>
             </a:extLst>
           </p:cNvPr>
@@ -4801,7 +4727,7 @@
           <p:cNvPr id="5" name="슬라이드 번호 개체 틀 4">
             <a:extLst>
               <a:ext uri="{FF2B5EF4-FFF2-40B4-BE49-F238E27FC236}">
-                <a16:creationId xmlns:a16="http://schemas.microsoft.com/office/drawing/2014/main" xmlns="" id="{2C589266-AAA0-4215-B396-8D1B161A12F3}"/>
+                <a16:creationId xmlns:a16="http://schemas.microsoft.com/office/drawing/2014/main" id="{2C589266-AAA0-4215-B396-8D1B161A12F3}"/>
               </a:ext>
             </a:extLst>
           </p:cNvPr>
@@ -4860,7 +4786,7 @@
           <p:cNvPr id="2" name="날짜 개체 틀 1">
             <a:extLst>
               <a:ext uri="{FF2B5EF4-FFF2-40B4-BE49-F238E27FC236}">
-                <a16:creationId xmlns:a16="http://schemas.microsoft.com/office/drawing/2014/main" xmlns="" id="{906C5F41-B810-4C26-9F9C-BF3186F9DC8B}"/>
+                <a16:creationId xmlns:a16="http://schemas.microsoft.com/office/drawing/2014/main" id="{906C5F41-B810-4C26-9F9C-BF3186F9DC8B}"/>
               </a:ext>
             </a:extLst>
           </p:cNvPr>
@@ -4878,7 +4804,7 @@
           <a:p>
             <a:fld id="{BF6E7CB9-552A-40FD-8E25-6C9525410464}" type="datetimeFigureOut">
               <a:rPr lang="ko-KR" altLang="en-US" smtClean="0"/>
-              <a:t>2022-04-25</a:t>
+              <a:t>2022-04-26</a:t>
             </a:fld>
             <a:endParaRPr lang="ko-KR" altLang="en-US"/>
           </a:p>
@@ -4889,7 +4815,7 @@
           <p:cNvPr id="3" name="바닥글 개체 틀 2">
             <a:extLst>
               <a:ext uri="{FF2B5EF4-FFF2-40B4-BE49-F238E27FC236}">
-                <a16:creationId xmlns:a16="http://schemas.microsoft.com/office/drawing/2014/main" xmlns="" id="{A0058D50-6FD4-4A54-8B64-894217493C26}"/>
+                <a16:creationId xmlns:a16="http://schemas.microsoft.com/office/drawing/2014/main" id="{A0058D50-6FD4-4A54-8B64-894217493C26}"/>
               </a:ext>
             </a:extLst>
           </p:cNvPr>
@@ -4914,7 +4840,7 @@
           <p:cNvPr id="4" name="슬라이드 번호 개체 틀 3">
             <a:extLst>
               <a:ext uri="{FF2B5EF4-FFF2-40B4-BE49-F238E27FC236}">
-                <a16:creationId xmlns:a16="http://schemas.microsoft.com/office/drawing/2014/main" xmlns="" id="{ED9F4029-E399-472A-B18D-551781AF617B}"/>
+                <a16:creationId xmlns:a16="http://schemas.microsoft.com/office/drawing/2014/main" id="{ED9F4029-E399-472A-B18D-551781AF617B}"/>
               </a:ext>
             </a:extLst>
           </p:cNvPr>
@@ -4973,7 +4899,7 @@
           <p:cNvPr id="2" name="제목 1">
             <a:extLst>
               <a:ext uri="{FF2B5EF4-FFF2-40B4-BE49-F238E27FC236}">
-                <a16:creationId xmlns:a16="http://schemas.microsoft.com/office/drawing/2014/main" xmlns="" id="{2C13B760-3AF1-46F8-84D4-39CCFDECC211}"/>
+                <a16:creationId xmlns:a16="http://schemas.microsoft.com/office/drawing/2014/main" id="{2C13B760-3AF1-46F8-84D4-39CCFDECC211}"/>
               </a:ext>
             </a:extLst>
           </p:cNvPr>
@@ -5010,7 +4936,7 @@
           <p:cNvPr id="3" name="내용 개체 틀 2">
             <a:extLst>
               <a:ext uri="{FF2B5EF4-FFF2-40B4-BE49-F238E27FC236}">
-                <a16:creationId xmlns:a16="http://schemas.microsoft.com/office/drawing/2014/main" xmlns="" id="{D289DF9C-6DF7-4B71-9A57-F93611F82B97}"/>
+                <a16:creationId xmlns:a16="http://schemas.microsoft.com/office/drawing/2014/main" id="{D289DF9C-6DF7-4B71-9A57-F93611F82B97}"/>
               </a:ext>
             </a:extLst>
           </p:cNvPr>
@@ -5100,7 +5026,7 @@
           <p:cNvPr id="4" name="텍스트 개체 틀 3">
             <a:extLst>
               <a:ext uri="{FF2B5EF4-FFF2-40B4-BE49-F238E27FC236}">
-                <a16:creationId xmlns:a16="http://schemas.microsoft.com/office/drawing/2014/main" xmlns="" id="{7524EE43-971C-4EEF-83D2-0821D6462237}"/>
+                <a16:creationId xmlns:a16="http://schemas.microsoft.com/office/drawing/2014/main" id="{7524EE43-971C-4EEF-83D2-0821D6462237}"/>
               </a:ext>
             </a:extLst>
           </p:cNvPr>
@@ -5171,7 +5097,7 @@
           <p:cNvPr id="5" name="날짜 개체 틀 4">
             <a:extLst>
               <a:ext uri="{FF2B5EF4-FFF2-40B4-BE49-F238E27FC236}">
-                <a16:creationId xmlns:a16="http://schemas.microsoft.com/office/drawing/2014/main" xmlns="" id="{60E4BA1F-7B15-4D0D-99FD-B46E633C346A}"/>
+                <a16:creationId xmlns:a16="http://schemas.microsoft.com/office/drawing/2014/main" id="{60E4BA1F-7B15-4D0D-99FD-B46E633C346A}"/>
               </a:ext>
             </a:extLst>
           </p:cNvPr>
@@ -5189,7 +5115,7 @@
           <a:p>
             <a:fld id="{BF6E7CB9-552A-40FD-8E25-6C9525410464}" type="datetimeFigureOut">
               <a:rPr lang="ko-KR" altLang="en-US" smtClean="0"/>
-              <a:t>2022-04-25</a:t>
+              <a:t>2022-04-26</a:t>
             </a:fld>
             <a:endParaRPr lang="ko-KR" altLang="en-US"/>
           </a:p>
@@ -5200,7 +5126,7 @@
           <p:cNvPr id="6" name="바닥글 개체 틀 5">
             <a:extLst>
               <a:ext uri="{FF2B5EF4-FFF2-40B4-BE49-F238E27FC236}">
-                <a16:creationId xmlns:a16="http://schemas.microsoft.com/office/drawing/2014/main" xmlns="" id="{070D0048-D51C-49E1-AD1F-5D4C536BDF22}"/>
+                <a16:creationId xmlns:a16="http://schemas.microsoft.com/office/drawing/2014/main" id="{070D0048-D51C-49E1-AD1F-5D4C536BDF22}"/>
               </a:ext>
             </a:extLst>
           </p:cNvPr>
@@ -5225,7 +5151,7 @@
           <p:cNvPr id="7" name="슬라이드 번호 개체 틀 6">
             <a:extLst>
               <a:ext uri="{FF2B5EF4-FFF2-40B4-BE49-F238E27FC236}">
-                <a16:creationId xmlns:a16="http://schemas.microsoft.com/office/drawing/2014/main" xmlns="" id="{21391C12-717C-4A5F-AE6F-C95B91F21B37}"/>
+                <a16:creationId xmlns:a16="http://schemas.microsoft.com/office/drawing/2014/main" id="{21391C12-717C-4A5F-AE6F-C95B91F21B37}"/>
               </a:ext>
             </a:extLst>
           </p:cNvPr>
@@ -5284,7 +5210,7 @@
           <p:cNvPr id="2" name="제목 1">
             <a:extLst>
               <a:ext uri="{FF2B5EF4-FFF2-40B4-BE49-F238E27FC236}">
-                <a16:creationId xmlns:a16="http://schemas.microsoft.com/office/drawing/2014/main" xmlns="" id="{F0CB4645-0EA9-4E51-B284-6181087781C4}"/>
+                <a16:creationId xmlns:a16="http://schemas.microsoft.com/office/drawing/2014/main" id="{F0CB4645-0EA9-4E51-B284-6181087781C4}"/>
               </a:ext>
             </a:extLst>
           </p:cNvPr>
@@ -5321,7 +5247,7 @@
           <p:cNvPr id="3" name="그림 개체 틀 2">
             <a:extLst>
               <a:ext uri="{FF2B5EF4-FFF2-40B4-BE49-F238E27FC236}">
-                <a16:creationId xmlns:a16="http://schemas.microsoft.com/office/drawing/2014/main" xmlns="" id="{9D84D8F3-D20F-41C1-A15B-0B9EA375A08B}"/>
+                <a16:creationId xmlns:a16="http://schemas.microsoft.com/office/drawing/2014/main" id="{9D84D8F3-D20F-41C1-A15B-0B9EA375A08B}"/>
               </a:ext>
             </a:extLst>
           </p:cNvPr>
@@ -5388,7 +5314,7 @@
           <p:cNvPr id="4" name="텍스트 개체 틀 3">
             <a:extLst>
               <a:ext uri="{FF2B5EF4-FFF2-40B4-BE49-F238E27FC236}">
-                <a16:creationId xmlns:a16="http://schemas.microsoft.com/office/drawing/2014/main" xmlns="" id="{02EBB64F-44CF-4D2F-8ECB-9C39F1D5FFC8}"/>
+                <a16:creationId xmlns:a16="http://schemas.microsoft.com/office/drawing/2014/main" id="{02EBB64F-44CF-4D2F-8ECB-9C39F1D5FFC8}"/>
               </a:ext>
             </a:extLst>
           </p:cNvPr>
@@ -5459,7 +5385,7 @@
           <p:cNvPr id="5" name="날짜 개체 틀 4">
             <a:extLst>
               <a:ext uri="{FF2B5EF4-FFF2-40B4-BE49-F238E27FC236}">
-                <a16:creationId xmlns:a16="http://schemas.microsoft.com/office/drawing/2014/main" xmlns="" id="{1EE7B873-705C-45FB-8AAD-245FCDD12A08}"/>
+                <a16:creationId xmlns:a16="http://schemas.microsoft.com/office/drawing/2014/main" id="{1EE7B873-705C-45FB-8AAD-245FCDD12A08}"/>
               </a:ext>
             </a:extLst>
           </p:cNvPr>
@@ -5477,7 +5403,7 @@
           <a:p>
             <a:fld id="{BF6E7CB9-552A-40FD-8E25-6C9525410464}" type="datetimeFigureOut">
               <a:rPr lang="ko-KR" altLang="en-US" smtClean="0"/>
-              <a:t>2022-04-25</a:t>
+              <a:t>2022-04-26</a:t>
             </a:fld>
             <a:endParaRPr lang="ko-KR" altLang="en-US"/>
           </a:p>
@@ -5488,7 +5414,7 @@
           <p:cNvPr id="6" name="바닥글 개체 틀 5">
             <a:extLst>
               <a:ext uri="{FF2B5EF4-FFF2-40B4-BE49-F238E27FC236}">
-                <a16:creationId xmlns:a16="http://schemas.microsoft.com/office/drawing/2014/main" xmlns="" id="{2DF9A977-11BA-4AA8-B9F7-A0A7AF0560AE}"/>
+                <a16:creationId xmlns:a16="http://schemas.microsoft.com/office/drawing/2014/main" id="{2DF9A977-11BA-4AA8-B9F7-A0A7AF0560AE}"/>
               </a:ext>
             </a:extLst>
           </p:cNvPr>
@@ -5513,7 +5439,7 @@
           <p:cNvPr id="7" name="슬라이드 번호 개체 틀 6">
             <a:extLst>
               <a:ext uri="{FF2B5EF4-FFF2-40B4-BE49-F238E27FC236}">
-                <a16:creationId xmlns:a16="http://schemas.microsoft.com/office/drawing/2014/main" xmlns="" id="{DB9ABAC7-1227-4F73-B300-2016CB7B72CB}"/>
+                <a16:creationId xmlns:a16="http://schemas.microsoft.com/office/drawing/2014/main" id="{DB9ABAC7-1227-4F73-B300-2016CB7B72CB}"/>
               </a:ext>
             </a:extLst>
           </p:cNvPr>
@@ -5580,7 +5506,7 @@
           <p:cNvPr id="2" name="제목 개체 틀 1">
             <a:extLst>
               <a:ext uri="{FF2B5EF4-FFF2-40B4-BE49-F238E27FC236}">
-                <a16:creationId xmlns:a16="http://schemas.microsoft.com/office/drawing/2014/main" xmlns="" id="{D77C8C97-640B-416B-8D4D-1D6BD9AB8973}"/>
+                <a16:creationId xmlns:a16="http://schemas.microsoft.com/office/drawing/2014/main" id="{D77C8C97-640B-416B-8D4D-1D6BD9AB8973}"/>
               </a:ext>
             </a:extLst>
           </p:cNvPr>
@@ -5618,7 +5544,7 @@
           <p:cNvPr id="3" name="텍스트 개체 틀 2">
             <a:extLst>
               <a:ext uri="{FF2B5EF4-FFF2-40B4-BE49-F238E27FC236}">
-                <a16:creationId xmlns:a16="http://schemas.microsoft.com/office/drawing/2014/main" xmlns="" id="{57C1B397-FFE0-4458-8CC9-D725DA31FAF6}"/>
+                <a16:creationId xmlns:a16="http://schemas.microsoft.com/office/drawing/2014/main" id="{57C1B397-FFE0-4458-8CC9-D725DA31FAF6}"/>
               </a:ext>
             </a:extLst>
           </p:cNvPr>
@@ -5685,7 +5611,7 @@
           <p:cNvPr id="4" name="날짜 개체 틀 3">
             <a:extLst>
               <a:ext uri="{FF2B5EF4-FFF2-40B4-BE49-F238E27FC236}">
-                <a16:creationId xmlns:a16="http://schemas.microsoft.com/office/drawing/2014/main" xmlns="" id="{703BE94D-8128-407D-95E2-2A2192283AB4}"/>
+                <a16:creationId xmlns:a16="http://schemas.microsoft.com/office/drawing/2014/main" id="{703BE94D-8128-407D-95E2-2A2192283AB4}"/>
               </a:ext>
             </a:extLst>
           </p:cNvPr>
@@ -5721,7 +5647,7 @@
           <a:p>
             <a:fld id="{BF6E7CB9-552A-40FD-8E25-6C9525410464}" type="datetimeFigureOut">
               <a:rPr lang="ko-KR" altLang="en-US" smtClean="0"/>
-              <a:t>2022-04-25</a:t>
+              <a:t>2022-04-26</a:t>
             </a:fld>
             <a:endParaRPr lang="ko-KR" altLang="en-US"/>
           </a:p>
@@ -5732,7 +5658,7 @@
           <p:cNvPr id="5" name="바닥글 개체 틀 4">
             <a:extLst>
               <a:ext uri="{FF2B5EF4-FFF2-40B4-BE49-F238E27FC236}">
-                <a16:creationId xmlns:a16="http://schemas.microsoft.com/office/drawing/2014/main" xmlns="" id="{2B3A5D15-8E7E-439A-BED1-DD844D1F80A2}"/>
+                <a16:creationId xmlns:a16="http://schemas.microsoft.com/office/drawing/2014/main" id="{2B3A5D15-8E7E-439A-BED1-DD844D1F80A2}"/>
               </a:ext>
             </a:extLst>
           </p:cNvPr>
@@ -5775,7 +5701,7 @@
           <p:cNvPr id="6" name="슬라이드 번호 개체 틀 5">
             <a:extLst>
               <a:ext uri="{FF2B5EF4-FFF2-40B4-BE49-F238E27FC236}">
-                <a16:creationId xmlns:a16="http://schemas.microsoft.com/office/drawing/2014/main" xmlns="" id="{2A4FAB7E-CE65-47EC-995A-12649E02AD3D}"/>
+                <a16:creationId xmlns:a16="http://schemas.microsoft.com/office/drawing/2014/main" id="{2A4FAB7E-CE65-47EC-995A-12649E02AD3D}"/>
               </a:ext>
             </a:extLst>
           </p:cNvPr>
@@ -6143,7 +6069,7 @@
           <p:cNvPr id="6" name="TextBox 5">
             <a:extLst>
               <a:ext uri="{FF2B5EF4-FFF2-40B4-BE49-F238E27FC236}">
-                <a16:creationId xmlns:a16="http://schemas.microsoft.com/office/drawing/2014/main" xmlns="" id="{C848FC5A-8510-4CD1-8A3C-C0639F994AD0}"/>
+                <a16:creationId xmlns:a16="http://schemas.microsoft.com/office/drawing/2014/main" id="{C848FC5A-8510-4CD1-8A3C-C0639F994AD0}"/>
               </a:ext>
             </a:extLst>
           </p:cNvPr>
@@ -6186,7 +6112,7 @@
           <p:cNvPr id="4" name="직사각형 3">
             <a:extLst>
               <a:ext uri="{FF2B5EF4-FFF2-40B4-BE49-F238E27FC236}">
-                <a16:creationId xmlns:a16="http://schemas.microsoft.com/office/drawing/2014/main" xmlns="" id="{3C1650F1-2974-4F07-BA45-FF69DC6F9B14}"/>
+                <a16:creationId xmlns:a16="http://schemas.microsoft.com/office/drawing/2014/main" id="{3C1650F1-2974-4F07-BA45-FF69DC6F9B14}"/>
               </a:ext>
             </a:extLst>
           </p:cNvPr>
@@ -6259,7 +6185,7 @@
           <p:cNvPr id="7" name="TextBox 6">
             <a:extLst>
               <a:ext uri="{FF2B5EF4-FFF2-40B4-BE49-F238E27FC236}">
-                <a16:creationId xmlns:a16="http://schemas.microsoft.com/office/drawing/2014/main" xmlns="" id="{C848FC5A-8510-4CD1-8A3C-C0639F994AD0}"/>
+                <a16:creationId xmlns:a16="http://schemas.microsoft.com/office/drawing/2014/main" id="{C848FC5A-8510-4CD1-8A3C-C0639F994AD0}"/>
               </a:ext>
             </a:extLst>
           </p:cNvPr>
@@ -6338,7 +6264,7 @@
           <p:cNvPr id="10" name="TextBox 9">
             <a:extLst>
               <a:ext uri="{FF2B5EF4-FFF2-40B4-BE49-F238E27FC236}">
-                <a16:creationId xmlns:a16="http://schemas.microsoft.com/office/drawing/2014/main" xmlns="" id="{C848FC5A-8510-4CD1-8A3C-C0639F994AD0}"/>
+                <a16:creationId xmlns:a16="http://schemas.microsoft.com/office/drawing/2014/main" id="{C848FC5A-8510-4CD1-8A3C-C0639F994AD0}"/>
               </a:ext>
             </a:extLst>
           </p:cNvPr>
@@ -6390,7 +6316,7 @@
           <p:cNvPr id="11" name="TextBox 10">
             <a:extLst>
               <a:ext uri="{FF2B5EF4-FFF2-40B4-BE49-F238E27FC236}">
-                <a16:creationId xmlns:a16="http://schemas.microsoft.com/office/drawing/2014/main" xmlns="" id="{C848FC5A-8510-4CD1-8A3C-C0639F994AD0}"/>
+                <a16:creationId xmlns:a16="http://schemas.microsoft.com/office/drawing/2014/main" id="{C848FC5A-8510-4CD1-8A3C-C0639F994AD0}"/>
               </a:ext>
             </a:extLst>
           </p:cNvPr>
@@ -6433,7 +6359,7 @@
           <p:cNvPr id="12" name="TextBox 11">
             <a:extLst>
               <a:ext uri="{FF2B5EF4-FFF2-40B4-BE49-F238E27FC236}">
-                <a16:creationId xmlns:a16="http://schemas.microsoft.com/office/drawing/2014/main" xmlns="" id="{C848FC5A-8510-4CD1-8A3C-C0639F994AD0}"/>
+                <a16:creationId xmlns:a16="http://schemas.microsoft.com/office/drawing/2014/main" id="{C848FC5A-8510-4CD1-8A3C-C0639F994AD0}"/>
               </a:ext>
             </a:extLst>
           </p:cNvPr>
@@ -6476,7 +6402,7 @@
           <p:cNvPr id="13" name="TextBox 12">
             <a:extLst>
               <a:ext uri="{FF2B5EF4-FFF2-40B4-BE49-F238E27FC236}">
-                <a16:creationId xmlns:a16="http://schemas.microsoft.com/office/drawing/2014/main" xmlns="" id="{C848FC5A-8510-4CD1-8A3C-C0639F994AD0}"/>
+                <a16:creationId xmlns:a16="http://schemas.microsoft.com/office/drawing/2014/main" id="{C848FC5A-8510-4CD1-8A3C-C0639F994AD0}"/>
               </a:ext>
             </a:extLst>
           </p:cNvPr>
@@ -6519,7 +6445,7 @@
           <p:cNvPr id="15" name="TextBox 14">
             <a:extLst>
               <a:ext uri="{FF2B5EF4-FFF2-40B4-BE49-F238E27FC236}">
-                <a16:creationId xmlns:a16="http://schemas.microsoft.com/office/drawing/2014/main" xmlns="" id="{C848FC5A-8510-4CD1-8A3C-C0639F994AD0}"/>
+                <a16:creationId xmlns:a16="http://schemas.microsoft.com/office/drawing/2014/main" id="{C848FC5A-8510-4CD1-8A3C-C0639F994AD0}"/>
               </a:ext>
             </a:extLst>
           </p:cNvPr>
@@ -6572,7 +6498,7 @@
           <p:cNvPr id="16" name="TextBox 15">
             <a:extLst>
               <a:ext uri="{FF2B5EF4-FFF2-40B4-BE49-F238E27FC236}">
-                <a16:creationId xmlns:a16="http://schemas.microsoft.com/office/drawing/2014/main" xmlns="" id="{C848FC5A-8510-4CD1-8A3C-C0639F994AD0}"/>
+                <a16:creationId xmlns:a16="http://schemas.microsoft.com/office/drawing/2014/main" id="{C848FC5A-8510-4CD1-8A3C-C0639F994AD0}"/>
               </a:ext>
             </a:extLst>
           </p:cNvPr>
@@ -6625,7 +6551,7 @@
           <p:cNvPr id="17" name="TextBox 16">
             <a:extLst>
               <a:ext uri="{FF2B5EF4-FFF2-40B4-BE49-F238E27FC236}">
-                <a16:creationId xmlns:a16="http://schemas.microsoft.com/office/drawing/2014/main" xmlns="" id="{C848FC5A-8510-4CD1-8A3C-C0639F994AD0}"/>
+                <a16:creationId xmlns:a16="http://schemas.microsoft.com/office/drawing/2014/main" id="{C848FC5A-8510-4CD1-8A3C-C0639F994AD0}"/>
               </a:ext>
             </a:extLst>
           </p:cNvPr>
@@ -6701,7 +6627,7 @@
           <p:cNvPr id="18" name="TextBox 17">
             <a:extLst>
               <a:ext uri="{FF2B5EF4-FFF2-40B4-BE49-F238E27FC236}">
-                <a16:creationId xmlns:a16="http://schemas.microsoft.com/office/drawing/2014/main" xmlns="" id="{C848FC5A-8510-4CD1-8A3C-C0639F994AD0}"/>
+                <a16:creationId xmlns:a16="http://schemas.microsoft.com/office/drawing/2014/main" id="{C848FC5A-8510-4CD1-8A3C-C0639F994AD0}"/>
               </a:ext>
             </a:extLst>
           </p:cNvPr>
@@ -6758,13 +6684,13 @@
   <p:clrMapOvr>
     <a:masterClrMapping/>
   </p:clrMapOvr>
-  <mc:AlternateContent xmlns:mc="http://schemas.openxmlformats.org/markup-compatibility/2006">
-    <mc:Choice xmlns:p159="http://schemas.microsoft.com/office/powerpoint/2015/09/main" xmlns="" Requires="p159">
+  <mc:AlternateContent xmlns:mc="http://schemas.openxmlformats.org/markup-compatibility/2006" xmlns:p159="http://schemas.microsoft.com/office/powerpoint/2015/09/main">
+    <mc:Choice Requires="p159">
       <p:transition xmlns:p14="http://schemas.microsoft.com/office/powerpoint/2010/main" spd="slow" p14:dur="2000">
         <p159:morph option="byObject"/>
       </p:transition>
     </mc:Choice>
-    <mc:Fallback>
+    <mc:Fallback xmlns="">
       <p:transition spd="slow">
         <p:fade/>
       </p:transition>
@@ -6795,7 +6721,7 @@
           <p:cNvPr id="3" name="직선 연결선 2">
             <a:extLst>
               <a:ext uri="{FF2B5EF4-FFF2-40B4-BE49-F238E27FC236}">
-                <a16:creationId xmlns:a16="http://schemas.microsoft.com/office/drawing/2014/main" xmlns="" id="{F55676F0-C433-4456-BB57-3E5832581EF6}"/>
+                <a16:creationId xmlns:a16="http://schemas.microsoft.com/office/drawing/2014/main" id="{F55676F0-C433-4456-BB57-3E5832581EF6}"/>
               </a:ext>
             </a:extLst>
           </p:cNvPr>
@@ -6838,7 +6764,7 @@
           <p:cNvPr id="6" name="TextBox 5">
             <a:extLst>
               <a:ext uri="{FF2B5EF4-FFF2-40B4-BE49-F238E27FC236}">
-                <a16:creationId xmlns:a16="http://schemas.microsoft.com/office/drawing/2014/main" xmlns="" id="{C7B00371-8BBF-468F-BAB5-3B58CE59B669}"/>
+                <a16:creationId xmlns:a16="http://schemas.microsoft.com/office/drawing/2014/main" id="{C7B00371-8BBF-468F-BAB5-3B58CE59B669}"/>
               </a:ext>
             </a:extLst>
           </p:cNvPr>
@@ -6927,7 +6853,7 @@
           <p:cNvPr id="8" name="TextBox 7">
             <a:extLst>
               <a:ext uri="{FF2B5EF4-FFF2-40B4-BE49-F238E27FC236}">
-                <a16:creationId xmlns:a16="http://schemas.microsoft.com/office/drawing/2014/main" xmlns="" id="{5D0C9A45-A32B-45BB-B4DB-89BAF7E41E6D}"/>
+                <a16:creationId xmlns:a16="http://schemas.microsoft.com/office/drawing/2014/main" id="{5D0C9A45-A32B-45BB-B4DB-89BAF7E41E6D}"/>
               </a:ext>
             </a:extLst>
           </p:cNvPr>
@@ -6982,7 +6908,7 @@
           <p:cNvPr id="9" name="직선 연결선 8">
             <a:extLst>
               <a:ext uri="{FF2B5EF4-FFF2-40B4-BE49-F238E27FC236}">
-                <a16:creationId xmlns:a16="http://schemas.microsoft.com/office/drawing/2014/main" xmlns="" id="{5140239F-7841-40D4-B023-7486FD09274D}"/>
+                <a16:creationId xmlns:a16="http://schemas.microsoft.com/office/drawing/2014/main" id="{5140239F-7841-40D4-B023-7486FD09274D}"/>
               </a:ext>
             </a:extLst>
           </p:cNvPr>
@@ -7025,7 +6951,7 @@
           <p:cNvPr id="11" name="TextBox 10">
             <a:extLst>
               <a:ext uri="{FF2B5EF4-FFF2-40B4-BE49-F238E27FC236}">
-                <a16:creationId xmlns:a16="http://schemas.microsoft.com/office/drawing/2014/main" xmlns="" id="{796A3F55-A310-4812-82DA-85F76DEB9227}"/>
+                <a16:creationId xmlns:a16="http://schemas.microsoft.com/office/drawing/2014/main" id="{796A3F55-A310-4812-82DA-85F76DEB9227}"/>
               </a:ext>
             </a:extLst>
           </p:cNvPr>
@@ -7096,7 +7022,7 @@
           <p:cNvPr id="5" name="그림 4">
             <a:extLst>
               <a:ext uri="{FF2B5EF4-FFF2-40B4-BE49-F238E27FC236}">
-                <a16:creationId xmlns:a16="http://schemas.microsoft.com/office/drawing/2014/main" xmlns="" id="{D59CD172-963E-4C71-BCD5-E0AE70DDE9C2}"/>
+                <a16:creationId xmlns:a16="http://schemas.microsoft.com/office/drawing/2014/main" id="{D59CD172-963E-4C71-BCD5-E0AE70DDE9C2}"/>
               </a:ext>
             </a:extLst>
           </p:cNvPr>
@@ -7131,13 +7057,13 @@
   <p:clrMapOvr>
     <a:masterClrMapping/>
   </p:clrMapOvr>
-  <mc:AlternateContent xmlns:mc="http://schemas.openxmlformats.org/markup-compatibility/2006">
-    <mc:Choice xmlns:p159="http://schemas.microsoft.com/office/powerpoint/2015/09/main" xmlns="" Requires="p159">
+  <mc:AlternateContent xmlns:mc="http://schemas.openxmlformats.org/markup-compatibility/2006" xmlns:p159="http://schemas.microsoft.com/office/powerpoint/2015/09/main">
+    <mc:Choice Requires="p159">
       <p:transition xmlns:p14="http://schemas.microsoft.com/office/powerpoint/2010/main" spd="slow" p14:dur="2000">
         <p159:morph option="byObject"/>
       </p:transition>
     </mc:Choice>
-    <mc:Fallback>
+    <mc:Fallback xmlns="">
       <p:transition spd="slow">
         <p:fade/>
       </p:transition>
@@ -7168,7 +7094,7 @@
           <p:cNvPr id="3" name="직선 연결선 2">
             <a:extLst>
               <a:ext uri="{FF2B5EF4-FFF2-40B4-BE49-F238E27FC236}">
-                <a16:creationId xmlns:a16="http://schemas.microsoft.com/office/drawing/2014/main" xmlns="" id="{F55676F0-C433-4456-BB57-3E5832581EF6}"/>
+                <a16:creationId xmlns:a16="http://schemas.microsoft.com/office/drawing/2014/main" id="{F55676F0-C433-4456-BB57-3E5832581EF6}"/>
               </a:ext>
             </a:extLst>
           </p:cNvPr>
@@ -7211,7 +7137,7 @@
           <p:cNvPr id="6" name="TextBox 5">
             <a:extLst>
               <a:ext uri="{FF2B5EF4-FFF2-40B4-BE49-F238E27FC236}">
-                <a16:creationId xmlns:a16="http://schemas.microsoft.com/office/drawing/2014/main" xmlns="" id="{C7B00371-8BBF-468F-BAB5-3B58CE59B669}"/>
+                <a16:creationId xmlns:a16="http://schemas.microsoft.com/office/drawing/2014/main" id="{C7B00371-8BBF-468F-BAB5-3B58CE59B669}"/>
               </a:ext>
             </a:extLst>
           </p:cNvPr>
@@ -7300,7 +7226,7 @@
           <p:cNvPr id="8" name="TextBox 7">
             <a:extLst>
               <a:ext uri="{FF2B5EF4-FFF2-40B4-BE49-F238E27FC236}">
-                <a16:creationId xmlns:a16="http://schemas.microsoft.com/office/drawing/2014/main" xmlns="" id="{5D0C9A45-A32B-45BB-B4DB-89BAF7E41E6D}"/>
+                <a16:creationId xmlns:a16="http://schemas.microsoft.com/office/drawing/2014/main" id="{5D0C9A45-A32B-45BB-B4DB-89BAF7E41E6D}"/>
               </a:ext>
             </a:extLst>
           </p:cNvPr>
@@ -7355,7 +7281,7 @@
           <p:cNvPr id="9" name="직선 연결선 8">
             <a:extLst>
               <a:ext uri="{FF2B5EF4-FFF2-40B4-BE49-F238E27FC236}">
-                <a16:creationId xmlns:a16="http://schemas.microsoft.com/office/drawing/2014/main" xmlns="" id="{5140239F-7841-40D4-B023-7486FD09274D}"/>
+                <a16:creationId xmlns:a16="http://schemas.microsoft.com/office/drawing/2014/main" id="{5140239F-7841-40D4-B023-7486FD09274D}"/>
               </a:ext>
             </a:extLst>
           </p:cNvPr>
@@ -7398,7 +7324,7 @@
           <p:cNvPr id="11" name="TextBox 10">
             <a:extLst>
               <a:ext uri="{FF2B5EF4-FFF2-40B4-BE49-F238E27FC236}">
-                <a16:creationId xmlns:a16="http://schemas.microsoft.com/office/drawing/2014/main" xmlns="" id="{796A3F55-A310-4812-82DA-85F76DEB9227}"/>
+                <a16:creationId xmlns:a16="http://schemas.microsoft.com/office/drawing/2014/main" id="{796A3F55-A310-4812-82DA-85F76DEB9227}"/>
               </a:ext>
             </a:extLst>
           </p:cNvPr>
@@ -7469,7 +7395,7 @@
           <p:cNvPr id="4" name="그림 3">
             <a:extLst>
               <a:ext uri="{FF2B5EF4-FFF2-40B4-BE49-F238E27FC236}">
-                <a16:creationId xmlns:a16="http://schemas.microsoft.com/office/drawing/2014/main" xmlns="" id="{9C341ECA-70F8-43BC-BCCA-DAAF906AA593}"/>
+                <a16:creationId xmlns:a16="http://schemas.microsoft.com/office/drawing/2014/main" id="{9C341ECA-70F8-43BC-BCCA-DAAF906AA593}"/>
               </a:ext>
             </a:extLst>
           </p:cNvPr>
@@ -7504,13 +7430,13 @@
   <p:clrMapOvr>
     <a:masterClrMapping/>
   </p:clrMapOvr>
-  <mc:AlternateContent xmlns:mc="http://schemas.openxmlformats.org/markup-compatibility/2006">
-    <mc:Choice xmlns:p159="http://schemas.microsoft.com/office/powerpoint/2015/09/main" xmlns="" Requires="p159">
+  <mc:AlternateContent xmlns:mc="http://schemas.openxmlformats.org/markup-compatibility/2006" xmlns:p159="http://schemas.microsoft.com/office/powerpoint/2015/09/main">
+    <mc:Choice Requires="p159">
       <p:transition xmlns:p14="http://schemas.microsoft.com/office/powerpoint/2010/main" spd="slow" p14:dur="2000">
         <p159:morph option="byObject"/>
       </p:transition>
     </mc:Choice>
-    <mc:Fallback>
+    <mc:Fallback xmlns="">
       <p:transition spd="slow">
         <p:fade/>
       </p:transition>
@@ -7541,7 +7467,7 @@
           <p:cNvPr id="3" name="직선 연결선 2">
             <a:extLst>
               <a:ext uri="{FF2B5EF4-FFF2-40B4-BE49-F238E27FC236}">
-                <a16:creationId xmlns:a16="http://schemas.microsoft.com/office/drawing/2014/main" xmlns="" id="{F55676F0-C433-4456-BB57-3E5832581EF6}"/>
+                <a16:creationId xmlns:a16="http://schemas.microsoft.com/office/drawing/2014/main" id="{F55676F0-C433-4456-BB57-3E5832581EF6}"/>
               </a:ext>
             </a:extLst>
           </p:cNvPr>
@@ -7584,7 +7510,7 @@
           <p:cNvPr id="6" name="TextBox 5">
             <a:extLst>
               <a:ext uri="{FF2B5EF4-FFF2-40B4-BE49-F238E27FC236}">
-                <a16:creationId xmlns:a16="http://schemas.microsoft.com/office/drawing/2014/main" xmlns="" id="{C7B00371-8BBF-468F-BAB5-3B58CE59B669}"/>
+                <a16:creationId xmlns:a16="http://schemas.microsoft.com/office/drawing/2014/main" id="{C7B00371-8BBF-468F-BAB5-3B58CE59B669}"/>
               </a:ext>
             </a:extLst>
           </p:cNvPr>
@@ -7673,7 +7599,7 @@
           <p:cNvPr id="8" name="TextBox 7">
             <a:extLst>
               <a:ext uri="{FF2B5EF4-FFF2-40B4-BE49-F238E27FC236}">
-                <a16:creationId xmlns:a16="http://schemas.microsoft.com/office/drawing/2014/main" xmlns="" id="{5D0C9A45-A32B-45BB-B4DB-89BAF7E41E6D}"/>
+                <a16:creationId xmlns:a16="http://schemas.microsoft.com/office/drawing/2014/main" id="{5D0C9A45-A32B-45BB-B4DB-89BAF7E41E6D}"/>
               </a:ext>
             </a:extLst>
           </p:cNvPr>
@@ -7728,7 +7654,7 @@
           <p:cNvPr id="9" name="직선 연결선 8">
             <a:extLst>
               <a:ext uri="{FF2B5EF4-FFF2-40B4-BE49-F238E27FC236}">
-                <a16:creationId xmlns:a16="http://schemas.microsoft.com/office/drawing/2014/main" xmlns="" id="{5140239F-7841-40D4-B023-7486FD09274D}"/>
+                <a16:creationId xmlns:a16="http://schemas.microsoft.com/office/drawing/2014/main" id="{5140239F-7841-40D4-B023-7486FD09274D}"/>
               </a:ext>
             </a:extLst>
           </p:cNvPr>
@@ -7771,7 +7697,7 @@
           <p:cNvPr id="11" name="TextBox 10">
             <a:extLst>
               <a:ext uri="{FF2B5EF4-FFF2-40B4-BE49-F238E27FC236}">
-                <a16:creationId xmlns:a16="http://schemas.microsoft.com/office/drawing/2014/main" xmlns="" id="{796A3F55-A310-4812-82DA-85F76DEB9227}"/>
+                <a16:creationId xmlns:a16="http://schemas.microsoft.com/office/drawing/2014/main" id="{796A3F55-A310-4812-82DA-85F76DEB9227}"/>
               </a:ext>
             </a:extLst>
           </p:cNvPr>
@@ -7842,7 +7768,7 @@
           <p:cNvPr id="5" name="그림 4">
             <a:extLst>
               <a:ext uri="{FF2B5EF4-FFF2-40B4-BE49-F238E27FC236}">
-                <a16:creationId xmlns:a16="http://schemas.microsoft.com/office/drawing/2014/main" xmlns="" id="{9DCB0E76-4232-42FB-A512-9810F919DA23}"/>
+                <a16:creationId xmlns:a16="http://schemas.microsoft.com/office/drawing/2014/main" id="{9DCB0E76-4232-42FB-A512-9810F919DA23}"/>
               </a:ext>
             </a:extLst>
           </p:cNvPr>
@@ -7877,13 +7803,13 @@
   <p:clrMapOvr>
     <a:masterClrMapping/>
   </p:clrMapOvr>
-  <mc:AlternateContent xmlns:mc="http://schemas.openxmlformats.org/markup-compatibility/2006">
-    <mc:Choice xmlns:p159="http://schemas.microsoft.com/office/powerpoint/2015/09/main" xmlns="" Requires="p159">
+  <mc:AlternateContent xmlns:mc="http://schemas.openxmlformats.org/markup-compatibility/2006" xmlns:p159="http://schemas.microsoft.com/office/powerpoint/2015/09/main">
+    <mc:Choice Requires="p159">
       <p:transition xmlns:p14="http://schemas.microsoft.com/office/powerpoint/2010/main" spd="slow" p14:dur="2000">
         <p159:morph option="byObject"/>
       </p:transition>
     </mc:Choice>
-    <mc:Fallback>
+    <mc:Fallback xmlns="">
       <p:transition spd="slow">
         <p:fade/>
       </p:transition>
@@ -7914,7 +7840,7 @@
           <p:cNvPr id="3" name="직선 연결선 2">
             <a:extLst>
               <a:ext uri="{FF2B5EF4-FFF2-40B4-BE49-F238E27FC236}">
-                <a16:creationId xmlns:a16="http://schemas.microsoft.com/office/drawing/2014/main" xmlns="" id="{F55676F0-C433-4456-BB57-3E5832581EF6}"/>
+                <a16:creationId xmlns:a16="http://schemas.microsoft.com/office/drawing/2014/main" id="{F55676F0-C433-4456-BB57-3E5832581EF6}"/>
               </a:ext>
             </a:extLst>
           </p:cNvPr>
@@ -7957,7 +7883,7 @@
           <p:cNvPr id="6" name="TextBox 5">
             <a:extLst>
               <a:ext uri="{FF2B5EF4-FFF2-40B4-BE49-F238E27FC236}">
-                <a16:creationId xmlns:a16="http://schemas.microsoft.com/office/drawing/2014/main" xmlns="" id="{C7B00371-8BBF-468F-BAB5-3B58CE59B669}"/>
+                <a16:creationId xmlns:a16="http://schemas.microsoft.com/office/drawing/2014/main" id="{C7B00371-8BBF-468F-BAB5-3B58CE59B669}"/>
               </a:ext>
             </a:extLst>
           </p:cNvPr>
@@ -8046,7 +7972,7 @@
           <p:cNvPr id="8" name="TextBox 7">
             <a:extLst>
               <a:ext uri="{FF2B5EF4-FFF2-40B4-BE49-F238E27FC236}">
-                <a16:creationId xmlns:a16="http://schemas.microsoft.com/office/drawing/2014/main" xmlns="" id="{5D0C9A45-A32B-45BB-B4DB-89BAF7E41E6D}"/>
+                <a16:creationId xmlns:a16="http://schemas.microsoft.com/office/drawing/2014/main" id="{5D0C9A45-A32B-45BB-B4DB-89BAF7E41E6D}"/>
               </a:ext>
             </a:extLst>
           </p:cNvPr>
@@ -8101,7 +8027,7 @@
           <p:cNvPr id="9" name="직선 연결선 8">
             <a:extLst>
               <a:ext uri="{FF2B5EF4-FFF2-40B4-BE49-F238E27FC236}">
-                <a16:creationId xmlns:a16="http://schemas.microsoft.com/office/drawing/2014/main" xmlns="" id="{5140239F-7841-40D4-B023-7486FD09274D}"/>
+                <a16:creationId xmlns:a16="http://schemas.microsoft.com/office/drawing/2014/main" id="{5140239F-7841-40D4-B023-7486FD09274D}"/>
               </a:ext>
             </a:extLst>
           </p:cNvPr>
@@ -8144,7 +8070,7 @@
           <p:cNvPr id="11" name="TextBox 10">
             <a:extLst>
               <a:ext uri="{FF2B5EF4-FFF2-40B4-BE49-F238E27FC236}">
-                <a16:creationId xmlns:a16="http://schemas.microsoft.com/office/drawing/2014/main" xmlns="" id="{796A3F55-A310-4812-82DA-85F76DEB9227}"/>
+                <a16:creationId xmlns:a16="http://schemas.microsoft.com/office/drawing/2014/main" id="{796A3F55-A310-4812-82DA-85F76DEB9227}"/>
               </a:ext>
             </a:extLst>
           </p:cNvPr>
@@ -8205,7 +8131,7 @@
           <p:cNvPr id="10" name="사각형: 둥근 모서리 9">
             <a:extLst>
               <a:ext uri="{FF2B5EF4-FFF2-40B4-BE49-F238E27FC236}">
-                <a16:creationId xmlns:a16="http://schemas.microsoft.com/office/drawing/2014/main" xmlns="" id="{A16FBEF5-3F78-4827-8063-7CEC6B517BC6}"/>
+                <a16:creationId xmlns:a16="http://schemas.microsoft.com/office/drawing/2014/main" id="{A16FBEF5-3F78-4827-8063-7CEC6B517BC6}"/>
               </a:ext>
             </a:extLst>
           </p:cNvPr>
@@ -8261,7 +8187,7 @@
           <p:cNvPr id="12" name="사각형: 둥근 모서리 11">
             <a:extLst>
               <a:ext uri="{FF2B5EF4-FFF2-40B4-BE49-F238E27FC236}">
-                <a16:creationId xmlns:a16="http://schemas.microsoft.com/office/drawing/2014/main" xmlns="" id="{7FB0628A-FE25-4DA9-B334-14448B55685C}"/>
+                <a16:creationId xmlns:a16="http://schemas.microsoft.com/office/drawing/2014/main" id="{7FB0628A-FE25-4DA9-B334-14448B55685C}"/>
               </a:ext>
             </a:extLst>
           </p:cNvPr>
@@ -8317,7 +8243,7 @@
           <p:cNvPr id="13" name="사각형: 둥근 모서리 12">
             <a:extLst>
               <a:ext uri="{FF2B5EF4-FFF2-40B4-BE49-F238E27FC236}">
-                <a16:creationId xmlns:a16="http://schemas.microsoft.com/office/drawing/2014/main" xmlns="" id="{4D258816-5E1E-4FC7-8BF4-B46409CD415D}"/>
+                <a16:creationId xmlns:a16="http://schemas.microsoft.com/office/drawing/2014/main" id="{4D258816-5E1E-4FC7-8BF4-B46409CD415D}"/>
               </a:ext>
             </a:extLst>
           </p:cNvPr>
@@ -8373,7 +8299,7 @@
           <p:cNvPr id="1026" name="Picture 2" descr="Microsoft Edge 웹 브라우저 다운로드 | Microsoft">
             <a:extLst>
               <a:ext uri="{FF2B5EF4-FFF2-40B4-BE49-F238E27FC236}">
-                <a16:creationId xmlns:a16="http://schemas.microsoft.com/office/drawing/2014/main" xmlns="" id="{317427C1-2C60-4ED7-B817-B1779499CFC0}"/>
+                <a16:creationId xmlns:a16="http://schemas.microsoft.com/office/drawing/2014/main" id="{317427C1-2C60-4ED7-B817-B1779499CFC0}"/>
               </a:ext>
             </a:extLst>
           </p:cNvPr>
@@ -8418,7 +8344,7 @@
           <p:cNvPr id="1030" name="Picture 6" descr="Google Chrome Portable을 위한 Windows - Uptodown에서 무료로 다운로드하세요">
             <a:extLst>
               <a:ext uri="{FF2B5EF4-FFF2-40B4-BE49-F238E27FC236}">
-                <a16:creationId xmlns:a16="http://schemas.microsoft.com/office/drawing/2014/main" xmlns="" id="{F9C446E9-E131-4CAD-A6D3-E391232AF86A}"/>
+                <a16:creationId xmlns:a16="http://schemas.microsoft.com/office/drawing/2014/main" id="{F9C446E9-E131-4CAD-A6D3-E391232AF86A}"/>
               </a:ext>
             </a:extLst>
           </p:cNvPr>
@@ -8463,7 +8389,7 @@
           <p:cNvPr id="1032" name="Picture 8" descr="Firefox Browser 다운로드 — Mozilla가 만든 빠르고 사생활 보호를 위한 무료 브라우저">
             <a:extLst>
               <a:ext uri="{FF2B5EF4-FFF2-40B4-BE49-F238E27FC236}">
-                <a16:creationId xmlns:a16="http://schemas.microsoft.com/office/drawing/2014/main" xmlns="" id="{229D453D-4424-4172-A0C2-8040FFE54FAE}"/>
+                <a16:creationId xmlns:a16="http://schemas.microsoft.com/office/drawing/2014/main" id="{229D453D-4424-4172-A0C2-8040FFE54FAE}"/>
               </a:ext>
             </a:extLst>
           </p:cNvPr>
@@ -8510,7 +8436,7 @@
           <p:cNvPr id="21" name="TextBox 20">
             <a:extLst>
               <a:ext uri="{FF2B5EF4-FFF2-40B4-BE49-F238E27FC236}">
-                <a16:creationId xmlns:a16="http://schemas.microsoft.com/office/drawing/2014/main" xmlns="" id="{9737B1CA-CDC6-4B7D-9CB7-FC147EC1312D}"/>
+                <a16:creationId xmlns:a16="http://schemas.microsoft.com/office/drawing/2014/main" id="{9737B1CA-CDC6-4B7D-9CB7-FC147EC1312D}"/>
               </a:ext>
             </a:extLst>
           </p:cNvPr>
@@ -8553,7 +8479,7 @@
           <p:cNvPr id="22" name="TextBox 21">
             <a:extLst>
               <a:ext uri="{FF2B5EF4-FFF2-40B4-BE49-F238E27FC236}">
-                <a16:creationId xmlns:a16="http://schemas.microsoft.com/office/drawing/2014/main" xmlns="" id="{63C52D1A-3970-411F-8969-9461381BB551}"/>
+                <a16:creationId xmlns:a16="http://schemas.microsoft.com/office/drawing/2014/main" id="{63C52D1A-3970-411F-8969-9461381BB551}"/>
               </a:ext>
             </a:extLst>
           </p:cNvPr>
@@ -8596,7 +8522,7 @@
           <p:cNvPr id="23" name="TextBox 22">
             <a:extLst>
               <a:ext uri="{FF2B5EF4-FFF2-40B4-BE49-F238E27FC236}">
-                <a16:creationId xmlns:a16="http://schemas.microsoft.com/office/drawing/2014/main" xmlns="" id="{BEF6E86D-38AB-485A-8AF2-DCDFB231D9F2}"/>
+                <a16:creationId xmlns:a16="http://schemas.microsoft.com/office/drawing/2014/main" id="{BEF6E86D-38AB-485A-8AF2-DCDFB231D9F2}"/>
               </a:ext>
             </a:extLst>
           </p:cNvPr>
@@ -8644,13 +8570,13 @@
   <p:clrMapOvr>
     <a:masterClrMapping/>
   </p:clrMapOvr>
-  <mc:AlternateContent xmlns:mc="http://schemas.openxmlformats.org/markup-compatibility/2006">
-    <mc:Choice xmlns:p159="http://schemas.microsoft.com/office/powerpoint/2015/09/main" xmlns="" Requires="p159">
+  <mc:AlternateContent xmlns:mc="http://schemas.openxmlformats.org/markup-compatibility/2006" xmlns:p159="http://schemas.microsoft.com/office/powerpoint/2015/09/main">
+    <mc:Choice Requires="p159">
       <p:transition xmlns:p14="http://schemas.microsoft.com/office/powerpoint/2010/main" spd="slow" p14:dur="2000">
         <p159:morph option="byObject"/>
       </p:transition>
     </mc:Choice>
-    <mc:Fallback>
+    <mc:Fallback xmlns="">
       <p:transition spd="slow">
         <p:fade/>
       </p:transition>
@@ -8681,7 +8607,7 @@
           <p:cNvPr id="3" name="직선 연결선 2">
             <a:extLst>
               <a:ext uri="{FF2B5EF4-FFF2-40B4-BE49-F238E27FC236}">
-                <a16:creationId xmlns:a16="http://schemas.microsoft.com/office/drawing/2014/main" xmlns="" id="{F55676F0-C433-4456-BB57-3E5832581EF6}"/>
+                <a16:creationId xmlns:a16="http://schemas.microsoft.com/office/drawing/2014/main" id="{F55676F0-C433-4456-BB57-3E5832581EF6}"/>
               </a:ext>
             </a:extLst>
           </p:cNvPr>
@@ -8724,7 +8650,7 @@
           <p:cNvPr id="6" name="TextBox 5">
             <a:extLst>
               <a:ext uri="{FF2B5EF4-FFF2-40B4-BE49-F238E27FC236}">
-                <a16:creationId xmlns:a16="http://schemas.microsoft.com/office/drawing/2014/main" xmlns="" id="{C7B00371-8BBF-468F-BAB5-3B58CE59B669}"/>
+                <a16:creationId xmlns:a16="http://schemas.microsoft.com/office/drawing/2014/main" id="{C7B00371-8BBF-468F-BAB5-3B58CE59B669}"/>
               </a:ext>
             </a:extLst>
           </p:cNvPr>
@@ -8813,7 +8739,7 @@
           <p:cNvPr id="8" name="TextBox 7">
             <a:extLst>
               <a:ext uri="{FF2B5EF4-FFF2-40B4-BE49-F238E27FC236}">
-                <a16:creationId xmlns:a16="http://schemas.microsoft.com/office/drawing/2014/main" xmlns="" id="{5D0C9A45-A32B-45BB-B4DB-89BAF7E41E6D}"/>
+                <a16:creationId xmlns:a16="http://schemas.microsoft.com/office/drawing/2014/main" id="{5D0C9A45-A32B-45BB-B4DB-89BAF7E41E6D}"/>
               </a:ext>
             </a:extLst>
           </p:cNvPr>
@@ -8868,7 +8794,7 @@
           <p:cNvPr id="9" name="직선 연결선 8">
             <a:extLst>
               <a:ext uri="{FF2B5EF4-FFF2-40B4-BE49-F238E27FC236}">
-                <a16:creationId xmlns:a16="http://schemas.microsoft.com/office/drawing/2014/main" xmlns="" id="{5140239F-7841-40D4-B023-7486FD09274D}"/>
+                <a16:creationId xmlns:a16="http://schemas.microsoft.com/office/drawing/2014/main" id="{5140239F-7841-40D4-B023-7486FD09274D}"/>
               </a:ext>
             </a:extLst>
           </p:cNvPr>
@@ -8911,7 +8837,7 @@
           <p:cNvPr id="11" name="TextBox 10">
             <a:extLst>
               <a:ext uri="{FF2B5EF4-FFF2-40B4-BE49-F238E27FC236}">
-                <a16:creationId xmlns:a16="http://schemas.microsoft.com/office/drawing/2014/main" xmlns="" id="{796A3F55-A310-4812-82DA-85F76DEB9227}"/>
+                <a16:creationId xmlns:a16="http://schemas.microsoft.com/office/drawing/2014/main" id="{796A3F55-A310-4812-82DA-85F76DEB9227}"/>
               </a:ext>
             </a:extLst>
           </p:cNvPr>
@@ -8972,7 +8898,7 @@
           <p:cNvPr id="10" name="사각형: 둥근 모서리 9">
             <a:extLst>
               <a:ext uri="{FF2B5EF4-FFF2-40B4-BE49-F238E27FC236}">
-                <a16:creationId xmlns:a16="http://schemas.microsoft.com/office/drawing/2014/main" xmlns="" id="{A16FBEF5-3F78-4827-8063-7CEC6B517BC6}"/>
+                <a16:creationId xmlns:a16="http://schemas.microsoft.com/office/drawing/2014/main" id="{A16FBEF5-3F78-4827-8063-7CEC6B517BC6}"/>
               </a:ext>
             </a:extLst>
           </p:cNvPr>
@@ -9028,7 +8954,7 @@
           <p:cNvPr id="12" name="사각형: 둥근 모서리 11">
             <a:extLst>
               <a:ext uri="{FF2B5EF4-FFF2-40B4-BE49-F238E27FC236}">
-                <a16:creationId xmlns:a16="http://schemas.microsoft.com/office/drawing/2014/main" xmlns="" id="{7FB0628A-FE25-4DA9-B334-14448B55685C}"/>
+                <a16:creationId xmlns:a16="http://schemas.microsoft.com/office/drawing/2014/main" id="{7FB0628A-FE25-4DA9-B334-14448B55685C}"/>
               </a:ext>
             </a:extLst>
           </p:cNvPr>
@@ -9084,7 +9010,7 @@
           <p:cNvPr id="13" name="사각형: 둥근 모서리 12">
             <a:extLst>
               <a:ext uri="{FF2B5EF4-FFF2-40B4-BE49-F238E27FC236}">
-                <a16:creationId xmlns:a16="http://schemas.microsoft.com/office/drawing/2014/main" xmlns="" id="{4D258816-5E1E-4FC7-8BF4-B46409CD415D}"/>
+                <a16:creationId xmlns:a16="http://schemas.microsoft.com/office/drawing/2014/main" id="{4D258816-5E1E-4FC7-8BF4-B46409CD415D}"/>
               </a:ext>
             </a:extLst>
           </p:cNvPr>
@@ -9140,7 +9066,7 @@
           <p:cNvPr id="21" name="TextBox 20">
             <a:extLst>
               <a:ext uri="{FF2B5EF4-FFF2-40B4-BE49-F238E27FC236}">
-                <a16:creationId xmlns:a16="http://schemas.microsoft.com/office/drawing/2014/main" xmlns="" id="{9737B1CA-CDC6-4B7D-9CB7-FC147EC1312D}"/>
+                <a16:creationId xmlns:a16="http://schemas.microsoft.com/office/drawing/2014/main" id="{9737B1CA-CDC6-4B7D-9CB7-FC147EC1312D}"/>
               </a:ext>
             </a:extLst>
           </p:cNvPr>
@@ -9197,7 +9123,7 @@
           <p:cNvPr id="22" name="TextBox 21">
             <a:extLst>
               <a:ext uri="{FF2B5EF4-FFF2-40B4-BE49-F238E27FC236}">
-                <a16:creationId xmlns:a16="http://schemas.microsoft.com/office/drawing/2014/main" xmlns="" id="{63C52D1A-3970-411F-8969-9461381BB551}"/>
+                <a16:creationId xmlns:a16="http://schemas.microsoft.com/office/drawing/2014/main" id="{63C52D1A-3970-411F-8969-9461381BB551}"/>
               </a:ext>
             </a:extLst>
           </p:cNvPr>
@@ -9275,7 +9201,7 @@
           <p:cNvPr id="23" name="TextBox 22">
             <a:extLst>
               <a:ext uri="{FF2B5EF4-FFF2-40B4-BE49-F238E27FC236}">
-                <a16:creationId xmlns:a16="http://schemas.microsoft.com/office/drawing/2014/main" xmlns="" id="{BEF6E86D-38AB-485A-8AF2-DCDFB231D9F2}"/>
+                <a16:creationId xmlns:a16="http://schemas.microsoft.com/office/drawing/2014/main" id="{BEF6E86D-38AB-485A-8AF2-DCDFB231D9F2}"/>
               </a:ext>
             </a:extLst>
           </p:cNvPr>
@@ -9339,7 +9265,7 @@
           <p:cNvPr id="4" name="그림 3">
             <a:extLst>
               <a:ext uri="{FF2B5EF4-FFF2-40B4-BE49-F238E27FC236}">
-                <a16:creationId xmlns:a16="http://schemas.microsoft.com/office/drawing/2014/main" xmlns="" id="{4C3B8F8B-3B4B-4A55-8587-12F473A247CF}"/>
+                <a16:creationId xmlns:a16="http://schemas.microsoft.com/office/drawing/2014/main" id="{4C3B8F8B-3B4B-4A55-8587-12F473A247CF}"/>
               </a:ext>
             </a:extLst>
           </p:cNvPr>
@@ -9375,7 +9301,7 @@
           <p:cNvPr id="7" name="그림 6" descr="텍스트, 모니터, 전자기기, 디스플레이이(가) 표시된 사진&#10;&#10;자동 생성된 설명">
             <a:extLst>
               <a:ext uri="{FF2B5EF4-FFF2-40B4-BE49-F238E27FC236}">
-                <a16:creationId xmlns:a16="http://schemas.microsoft.com/office/drawing/2014/main" xmlns="" id="{9CB2E0EB-E4C9-4B36-AE06-95FCB691023D}"/>
+                <a16:creationId xmlns:a16="http://schemas.microsoft.com/office/drawing/2014/main" id="{9CB2E0EB-E4C9-4B36-AE06-95FCB691023D}"/>
               </a:ext>
             </a:extLst>
           </p:cNvPr>
@@ -9411,7 +9337,7 @@
           <p:cNvPr id="15" name="그림 14">
             <a:extLst>
               <a:ext uri="{FF2B5EF4-FFF2-40B4-BE49-F238E27FC236}">
-                <a16:creationId xmlns:a16="http://schemas.microsoft.com/office/drawing/2014/main" xmlns="" id="{8871198E-B34D-4FAF-8701-4275CBD7C405}"/>
+                <a16:creationId xmlns:a16="http://schemas.microsoft.com/office/drawing/2014/main" id="{8871198E-B34D-4FAF-8701-4275CBD7C405}"/>
               </a:ext>
             </a:extLst>
           </p:cNvPr>
@@ -9452,13 +9378,13 @@
   <p:clrMapOvr>
     <a:masterClrMapping/>
   </p:clrMapOvr>
-  <mc:AlternateContent xmlns:mc="http://schemas.openxmlformats.org/markup-compatibility/2006">
-    <mc:Choice xmlns:p159="http://schemas.microsoft.com/office/powerpoint/2015/09/main" xmlns="" Requires="p159">
+  <mc:AlternateContent xmlns:mc="http://schemas.openxmlformats.org/markup-compatibility/2006" xmlns:p159="http://schemas.microsoft.com/office/powerpoint/2015/09/main">
+    <mc:Choice Requires="p159">
       <p:transition xmlns:p14="http://schemas.microsoft.com/office/powerpoint/2010/main" spd="slow" p14:dur="2000">
         <p159:morph option="byObject"/>
       </p:transition>
     </mc:Choice>
-    <mc:Fallback>
+    <mc:Fallback xmlns="">
       <p:transition spd="slow">
         <p:fade/>
       </p:transition>
@@ -9489,7 +9415,7 @@
           <p:cNvPr id="3" name="직선 연결선 2">
             <a:extLst>
               <a:ext uri="{FF2B5EF4-FFF2-40B4-BE49-F238E27FC236}">
-                <a16:creationId xmlns:a16="http://schemas.microsoft.com/office/drawing/2014/main" xmlns="" id="{F55676F0-C433-4456-BB57-3E5832581EF6}"/>
+                <a16:creationId xmlns:a16="http://schemas.microsoft.com/office/drawing/2014/main" id="{F55676F0-C433-4456-BB57-3E5832581EF6}"/>
               </a:ext>
             </a:extLst>
           </p:cNvPr>
@@ -9532,7 +9458,7 @@
           <p:cNvPr id="6" name="TextBox 5">
             <a:extLst>
               <a:ext uri="{FF2B5EF4-FFF2-40B4-BE49-F238E27FC236}">
-                <a16:creationId xmlns:a16="http://schemas.microsoft.com/office/drawing/2014/main" xmlns="" id="{C7B00371-8BBF-468F-BAB5-3B58CE59B669}"/>
+                <a16:creationId xmlns:a16="http://schemas.microsoft.com/office/drawing/2014/main" id="{C7B00371-8BBF-468F-BAB5-3B58CE59B669}"/>
               </a:ext>
             </a:extLst>
           </p:cNvPr>
@@ -9621,7 +9547,7 @@
           <p:cNvPr id="8" name="TextBox 7">
             <a:extLst>
               <a:ext uri="{FF2B5EF4-FFF2-40B4-BE49-F238E27FC236}">
-                <a16:creationId xmlns:a16="http://schemas.microsoft.com/office/drawing/2014/main" xmlns="" id="{5D0C9A45-A32B-45BB-B4DB-89BAF7E41E6D}"/>
+                <a16:creationId xmlns:a16="http://schemas.microsoft.com/office/drawing/2014/main" id="{5D0C9A45-A32B-45BB-B4DB-89BAF7E41E6D}"/>
               </a:ext>
             </a:extLst>
           </p:cNvPr>
@@ -9676,7 +9602,7 @@
           <p:cNvPr id="9" name="직선 연결선 8">
             <a:extLst>
               <a:ext uri="{FF2B5EF4-FFF2-40B4-BE49-F238E27FC236}">
-                <a16:creationId xmlns:a16="http://schemas.microsoft.com/office/drawing/2014/main" xmlns="" id="{5140239F-7841-40D4-B023-7486FD09274D}"/>
+                <a16:creationId xmlns:a16="http://schemas.microsoft.com/office/drawing/2014/main" id="{5140239F-7841-40D4-B023-7486FD09274D}"/>
               </a:ext>
             </a:extLst>
           </p:cNvPr>
@@ -9719,7 +9645,7 @@
           <p:cNvPr id="11" name="TextBox 10">
             <a:extLst>
               <a:ext uri="{FF2B5EF4-FFF2-40B4-BE49-F238E27FC236}">
-                <a16:creationId xmlns:a16="http://schemas.microsoft.com/office/drawing/2014/main" xmlns="" id="{796A3F55-A310-4812-82DA-85F76DEB9227}"/>
+                <a16:creationId xmlns:a16="http://schemas.microsoft.com/office/drawing/2014/main" id="{796A3F55-A310-4812-82DA-85F76DEB9227}"/>
               </a:ext>
             </a:extLst>
           </p:cNvPr>
@@ -9777,7 +9703,7 @@
           <p:cNvPr id="10" name="사각형: 둥근 모서리 9">
             <a:extLst>
               <a:ext uri="{FF2B5EF4-FFF2-40B4-BE49-F238E27FC236}">
-                <a16:creationId xmlns:a16="http://schemas.microsoft.com/office/drawing/2014/main" xmlns="" id="{A16FBEF5-3F78-4827-8063-7CEC6B517BC6}"/>
+                <a16:creationId xmlns:a16="http://schemas.microsoft.com/office/drawing/2014/main" id="{A16FBEF5-3F78-4827-8063-7CEC6B517BC6}"/>
               </a:ext>
             </a:extLst>
           </p:cNvPr>
@@ -9833,7 +9759,7 @@
           <p:cNvPr id="12" name="사각형: 둥근 모서리 11">
             <a:extLst>
               <a:ext uri="{FF2B5EF4-FFF2-40B4-BE49-F238E27FC236}">
-                <a16:creationId xmlns:a16="http://schemas.microsoft.com/office/drawing/2014/main" xmlns="" id="{7FB0628A-FE25-4DA9-B334-14448B55685C}"/>
+                <a16:creationId xmlns:a16="http://schemas.microsoft.com/office/drawing/2014/main" id="{7FB0628A-FE25-4DA9-B334-14448B55685C}"/>
               </a:ext>
             </a:extLst>
           </p:cNvPr>
@@ -9889,7 +9815,7 @@
           <p:cNvPr id="13" name="사각형: 둥근 모서리 12">
             <a:extLst>
               <a:ext uri="{FF2B5EF4-FFF2-40B4-BE49-F238E27FC236}">
-                <a16:creationId xmlns:a16="http://schemas.microsoft.com/office/drawing/2014/main" xmlns="" id="{4D258816-5E1E-4FC7-8BF4-B46409CD415D}"/>
+                <a16:creationId xmlns:a16="http://schemas.microsoft.com/office/drawing/2014/main" id="{4D258816-5E1E-4FC7-8BF4-B46409CD415D}"/>
               </a:ext>
             </a:extLst>
           </p:cNvPr>
@@ -9945,7 +9871,7 @@
           <p:cNvPr id="21" name="TextBox 20">
             <a:extLst>
               <a:ext uri="{FF2B5EF4-FFF2-40B4-BE49-F238E27FC236}">
-                <a16:creationId xmlns:a16="http://schemas.microsoft.com/office/drawing/2014/main" xmlns="" id="{9737B1CA-CDC6-4B7D-9CB7-FC147EC1312D}"/>
+                <a16:creationId xmlns:a16="http://schemas.microsoft.com/office/drawing/2014/main" id="{9737B1CA-CDC6-4B7D-9CB7-FC147EC1312D}"/>
               </a:ext>
             </a:extLst>
           </p:cNvPr>
@@ -9988,7 +9914,7 @@
           <p:cNvPr id="22" name="TextBox 21">
             <a:extLst>
               <a:ext uri="{FF2B5EF4-FFF2-40B4-BE49-F238E27FC236}">
-                <a16:creationId xmlns:a16="http://schemas.microsoft.com/office/drawing/2014/main" xmlns="" id="{63C52D1A-3970-411F-8969-9461381BB551}"/>
+                <a16:creationId xmlns:a16="http://schemas.microsoft.com/office/drawing/2014/main" id="{63C52D1A-3970-411F-8969-9461381BB551}"/>
               </a:ext>
             </a:extLst>
           </p:cNvPr>
@@ -10038,7 +9964,7 @@
           <p:cNvPr id="23" name="TextBox 22">
             <a:extLst>
               <a:ext uri="{FF2B5EF4-FFF2-40B4-BE49-F238E27FC236}">
-                <a16:creationId xmlns:a16="http://schemas.microsoft.com/office/drawing/2014/main" xmlns="" id="{BEF6E86D-38AB-485A-8AF2-DCDFB231D9F2}"/>
+                <a16:creationId xmlns:a16="http://schemas.microsoft.com/office/drawing/2014/main" id="{BEF6E86D-38AB-485A-8AF2-DCDFB231D9F2}"/>
               </a:ext>
             </a:extLst>
           </p:cNvPr>
@@ -10081,7 +10007,7 @@
           <p:cNvPr id="3074" name="Picture 2" descr="Eclipse IDE을 위한 Windows - Uptodown에서 무료로 다운로드하세요">
             <a:extLst>
               <a:ext uri="{FF2B5EF4-FFF2-40B4-BE49-F238E27FC236}">
-                <a16:creationId xmlns:a16="http://schemas.microsoft.com/office/drawing/2014/main" xmlns="" id="{D0BCDFB1-6D87-4F97-B6B6-91B0B81A616D}"/>
+                <a16:creationId xmlns:a16="http://schemas.microsoft.com/office/drawing/2014/main" id="{D0BCDFB1-6D87-4F97-B6B6-91B0B81A616D}"/>
               </a:ext>
             </a:extLst>
           </p:cNvPr>
@@ -10126,7 +10052,7 @@
           <p:cNvPr id="3076" name="Picture 4" descr="IntelliJ IDEA Tutorial, IntelliJ IDEA Introduction,History of IntelliJ  IDEA,Comparison between Community and Ultimate Edition,IntelliJ IDEA  Index,Prerequisites,Audience,Problem, - W3cschoool.COM">
             <a:extLst>
               <a:ext uri="{FF2B5EF4-FFF2-40B4-BE49-F238E27FC236}">
-                <a16:creationId xmlns:a16="http://schemas.microsoft.com/office/drawing/2014/main" xmlns="" id="{9B9C7B8B-F054-487D-8CE7-5410486E2DF6}"/>
+                <a16:creationId xmlns:a16="http://schemas.microsoft.com/office/drawing/2014/main" id="{9B9C7B8B-F054-487D-8CE7-5410486E2DF6}"/>
               </a:ext>
             </a:extLst>
           </p:cNvPr>
@@ -10171,7 +10097,7 @@
           <p:cNvPr id="3078" name="Picture 6">
             <a:extLst>
               <a:ext uri="{FF2B5EF4-FFF2-40B4-BE49-F238E27FC236}">
-                <a16:creationId xmlns:a16="http://schemas.microsoft.com/office/drawing/2014/main" xmlns="" id="{32234110-3124-40F0-9222-241983571A92}"/>
+                <a16:creationId xmlns:a16="http://schemas.microsoft.com/office/drawing/2014/main" id="{32234110-3124-40F0-9222-241983571A92}"/>
               </a:ext>
             </a:extLst>
           </p:cNvPr>
@@ -10223,13 +10149,13 @@
   <p:clrMapOvr>
     <a:masterClrMapping/>
   </p:clrMapOvr>
-  <mc:AlternateContent xmlns:mc="http://schemas.openxmlformats.org/markup-compatibility/2006">
-    <mc:Choice xmlns:p159="http://schemas.microsoft.com/office/powerpoint/2015/09/main" xmlns="" Requires="p159">
+  <mc:AlternateContent xmlns:mc="http://schemas.openxmlformats.org/markup-compatibility/2006" xmlns:p159="http://schemas.microsoft.com/office/powerpoint/2015/09/main">
+    <mc:Choice Requires="p159">
       <p:transition xmlns:p14="http://schemas.microsoft.com/office/powerpoint/2010/main" spd="slow" p14:dur="2000">
         <p159:morph option="byObject"/>
       </p:transition>
     </mc:Choice>
-    <mc:Fallback>
+    <mc:Fallback xmlns="">
       <p:transition spd="slow">
         <p:fade/>
       </p:transition>
@@ -10260,7 +10186,7 @@
           <p:cNvPr id="3" name="직선 연결선 2">
             <a:extLst>
               <a:ext uri="{FF2B5EF4-FFF2-40B4-BE49-F238E27FC236}">
-                <a16:creationId xmlns:a16="http://schemas.microsoft.com/office/drawing/2014/main" xmlns="" id="{F55676F0-C433-4456-BB57-3E5832581EF6}"/>
+                <a16:creationId xmlns:a16="http://schemas.microsoft.com/office/drawing/2014/main" id="{F55676F0-C433-4456-BB57-3E5832581EF6}"/>
               </a:ext>
             </a:extLst>
           </p:cNvPr>
@@ -10303,7 +10229,7 @@
           <p:cNvPr id="6" name="TextBox 5">
             <a:extLst>
               <a:ext uri="{FF2B5EF4-FFF2-40B4-BE49-F238E27FC236}">
-                <a16:creationId xmlns:a16="http://schemas.microsoft.com/office/drawing/2014/main" xmlns="" id="{C7B00371-8BBF-468F-BAB5-3B58CE59B669}"/>
+                <a16:creationId xmlns:a16="http://schemas.microsoft.com/office/drawing/2014/main" id="{C7B00371-8BBF-468F-BAB5-3B58CE59B669}"/>
               </a:ext>
             </a:extLst>
           </p:cNvPr>
@@ -10392,7 +10318,7 @@
           <p:cNvPr id="8" name="TextBox 7">
             <a:extLst>
               <a:ext uri="{FF2B5EF4-FFF2-40B4-BE49-F238E27FC236}">
-                <a16:creationId xmlns:a16="http://schemas.microsoft.com/office/drawing/2014/main" xmlns="" id="{5D0C9A45-A32B-45BB-B4DB-89BAF7E41E6D}"/>
+                <a16:creationId xmlns:a16="http://schemas.microsoft.com/office/drawing/2014/main" id="{5D0C9A45-A32B-45BB-B4DB-89BAF7E41E6D}"/>
               </a:ext>
             </a:extLst>
           </p:cNvPr>
@@ -10447,7 +10373,7 @@
           <p:cNvPr id="9" name="직선 연결선 8">
             <a:extLst>
               <a:ext uri="{FF2B5EF4-FFF2-40B4-BE49-F238E27FC236}">
-                <a16:creationId xmlns:a16="http://schemas.microsoft.com/office/drawing/2014/main" xmlns="" id="{5140239F-7841-40D4-B023-7486FD09274D}"/>
+                <a16:creationId xmlns:a16="http://schemas.microsoft.com/office/drawing/2014/main" id="{5140239F-7841-40D4-B023-7486FD09274D}"/>
               </a:ext>
             </a:extLst>
           </p:cNvPr>
@@ -10490,7 +10416,7 @@
           <p:cNvPr id="11" name="TextBox 10">
             <a:extLst>
               <a:ext uri="{FF2B5EF4-FFF2-40B4-BE49-F238E27FC236}">
-                <a16:creationId xmlns:a16="http://schemas.microsoft.com/office/drawing/2014/main" xmlns="" id="{796A3F55-A310-4812-82DA-85F76DEB9227}"/>
+                <a16:creationId xmlns:a16="http://schemas.microsoft.com/office/drawing/2014/main" id="{796A3F55-A310-4812-82DA-85F76DEB9227}"/>
               </a:ext>
             </a:extLst>
           </p:cNvPr>
@@ -10548,7 +10474,7 @@
           <p:cNvPr id="10" name="사각형: 둥근 모서리 9">
             <a:extLst>
               <a:ext uri="{FF2B5EF4-FFF2-40B4-BE49-F238E27FC236}">
-                <a16:creationId xmlns:a16="http://schemas.microsoft.com/office/drawing/2014/main" xmlns="" id="{A16FBEF5-3F78-4827-8063-7CEC6B517BC6}"/>
+                <a16:creationId xmlns:a16="http://schemas.microsoft.com/office/drawing/2014/main" id="{A16FBEF5-3F78-4827-8063-7CEC6B517BC6}"/>
               </a:ext>
             </a:extLst>
           </p:cNvPr>
@@ -10604,7 +10530,7 @@
           <p:cNvPr id="12" name="사각형: 둥근 모서리 11">
             <a:extLst>
               <a:ext uri="{FF2B5EF4-FFF2-40B4-BE49-F238E27FC236}">
-                <a16:creationId xmlns:a16="http://schemas.microsoft.com/office/drawing/2014/main" xmlns="" id="{7FB0628A-FE25-4DA9-B334-14448B55685C}"/>
+                <a16:creationId xmlns:a16="http://schemas.microsoft.com/office/drawing/2014/main" id="{7FB0628A-FE25-4DA9-B334-14448B55685C}"/>
               </a:ext>
             </a:extLst>
           </p:cNvPr>
@@ -10660,7 +10586,7 @@
           <p:cNvPr id="13" name="사각형: 둥근 모서리 12">
             <a:extLst>
               <a:ext uri="{FF2B5EF4-FFF2-40B4-BE49-F238E27FC236}">
-                <a16:creationId xmlns:a16="http://schemas.microsoft.com/office/drawing/2014/main" xmlns="" id="{4D258816-5E1E-4FC7-8BF4-B46409CD415D}"/>
+                <a16:creationId xmlns:a16="http://schemas.microsoft.com/office/drawing/2014/main" id="{4D258816-5E1E-4FC7-8BF4-B46409CD415D}"/>
               </a:ext>
             </a:extLst>
           </p:cNvPr>
@@ -10716,7 +10642,7 @@
           <p:cNvPr id="17" name="사각형: 둥근 모서리 16">
             <a:extLst>
               <a:ext uri="{FF2B5EF4-FFF2-40B4-BE49-F238E27FC236}">
-                <a16:creationId xmlns:a16="http://schemas.microsoft.com/office/drawing/2014/main" xmlns="" id="{658DAFE2-AAC4-4176-BBA1-DD10FC19DB68}"/>
+                <a16:creationId xmlns:a16="http://schemas.microsoft.com/office/drawing/2014/main" id="{658DAFE2-AAC4-4176-BBA1-DD10FC19DB68}"/>
               </a:ext>
             </a:extLst>
           </p:cNvPr>
@@ -10771,7 +10697,7 @@
           <p:cNvPr id="1026" name="Picture 2" descr="HTML5 - 위키백과, 우리 모두의 백과사전">
             <a:extLst>
               <a:ext uri="{FF2B5EF4-FFF2-40B4-BE49-F238E27FC236}">
-                <a16:creationId xmlns:a16="http://schemas.microsoft.com/office/drawing/2014/main" xmlns="" id="{3CFDA8AA-884F-4552-B49C-D2B9AF58D347}"/>
+                <a16:creationId xmlns:a16="http://schemas.microsoft.com/office/drawing/2014/main" id="{3CFDA8AA-884F-4552-B49C-D2B9AF58D347}"/>
               </a:ext>
             </a:extLst>
           </p:cNvPr>
@@ -10818,7 +10744,7 @@
           <p:cNvPr id="20" name="TextBox 19">
             <a:extLst>
               <a:ext uri="{FF2B5EF4-FFF2-40B4-BE49-F238E27FC236}">
-                <a16:creationId xmlns:a16="http://schemas.microsoft.com/office/drawing/2014/main" xmlns="" id="{86D22B18-1ED0-4C99-B7D2-E904C79033FB}"/>
+                <a16:creationId xmlns:a16="http://schemas.microsoft.com/office/drawing/2014/main" id="{86D22B18-1ED0-4C99-B7D2-E904C79033FB}"/>
               </a:ext>
             </a:extLst>
           </p:cNvPr>
@@ -10861,7 +10787,7 @@
           <p:cNvPr id="1028" name="Picture 4" descr="CSS - 위키백과, 우리 모두의 백과사전">
             <a:extLst>
               <a:ext uri="{FF2B5EF4-FFF2-40B4-BE49-F238E27FC236}">
-                <a16:creationId xmlns:a16="http://schemas.microsoft.com/office/drawing/2014/main" xmlns="" id="{2D3E63D1-7329-45CC-B007-D7F8D8EB4F0B}"/>
+                <a16:creationId xmlns:a16="http://schemas.microsoft.com/office/drawing/2014/main" id="{2D3E63D1-7329-45CC-B007-D7F8D8EB4F0B}"/>
               </a:ext>
             </a:extLst>
           </p:cNvPr>
@@ -10908,7 +10834,7 @@
           <p:cNvPr id="24" name="TextBox 23">
             <a:extLst>
               <a:ext uri="{FF2B5EF4-FFF2-40B4-BE49-F238E27FC236}">
-                <a16:creationId xmlns:a16="http://schemas.microsoft.com/office/drawing/2014/main" xmlns="" id="{9E69178D-73D0-4403-8C8F-55F0102E3615}"/>
+                <a16:creationId xmlns:a16="http://schemas.microsoft.com/office/drawing/2014/main" id="{9E69178D-73D0-4403-8C8F-55F0102E3615}"/>
               </a:ext>
             </a:extLst>
           </p:cNvPr>
@@ -10951,7 +10877,7 @@
           <p:cNvPr id="1030" name="Picture 6" descr="자바스크립트 공부 독학 사이트 추천">
             <a:extLst>
               <a:ext uri="{FF2B5EF4-FFF2-40B4-BE49-F238E27FC236}">
-                <a16:creationId xmlns:a16="http://schemas.microsoft.com/office/drawing/2014/main" xmlns="" id="{BC8F6303-94CF-44BD-AE16-DB7F3C01D5FF}"/>
+                <a16:creationId xmlns:a16="http://schemas.microsoft.com/office/drawing/2014/main" id="{BC8F6303-94CF-44BD-AE16-DB7F3C01D5FF}"/>
               </a:ext>
             </a:extLst>
           </p:cNvPr>
@@ -10998,7 +10924,7 @@
           <p:cNvPr id="25" name="TextBox 24">
             <a:extLst>
               <a:ext uri="{FF2B5EF4-FFF2-40B4-BE49-F238E27FC236}">
-                <a16:creationId xmlns:a16="http://schemas.microsoft.com/office/drawing/2014/main" xmlns="" id="{B4EE4161-4A3F-4359-850C-C52F2408D610}"/>
+                <a16:creationId xmlns:a16="http://schemas.microsoft.com/office/drawing/2014/main" id="{B4EE4161-4A3F-4359-850C-C52F2408D610}"/>
               </a:ext>
             </a:extLst>
           </p:cNvPr>
@@ -11041,7 +10967,7 @@
           <p:cNvPr id="1032" name="Picture 8" descr="JSP😇">
             <a:extLst>
               <a:ext uri="{FF2B5EF4-FFF2-40B4-BE49-F238E27FC236}">
-                <a16:creationId xmlns:a16="http://schemas.microsoft.com/office/drawing/2014/main" xmlns="" id="{898AA222-C45E-442F-920D-B93210A88C87}"/>
+                <a16:creationId xmlns:a16="http://schemas.microsoft.com/office/drawing/2014/main" id="{898AA222-C45E-442F-920D-B93210A88C87}"/>
               </a:ext>
             </a:extLst>
           </p:cNvPr>
@@ -11088,7 +11014,7 @@
           <p:cNvPr id="26" name="TextBox 25">
             <a:extLst>
               <a:ext uri="{FF2B5EF4-FFF2-40B4-BE49-F238E27FC236}">
-                <a16:creationId xmlns:a16="http://schemas.microsoft.com/office/drawing/2014/main" xmlns="" id="{6A80BBE1-2FA6-47D7-9464-92A63258B1DE}"/>
+                <a16:creationId xmlns:a16="http://schemas.microsoft.com/office/drawing/2014/main" id="{6A80BBE1-2FA6-47D7-9464-92A63258B1DE}"/>
               </a:ext>
             </a:extLst>
           </p:cNvPr>
@@ -11136,13 +11062,13 @@
   <p:clrMapOvr>
     <a:masterClrMapping/>
   </p:clrMapOvr>
-  <mc:AlternateContent xmlns:mc="http://schemas.openxmlformats.org/markup-compatibility/2006">
-    <mc:Choice xmlns:p159="http://schemas.microsoft.com/office/powerpoint/2015/09/main" xmlns="" Requires="p159">
+  <mc:AlternateContent xmlns:mc="http://schemas.openxmlformats.org/markup-compatibility/2006" xmlns:p159="http://schemas.microsoft.com/office/powerpoint/2015/09/main">
+    <mc:Choice Requires="p159">
       <p:transition xmlns:p14="http://schemas.microsoft.com/office/powerpoint/2010/main" spd="slow" p14:dur="2000">
         <p159:morph option="byObject"/>
       </p:transition>
     </mc:Choice>
-    <mc:Fallback>
+    <mc:Fallback xmlns="">
       <p:transition spd="slow">
         <p:fade/>
       </p:transition>
@@ -11173,7 +11099,7 @@
           <p:cNvPr id="3" name="직선 연결선 2">
             <a:extLst>
               <a:ext uri="{FF2B5EF4-FFF2-40B4-BE49-F238E27FC236}">
-                <a16:creationId xmlns:a16="http://schemas.microsoft.com/office/drawing/2014/main" xmlns="" id="{F55676F0-C433-4456-BB57-3E5832581EF6}"/>
+                <a16:creationId xmlns:a16="http://schemas.microsoft.com/office/drawing/2014/main" id="{F55676F0-C433-4456-BB57-3E5832581EF6}"/>
               </a:ext>
             </a:extLst>
           </p:cNvPr>
@@ -11216,7 +11142,7 @@
           <p:cNvPr id="6" name="TextBox 5">
             <a:extLst>
               <a:ext uri="{FF2B5EF4-FFF2-40B4-BE49-F238E27FC236}">
-                <a16:creationId xmlns:a16="http://schemas.microsoft.com/office/drawing/2014/main" xmlns="" id="{C7B00371-8BBF-468F-BAB5-3B58CE59B669}"/>
+                <a16:creationId xmlns:a16="http://schemas.microsoft.com/office/drawing/2014/main" id="{C7B00371-8BBF-468F-BAB5-3B58CE59B669}"/>
               </a:ext>
             </a:extLst>
           </p:cNvPr>
@@ -11305,7 +11231,7 @@
           <p:cNvPr id="8" name="TextBox 7">
             <a:extLst>
               <a:ext uri="{FF2B5EF4-FFF2-40B4-BE49-F238E27FC236}">
-                <a16:creationId xmlns:a16="http://schemas.microsoft.com/office/drawing/2014/main" xmlns="" id="{5D0C9A45-A32B-45BB-B4DB-89BAF7E41E6D}"/>
+                <a16:creationId xmlns:a16="http://schemas.microsoft.com/office/drawing/2014/main" id="{5D0C9A45-A32B-45BB-B4DB-89BAF7E41E6D}"/>
               </a:ext>
             </a:extLst>
           </p:cNvPr>
@@ -11360,7 +11286,7 @@
           <p:cNvPr id="9" name="직선 연결선 8">
             <a:extLst>
               <a:ext uri="{FF2B5EF4-FFF2-40B4-BE49-F238E27FC236}">
-                <a16:creationId xmlns:a16="http://schemas.microsoft.com/office/drawing/2014/main" xmlns="" id="{5140239F-7841-40D4-B023-7486FD09274D}"/>
+                <a16:creationId xmlns:a16="http://schemas.microsoft.com/office/drawing/2014/main" id="{5140239F-7841-40D4-B023-7486FD09274D}"/>
               </a:ext>
             </a:extLst>
           </p:cNvPr>
@@ -11403,7 +11329,7 @@
           <p:cNvPr id="11" name="TextBox 10">
             <a:extLst>
               <a:ext uri="{FF2B5EF4-FFF2-40B4-BE49-F238E27FC236}">
-                <a16:creationId xmlns:a16="http://schemas.microsoft.com/office/drawing/2014/main" xmlns="" id="{796A3F55-A310-4812-82DA-85F76DEB9227}"/>
+                <a16:creationId xmlns:a16="http://schemas.microsoft.com/office/drawing/2014/main" id="{796A3F55-A310-4812-82DA-85F76DEB9227}"/>
               </a:ext>
             </a:extLst>
           </p:cNvPr>
@@ -11461,7 +11387,7 @@
           <p:cNvPr id="10" name="사각형: 둥근 모서리 9">
             <a:extLst>
               <a:ext uri="{FF2B5EF4-FFF2-40B4-BE49-F238E27FC236}">
-                <a16:creationId xmlns:a16="http://schemas.microsoft.com/office/drawing/2014/main" xmlns="" id="{A16FBEF5-3F78-4827-8063-7CEC6B517BC6}"/>
+                <a16:creationId xmlns:a16="http://schemas.microsoft.com/office/drawing/2014/main" id="{A16FBEF5-3F78-4827-8063-7CEC6B517BC6}"/>
               </a:ext>
             </a:extLst>
           </p:cNvPr>
@@ -11517,7 +11443,7 @@
           <p:cNvPr id="12" name="사각형: 둥근 모서리 11">
             <a:extLst>
               <a:ext uri="{FF2B5EF4-FFF2-40B4-BE49-F238E27FC236}">
-                <a16:creationId xmlns:a16="http://schemas.microsoft.com/office/drawing/2014/main" xmlns="" id="{7FB0628A-FE25-4DA9-B334-14448B55685C}"/>
+                <a16:creationId xmlns:a16="http://schemas.microsoft.com/office/drawing/2014/main" id="{7FB0628A-FE25-4DA9-B334-14448B55685C}"/>
               </a:ext>
             </a:extLst>
           </p:cNvPr>
@@ -11573,7 +11499,7 @@
           <p:cNvPr id="13" name="사각형: 둥근 모서리 12">
             <a:extLst>
               <a:ext uri="{FF2B5EF4-FFF2-40B4-BE49-F238E27FC236}">
-                <a16:creationId xmlns:a16="http://schemas.microsoft.com/office/drawing/2014/main" xmlns="" id="{4D258816-5E1E-4FC7-8BF4-B46409CD415D}"/>
+                <a16:creationId xmlns:a16="http://schemas.microsoft.com/office/drawing/2014/main" id="{4D258816-5E1E-4FC7-8BF4-B46409CD415D}"/>
               </a:ext>
             </a:extLst>
           </p:cNvPr>
@@ -11629,7 +11555,7 @@
           <p:cNvPr id="17" name="사각형: 둥근 모서리 16">
             <a:extLst>
               <a:ext uri="{FF2B5EF4-FFF2-40B4-BE49-F238E27FC236}">
-                <a16:creationId xmlns:a16="http://schemas.microsoft.com/office/drawing/2014/main" xmlns="" id="{658DAFE2-AAC4-4176-BBA1-DD10FC19DB68}"/>
+                <a16:creationId xmlns:a16="http://schemas.microsoft.com/office/drawing/2014/main" id="{658DAFE2-AAC4-4176-BBA1-DD10FC19DB68}"/>
               </a:ext>
             </a:extLst>
           </p:cNvPr>
@@ -11684,7 +11610,7 @@
           <p:cNvPr id="21" name="사각형: 둥근 모서리 20">
             <a:extLst>
               <a:ext uri="{FF2B5EF4-FFF2-40B4-BE49-F238E27FC236}">
-                <a16:creationId xmlns:a16="http://schemas.microsoft.com/office/drawing/2014/main" xmlns="" id="{2A173C5F-5E5C-45DD-9E08-72A115DB01D6}"/>
+                <a16:creationId xmlns:a16="http://schemas.microsoft.com/office/drawing/2014/main" id="{2A173C5F-5E5C-45DD-9E08-72A115DB01D6}"/>
               </a:ext>
             </a:extLst>
           </p:cNvPr>
@@ -11738,7 +11664,7 @@
           <p:cNvPr id="2050" name="Picture 2" descr="java.util.Optional이란?">
             <a:extLst>
               <a:ext uri="{FF2B5EF4-FFF2-40B4-BE49-F238E27FC236}">
-                <a16:creationId xmlns:a16="http://schemas.microsoft.com/office/drawing/2014/main" xmlns="" id="{FC406268-E09F-4FD1-80F9-3C0CAFC7D7AA}"/>
+                <a16:creationId xmlns:a16="http://schemas.microsoft.com/office/drawing/2014/main" id="{FC406268-E09F-4FD1-80F9-3C0CAFC7D7AA}"/>
               </a:ext>
             </a:extLst>
           </p:cNvPr>
@@ -11785,7 +11711,7 @@
           <p:cNvPr id="22" name="TextBox 21">
             <a:extLst>
               <a:ext uri="{FF2B5EF4-FFF2-40B4-BE49-F238E27FC236}">
-                <a16:creationId xmlns:a16="http://schemas.microsoft.com/office/drawing/2014/main" xmlns="" id="{01441CC6-7C77-47BB-A86E-9F6554630405}"/>
+                <a16:creationId xmlns:a16="http://schemas.microsoft.com/office/drawing/2014/main" id="{01441CC6-7C77-47BB-A86E-9F6554630405}"/>
               </a:ext>
             </a:extLst>
           </p:cNvPr>
@@ -11828,7 +11754,7 @@
           <p:cNvPr id="2052" name="Picture 4" descr="Spring Boot) 스타트 스프링 부트 001일차 - 스프링(부트), 빌드툴, VO, Lombok, 어노테이션, Jackson,  ORM, JPA, Hibernate | 오늘도 끄적끄적">
             <a:extLst>
               <a:ext uri="{FF2B5EF4-FFF2-40B4-BE49-F238E27FC236}">
-                <a16:creationId xmlns:a16="http://schemas.microsoft.com/office/drawing/2014/main" xmlns="" id="{272446AC-ED9D-4554-8EAE-71005E831EEA}"/>
+                <a16:creationId xmlns:a16="http://schemas.microsoft.com/office/drawing/2014/main" id="{272446AC-ED9D-4554-8EAE-71005E831EEA}"/>
               </a:ext>
             </a:extLst>
           </p:cNvPr>
@@ -11875,7 +11801,7 @@
           <p:cNvPr id="27" name="TextBox 26">
             <a:extLst>
               <a:ext uri="{FF2B5EF4-FFF2-40B4-BE49-F238E27FC236}">
-                <a16:creationId xmlns:a16="http://schemas.microsoft.com/office/drawing/2014/main" xmlns="" id="{CF5A1088-5DAC-4E3A-83FC-3873B27D31B0}"/>
+                <a16:creationId xmlns:a16="http://schemas.microsoft.com/office/drawing/2014/main" id="{CF5A1088-5DAC-4E3A-83FC-3873B27D31B0}"/>
               </a:ext>
             </a:extLst>
           </p:cNvPr>
@@ -11918,7 +11844,7 @@
           <p:cNvPr id="2054" name="Picture 6" descr="아파치 톰캣 - 위키백과, 우리 모두의 백과사전">
             <a:extLst>
               <a:ext uri="{FF2B5EF4-FFF2-40B4-BE49-F238E27FC236}">
-                <a16:creationId xmlns:a16="http://schemas.microsoft.com/office/drawing/2014/main" xmlns="" id="{752AA57D-D18D-47E0-91AF-1C83A28884E0}"/>
+                <a16:creationId xmlns:a16="http://schemas.microsoft.com/office/drawing/2014/main" id="{752AA57D-D18D-47E0-91AF-1C83A28884E0}"/>
               </a:ext>
             </a:extLst>
           </p:cNvPr>
@@ -11965,7 +11891,7 @@
           <p:cNvPr id="28" name="TextBox 27">
             <a:extLst>
               <a:ext uri="{FF2B5EF4-FFF2-40B4-BE49-F238E27FC236}">
-                <a16:creationId xmlns:a16="http://schemas.microsoft.com/office/drawing/2014/main" xmlns="" id="{B7461841-150D-4FA3-9412-59AF2BDD78FA}"/>
+                <a16:creationId xmlns:a16="http://schemas.microsoft.com/office/drawing/2014/main" id="{B7461841-150D-4FA3-9412-59AF2BDD78FA}"/>
               </a:ext>
             </a:extLst>
           </p:cNvPr>
@@ -12008,7 +11934,7 @@
           <p:cNvPr id="2056" name="Picture 8" descr="Modern Websocket Client - Apps on Google Play">
             <a:extLst>
               <a:ext uri="{FF2B5EF4-FFF2-40B4-BE49-F238E27FC236}">
-                <a16:creationId xmlns:a16="http://schemas.microsoft.com/office/drawing/2014/main" xmlns="" id="{07677092-EBEB-4C17-9928-587103334E98}"/>
+                <a16:creationId xmlns:a16="http://schemas.microsoft.com/office/drawing/2014/main" id="{07677092-EBEB-4C17-9928-587103334E98}"/>
               </a:ext>
             </a:extLst>
           </p:cNvPr>
@@ -12055,7 +11981,7 @@
           <p:cNvPr id="29" name="TextBox 28">
             <a:extLst>
               <a:ext uri="{FF2B5EF4-FFF2-40B4-BE49-F238E27FC236}">
-                <a16:creationId xmlns:a16="http://schemas.microsoft.com/office/drawing/2014/main" xmlns="" id="{1B2E9661-6CFB-48E1-AA60-5F22EA42AE59}"/>
+                <a16:creationId xmlns:a16="http://schemas.microsoft.com/office/drawing/2014/main" id="{1B2E9661-6CFB-48E1-AA60-5F22EA42AE59}"/>
               </a:ext>
             </a:extLst>
           </p:cNvPr>
@@ -12098,7 +12024,7 @@
           <p:cNvPr id="2058" name="Picture 10" descr="CentOS 7 Version Upgrade - ThinkGround">
             <a:extLst>
               <a:ext uri="{FF2B5EF4-FFF2-40B4-BE49-F238E27FC236}">
-                <a16:creationId xmlns:a16="http://schemas.microsoft.com/office/drawing/2014/main" xmlns="" id="{289C65EF-A56F-4D90-8501-D40F52A19490}"/>
+                <a16:creationId xmlns:a16="http://schemas.microsoft.com/office/drawing/2014/main" id="{289C65EF-A56F-4D90-8501-D40F52A19490}"/>
               </a:ext>
             </a:extLst>
           </p:cNvPr>
@@ -12145,7 +12071,7 @@
           <p:cNvPr id="31" name="TextBox 30">
             <a:extLst>
               <a:ext uri="{FF2B5EF4-FFF2-40B4-BE49-F238E27FC236}">
-                <a16:creationId xmlns:a16="http://schemas.microsoft.com/office/drawing/2014/main" xmlns="" id="{37029DE5-DCEB-4004-B02E-5243B45381F2}"/>
+                <a16:creationId xmlns:a16="http://schemas.microsoft.com/office/drawing/2014/main" id="{37029DE5-DCEB-4004-B02E-5243B45381F2}"/>
               </a:ext>
             </a:extLst>
           </p:cNvPr>
@@ -12193,13 +12119,13 @@
   <p:clrMapOvr>
     <a:masterClrMapping/>
   </p:clrMapOvr>
-  <mc:AlternateContent xmlns:mc="http://schemas.openxmlformats.org/markup-compatibility/2006">
-    <mc:Choice xmlns:p159="http://schemas.microsoft.com/office/powerpoint/2015/09/main" xmlns="" Requires="p159">
+  <mc:AlternateContent xmlns:mc="http://schemas.openxmlformats.org/markup-compatibility/2006" xmlns:p159="http://schemas.microsoft.com/office/powerpoint/2015/09/main">
+    <mc:Choice Requires="p159">
       <p:transition xmlns:p14="http://schemas.microsoft.com/office/powerpoint/2010/main" spd="slow" p14:dur="2000">
         <p159:morph option="byObject"/>
       </p:transition>
     </mc:Choice>
-    <mc:Fallback>
+    <mc:Fallback xmlns="">
       <p:transition spd="slow">
         <p:fade/>
       </p:transition>
@@ -12230,7 +12156,7 @@
           <p:cNvPr id="3" name="직선 연결선 2">
             <a:extLst>
               <a:ext uri="{FF2B5EF4-FFF2-40B4-BE49-F238E27FC236}">
-                <a16:creationId xmlns:a16="http://schemas.microsoft.com/office/drawing/2014/main" xmlns="" id="{F55676F0-C433-4456-BB57-3E5832581EF6}"/>
+                <a16:creationId xmlns:a16="http://schemas.microsoft.com/office/drawing/2014/main" id="{F55676F0-C433-4456-BB57-3E5832581EF6}"/>
               </a:ext>
             </a:extLst>
           </p:cNvPr>
@@ -12273,7 +12199,7 @@
           <p:cNvPr id="6" name="TextBox 5">
             <a:extLst>
               <a:ext uri="{FF2B5EF4-FFF2-40B4-BE49-F238E27FC236}">
-                <a16:creationId xmlns:a16="http://schemas.microsoft.com/office/drawing/2014/main" xmlns="" id="{C7B00371-8BBF-468F-BAB5-3B58CE59B669}"/>
+                <a16:creationId xmlns:a16="http://schemas.microsoft.com/office/drawing/2014/main" id="{C7B00371-8BBF-468F-BAB5-3B58CE59B669}"/>
               </a:ext>
             </a:extLst>
           </p:cNvPr>
@@ -12362,7 +12288,7 @@
           <p:cNvPr id="8" name="TextBox 7">
             <a:extLst>
               <a:ext uri="{FF2B5EF4-FFF2-40B4-BE49-F238E27FC236}">
-                <a16:creationId xmlns:a16="http://schemas.microsoft.com/office/drawing/2014/main" xmlns="" id="{5D0C9A45-A32B-45BB-B4DB-89BAF7E41E6D}"/>
+                <a16:creationId xmlns:a16="http://schemas.microsoft.com/office/drawing/2014/main" id="{5D0C9A45-A32B-45BB-B4DB-89BAF7E41E6D}"/>
               </a:ext>
             </a:extLst>
           </p:cNvPr>
@@ -12426,7 +12352,7 @@
           <p:cNvPr id="9" name="직선 연결선 8">
             <a:extLst>
               <a:ext uri="{FF2B5EF4-FFF2-40B4-BE49-F238E27FC236}">
-                <a16:creationId xmlns:a16="http://schemas.microsoft.com/office/drawing/2014/main" xmlns="" id="{5140239F-7841-40D4-B023-7486FD09274D}"/>
+                <a16:creationId xmlns:a16="http://schemas.microsoft.com/office/drawing/2014/main" id="{5140239F-7841-40D4-B023-7486FD09274D}"/>
               </a:ext>
             </a:extLst>
           </p:cNvPr>
@@ -12469,7 +12395,7 @@
           <p:cNvPr id="11" name="TextBox 10">
             <a:extLst>
               <a:ext uri="{FF2B5EF4-FFF2-40B4-BE49-F238E27FC236}">
-                <a16:creationId xmlns:a16="http://schemas.microsoft.com/office/drawing/2014/main" xmlns="" id="{796A3F55-A310-4812-82DA-85F76DEB9227}"/>
+                <a16:creationId xmlns:a16="http://schemas.microsoft.com/office/drawing/2014/main" id="{796A3F55-A310-4812-82DA-85F76DEB9227}"/>
               </a:ext>
             </a:extLst>
           </p:cNvPr>
@@ -12478,8 +12404,8 @@
         </p:nvSpPr>
         <p:spPr>
           <a:xfrm>
-            <a:off x="815497" y="1098506"/>
-            <a:ext cx="900181" cy="461665"/>
+            <a:off x="815497" y="1020895"/>
+            <a:ext cx="3207863" cy="461665"/>
           </a:xfrm>
           <a:prstGeom prst="rect">
             <a:avLst/>
@@ -12493,25 +12419,68 @@
           <a:lstStyle/>
           <a:p>
             <a:r>
-              <a:rPr lang="en-US" altLang="ko-KR" sz="2400" spc="100" dirty="0">
+              <a:rPr lang="en-US" altLang="ko-KR" sz="2400" spc="100">
                 <a:solidFill>
                   <a:srgbClr val="44546A"/>
                 </a:solidFill>
                 <a:latin typeface="나눔스퀘어 Bold" panose="020B0600000101010101" pitchFamily="50" charset="-127"/>
                 <a:ea typeface="나눔스퀘어 Bold" panose="020B0600000101010101" pitchFamily="50" charset="-127"/>
               </a:rPr>
-              <a:t>WBS</a:t>
-            </a:r>
-            <a:endParaRPr lang="ko-KR" altLang="en-US" sz="2400" spc="100" dirty="0">
-              <a:solidFill>
-                <a:srgbClr val="44546A"/>
-              </a:solidFill>
-              <a:latin typeface="나눔스퀘어 Bold" panose="020B0600000101010101" pitchFamily="50" charset="-127"/>
-              <a:ea typeface="나눔스퀘어 Bold" panose="020B0600000101010101" pitchFamily="50" charset="-127"/>
-            </a:endParaRPr>
+              <a:t>WBS – </a:t>
+            </a:r>
+            <a:r>
+              <a:rPr lang="ko-KR" altLang="en-US" sz="2400" spc="100" dirty="0" err="1">
+                <a:solidFill>
+                  <a:srgbClr val="44546A"/>
+                </a:solidFill>
+                <a:latin typeface="나눔스퀘어 Bold" panose="020B0600000101010101" pitchFamily="50" charset="-127"/>
+                <a:ea typeface="나눔스퀘어 Bold" panose="020B0600000101010101" pitchFamily="50" charset="-127"/>
+              </a:rPr>
+              <a:t>간트</a:t>
+            </a:r>
+            <a:r>
+              <a:rPr lang="ko-KR" altLang="en-US" sz="2400" spc="100" dirty="0">
+                <a:solidFill>
+                  <a:srgbClr val="44546A"/>
+                </a:solidFill>
+                <a:latin typeface="나눔스퀘어 Bold" panose="020B0600000101010101" pitchFamily="50" charset="-127"/>
+                <a:ea typeface="나눔스퀘어 Bold" panose="020B0600000101010101" pitchFamily="50" charset="-127"/>
+              </a:rPr>
+              <a:t> 차트</a:t>
+            </a:r>
           </a:p>
         </p:txBody>
       </p:sp>
+      <p:pic>
+        <p:nvPicPr>
+          <p:cNvPr id="7" name="그림 6">
+            <a:extLst>
+              <a:ext uri="{FF2B5EF4-FFF2-40B4-BE49-F238E27FC236}">
+                <a16:creationId xmlns:a16="http://schemas.microsoft.com/office/drawing/2014/main" id="{ACD1376F-C289-4B72-886A-1BA332A564EB}"/>
+              </a:ext>
+            </a:extLst>
+          </p:cNvPr>
+          <p:cNvPicPr>
+            <a:picLocks noChangeAspect="1"/>
+          </p:cNvPicPr>
+          <p:nvPr/>
+        </p:nvPicPr>
+        <p:blipFill>
+          <a:blip r:embed="rId3"/>
+          <a:stretch>
+            <a:fillRect/>
+          </a:stretch>
+        </p:blipFill>
+        <p:spPr>
+          <a:xfrm>
+            <a:off x="1496953" y="1476928"/>
+            <a:ext cx="9198094" cy="5381071"/>
+          </a:xfrm>
+          <a:prstGeom prst="rect">
+            <a:avLst/>
+          </a:prstGeom>
+        </p:spPr>
+      </p:pic>
     </p:spTree>
     <p:extLst>
       <p:ext uri="{BB962C8B-B14F-4D97-AF65-F5344CB8AC3E}">
@@ -12522,13 +12491,13 @@
   <p:clrMapOvr>
     <a:masterClrMapping/>
   </p:clrMapOvr>
-  <mc:AlternateContent xmlns:mc="http://schemas.openxmlformats.org/markup-compatibility/2006">
-    <mc:Choice xmlns:p159="http://schemas.microsoft.com/office/powerpoint/2015/09/main" xmlns="" Requires="p159">
+  <mc:AlternateContent xmlns:mc="http://schemas.openxmlformats.org/markup-compatibility/2006" xmlns:p159="http://schemas.microsoft.com/office/powerpoint/2015/09/main">
+    <mc:Choice Requires="p159">
       <p:transition xmlns:p14="http://schemas.microsoft.com/office/powerpoint/2010/main" spd="slow" p14:dur="2000">
         <p159:morph option="byObject"/>
       </p:transition>
     </mc:Choice>
-    <mc:Fallback>
+    <mc:Fallback xmlns="">
       <p:transition spd="slow">
         <p:fade/>
       </p:transition>
@@ -12536,7 +12505,7 @@
   </mc:AlternateContent>
   <p:extLst>
     <p:ext uri="{6950BFC3-D8DA-4A85-94F7-54DA5524770B}">
-      <p188:commentRel xmlns:p188="http://schemas.microsoft.com/office/powerpoint/2018/8/main" xmlns="" r:id="rId2"/>
+      <p188:commentRel xmlns:p188="http://schemas.microsoft.com/office/powerpoint/2018/8/main" r:id="rId2"/>
     </p:ext>
   </p:extLst>
 </p:sld>
@@ -12564,7 +12533,7 @@
           <p:cNvPr id="3" name="직선 연결선 2">
             <a:extLst>
               <a:ext uri="{FF2B5EF4-FFF2-40B4-BE49-F238E27FC236}">
-                <a16:creationId xmlns:a16="http://schemas.microsoft.com/office/drawing/2014/main" xmlns="" id="{F55676F0-C433-4456-BB57-3E5832581EF6}"/>
+                <a16:creationId xmlns:a16="http://schemas.microsoft.com/office/drawing/2014/main" id="{F55676F0-C433-4456-BB57-3E5832581EF6}"/>
               </a:ext>
             </a:extLst>
           </p:cNvPr>
@@ -12607,7 +12576,7 @@
           <p:cNvPr id="6" name="TextBox 5">
             <a:extLst>
               <a:ext uri="{FF2B5EF4-FFF2-40B4-BE49-F238E27FC236}">
-                <a16:creationId xmlns:a16="http://schemas.microsoft.com/office/drawing/2014/main" xmlns="" id="{C7B00371-8BBF-468F-BAB5-3B58CE59B669}"/>
+                <a16:creationId xmlns:a16="http://schemas.microsoft.com/office/drawing/2014/main" id="{C7B00371-8BBF-468F-BAB5-3B58CE59B669}"/>
               </a:ext>
             </a:extLst>
           </p:cNvPr>
@@ -12696,7 +12665,7 @@
           <p:cNvPr id="8" name="TextBox 7">
             <a:extLst>
               <a:ext uri="{FF2B5EF4-FFF2-40B4-BE49-F238E27FC236}">
-                <a16:creationId xmlns:a16="http://schemas.microsoft.com/office/drawing/2014/main" xmlns="" id="{5D0C9A45-A32B-45BB-B4DB-89BAF7E41E6D}"/>
+                <a16:creationId xmlns:a16="http://schemas.microsoft.com/office/drawing/2014/main" id="{5D0C9A45-A32B-45BB-B4DB-89BAF7E41E6D}"/>
               </a:ext>
             </a:extLst>
           </p:cNvPr>
@@ -12760,7 +12729,7 @@
           <p:cNvPr id="9" name="직선 연결선 8">
             <a:extLst>
               <a:ext uri="{FF2B5EF4-FFF2-40B4-BE49-F238E27FC236}">
-                <a16:creationId xmlns:a16="http://schemas.microsoft.com/office/drawing/2014/main" xmlns="" id="{5140239F-7841-40D4-B023-7486FD09274D}"/>
+                <a16:creationId xmlns:a16="http://schemas.microsoft.com/office/drawing/2014/main" id="{5140239F-7841-40D4-B023-7486FD09274D}"/>
               </a:ext>
             </a:extLst>
           </p:cNvPr>
@@ -12798,6 +12767,563 @@
           </a:fontRef>
         </p:style>
       </p:cxnSp>
+      <p:sp>
+        <p:nvSpPr>
+          <p:cNvPr id="7" name="사각형: 둥근 모서리 6">
+            <a:extLst>
+              <a:ext uri="{FF2B5EF4-FFF2-40B4-BE49-F238E27FC236}">
+                <a16:creationId xmlns:a16="http://schemas.microsoft.com/office/drawing/2014/main" id="{C8F6BCA2-2D1F-40D4-B755-0597A3A2D265}"/>
+              </a:ext>
+            </a:extLst>
+          </p:cNvPr>
+          <p:cNvSpPr/>
+          <p:nvPr/>
+        </p:nvSpPr>
+        <p:spPr>
+          <a:xfrm>
+            <a:off x="873811" y="3975622"/>
+            <a:ext cx="2484000" cy="2484000"/>
+          </a:xfrm>
+          <a:prstGeom prst="roundRect">
+            <a:avLst/>
+          </a:prstGeom>
+          <a:solidFill>
+            <a:schemeClr val="tx2">
+              <a:lumMod val="20000"/>
+              <a:lumOff val="80000"/>
+              <a:alpha val="69000"/>
+            </a:schemeClr>
+          </a:solidFill>
+          <a:ln>
+            <a:noFill/>
+          </a:ln>
+        </p:spPr>
+        <p:style>
+          <a:lnRef idx="2">
+            <a:schemeClr val="accent1">
+              <a:shade val="50000"/>
+            </a:schemeClr>
+          </a:lnRef>
+          <a:fillRef idx="1">
+            <a:schemeClr val="accent1"/>
+          </a:fillRef>
+          <a:effectRef idx="0">
+            <a:schemeClr val="accent1"/>
+          </a:effectRef>
+          <a:fontRef idx="minor">
+            <a:schemeClr val="lt1"/>
+          </a:fontRef>
+        </p:style>
+        <p:txBody>
+          <a:bodyPr rtlCol="0" anchor="ctr"/>
+          <a:lstStyle/>
+          <a:p>
+            <a:pPr algn="ctr"/>
+            <a:endParaRPr lang="ko-KR" altLang="en-US"/>
+          </a:p>
+        </p:txBody>
+      </p:sp>
+      <p:sp>
+        <p:nvSpPr>
+          <p:cNvPr id="10" name="사각형: 둥근 모서리 9">
+            <a:extLst>
+              <a:ext uri="{FF2B5EF4-FFF2-40B4-BE49-F238E27FC236}">
+                <a16:creationId xmlns:a16="http://schemas.microsoft.com/office/drawing/2014/main" id="{BA6A0ED1-E447-4098-8C68-67E35D95F49F}"/>
+              </a:ext>
+            </a:extLst>
+          </p:cNvPr>
+          <p:cNvSpPr/>
+          <p:nvPr/>
+        </p:nvSpPr>
+        <p:spPr>
+          <a:xfrm>
+            <a:off x="8834190" y="1700202"/>
+            <a:ext cx="2484000" cy="2484000"/>
+          </a:xfrm>
+          <a:prstGeom prst="roundRect">
+            <a:avLst/>
+          </a:prstGeom>
+          <a:solidFill>
+            <a:schemeClr val="accent1">
+              <a:lumMod val="60000"/>
+              <a:lumOff val="40000"/>
+              <a:alpha val="69000"/>
+            </a:schemeClr>
+          </a:solidFill>
+          <a:ln>
+            <a:noFill/>
+          </a:ln>
+        </p:spPr>
+        <p:style>
+          <a:lnRef idx="2">
+            <a:schemeClr val="accent1">
+              <a:shade val="50000"/>
+            </a:schemeClr>
+          </a:lnRef>
+          <a:fillRef idx="1">
+            <a:schemeClr val="accent1"/>
+          </a:fillRef>
+          <a:effectRef idx="0">
+            <a:schemeClr val="accent1"/>
+          </a:effectRef>
+          <a:fontRef idx="minor">
+            <a:schemeClr val="lt1"/>
+          </a:fontRef>
+        </p:style>
+        <p:txBody>
+          <a:bodyPr rtlCol="0" anchor="ctr"/>
+          <a:lstStyle/>
+          <a:p>
+            <a:pPr algn="ctr"/>
+            <a:endParaRPr lang="ko-KR" altLang="en-US"/>
+          </a:p>
+        </p:txBody>
+      </p:sp>
+      <p:sp>
+        <p:nvSpPr>
+          <p:cNvPr id="11" name="사각형: 둥근 모서리 10">
+            <a:extLst>
+              <a:ext uri="{FF2B5EF4-FFF2-40B4-BE49-F238E27FC236}">
+                <a16:creationId xmlns:a16="http://schemas.microsoft.com/office/drawing/2014/main" id="{1F3DE385-F2E8-4331-B5A7-3F04BD193E4D}"/>
+              </a:ext>
+            </a:extLst>
+          </p:cNvPr>
+          <p:cNvSpPr/>
+          <p:nvPr/>
+        </p:nvSpPr>
+        <p:spPr>
+          <a:xfrm>
+            <a:off x="6172163" y="3975622"/>
+            <a:ext cx="2484000" cy="2484000"/>
+          </a:xfrm>
+          <a:prstGeom prst="roundRect">
+            <a:avLst/>
+          </a:prstGeom>
+          <a:solidFill>
+            <a:schemeClr val="accent1">
+              <a:lumMod val="40000"/>
+              <a:lumOff val="60000"/>
+              <a:alpha val="71000"/>
+            </a:schemeClr>
+          </a:solidFill>
+          <a:ln>
+            <a:noFill/>
+          </a:ln>
+        </p:spPr>
+        <p:style>
+          <a:lnRef idx="2">
+            <a:schemeClr val="accent1">
+              <a:shade val="50000"/>
+            </a:schemeClr>
+          </a:lnRef>
+          <a:fillRef idx="1">
+            <a:schemeClr val="accent1"/>
+          </a:fillRef>
+          <a:effectRef idx="0">
+            <a:schemeClr val="accent1"/>
+          </a:effectRef>
+          <a:fontRef idx="minor">
+            <a:schemeClr val="lt1"/>
+          </a:fontRef>
+        </p:style>
+        <p:txBody>
+          <a:bodyPr rtlCol="0" anchor="ctr"/>
+          <a:lstStyle/>
+          <a:p>
+            <a:pPr algn="ctr"/>
+            <a:endParaRPr lang="ko-KR" altLang="en-US" dirty="0"/>
+          </a:p>
+        </p:txBody>
+      </p:sp>
+      <p:sp>
+        <p:nvSpPr>
+          <p:cNvPr id="12" name="사각형: 둥근 모서리 11">
+            <a:extLst>
+              <a:ext uri="{FF2B5EF4-FFF2-40B4-BE49-F238E27FC236}">
+                <a16:creationId xmlns:a16="http://schemas.microsoft.com/office/drawing/2014/main" id="{0114446D-4DE0-4D4E-8F0E-6189AF0F18FB}"/>
+              </a:ext>
+            </a:extLst>
+          </p:cNvPr>
+          <p:cNvSpPr/>
+          <p:nvPr/>
+        </p:nvSpPr>
+        <p:spPr>
+          <a:xfrm>
+            <a:off x="3535838" y="1700202"/>
+            <a:ext cx="2484000" cy="2484000"/>
+          </a:xfrm>
+          <a:prstGeom prst="roundRect">
+            <a:avLst/>
+          </a:prstGeom>
+          <a:solidFill>
+            <a:schemeClr val="bg1">
+              <a:lumMod val="75000"/>
+              <a:alpha val="69000"/>
+            </a:schemeClr>
+          </a:solidFill>
+          <a:ln>
+            <a:noFill/>
+          </a:ln>
+        </p:spPr>
+        <p:style>
+          <a:lnRef idx="2">
+            <a:schemeClr val="accent1">
+              <a:shade val="50000"/>
+            </a:schemeClr>
+          </a:lnRef>
+          <a:fillRef idx="1">
+            <a:schemeClr val="accent1"/>
+          </a:fillRef>
+          <a:effectRef idx="0">
+            <a:schemeClr val="accent1"/>
+          </a:effectRef>
+          <a:fontRef idx="minor">
+            <a:schemeClr val="lt1"/>
+          </a:fontRef>
+        </p:style>
+        <p:txBody>
+          <a:bodyPr rtlCol="0" anchor="ctr"/>
+          <a:lstStyle/>
+          <a:p>
+            <a:pPr algn="ctr"/>
+            <a:endParaRPr lang="ko-KR" altLang="en-US"/>
+          </a:p>
+        </p:txBody>
+      </p:sp>
+      <p:sp>
+        <p:nvSpPr>
+          <p:cNvPr id="14" name="TextBox 13">
+            <a:extLst>
+              <a:ext uri="{FF2B5EF4-FFF2-40B4-BE49-F238E27FC236}">
+                <a16:creationId xmlns:a16="http://schemas.microsoft.com/office/drawing/2014/main" id="{E58CC65E-AF6B-4C1D-88C6-6B900932367E}"/>
+              </a:ext>
+            </a:extLst>
+          </p:cNvPr>
+          <p:cNvSpPr txBox="1"/>
+          <p:nvPr/>
+        </p:nvSpPr>
+        <p:spPr>
+          <a:xfrm>
+            <a:off x="1364646" y="5934163"/>
+            <a:ext cx="1502334" cy="369332"/>
+          </a:xfrm>
+          <a:prstGeom prst="rect">
+            <a:avLst/>
+          </a:prstGeom>
+          <a:noFill/>
+        </p:spPr>
+        <p:txBody>
+          <a:bodyPr wrap="none" rtlCol="0">
+            <a:spAutoFit/>
+          </a:bodyPr>
+          <a:lstStyle/>
+          <a:p>
+            <a:pPr algn="ctr"/>
+            <a:r>
+              <a:rPr lang="ko-KR" altLang="en-US" dirty="0">
+                <a:latin typeface="나눔스퀘어 Light" panose="020B0600000101010101" pitchFamily="50" charset="-127"/>
+                <a:ea typeface="나눔스퀘어 Light" panose="020B0600000101010101" pitchFamily="50" charset="-127"/>
+              </a:rPr>
+              <a:t>웹 실시간통신</a:t>
+            </a:r>
+          </a:p>
+        </p:txBody>
+      </p:sp>
+      <p:sp>
+        <p:nvSpPr>
+          <p:cNvPr id="16" name="TextBox 15">
+            <a:extLst>
+              <a:ext uri="{FF2B5EF4-FFF2-40B4-BE49-F238E27FC236}">
+                <a16:creationId xmlns:a16="http://schemas.microsoft.com/office/drawing/2014/main" id="{31A46A3D-64C9-47BD-B42A-DD6CB4580798}"/>
+              </a:ext>
+            </a:extLst>
+          </p:cNvPr>
+          <p:cNvSpPr txBox="1"/>
+          <p:nvPr/>
+        </p:nvSpPr>
+        <p:spPr>
+          <a:xfrm>
+            <a:off x="4475512" y="3663604"/>
+            <a:ext cx="604653" cy="369332"/>
+          </a:xfrm>
+          <a:prstGeom prst="rect">
+            <a:avLst/>
+          </a:prstGeom>
+          <a:noFill/>
+        </p:spPr>
+        <p:txBody>
+          <a:bodyPr wrap="none" rtlCol="0">
+            <a:spAutoFit/>
+          </a:bodyPr>
+          <a:lstStyle/>
+          <a:p>
+            <a:pPr algn="ctr"/>
+            <a:r>
+              <a:rPr lang="ko-KR" altLang="en-US" dirty="0">
+                <a:latin typeface="나눔스퀘어 Light" panose="020B0600000101010101" pitchFamily="50" charset="-127"/>
+                <a:ea typeface="나눔스퀘어 Light" panose="020B0600000101010101" pitchFamily="50" charset="-127"/>
+              </a:rPr>
+              <a:t>채팅</a:t>
+            </a:r>
+          </a:p>
+        </p:txBody>
+      </p:sp>
+      <p:sp>
+        <p:nvSpPr>
+          <p:cNvPr id="18" name="TextBox 17">
+            <a:extLst>
+              <a:ext uri="{FF2B5EF4-FFF2-40B4-BE49-F238E27FC236}">
+                <a16:creationId xmlns:a16="http://schemas.microsoft.com/office/drawing/2014/main" id="{DDFC5D2A-2425-41A3-9400-43705FC42B1E}"/>
+              </a:ext>
+            </a:extLst>
+          </p:cNvPr>
+          <p:cNvSpPr txBox="1"/>
+          <p:nvPr/>
+        </p:nvSpPr>
+        <p:spPr>
+          <a:xfrm>
+            <a:off x="7111836" y="5934163"/>
+            <a:ext cx="604653" cy="369332"/>
+          </a:xfrm>
+          <a:prstGeom prst="rect">
+            <a:avLst/>
+          </a:prstGeom>
+          <a:noFill/>
+        </p:spPr>
+        <p:txBody>
+          <a:bodyPr wrap="none" rtlCol="0">
+            <a:spAutoFit/>
+          </a:bodyPr>
+          <a:lstStyle/>
+          <a:p>
+            <a:pPr algn="ctr"/>
+            <a:r>
+              <a:rPr lang="ko-KR" altLang="en-US" dirty="0">
+                <a:latin typeface="나눔스퀘어 Light" panose="020B0600000101010101" pitchFamily="50" charset="-127"/>
+                <a:ea typeface="나눔스퀘어 Light" panose="020B0600000101010101" pitchFamily="50" charset="-127"/>
+              </a:rPr>
+              <a:t>게임</a:t>
+            </a:r>
+          </a:p>
+        </p:txBody>
+      </p:sp>
+      <p:sp>
+        <p:nvSpPr>
+          <p:cNvPr id="20" name="TextBox 19">
+            <a:extLst>
+              <a:ext uri="{FF2B5EF4-FFF2-40B4-BE49-F238E27FC236}">
+                <a16:creationId xmlns:a16="http://schemas.microsoft.com/office/drawing/2014/main" id="{C99F19D5-FFC3-4DE2-8F0F-C5BCF66B9C7F}"/>
+              </a:ext>
+            </a:extLst>
+          </p:cNvPr>
+          <p:cNvSpPr txBox="1"/>
+          <p:nvPr/>
+        </p:nvSpPr>
+        <p:spPr>
+          <a:xfrm>
+            <a:off x="9198387" y="3663604"/>
+            <a:ext cx="1755610" cy="369332"/>
+          </a:xfrm>
+          <a:prstGeom prst="rect">
+            <a:avLst/>
+          </a:prstGeom>
+          <a:noFill/>
+        </p:spPr>
+        <p:txBody>
+          <a:bodyPr wrap="none" rtlCol="0">
+            <a:spAutoFit/>
+          </a:bodyPr>
+          <a:lstStyle/>
+          <a:p>
+            <a:pPr algn="ctr"/>
+            <a:r>
+              <a:rPr lang="ko-KR" altLang="en-US" dirty="0">
+                <a:latin typeface="나눔스퀘어 Light" panose="020B0600000101010101" pitchFamily="50" charset="-127"/>
+                <a:ea typeface="나눔스퀘어 Light" panose="020B0600000101010101" pitchFamily="50" charset="-127"/>
+              </a:rPr>
+              <a:t>방 생성 </a:t>
+            </a:r>
+            <a:r>
+              <a:rPr lang="en-US" altLang="ko-KR" dirty="0">
+                <a:latin typeface="나눔스퀘어 Light" panose="020B0600000101010101" pitchFamily="50" charset="-127"/>
+                <a:ea typeface="나눔스퀘어 Light" panose="020B0600000101010101" pitchFamily="50" charset="-127"/>
+              </a:rPr>
+              <a:t>/ </a:t>
+            </a:r>
+            <a:r>
+              <a:rPr lang="ko-KR" altLang="en-US" dirty="0">
+                <a:latin typeface="나눔스퀘어 Light" panose="020B0600000101010101" pitchFamily="50" charset="-127"/>
+                <a:ea typeface="나눔스퀘어 Light" panose="020B0600000101010101" pitchFamily="50" charset="-127"/>
+              </a:rPr>
+              <a:t>방 입장</a:t>
+            </a:r>
+          </a:p>
+        </p:txBody>
+      </p:sp>
+      <p:pic>
+        <p:nvPicPr>
+          <p:cNvPr id="1026" name="Picture 2" descr="라이브 스트리밍 - 무료 과학 기술개 아이콘">
+            <a:extLst>
+              <a:ext uri="{FF2B5EF4-FFF2-40B4-BE49-F238E27FC236}">
+                <a16:creationId xmlns:a16="http://schemas.microsoft.com/office/drawing/2014/main" id="{609358D4-3D11-4A3A-9FAC-EEF80B560571}"/>
+              </a:ext>
+            </a:extLst>
+          </p:cNvPr>
+          <p:cNvPicPr>
+            <a:picLocks noChangeAspect="1" noChangeArrowheads="1"/>
+          </p:cNvPicPr>
+          <p:nvPr/>
+        </p:nvPicPr>
+        <p:blipFill>
+          <a:blip r:embed="rId2">
+            <a:extLst>
+              <a:ext uri="{28A0092B-C50C-407E-A947-70E740481C1C}">
+                <a14:useLocalDpi xmlns:a14="http://schemas.microsoft.com/office/drawing/2010/main" val="0"/>
+              </a:ext>
+            </a:extLst>
+          </a:blip>
+          <a:srcRect/>
+          <a:stretch>
+            <a:fillRect/>
+          </a:stretch>
+        </p:blipFill>
+        <p:spPr bwMode="auto">
+          <a:xfrm>
+            <a:off x="1658610" y="4760422"/>
+            <a:ext cx="914402" cy="914400"/>
+          </a:xfrm>
+          <a:prstGeom prst="rect">
+            <a:avLst/>
+          </a:prstGeom>
+          <a:noFill/>
+          <a:extLst>
+            <a:ext uri="{909E8E84-426E-40DD-AFC4-6F175D3DCCD1}">
+              <a14:hiddenFill xmlns:a14="http://schemas.microsoft.com/office/drawing/2010/main">
+                <a:solidFill>
+                  <a:srgbClr val="FFFFFF"/>
+                </a:solidFill>
+              </a14:hiddenFill>
+            </a:ext>
+          </a:extLst>
+        </p:spPr>
+      </p:pic>
+      <p:pic>
+        <p:nvPicPr>
+          <p:cNvPr id="4" name="그래픽 3" descr="채팅 단색으로 채워진">
+            <a:extLst>
+              <a:ext uri="{FF2B5EF4-FFF2-40B4-BE49-F238E27FC236}">
+                <a16:creationId xmlns:a16="http://schemas.microsoft.com/office/drawing/2014/main" id="{6A8F65C8-C302-4D34-8081-6605B4DE2EFF}"/>
+              </a:ext>
+            </a:extLst>
+          </p:cNvPr>
+          <p:cNvPicPr>
+            <a:picLocks noChangeAspect="1"/>
+          </p:cNvPicPr>
+          <p:nvPr/>
+        </p:nvPicPr>
+        <p:blipFill>
+          <a:blip r:embed="rId3">
+            <a:extLst>
+              <a:ext uri="{28A0092B-C50C-407E-A947-70E740481C1C}">
+                <a14:useLocalDpi xmlns:a14="http://schemas.microsoft.com/office/drawing/2010/main" val="0"/>
+              </a:ext>
+              <a:ext uri="{96DAC541-7B7A-43D3-8B79-37D633B846F1}">
+                <asvg:svgBlip xmlns:asvg="http://schemas.microsoft.com/office/drawing/2016/SVG/main" r:embed="rId4"/>
+              </a:ext>
+            </a:extLst>
+          </a:blip>
+          <a:stretch>
+            <a:fillRect/>
+          </a:stretch>
+        </p:blipFill>
+        <p:spPr>
+          <a:xfrm>
+            <a:off x="4320638" y="2485002"/>
+            <a:ext cx="914400" cy="914400"/>
+          </a:xfrm>
+          <a:prstGeom prst="rect">
+            <a:avLst/>
+          </a:prstGeom>
+        </p:spPr>
+      </p:pic>
+      <p:pic>
+        <p:nvPicPr>
+          <p:cNvPr id="21" name="그래픽 20" descr="삼목게임 단색으로 채워진">
+            <a:extLst>
+              <a:ext uri="{FF2B5EF4-FFF2-40B4-BE49-F238E27FC236}">
+                <a16:creationId xmlns:a16="http://schemas.microsoft.com/office/drawing/2014/main" id="{8B565B13-49ED-48A1-B5C6-20A8F784E4E3}"/>
+              </a:ext>
+            </a:extLst>
+          </p:cNvPr>
+          <p:cNvPicPr>
+            <a:picLocks noChangeAspect="1"/>
+          </p:cNvPicPr>
+          <p:nvPr/>
+        </p:nvPicPr>
+        <p:blipFill>
+          <a:blip r:embed="rId5">
+            <a:extLst>
+              <a:ext uri="{28A0092B-C50C-407E-A947-70E740481C1C}">
+                <a14:useLocalDpi xmlns:a14="http://schemas.microsoft.com/office/drawing/2010/main" val="0"/>
+              </a:ext>
+              <a:ext uri="{96DAC541-7B7A-43D3-8B79-37D633B846F1}">
+                <asvg:svgBlip xmlns:asvg="http://schemas.microsoft.com/office/drawing/2016/SVG/main" r:embed="rId6"/>
+              </a:ext>
+            </a:extLst>
+          </a:blip>
+          <a:stretch>
+            <a:fillRect/>
+          </a:stretch>
+        </p:blipFill>
+        <p:spPr>
+          <a:xfrm>
+            <a:off x="6956962" y="4760422"/>
+            <a:ext cx="914400" cy="914400"/>
+          </a:xfrm>
+          <a:prstGeom prst="rect">
+            <a:avLst/>
+          </a:prstGeom>
+        </p:spPr>
+      </p:pic>
+      <p:pic>
+        <p:nvPicPr>
+          <p:cNvPr id="23" name="그래픽 22" descr="입력 단색으로 채워진">
+            <a:extLst>
+              <a:ext uri="{FF2B5EF4-FFF2-40B4-BE49-F238E27FC236}">
+                <a16:creationId xmlns:a16="http://schemas.microsoft.com/office/drawing/2014/main" id="{29AF8B7B-010B-4C00-BD1D-11DF6DD37DDB}"/>
+              </a:ext>
+            </a:extLst>
+          </p:cNvPr>
+          <p:cNvPicPr>
+            <a:picLocks noChangeAspect="1"/>
+          </p:cNvPicPr>
+          <p:nvPr/>
+        </p:nvPicPr>
+        <p:blipFill>
+          <a:blip r:embed="rId7">
+            <a:extLst>
+              <a:ext uri="{28A0092B-C50C-407E-A947-70E740481C1C}">
+                <a14:useLocalDpi xmlns:a14="http://schemas.microsoft.com/office/drawing/2010/main" val="0"/>
+              </a:ext>
+              <a:ext uri="{96DAC541-7B7A-43D3-8B79-37D633B846F1}">
+                <asvg:svgBlip xmlns:asvg="http://schemas.microsoft.com/office/drawing/2016/SVG/main" r:embed="rId8"/>
+              </a:ext>
+            </a:extLst>
+          </a:blip>
+          <a:stretch>
+            <a:fillRect/>
+          </a:stretch>
+        </p:blipFill>
+        <p:spPr>
+          <a:xfrm>
+            <a:off x="9618990" y="2485002"/>
+            <a:ext cx="914400" cy="914400"/>
+          </a:xfrm>
+          <a:prstGeom prst="rect">
+            <a:avLst/>
+          </a:prstGeom>
+        </p:spPr>
+      </p:pic>
     </p:spTree>
     <p:extLst>
       <p:ext uri="{BB962C8B-B14F-4D97-AF65-F5344CB8AC3E}">
@@ -12808,13 +13334,13 @@
   <p:clrMapOvr>
     <a:masterClrMapping/>
   </p:clrMapOvr>
-  <mc:AlternateContent xmlns:mc="http://schemas.openxmlformats.org/markup-compatibility/2006">
-    <mc:Choice xmlns:p159="http://schemas.microsoft.com/office/powerpoint/2015/09/main" xmlns="" Requires="p159">
+  <mc:AlternateContent xmlns:mc="http://schemas.openxmlformats.org/markup-compatibility/2006" xmlns:p159="http://schemas.microsoft.com/office/powerpoint/2015/09/main">
+    <mc:Choice Requires="p159">
       <p:transition xmlns:p14="http://schemas.microsoft.com/office/powerpoint/2010/main" spd="slow" p14:dur="2000">
         <p159:morph option="byObject"/>
       </p:transition>
     </mc:Choice>
-    <mc:Fallback>
+    <mc:Fallback xmlns="">
       <p:transition spd="slow">
         <p:fade/>
       </p:transition>
@@ -12845,7 +13371,7 @@
           <p:cNvPr id="3" name="직선 연결선 2">
             <a:extLst>
               <a:ext uri="{FF2B5EF4-FFF2-40B4-BE49-F238E27FC236}">
-                <a16:creationId xmlns:a16="http://schemas.microsoft.com/office/drawing/2014/main" xmlns="" id="{F55676F0-C433-4456-BB57-3E5832581EF6}"/>
+                <a16:creationId xmlns:a16="http://schemas.microsoft.com/office/drawing/2014/main" id="{F55676F0-C433-4456-BB57-3E5832581EF6}"/>
               </a:ext>
             </a:extLst>
           </p:cNvPr>
@@ -12888,7 +13414,7 @@
           <p:cNvPr id="6" name="TextBox 5">
             <a:extLst>
               <a:ext uri="{FF2B5EF4-FFF2-40B4-BE49-F238E27FC236}">
-                <a16:creationId xmlns:a16="http://schemas.microsoft.com/office/drawing/2014/main" xmlns="" id="{C7B00371-8BBF-468F-BAB5-3B58CE59B669}"/>
+                <a16:creationId xmlns:a16="http://schemas.microsoft.com/office/drawing/2014/main" id="{C7B00371-8BBF-468F-BAB5-3B58CE59B669}"/>
               </a:ext>
             </a:extLst>
           </p:cNvPr>
@@ -12940,7 +13466,7 @@
           <p:cNvPr id="7" name="TextBox 6">
             <a:extLst>
               <a:ext uri="{FF2B5EF4-FFF2-40B4-BE49-F238E27FC236}">
-                <a16:creationId xmlns:a16="http://schemas.microsoft.com/office/drawing/2014/main" xmlns="" id="{CE80D67F-752E-47B7-AF84-91BA6467218D}"/>
+                <a16:creationId xmlns:a16="http://schemas.microsoft.com/office/drawing/2014/main" id="{CE80D67F-752E-47B7-AF84-91BA6467218D}"/>
               </a:ext>
             </a:extLst>
           </p:cNvPr>
@@ -13062,7 +13588,7 @@
           <p:cNvPr id="8" name="TextBox 7">
             <a:extLst>
               <a:ext uri="{FF2B5EF4-FFF2-40B4-BE49-F238E27FC236}">
-                <a16:creationId xmlns:a16="http://schemas.microsoft.com/office/drawing/2014/main" xmlns="" id="{5D0C9A45-A32B-45BB-B4DB-89BAF7E41E6D}"/>
+                <a16:creationId xmlns:a16="http://schemas.microsoft.com/office/drawing/2014/main" id="{5D0C9A45-A32B-45BB-B4DB-89BAF7E41E6D}"/>
               </a:ext>
             </a:extLst>
           </p:cNvPr>
@@ -13172,7 +13698,7 @@
           <p:cNvPr id="9" name="직선 연결선 8">
             <a:extLst>
               <a:ext uri="{FF2B5EF4-FFF2-40B4-BE49-F238E27FC236}">
-                <a16:creationId xmlns:a16="http://schemas.microsoft.com/office/drawing/2014/main" xmlns="" id="{F55676F0-C433-4456-BB57-3E5832581EF6}"/>
+                <a16:creationId xmlns:a16="http://schemas.microsoft.com/office/drawing/2014/main" id="{F55676F0-C433-4456-BB57-3E5832581EF6}"/>
               </a:ext>
             </a:extLst>
           </p:cNvPr>
@@ -13220,13 +13746,13 @@
   <p:clrMapOvr>
     <a:masterClrMapping/>
   </p:clrMapOvr>
-  <mc:AlternateContent xmlns:mc="http://schemas.openxmlformats.org/markup-compatibility/2006">
-    <mc:Choice xmlns:p159="http://schemas.microsoft.com/office/powerpoint/2015/09/main" xmlns="" Requires="p159">
+  <mc:AlternateContent xmlns:mc="http://schemas.openxmlformats.org/markup-compatibility/2006" xmlns:p159="http://schemas.microsoft.com/office/powerpoint/2015/09/main">
+    <mc:Choice Requires="p159">
       <p:transition xmlns:p14="http://schemas.microsoft.com/office/powerpoint/2010/main" spd="slow" p14:dur="2000">
         <p159:morph option="byObject"/>
       </p:transition>
     </mc:Choice>
-    <mc:Fallback>
+    <mc:Fallback xmlns="">
       <p:transition spd="slow">
         <p:fade/>
       </p:transition>
@@ -13257,7 +13783,7 @@
           <p:cNvPr id="3" name="직선 연결선 2">
             <a:extLst>
               <a:ext uri="{FF2B5EF4-FFF2-40B4-BE49-F238E27FC236}">
-                <a16:creationId xmlns:a16="http://schemas.microsoft.com/office/drawing/2014/main" xmlns="" id="{F55676F0-C433-4456-BB57-3E5832581EF6}"/>
+                <a16:creationId xmlns:a16="http://schemas.microsoft.com/office/drawing/2014/main" id="{F55676F0-C433-4456-BB57-3E5832581EF6}"/>
               </a:ext>
             </a:extLst>
           </p:cNvPr>
@@ -13298,7 +13824,7 @@
           <p:cNvPr id="5" name="직선 연결선 4">
             <a:extLst>
               <a:ext uri="{FF2B5EF4-FFF2-40B4-BE49-F238E27FC236}">
-                <a16:creationId xmlns:a16="http://schemas.microsoft.com/office/drawing/2014/main" xmlns="" id="{D3691A12-0DD2-46C8-AA88-68CCF5455840}"/>
+                <a16:creationId xmlns:a16="http://schemas.microsoft.com/office/drawing/2014/main" id="{D3691A12-0DD2-46C8-AA88-68CCF5455840}"/>
               </a:ext>
             </a:extLst>
           </p:cNvPr>
@@ -13339,7 +13865,7 @@
           <p:cNvPr id="6" name="TextBox 5">
             <a:extLst>
               <a:ext uri="{FF2B5EF4-FFF2-40B4-BE49-F238E27FC236}">
-                <a16:creationId xmlns:a16="http://schemas.microsoft.com/office/drawing/2014/main" xmlns="" id="{C7B00371-8BBF-468F-BAB5-3B58CE59B669}"/>
+                <a16:creationId xmlns:a16="http://schemas.microsoft.com/office/drawing/2014/main" id="{C7B00371-8BBF-468F-BAB5-3B58CE59B669}"/>
               </a:ext>
             </a:extLst>
           </p:cNvPr>
@@ -13387,13 +13913,13 @@
   <p:clrMapOvr>
     <a:masterClrMapping/>
   </p:clrMapOvr>
-  <mc:AlternateContent xmlns:mc="http://schemas.openxmlformats.org/markup-compatibility/2006">
-    <mc:Choice xmlns:p159="http://schemas.microsoft.com/office/powerpoint/2015/09/main" xmlns="" Requires="p159">
+  <mc:AlternateContent xmlns:mc="http://schemas.openxmlformats.org/markup-compatibility/2006" xmlns:p159="http://schemas.microsoft.com/office/powerpoint/2015/09/main">
+    <mc:Choice Requires="p159">
       <p:transition xmlns:p14="http://schemas.microsoft.com/office/powerpoint/2010/main" spd="slow" p14:dur="2000">
         <p159:morph option="byObject"/>
       </p:transition>
     </mc:Choice>
-    <mc:Fallback>
+    <mc:Fallback xmlns="">
       <p:transition spd="slow">
         <p:fade/>
       </p:transition>
@@ -13424,7 +13950,7 @@
           <p:cNvPr id="3" name="직선 연결선 2">
             <a:extLst>
               <a:ext uri="{FF2B5EF4-FFF2-40B4-BE49-F238E27FC236}">
-                <a16:creationId xmlns:a16="http://schemas.microsoft.com/office/drawing/2014/main" xmlns="" id="{F55676F0-C433-4456-BB57-3E5832581EF6}"/>
+                <a16:creationId xmlns:a16="http://schemas.microsoft.com/office/drawing/2014/main" id="{F55676F0-C433-4456-BB57-3E5832581EF6}"/>
               </a:ext>
             </a:extLst>
           </p:cNvPr>
@@ -13467,7 +13993,7 @@
           <p:cNvPr id="6" name="TextBox 5">
             <a:extLst>
               <a:ext uri="{FF2B5EF4-FFF2-40B4-BE49-F238E27FC236}">
-                <a16:creationId xmlns:a16="http://schemas.microsoft.com/office/drawing/2014/main" xmlns="" id="{C7B00371-8BBF-468F-BAB5-3B58CE59B669}"/>
+                <a16:creationId xmlns:a16="http://schemas.microsoft.com/office/drawing/2014/main" id="{C7B00371-8BBF-468F-BAB5-3B58CE59B669}"/>
               </a:ext>
             </a:extLst>
           </p:cNvPr>
@@ -13556,7 +14082,7 @@
           <p:cNvPr id="8" name="TextBox 7">
             <a:extLst>
               <a:ext uri="{FF2B5EF4-FFF2-40B4-BE49-F238E27FC236}">
-                <a16:creationId xmlns:a16="http://schemas.microsoft.com/office/drawing/2014/main" xmlns="" id="{5D0C9A45-A32B-45BB-B4DB-89BAF7E41E6D}"/>
+                <a16:creationId xmlns:a16="http://schemas.microsoft.com/office/drawing/2014/main" id="{5D0C9A45-A32B-45BB-B4DB-89BAF7E41E6D}"/>
               </a:ext>
             </a:extLst>
           </p:cNvPr>
@@ -13623,7 +14149,7 @@
           <p:cNvPr id="9" name="직선 연결선 8">
             <a:extLst>
               <a:ext uri="{FF2B5EF4-FFF2-40B4-BE49-F238E27FC236}">
-                <a16:creationId xmlns:a16="http://schemas.microsoft.com/office/drawing/2014/main" xmlns="" id="{5140239F-7841-40D4-B023-7486FD09274D}"/>
+                <a16:creationId xmlns:a16="http://schemas.microsoft.com/office/drawing/2014/main" id="{5140239F-7841-40D4-B023-7486FD09274D}"/>
               </a:ext>
             </a:extLst>
           </p:cNvPr>
@@ -13666,7 +14192,7 @@
           <p:cNvPr id="10" name="사각형: 둥근 모서리 9">
             <a:extLst>
               <a:ext uri="{FF2B5EF4-FFF2-40B4-BE49-F238E27FC236}">
-                <a16:creationId xmlns:a16="http://schemas.microsoft.com/office/drawing/2014/main" xmlns="" id="{4D919A47-6F96-4D44-B131-69AB6C19FAA8}"/>
+                <a16:creationId xmlns:a16="http://schemas.microsoft.com/office/drawing/2014/main" id="{4D919A47-6F96-4D44-B131-69AB6C19FAA8}"/>
               </a:ext>
             </a:extLst>
           </p:cNvPr>
@@ -13722,7 +14248,7 @@
           <p:cNvPr id="11" name="사각형: 둥근 모서리 10">
             <a:extLst>
               <a:ext uri="{FF2B5EF4-FFF2-40B4-BE49-F238E27FC236}">
-                <a16:creationId xmlns:a16="http://schemas.microsoft.com/office/drawing/2014/main" xmlns="" id="{0D2ED05C-0E4C-4B80-B882-5C646143DD9A}"/>
+                <a16:creationId xmlns:a16="http://schemas.microsoft.com/office/drawing/2014/main" id="{0D2ED05C-0E4C-4B80-B882-5C646143DD9A}"/>
               </a:ext>
             </a:extLst>
           </p:cNvPr>
@@ -13778,7 +14304,7 @@
           <p:cNvPr id="12" name="사각형: 둥근 모서리 11">
             <a:extLst>
               <a:ext uri="{FF2B5EF4-FFF2-40B4-BE49-F238E27FC236}">
-                <a16:creationId xmlns:a16="http://schemas.microsoft.com/office/drawing/2014/main" xmlns="" id="{7D46801A-D0B2-417B-A612-3958ADE2B09A}"/>
+                <a16:creationId xmlns:a16="http://schemas.microsoft.com/office/drawing/2014/main" id="{7D46801A-D0B2-417B-A612-3958ADE2B09A}"/>
               </a:ext>
             </a:extLst>
           </p:cNvPr>
@@ -13834,7 +14360,7 @@
           <p:cNvPr id="13" name="TextBox 12">
             <a:extLst>
               <a:ext uri="{FF2B5EF4-FFF2-40B4-BE49-F238E27FC236}">
-                <a16:creationId xmlns:a16="http://schemas.microsoft.com/office/drawing/2014/main" xmlns="" id="{CD3A101B-10C5-4D92-8E5C-C72E33B13DF4}"/>
+                <a16:creationId xmlns:a16="http://schemas.microsoft.com/office/drawing/2014/main" id="{CD3A101B-10C5-4D92-8E5C-C72E33B13DF4}"/>
               </a:ext>
             </a:extLst>
           </p:cNvPr>
@@ -13882,7 +14408,7 @@
           <p:cNvPr id="15" name="TextBox 14">
             <a:extLst>
               <a:ext uri="{FF2B5EF4-FFF2-40B4-BE49-F238E27FC236}">
-                <a16:creationId xmlns:a16="http://schemas.microsoft.com/office/drawing/2014/main" xmlns="" id="{BB5D26D0-F529-4B18-995C-1FB6FD300DD5}"/>
+                <a16:creationId xmlns:a16="http://schemas.microsoft.com/office/drawing/2014/main" id="{BB5D26D0-F529-4B18-995C-1FB6FD300DD5}"/>
               </a:ext>
             </a:extLst>
           </p:cNvPr>
@@ -13930,7 +14456,7 @@
           <p:cNvPr id="16" name="TextBox 15">
             <a:extLst>
               <a:ext uri="{FF2B5EF4-FFF2-40B4-BE49-F238E27FC236}">
-                <a16:creationId xmlns:a16="http://schemas.microsoft.com/office/drawing/2014/main" xmlns="" id="{7EB83BBD-9E2B-47AB-ACBE-98ADF0D4FDB6}"/>
+                <a16:creationId xmlns:a16="http://schemas.microsoft.com/office/drawing/2014/main" id="{7EB83BBD-9E2B-47AB-ACBE-98ADF0D4FDB6}"/>
               </a:ext>
             </a:extLst>
           </p:cNvPr>
@@ -13978,7 +14504,7 @@
           <p:cNvPr id="17" name="TextBox 16">
             <a:extLst>
               <a:ext uri="{FF2B5EF4-FFF2-40B4-BE49-F238E27FC236}">
-                <a16:creationId xmlns:a16="http://schemas.microsoft.com/office/drawing/2014/main" xmlns="" id="{EF93F456-2C49-4A85-B01B-2D6BD46D6E98}"/>
+                <a16:creationId xmlns:a16="http://schemas.microsoft.com/office/drawing/2014/main" id="{EF93F456-2C49-4A85-B01B-2D6BD46D6E98}"/>
               </a:ext>
             </a:extLst>
           </p:cNvPr>
@@ -14019,7 +14545,7 @@
           <p:cNvPr id="1028" name="Picture 4">
             <a:extLst>
               <a:ext uri="{FF2B5EF4-FFF2-40B4-BE49-F238E27FC236}">
-                <a16:creationId xmlns:a16="http://schemas.microsoft.com/office/drawing/2014/main" xmlns="" id="{0DC10F6D-3290-4663-A8F1-982CF68042E3}"/>
+                <a16:creationId xmlns:a16="http://schemas.microsoft.com/office/drawing/2014/main" id="{0DC10F6D-3290-4663-A8F1-982CF68042E3}"/>
               </a:ext>
             </a:extLst>
           </p:cNvPr>
@@ -14043,7 +14569,7 @@
         </p:blipFill>
         <p:spPr bwMode="auto">
           <a:xfrm>
-            <a:off x="9111706" y="3245506"/>
+            <a:off x="5279656" y="3245506"/>
             <a:ext cx="1656000" cy="1656000"/>
           </a:xfrm>
           <a:prstGeom prst="rect">
@@ -14066,7 +14592,7 @@
           <p:cNvPr id="1030" name="Picture 6" descr="11 Best Dedicated Web Developers [Hire in 48 Hours] | Toptal®">
             <a:extLst>
               <a:ext uri="{FF2B5EF4-FFF2-40B4-BE49-F238E27FC236}">
-                <a16:creationId xmlns:a16="http://schemas.microsoft.com/office/drawing/2014/main" xmlns="" id="{4BBF8C18-DBFC-486C-AEB5-BA2D1C218838}"/>
+                <a16:creationId xmlns:a16="http://schemas.microsoft.com/office/drawing/2014/main" id="{4BBF8C18-DBFC-486C-AEB5-BA2D1C218838}"/>
               </a:ext>
             </a:extLst>
           </p:cNvPr>
@@ -14111,7 +14637,7 @@
           <p:cNvPr id="4" name="그래픽 3" descr="무선 단색으로 채워진">
             <a:extLst>
               <a:ext uri="{FF2B5EF4-FFF2-40B4-BE49-F238E27FC236}">
-                <a16:creationId xmlns:a16="http://schemas.microsoft.com/office/drawing/2014/main" xmlns="" id="{CFDC2313-7EDD-4EE9-8D3C-CABFF1B2BD45}"/>
+                <a16:creationId xmlns:a16="http://schemas.microsoft.com/office/drawing/2014/main" id="{CFDC2313-7EDD-4EE9-8D3C-CABFF1B2BD45}"/>
               </a:ext>
             </a:extLst>
           </p:cNvPr>
@@ -14127,7 +14653,7 @@
                 <a14:useLocalDpi xmlns:a14="http://schemas.microsoft.com/office/drawing/2010/main" val="0"/>
               </a:ext>
               <a:ext uri="{96DAC541-7B7A-43D3-8B79-37D633B846F1}">
-                <asvg:svgBlip xmlns:asvg="http://schemas.microsoft.com/office/drawing/2016/SVG/main" xmlns="" r:embed="rId5"/>
+                <asvg:svgBlip xmlns:asvg="http://schemas.microsoft.com/office/drawing/2016/SVG/main" r:embed="rId5"/>
               </a:ext>
             </a:extLst>
           </a:blip>
@@ -14136,7 +14662,7 @@
         </p:blipFill>
         <p:spPr>
           <a:xfrm>
-            <a:off x="5289611" y="3245506"/>
+            <a:off x="9125471" y="3245506"/>
             <a:ext cx="1611965" cy="1656000"/>
           </a:xfrm>
           <a:prstGeom prst="rect">
@@ -14154,13 +14680,13 @@
   <p:clrMapOvr>
     <a:masterClrMapping/>
   </p:clrMapOvr>
-  <mc:AlternateContent xmlns:mc="http://schemas.openxmlformats.org/markup-compatibility/2006">
-    <mc:Choice xmlns:p159="http://schemas.microsoft.com/office/powerpoint/2015/09/main" xmlns="" Requires="p159">
+  <mc:AlternateContent xmlns:mc="http://schemas.openxmlformats.org/markup-compatibility/2006" xmlns:p159="http://schemas.microsoft.com/office/powerpoint/2015/09/main">
+    <mc:Choice Requires="p159">
       <p:transition xmlns:p14="http://schemas.microsoft.com/office/powerpoint/2010/main" spd="slow" p14:dur="2000">
         <p159:morph option="byObject"/>
       </p:transition>
     </mc:Choice>
-    <mc:Fallback>
+    <mc:Fallback xmlns="">
       <p:transition spd="slow">
         <p:fade/>
       </p:transition>
@@ -14191,7 +14717,7 @@
           <p:cNvPr id="3" name="직선 연결선 2">
             <a:extLst>
               <a:ext uri="{FF2B5EF4-FFF2-40B4-BE49-F238E27FC236}">
-                <a16:creationId xmlns:a16="http://schemas.microsoft.com/office/drawing/2014/main" xmlns="" id="{F55676F0-C433-4456-BB57-3E5832581EF6}"/>
+                <a16:creationId xmlns:a16="http://schemas.microsoft.com/office/drawing/2014/main" id="{F55676F0-C433-4456-BB57-3E5832581EF6}"/>
               </a:ext>
             </a:extLst>
           </p:cNvPr>
@@ -14234,7 +14760,7 @@
           <p:cNvPr id="6" name="TextBox 5">
             <a:extLst>
               <a:ext uri="{FF2B5EF4-FFF2-40B4-BE49-F238E27FC236}">
-                <a16:creationId xmlns:a16="http://schemas.microsoft.com/office/drawing/2014/main" xmlns="" id="{C7B00371-8BBF-468F-BAB5-3B58CE59B669}"/>
+                <a16:creationId xmlns:a16="http://schemas.microsoft.com/office/drawing/2014/main" id="{C7B00371-8BBF-468F-BAB5-3B58CE59B669}"/>
               </a:ext>
             </a:extLst>
           </p:cNvPr>
@@ -14323,7 +14849,7 @@
           <p:cNvPr id="8" name="TextBox 7">
             <a:extLst>
               <a:ext uri="{FF2B5EF4-FFF2-40B4-BE49-F238E27FC236}">
-                <a16:creationId xmlns:a16="http://schemas.microsoft.com/office/drawing/2014/main" xmlns="" id="{5D0C9A45-A32B-45BB-B4DB-89BAF7E41E6D}"/>
+                <a16:creationId xmlns:a16="http://schemas.microsoft.com/office/drawing/2014/main" id="{5D0C9A45-A32B-45BB-B4DB-89BAF7E41E6D}"/>
               </a:ext>
             </a:extLst>
           </p:cNvPr>
@@ -14378,7 +14904,7 @@
           <p:cNvPr id="9" name="직선 연결선 8">
             <a:extLst>
               <a:ext uri="{FF2B5EF4-FFF2-40B4-BE49-F238E27FC236}">
-                <a16:creationId xmlns:a16="http://schemas.microsoft.com/office/drawing/2014/main" xmlns="" id="{5140239F-7841-40D4-B023-7486FD09274D}"/>
+                <a16:creationId xmlns:a16="http://schemas.microsoft.com/office/drawing/2014/main" id="{5140239F-7841-40D4-B023-7486FD09274D}"/>
               </a:ext>
             </a:extLst>
           </p:cNvPr>
@@ -14421,7 +14947,7 @@
           <p:cNvPr id="11" name="TextBox 10">
             <a:extLst>
               <a:ext uri="{FF2B5EF4-FFF2-40B4-BE49-F238E27FC236}">
-                <a16:creationId xmlns:a16="http://schemas.microsoft.com/office/drawing/2014/main" xmlns="" id="{796A3F55-A310-4812-82DA-85F76DEB9227}"/>
+                <a16:creationId xmlns:a16="http://schemas.microsoft.com/office/drawing/2014/main" id="{796A3F55-A310-4812-82DA-85F76DEB9227}"/>
               </a:ext>
             </a:extLst>
           </p:cNvPr>
@@ -14462,7 +14988,7 @@
           <p:cNvPr id="12" name="그래픽 11" descr="그룹 단색으로 채워진">
             <a:extLst>
               <a:ext uri="{FF2B5EF4-FFF2-40B4-BE49-F238E27FC236}">
-                <a16:creationId xmlns:a16="http://schemas.microsoft.com/office/drawing/2014/main" xmlns="" id="{A59A173A-1CB1-4BEA-9558-2ED0659EEC3A}"/>
+                <a16:creationId xmlns:a16="http://schemas.microsoft.com/office/drawing/2014/main" id="{A59A173A-1CB1-4BEA-9558-2ED0659EEC3A}"/>
               </a:ext>
             </a:extLst>
           </p:cNvPr>
@@ -14478,7 +15004,7 @@
                 <a14:useLocalDpi xmlns:a14="http://schemas.microsoft.com/office/drawing/2010/main" val="0"/>
               </a:ext>
               <a:ext uri="{96DAC541-7B7A-43D3-8B79-37D633B846F1}">
-                <asvg:svgBlip xmlns:asvg="http://schemas.microsoft.com/office/drawing/2016/SVG/main" xmlns="" r:embed="rId3"/>
+                <asvg:svgBlip xmlns:asvg="http://schemas.microsoft.com/office/drawing/2016/SVG/main" r:embed="rId3"/>
               </a:ext>
             </a:extLst>
           </a:blip>
@@ -14501,7 +15027,7 @@
           <p:cNvPr id="13" name="TextBox 12">
             <a:extLst>
               <a:ext uri="{FF2B5EF4-FFF2-40B4-BE49-F238E27FC236}">
-                <a16:creationId xmlns:a16="http://schemas.microsoft.com/office/drawing/2014/main" xmlns="" id="{32702999-639E-45B5-97C5-64C571B59CCB}"/>
+                <a16:creationId xmlns:a16="http://schemas.microsoft.com/office/drawing/2014/main" id="{32702999-639E-45B5-97C5-64C571B59CCB}"/>
               </a:ext>
             </a:extLst>
           </p:cNvPr>
@@ -14543,7 +15069,7 @@
           <p:cNvPr id="15" name="그래픽 14" descr="펜싱 단색으로 채워진">
             <a:extLst>
               <a:ext uri="{FF2B5EF4-FFF2-40B4-BE49-F238E27FC236}">
-                <a16:creationId xmlns:a16="http://schemas.microsoft.com/office/drawing/2014/main" xmlns="" id="{B1250799-A5DC-4E9C-B39B-3D961AD4AB54}"/>
+                <a16:creationId xmlns:a16="http://schemas.microsoft.com/office/drawing/2014/main" id="{B1250799-A5DC-4E9C-B39B-3D961AD4AB54}"/>
               </a:ext>
             </a:extLst>
           </p:cNvPr>
@@ -14559,7 +15085,7 @@
                 <a14:useLocalDpi xmlns:a14="http://schemas.microsoft.com/office/drawing/2010/main" val="0"/>
               </a:ext>
               <a:ext uri="{96DAC541-7B7A-43D3-8B79-37D633B846F1}">
-                <asvg:svgBlip xmlns:asvg="http://schemas.microsoft.com/office/drawing/2016/SVG/main" xmlns="" r:embed="rId5"/>
+                <asvg:svgBlip xmlns:asvg="http://schemas.microsoft.com/office/drawing/2016/SVG/main" r:embed="rId5"/>
               </a:ext>
             </a:extLst>
           </a:blip>
@@ -14582,7 +15108,7 @@
           <p:cNvPr id="22" name="TextBox 21">
             <a:extLst>
               <a:ext uri="{FF2B5EF4-FFF2-40B4-BE49-F238E27FC236}">
-                <a16:creationId xmlns:a16="http://schemas.microsoft.com/office/drawing/2014/main" xmlns="" id="{DAC735AE-4F97-4B34-A89F-759437FA6357}"/>
+                <a16:creationId xmlns:a16="http://schemas.microsoft.com/office/drawing/2014/main" id="{DAC735AE-4F97-4B34-A89F-759437FA6357}"/>
               </a:ext>
             </a:extLst>
           </p:cNvPr>
@@ -14620,7 +15146,7 @@
           <p:cNvPr id="16" name="표 16">
             <a:extLst>
               <a:ext uri="{FF2B5EF4-FFF2-40B4-BE49-F238E27FC236}">
-                <a16:creationId xmlns:a16="http://schemas.microsoft.com/office/drawing/2014/main" xmlns="" id="{439937F2-8661-439E-AAE1-9494438B8A27}"/>
+                <a16:creationId xmlns:a16="http://schemas.microsoft.com/office/drawing/2014/main" id="{439937F2-8661-439E-AAE1-9494438B8A27}"/>
               </a:ext>
             </a:extLst>
           </p:cNvPr>
@@ -14649,35 +15175,35 @@
                 <a:gridCol w="550433">
                   <a:extLst>
                     <a:ext uri="{9D8B030D-6E8A-4147-A177-3AD203B41FA5}">
-                      <a16:colId xmlns:a16="http://schemas.microsoft.com/office/drawing/2014/main" xmlns="" val="755106812"/>
+                      <a16:colId xmlns:a16="http://schemas.microsoft.com/office/drawing/2014/main" val="755106812"/>
                     </a:ext>
                   </a:extLst>
                 </a:gridCol>
                 <a:gridCol w="550433">
                   <a:extLst>
                     <a:ext uri="{9D8B030D-6E8A-4147-A177-3AD203B41FA5}">
-                      <a16:colId xmlns:a16="http://schemas.microsoft.com/office/drawing/2014/main" xmlns="" val="323822626"/>
+                      <a16:colId xmlns:a16="http://schemas.microsoft.com/office/drawing/2014/main" val="323822626"/>
                     </a:ext>
                   </a:extLst>
                 </a:gridCol>
                 <a:gridCol w="550433">
                   <a:extLst>
                     <a:ext uri="{9D8B030D-6E8A-4147-A177-3AD203B41FA5}">
-                      <a16:colId xmlns:a16="http://schemas.microsoft.com/office/drawing/2014/main" xmlns="" val="3037851800"/>
+                      <a16:colId xmlns:a16="http://schemas.microsoft.com/office/drawing/2014/main" val="3037851800"/>
                     </a:ext>
                   </a:extLst>
                 </a:gridCol>
                 <a:gridCol w="550433">
                   <a:extLst>
                     <a:ext uri="{9D8B030D-6E8A-4147-A177-3AD203B41FA5}">
-                      <a16:colId xmlns:a16="http://schemas.microsoft.com/office/drawing/2014/main" xmlns="" val="527558661"/>
+                      <a16:colId xmlns:a16="http://schemas.microsoft.com/office/drawing/2014/main" val="527558661"/>
                     </a:ext>
                   </a:extLst>
                 </a:gridCol>
                 <a:gridCol w="550433">
                   <a:extLst>
                     <a:ext uri="{9D8B030D-6E8A-4147-A177-3AD203B41FA5}">
-                      <a16:colId xmlns:a16="http://schemas.microsoft.com/office/drawing/2014/main" xmlns="" val="2809175255"/>
+                      <a16:colId xmlns:a16="http://schemas.microsoft.com/office/drawing/2014/main" val="2809175255"/>
                     </a:ext>
                   </a:extLst>
                 </a:gridCol>
@@ -14740,7 +15266,7 @@
                 </a:tc>
                 <a:extLst>
                   <a:ext uri="{0D108BD9-81ED-4DB2-BD59-A6C34878D82A}">
-                    <a16:rowId xmlns:a16="http://schemas.microsoft.com/office/drawing/2014/main" xmlns="" val="1036463712"/>
+                    <a16:rowId xmlns:a16="http://schemas.microsoft.com/office/drawing/2014/main" val="1036463712"/>
                   </a:ext>
                 </a:extLst>
               </a:tr>
@@ -14802,7 +15328,7 @@
                 </a:tc>
                 <a:extLst>
                   <a:ext uri="{0D108BD9-81ED-4DB2-BD59-A6C34878D82A}">
-                    <a16:rowId xmlns:a16="http://schemas.microsoft.com/office/drawing/2014/main" xmlns="" val="1116843168"/>
+                    <a16:rowId xmlns:a16="http://schemas.microsoft.com/office/drawing/2014/main" val="1116843168"/>
                   </a:ext>
                 </a:extLst>
               </a:tr>
@@ -14864,7 +15390,7 @@
                 </a:tc>
                 <a:extLst>
                   <a:ext uri="{0D108BD9-81ED-4DB2-BD59-A6C34878D82A}">
-                    <a16:rowId xmlns:a16="http://schemas.microsoft.com/office/drawing/2014/main" xmlns="" val="561189739"/>
+                    <a16:rowId xmlns:a16="http://schemas.microsoft.com/office/drawing/2014/main" val="561189739"/>
                   </a:ext>
                 </a:extLst>
               </a:tr>
@@ -14926,7 +15452,7 @@
                 </a:tc>
                 <a:extLst>
                   <a:ext uri="{0D108BD9-81ED-4DB2-BD59-A6C34878D82A}">
-                    <a16:rowId xmlns:a16="http://schemas.microsoft.com/office/drawing/2014/main" xmlns="" val="2699136078"/>
+                    <a16:rowId xmlns:a16="http://schemas.microsoft.com/office/drawing/2014/main" val="2699136078"/>
                   </a:ext>
                 </a:extLst>
               </a:tr>
@@ -14988,7 +15514,7 @@
                 </a:tc>
                 <a:extLst>
                   <a:ext uri="{0D108BD9-81ED-4DB2-BD59-A6C34878D82A}">
-                    <a16:rowId xmlns:a16="http://schemas.microsoft.com/office/drawing/2014/main" xmlns="" val="1376380480"/>
+                    <a16:rowId xmlns:a16="http://schemas.microsoft.com/office/drawing/2014/main" val="1376380480"/>
                   </a:ext>
                 </a:extLst>
               </a:tr>
@@ -15001,7 +15527,7 @@
           <p:cNvPr id="23" name="표 16">
             <a:extLst>
               <a:ext uri="{FF2B5EF4-FFF2-40B4-BE49-F238E27FC236}">
-                <a16:creationId xmlns:a16="http://schemas.microsoft.com/office/drawing/2014/main" xmlns="" id="{431528B1-F7FD-49D1-B36A-1E1EA6004918}"/>
+                <a16:creationId xmlns:a16="http://schemas.microsoft.com/office/drawing/2014/main" id="{431528B1-F7FD-49D1-B36A-1E1EA6004918}"/>
               </a:ext>
             </a:extLst>
           </p:cNvPr>
@@ -15030,35 +15556,35 @@
                 <a:gridCol w="550433">
                   <a:extLst>
                     <a:ext uri="{9D8B030D-6E8A-4147-A177-3AD203B41FA5}">
-                      <a16:colId xmlns:a16="http://schemas.microsoft.com/office/drawing/2014/main" xmlns="" val="755106812"/>
+                      <a16:colId xmlns:a16="http://schemas.microsoft.com/office/drawing/2014/main" val="755106812"/>
                     </a:ext>
                   </a:extLst>
                 </a:gridCol>
                 <a:gridCol w="550433">
                   <a:extLst>
                     <a:ext uri="{9D8B030D-6E8A-4147-A177-3AD203B41FA5}">
-                      <a16:colId xmlns:a16="http://schemas.microsoft.com/office/drawing/2014/main" xmlns="" val="323822626"/>
+                      <a16:colId xmlns:a16="http://schemas.microsoft.com/office/drawing/2014/main" val="323822626"/>
                     </a:ext>
                   </a:extLst>
                 </a:gridCol>
                 <a:gridCol w="550433">
                   <a:extLst>
                     <a:ext uri="{9D8B030D-6E8A-4147-A177-3AD203B41FA5}">
-                      <a16:colId xmlns:a16="http://schemas.microsoft.com/office/drawing/2014/main" xmlns="" val="3037851800"/>
+                      <a16:colId xmlns:a16="http://schemas.microsoft.com/office/drawing/2014/main" val="3037851800"/>
                     </a:ext>
                   </a:extLst>
                 </a:gridCol>
                 <a:gridCol w="550433">
                   <a:extLst>
                     <a:ext uri="{9D8B030D-6E8A-4147-A177-3AD203B41FA5}">
-                      <a16:colId xmlns:a16="http://schemas.microsoft.com/office/drawing/2014/main" xmlns="" val="527558661"/>
+                      <a16:colId xmlns:a16="http://schemas.microsoft.com/office/drawing/2014/main" val="527558661"/>
                     </a:ext>
                   </a:extLst>
                 </a:gridCol>
                 <a:gridCol w="550433">
                   <a:extLst>
                     <a:ext uri="{9D8B030D-6E8A-4147-A177-3AD203B41FA5}">
-                      <a16:colId xmlns:a16="http://schemas.microsoft.com/office/drawing/2014/main" xmlns="" val="2809175255"/>
+                      <a16:colId xmlns:a16="http://schemas.microsoft.com/office/drawing/2014/main" val="2809175255"/>
                     </a:ext>
                   </a:extLst>
                 </a:gridCol>
@@ -15121,7 +15647,7 @@
                 </a:tc>
                 <a:extLst>
                   <a:ext uri="{0D108BD9-81ED-4DB2-BD59-A6C34878D82A}">
-                    <a16:rowId xmlns:a16="http://schemas.microsoft.com/office/drawing/2014/main" xmlns="" val="1036463712"/>
+                    <a16:rowId xmlns:a16="http://schemas.microsoft.com/office/drawing/2014/main" val="1036463712"/>
                   </a:ext>
                 </a:extLst>
               </a:tr>
@@ -15183,7 +15709,7 @@
                 </a:tc>
                 <a:extLst>
                   <a:ext uri="{0D108BD9-81ED-4DB2-BD59-A6C34878D82A}">
-                    <a16:rowId xmlns:a16="http://schemas.microsoft.com/office/drawing/2014/main" xmlns="" val="1116843168"/>
+                    <a16:rowId xmlns:a16="http://schemas.microsoft.com/office/drawing/2014/main" val="1116843168"/>
                   </a:ext>
                 </a:extLst>
               </a:tr>
@@ -15245,7 +15771,7 @@
                 </a:tc>
                 <a:extLst>
                   <a:ext uri="{0D108BD9-81ED-4DB2-BD59-A6C34878D82A}">
-                    <a16:rowId xmlns:a16="http://schemas.microsoft.com/office/drawing/2014/main" xmlns="" val="561189739"/>
+                    <a16:rowId xmlns:a16="http://schemas.microsoft.com/office/drawing/2014/main" val="561189739"/>
                   </a:ext>
                 </a:extLst>
               </a:tr>
@@ -15307,7 +15833,7 @@
                 </a:tc>
                 <a:extLst>
                   <a:ext uri="{0D108BD9-81ED-4DB2-BD59-A6C34878D82A}">
-                    <a16:rowId xmlns:a16="http://schemas.microsoft.com/office/drawing/2014/main" xmlns="" val="2699136078"/>
+                    <a16:rowId xmlns:a16="http://schemas.microsoft.com/office/drawing/2014/main" val="2699136078"/>
                   </a:ext>
                 </a:extLst>
               </a:tr>
@@ -15369,7 +15895,7 @@
                 </a:tc>
                 <a:extLst>
                   <a:ext uri="{0D108BD9-81ED-4DB2-BD59-A6C34878D82A}">
-                    <a16:rowId xmlns:a16="http://schemas.microsoft.com/office/drawing/2014/main" xmlns="" val="1376380480"/>
+                    <a16:rowId xmlns:a16="http://schemas.microsoft.com/office/drawing/2014/main" val="1376380480"/>
                   </a:ext>
                 </a:extLst>
               </a:tr>
@@ -15382,7 +15908,7 @@
           <p:cNvPr id="24" name="TextBox 23">
             <a:extLst>
               <a:ext uri="{FF2B5EF4-FFF2-40B4-BE49-F238E27FC236}">
-                <a16:creationId xmlns:a16="http://schemas.microsoft.com/office/drawing/2014/main" xmlns="" id="{2E1A6EAE-124F-47EB-BA96-7371232215B7}"/>
+                <a16:creationId xmlns:a16="http://schemas.microsoft.com/office/drawing/2014/main" id="{2E1A6EAE-124F-47EB-BA96-7371232215B7}"/>
               </a:ext>
             </a:extLst>
           </p:cNvPr>
@@ -15431,7 +15957,7 @@
           <p:cNvPr id="25" name="TextBox 24">
             <a:extLst>
               <a:ext uri="{FF2B5EF4-FFF2-40B4-BE49-F238E27FC236}">
-                <a16:creationId xmlns:a16="http://schemas.microsoft.com/office/drawing/2014/main" xmlns="" id="{29B2B6BB-DEFD-4B7D-B60F-AE5863023DAF}"/>
+                <a16:creationId xmlns:a16="http://schemas.microsoft.com/office/drawing/2014/main" id="{29B2B6BB-DEFD-4B7D-B60F-AE5863023DAF}"/>
               </a:ext>
             </a:extLst>
           </p:cNvPr>
@@ -15480,7 +16006,7 @@
           <p:cNvPr id="17" name="타원 16">
             <a:extLst>
               <a:ext uri="{FF2B5EF4-FFF2-40B4-BE49-F238E27FC236}">
-                <a16:creationId xmlns:a16="http://schemas.microsoft.com/office/drawing/2014/main" xmlns="" id="{F7F95787-C7F7-44F4-8286-0BA3DF79CAD7}"/>
+                <a16:creationId xmlns:a16="http://schemas.microsoft.com/office/drawing/2014/main" id="{F7F95787-C7F7-44F4-8286-0BA3DF79CAD7}"/>
               </a:ext>
             </a:extLst>
           </p:cNvPr>
@@ -15526,7 +16052,7 @@
           <p:cNvPr id="27" name="타원 26">
             <a:extLst>
               <a:ext uri="{FF2B5EF4-FFF2-40B4-BE49-F238E27FC236}">
-                <a16:creationId xmlns:a16="http://schemas.microsoft.com/office/drawing/2014/main" xmlns="" id="{A1573177-2F78-4151-9748-3FBF9FD0824E}"/>
+                <a16:creationId xmlns:a16="http://schemas.microsoft.com/office/drawing/2014/main" id="{A1573177-2F78-4151-9748-3FBF9FD0824E}"/>
               </a:ext>
             </a:extLst>
           </p:cNvPr>
@@ -15575,7 +16101,7 @@
           <p:cNvPr id="2054" name="Picture 6" descr="추측 - 무료 교육개 아이콘">
             <a:extLst>
               <a:ext uri="{FF2B5EF4-FFF2-40B4-BE49-F238E27FC236}">
-                <a16:creationId xmlns:a16="http://schemas.microsoft.com/office/drawing/2014/main" xmlns="" id="{4F0BDAC7-B0FC-44BF-BC6A-736045EAD790}"/>
+                <a16:creationId xmlns:a16="http://schemas.microsoft.com/office/drawing/2014/main" id="{4F0BDAC7-B0FC-44BF-BC6A-736045EAD790}"/>
               </a:ext>
             </a:extLst>
           </p:cNvPr>
@@ -15622,7 +16148,7 @@
           <p:cNvPr id="26" name="그래픽 25" descr="닫기 단색으로 채워진">
             <a:extLst>
               <a:ext uri="{FF2B5EF4-FFF2-40B4-BE49-F238E27FC236}">
-                <a16:creationId xmlns:a16="http://schemas.microsoft.com/office/drawing/2014/main" xmlns="" id="{475E936A-5A25-4518-83A7-0088CD270131}"/>
+                <a16:creationId xmlns:a16="http://schemas.microsoft.com/office/drawing/2014/main" id="{475E936A-5A25-4518-83A7-0088CD270131}"/>
               </a:ext>
             </a:extLst>
           </p:cNvPr>
@@ -15638,7 +16164,7 @@
                 <a14:useLocalDpi xmlns:a14="http://schemas.microsoft.com/office/drawing/2010/main" val="0"/>
               </a:ext>
               <a:ext uri="{96DAC541-7B7A-43D3-8B79-37D633B846F1}">
-                <asvg:svgBlip xmlns:asvg="http://schemas.microsoft.com/office/drawing/2016/SVG/main" xmlns="" r:embed="rId8"/>
+                <asvg:svgBlip xmlns:asvg="http://schemas.microsoft.com/office/drawing/2016/SVG/main" r:embed="rId8"/>
               </a:ext>
             </a:extLst>
           </a:blip>
@@ -15661,7 +16187,7 @@
           <p:cNvPr id="32" name="그래픽 31" descr="닫기 단색으로 채워진">
             <a:extLst>
               <a:ext uri="{FF2B5EF4-FFF2-40B4-BE49-F238E27FC236}">
-                <a16:creationId xmlns:a16="http://schemas.microsoft.com/office/drawing/2014/main" xmlns="" id="{A6FA55BD-4756-4588-8243-E7AD6F067E94}"/>
+                <a16:creationId xmlns:a16="http://schemas.microsoft.com/office/drawing/2014/main" id="{A6FA55BD-4756-4588-8243-E7AD6F067E94}"/>
               </a:ext>
             </a:extLst>
           </p:cNvPr>
@@ -15677,7 +16203,7 @@
                 <a14:useLocalDpi xmlns:a14="http://schemas.microsoft.com/office/drawing/2010/main" val="0"/>
               </a:ext>
               <a:ext uri="{96DAC541-7B7A-43D3-8B79-37D633B846F1}">
-                <asvg:svgBlip xmlns:asvg="http://schemas.microsoft.com/office/drawing/2016/SVG/main" xmlns="" r:embed="rId8"/>
+                <asvg:svgBlip xmlns:asvg="http://schemas.microsoft.com/office/drawing/2016/SVG/main" r:embed="rId8"/>
               </a:ext>
             </a:extLst>
           </a:blip>
@@ -15700,7 +16226,7 @@
           <p:cNvPr id="33" name="그래픽 32" descr="닫기 단색으로 채워진">
             <a:extLst>
               <a:ext uri="{FF2B5EF4-FFF2-40B4-BE49-F238E27FC236}">
-                <a16:creationId xmlns:a16="http://schemas.microsoft.com/office/drawing/2014/main" xmlns="" id="{5AE77008-3D08-4E5C-9DD5-445D247B7639}"/>
+                <a16:creationId xmlns:a16="http://schemas.microsoft.com/office/drawing/2014/main" id="{5AE77008-3D08-4E5C-9DD5-445D247B7639}"/>
               </a:ext>
             </a:extLst>
           </p:cNvPr>
@@ -15716,7 +16242,7 @@
                 <a14:useLocalDpi xmlns:a14="http://schemas.microsoft.com/office/drawing/2010/main" val="0"/>
               </a:ext>
               <a:ext uri="{96DAC541-7B7A-43D3-8B79-37D633B846F1}">
-                <asvg:svgBlip xmlns:asvg="http://schemas.microsoft.com/office/drawing/2016/SVG/main" xmlns="" r:embed="rId10"/>
+                <asvg:svgBlip xmlns:asvg="http://schemas.microsoft.com/office/drawing/2016/SVG/main" r:embed="rId10"/>
               </a:ext>
             </a:extLst>
           </a:blip>
@@ -15739,7 +16265,7 @@
           <p:cNvPr id="34" name="그래픽 33" descr="닫기 단색으로 채워진">
             <a:extLst>
               <a:ext uri="{FF2B5EF4-FFF2-40B4-BE49-F238E27FC236}">
-                <a16:creationId xmlns:a16="http://schemas.microsoft.com/office/drawing/2014/main" xmlns="" id="{DFADD9B1-5A0F-4FB6-B345-58197C4719F7}"/>
+                <a16:creationId xmlns:a16="http://schemas.microsoft.com/office/drawing/2014/main" id="{DFADD9B1-5A0F-4FB6-B345-58197C4719F7}"/>
               </a:ext>
             </a:extLst>
           </p:cNvPr>
@@ -15755,7 +16281,7 @@
                 <a14:useLocalDpi xmlns:a14="http://schemas.microsoft.com/office/drawing/2010/main" val="0"/>
               </a:ext>
               <a:ext uri="{96DAC541-7B7A-43D3-8B79-37D633B846F1}">
-                <asvg:svgBlip xmlns:asvg="http://schemas.microsoft.com/office/drawing/2016/SVG/main" xmlns="" r:embed="rId10"/>
+                <asvg:svgBlip xmlns:asvg="http://schemas.microsoft.com/office/drawing/2016/SVG/main" r:embed="rId10"/>
               </a:ext>
             </a:extLst>
           </a:blip>
@@ -15783,13 +16309,13 @@
   <p:clrMapOvr>
     <a:masterClrMapping/>
   </p:clrMapOvr>
-  <mc:AlternateContent xmlns:mc="http://schemas.openxmlformats.org/markup-compatibility/2006">
-    <mc:Choice xmlns:p159="http://schemas.microsoft.com/office/powerpoint/2015/09/main" xmlns="" Requires="p159">
+  <mc:AlternateContent xmlns:mc="http://schemas.openxmlformats.org/markup-compatibility/2006" xmlns:p159="http://schemas.microsoft.com/office/powerpoint/2015/09/main">
+    <mc:Choice Requires="p159">
       <p:transition xmlns:p14="http://schemas.microsoft.com/office/powerpoint/2010/main" spd="slow" p14:dur="2000">
         <p159:morph option="byObject"/>
       </p:transition>
     </mc:Choice>
-    <mc:Fallback>
+    <mc:Fallback xmlns="">
       <p:transition spd="slow">
         <p:fade/>
       </p:transition>
@@ -15820,7 +16346,7 @@
           <p:cNvPr id="3" name="직선 연결선 2">
             <a:extLst>
               <a:ext uri="{FF2B5EF4-FFF2-40B4-BE49-F238E27FC236}">
-                <a16:creationId xmlns:a16="http://schemas.microsoft.com/office/drawing/2014/main" xmlns="" id="{F55676F0-C433-4456-BB57-3E5832581EF6}"/>
+                <a16:creationId xmlns:a16="http://schemas.microsoft.com/office/drawing/2014/main" id="{F55676F0-C433-4456-BB57-3E5832581EF6}"/>
               </a:ext>
             </a:extLst>
           </p:cNvPr>
@@ -15863,7 +16389,7 @@
           <p:cNvPr id="6" name="TextBox 5">
             <a:extLst>
               <a:ext uri="{FF2B5EF4-FFF2-40B4-BE49-F238E27FC236}">
-                <a16:creationId xmlns:a16="http://schemas.microsoft.com/office/drawing/2014/main" xmlns="" id="{C7B00371-8BBF-468F-BAB5-3B58CE59B669}"/>
+                <a16:creationId xmlns:a16="http://schemas.microsoft.com/office/drawing/2014/main" id="{C7B00371-8BBF-468F-BAB5-3B58CE59B669}"/>
               </a:ext>
             </a:extLst>
           </p:cNvPr>
@@ -15952,7 +16478,7 @@
           <p:cNvPr id="8" name="TextBox 7">
             <a:extLst>
               <a:ext uri="{FF2B5EF4-FFF2-40B4-BE49-F238E27FC236}">
-                <a16:creationId xmlns:a16="http://schemas.microsoft.com/office/drawing/2014/main" xmlns="" id="{5D0C9A45-A32B-45BB-B4DB-89BAF7E41E6D}"/>
+                <a16:creationId xmlns:a16="http://schemas.microsoft.com/office/drawing/2014/main" id="{5D0C9A45-A32B-45BB-B4DB-89BAF7E41E6D}"/>
               </a:ext>
             </a:extLst>
           </p:cNvPr>
@@ -16007,7 +16533,7 @@
           <p:cNvPr id="9" name="직선 연결선 8">
             <a:extLst>
               <a:ext uri="{FF2B5EF4-FFF2-40B4-BE49-F238E27FC236}">
-                <a16:creationId xmlns:a16="http://schemas.microsoft.com/office/drawing/2014/main" xmlns="" id="{5140239F-7841-40D4-B023-7486FD09274D}"/>
+                <a16:creationId xmlns:a16="http://schemas.microsoft.com/office/drawing/2014/main" id="{5140239F-7841-40D4-B023-7486FD09274D}"/>
               </a:ext>
             </a:extLst>
           </p:cNvPr>
@@ -16050,7 +16576,7 @@
           <p:cNvPr id="11" name="TextBox 10">
             <a:extLst>
               <a:ext uri="{FF2B5EF4-FFF2-40B4-BE49-F238E27FC236}">
-                <a16:creationId xmlns:a16="http://schemas.microsoft.com/office/drawing/2014/main" xmlns="" id="{796A3F55-A310-4812-82DA-85F76DEB9227}"/>
+                <a16:creationId xmlns:a16="http://schemas.microsoft.com/office/drawing/2014/main" id="{796A3F55-A310-4812-82DA-85F76DEB9227}"/>
               </a:ext>
             </a:extLst>
           </p:cNvPr>
@@ -16091,7 +16617,7 @@
           <p:cNvPr id="16" name="표 16">
             <a:extLst>
               <a:ext uri="{FF2B5EF4-FFF2-40B4-BE49-F238E27FC236}">
-                <a16:creationId xmlns:a16="http://schemas.microsoft.com/office/drawing/2014/main" xmlns="" id="{439937F2-8661-439E-AAE1-9494438B8A27}"/>
+                <a16:creationId xmlns:a16="http://schemas.microsoft.com/office/drawing/2014/main" id="{439937F2-8661-439E-AAE1-9494438B8A27}"/>
               </a:ext>
             </a:extLst>
           </p:cNvPr>
@@ -16120,56 +16646,56 @@
                 <a:gridCol w="540000">
                   <a:extLst>
                     <a:ext uri="{9D8B030D-6E8A-4147-A177-3AD203B41FA5}">
-                      <a16:colId xmlns:a16="http://schemas.microsoft.com/office/drawing/2014/main" xmlns="" val="755106812"/>
+                      <a16:colId xmlns:a16="http://schemas.microsoft.com/office/drawing/2014/main" val="755106812"/>
                     </a:ext>
                   </a:extLst>
                 </a:gridCol>
                 <a:gridCol w="540000">
                   <a:extLst>
                     <a:ext uri="{9D8B030D-6E8A-4147-A177-3AD203B41FA5}">
-                      <a16:colId xmlns:a16="http://schemas.microsoft.com/office/drawing/2014/main" xmlns="" val="323822626"/>
+                      <a16:colId xmlns:a16="http://schemas.microsoft.com/office/drawing/2014/main" val="323822626"/>
                     </a:ext>
                   </a:extLst>
                 </a:gridCol>
                 <a:gridCol w="540000">
                   <a:extLst>
                     <a:ext uri="{9D8B030D-6E8A-4147-A177-3AD203B41FA5}">
-                      <a16:colId xmlns:a16="http://schemas.microsoft.com/office/drawing/2014/main" xmlns="" val="3037851800"/>
+                      <a16:colId xmlns:a16="http://schemas.microsoft.com/office/drawing/2014/main" val="3037851800"/>
                     </a:ext>
                   </a:extLst>
                 </a:gridCol>
                 <a:gridCol w="540000">
                   <a:extLst>
                     <a:ext uri="{9D8B030D-6E8A-4147-A177-3AD203B41FA5}">
-                      <a16:colId xmlns:a16="http://schemas.microsoft.com/office/drawing/2014/main" xmlns="" val="527558661"/>
+                      <a16:colId xmlns:a16="http://schemas.microsoft.com/office/drawing/2014/main" val="527558661"/>
                     </a:ext>
                   </a:extLst>
                 </a:gridCol>
                 <a:gridCol w="540000">
                   <a:extLst>
                     <a:ext uri="{9D8B030D-6E8A-4147-A177-3AD203B41FA5}">
-                      <a16:colId xmlns:a16="http://schemas.microsoft.com/office/drawing/2014/main" xmlns="" val="2809175255"/>
+                      <a16:colId xmlns:a16="http://schemas.microsoft.com/office/drawing/2014/main" val="2809175255"/>
                     </a:ext>
                   </a:extLst>
                 </a:gridCol>
                 <a:gridCol w="540000">
                   <a:extLst>
                     <a:ext uri="{9D8B030D-6E8A-4147-A177-3AD203B41FA5}">
-                      <a16:colId xmlns:a16="http://schemas.microsoft.com/office/drawing/2014/main" xmlns="" val="1589241763"/>
+                      <a16:colId xmlns:a16="http://schemas.microsoft.com/office/drawing/2014/main" val="1589241763"/>
                     </a:ext>
                   </a:extLst>
                 </a:gridCol>
                 <a:gridCol w="540000">
                   <a:extLst>
                     <a:ext uri="{9D8B030D-6E8A-4147-A177-3AD203B41FA5}">
-                      <a16:colId xmlns:a16="http://schemas.microsoft.com/office/drawing/2014/main" xmlns="" val="3738416657"/>
+                      <a16:colId xmlns:a16="http://schemas.microsoft.com/office/drawing/2014/main" val="3738416657"/>
                     </a:ext>
                   </a:extLst>
                 </a:gridCol>
                 <a:gridCol w="540000">
                   <a:extLst>
                     <a:ext uri="{9D8B030D-6E8A-4147-A177-3AD203B41FA5}">
-                      <a16:colId xmlns:a16="http://schemas.microsoft.com/office/drawing/2014/main" xmlns="" val="1863845379"/>
+                      <a16:colId xmlns:a16="http://schemas.microsoft.com/office/drawing/2014/main" val="1863845379"/>
                     </a:ext>
                   </a:extLst>
                 </a:gridCol>
@@ -16265,7 +16791,7 @@
                 </a:tc>
                 <a:extLst>
                   <a:ext uri="{0D108BD9-81ED-4DB2-BD59-A6C34878D82A}">
-                    <a16:rowId xmlns:a16="http://schemas.microsoft.com/office/drawing/2014/main" xmlns="" val="1036463712"/>
+                    <a16:rowId xmlns:a16="http://schemas.microsoft.com/office/drawing/2014/main" val="1036463712"/>
                   </a:ext>
                 </a:extLst>
               </a:tr>
@@ -16360,7 +16886,7 @@
                 </a:tc>
                 <a:extLst>
                   <a:ext uri="{0D108BD9-81ED-4DB2-BD59-A6C34878D82A}">
-                    <a16:rowId xmlns:a16="http://schemas.microsoft.com/office/drawing/2014/main" xmlns="" val="1097715062"/>
+                    <a16:rowId xmlns:a16="http://schemas.microsoft.com/office/drawing/2014/main" val="1097715062"/>
                   </a:ext>
                 </a:extLst>
               </a:tr>
@@ -16455,7 +16981,7 @@
                 </a:tc>
                 <a:extLst>
                   <a:ext uri="{0D108BD9-81ED-4DB2-BD59-A6C34878D82A}">
-                    <a16:rowId xmlns:a16="http://schemas.microsoft.com/office/drawing/2014/main" xmlns="" val="1116843168"/>
+                    <a16:rowId xmlns:a16="http://schemas.microsoft.com/office/drawing/2014/main" val="1116843168"/>
                   </a:ext>
                 </a:extLst>
               </a:tr>
@@ -16550,7 +17076,7 @@
                 </a:tc>
                 <a:extLst>
                   <a:ext uri="{0D108BD9-81ED-4DB2-BD59-A6C34878D82A}">
-                    <a16:rowId xmlns:a16="http://schemas.microsoft.com/office/drawing/2014/main" xmlns="" val="561189739"/>
+                    <a16:rowId xmlns:a16="http://schemas.microsoft.com/office/drawing/2014/main" val="561189739"/>
                   </a:ext>
                 </a:extLst>
               </a:tr>
@@ -16645,7 +17171,7 @@
                 </a:tc>
                 <a:extLst>
                   <a:ext uri="{0D108BD9-81ED-4DB2-BD59-A6C34878D82A}">
-                    <a16:rowId xmlns:a16="http://schemas.microsoft.com/office/drawing/2014/main" xmlns="" val="2699136078"/>
+                    <a16:rowId xmlns:a16="http://schemas.microsoft.com/office/drawing/2014/main" val="2699136078"/>
                   </a:ext>
                 </a:extLst>
               </a:tr>
@@ -16740,7 +17266,7 @@
                 </a:tc>
                 <a:extLst>
                   <a:ext uri="{0D108BD9-81ED-4DB2-BD59-A6C34878D82A}">
-                    <a16:rowId xmlns:a16="http://schemas.microsoft.com/office/drawing/2014/main" xmlns="" val="1376380480"/>
+                    <a16:rowId xmlns:a16="http://schemas.microsoft.com/office/drawing/2014/main" val="1376380480"/>
                   </a:ext>
                 </a:extLst>
               </a:tr>
@@ -16835,7 +17361,7 @@
                 </a:tc>
                 <a:extLst>
                   <a:ext uri="{0D108BD9-81ED-4DB2-BD59-A6C34878D82A}">
-                    <a16:rowId xmlns:a16="http://schemas.microsoft.com/office/drawing/2014/main" xmlns="" val="3111916863"/>
+                    <a16:rowId xmlns:a16="http://schemas.microsoft.com/office/drawing/2014/main" val="3111916863"/>
                   </a:ext>
                 </a:extLst>
               </a:tr>
@@ -16930,7 +17456,7 @@
                 </a:tc>
                 <a:extLst>
                   <a:ext uri="{0D108BD9-81ED-4DB2-BD59-A6C34878D82A}">
-                    <a16:rowId xmlns:a16="http://schemas.microsoft.com/office/drawing/2014/main" xmlns="" val="1363410304"/>
+                    <a16:rowId xmlns:a16="http://schemas.microsoft.com/office/drawing/2014/main" val="1363410304"/>
                   </a:ext>
                 </a:extLst>
               </a:tr>
@@ -16943,7 +17469,7 @@
           <p:cNvPr id="17" name="타원 16">
             <a:extLst>
               <a:ext uri="{FF2B5EF4-FFF2-40B4-BE49-F238E27FC236}">
-                <a16:creationId xmlns:a16="http://schemas.microsoft.com/office/drawing/2014/main" xmlns="" id="{F7F95787-C7F7-44F4-8286-0BA3DF79CAD7}"/>
+                <a16:creationId xmlns:a16="http://schemas.microsoft.com/office/drawing/2014/main" id="{F7F95787-C7F7-44F4-8286-0BA3DF79CAD7}"/>
               </a:ext>
             </a:extLst>
           </p:cNvPr>
@@ -16989,7 +17515,7 @@
           <p:cNvPr id="32" name="그래픽 31" descr="닫기 단색으로 채워진">
             <a:extLst>
               <a:ext uri="{FF2B5EF4-FFF2-40B4-BE49-F238E27FC236}">
-                <a16:creationId xmlns:a16="http://schemas.microsoft.com/office/drawing/2014/main" xmlns="" id="{A6FA55BD-4756-4588-8243-E7AD6F067E94}"/>
+                <a16:creationId xmlns:a16="http://schemas.microsoft.com/office/drawing/2014/main" id="{A6FA55BD-4756-4588-8243-E7AD6F067E94}"/>
               </a:ext>
             </a:extLst>
           </p:cNvPr>
@@ -17005,7 +17531,7 @@
                 <a14:useLocalDpi xmlns:a14="http://schemas.microsoft.com/office/drawing/2010/main" val="0"/>
               </a:ext>
               <a:ext uri="{96DAC541-7B7A-43D3-8B79-37D633B846F1}">
-                <asvg:svgBlip xmlns:asvg="http://schemas.microsoft.com/office/drawing/2016/SVG/main" xmlns="" r:embed="rId3"/>
+                <asvg:svgBlip xmlns:asvg="http://schemas.microsoft.com/office/drawing/2016/SVG/main" r:embed="rId3"/>
               </a:ext>
             </a:extLst>
           </a:blip>
@@ -17028,7 +17554,7 @@
           <p:cNvPr id="28" name="타원 27">
             <a:extLst>
               <a:ext uri="{FF2B5EF4-FFF2-40B4-BE49-F238E27FC236}">
-                <a16:creationId xmlns:a16="http://schemas.microsoft.com/office/drawing/2014/main" xmlns="" id="{6A484C56-6A5D-4265-8D91-285D4B080168}"/>
+                <a16:creationId xmlns:a16="http://schemas.microsoft.com/office/drawing/2014/main" id="{6A484C56-6A5D-4265-8D91-285D4B080168}"/>
               </a:ext>
             </a:extLst>
           </p:cNvPr>
@@ -17079,7 +17605,7 @@
           <p:cNvPr id="35" name="타원 34">
             <a:extLst>
               <a:ext uri="{FF2B5EF4-FFF2-40B4-BE49-F238E27FC236}">
-                <a16:creationId xmlns:a16="http://schemas.microsoft.com/office/drawing/2014/main" xmlns="" id="{9D941AD0-F181-4A93-ADB6-EE8E6754BD7E}"/>
+                <a16:creationId xmlns:a16="http://schemas.microsoft.com/office/drawing/2014/main" id="{9D941AD0-F181-4A93-ADB6-EE8E6754BD7E}"/>
               </a:ext>
             </a:extLst>
           </p:cNvPr>
@@ -17125,7 +17651,7 @@
           <p:cNvPr id="36" name="타원 35">
             <a:extLst>
               <a:ext uri="{FF2B5EF4-FFF2-40B4-BE49-F238E27FC236}">
-                <a16:creationId xmlns:a16="http://schemas.microsoft.com/office/drawing/2014/main" xmlns="" id="{C8473576-97F7-4357-B595-4C0240055C25}"/>
+                <a16:creationId xmlns:a16="http://schemas.microsoft.com/office/drawing/2014/main" id="{C8473576-97F7-4357-B595-4C0240055C25}"/>
               </a:ext>
             </a:extLst>
           </p:cNvPr>
@@ -17176,7 +17702,7 @@
           <p:cNvPr id="3080" name="Picture 8" descr="Bomb - PNG image with transparent background | Free Png Images">
             <a:extLst>
               <a:ext uri="{FF2B5EF4-FFF2-40B4-BE49-F238E27FC236}">
-                <a16:creationId xmlns:a16="http://schemas.microsoft.com/office/drawing/2014/main" xmlns="" id="{22C97A65-751A-4B48-BE73-B88854E835E5}"/>
+                <a16:creationId xmlns:a16="http://schemas.microsoft.com/office/drawing/2014/main" id="{22C97A65-751A-4B48-BE73-B88854E835E5}"/>
               </a:ext>
             </a:extLst>
           </p:cNvPr>
@@ -17223,7 +17749,7 @@
           <p:cNvPr id="37" name="그래픽 36" descr="닫기 단색으로 채워진">
             <a:extLst>
               <a:ext uri="{FF2B5EF4-FFF2-40B4-BE49-F238E27FC236}">
-                <a16:creationId xmlns:a16="http://schemas.microsoft.com/office/drawing/2014/main" xmlns="" id="{3AA31285-3965-44E0-B023-61ACE6595834}"/>
+                <a16:creationId xmlns:a16="http://schemas.microsoft.com/office/drawing/2014/main" id="{3AA31285-3965-44E0-B023-61ACE6595834}"/>
               </a:ext>
             </a:extLst>
           </p:cNvPr>
@@ -17239,7 +17765,7 @@
                 <a14:useLocalDpi xmlns:a14="http://schemas.microsoft.com/office/drawing/2010/main" val="0"/>
               </a:ext>
               <a:ext uri="{96DAC541-7B7A-43D3-8B79-37D633B846F1}">
-                <asvg:svgBlip xmlns:asvg="http://schemas.microsoft.com/office/drawing/2016/SVG/main" xmlns="" r:embed="rId3"/>
+                <asvg:svgBlip xmlns:asvg="http://schemas.microsoft.com/office/drawing/2016/SVG/main" r:embed="rId3"/>
               </a:ext>
             </a:extLst>
           </a:blip>
@@ -17262,7 +17788,7 @@
           <p:cNvPr id="38" name="그래픽 37" descr="닫기 단색으로 채워진">
             <a:extLst>
               <a:ext uri="{FF2B5EF4-FFF2-40B4-BE49-F238E27FC236}">
-                <a16:creationId xmlns:a16="http://schemas.microsoft.com/office/drawing/2014/main" xmlns="" id="{2154E1AE-020A-4745-9769-99540709DE10}"/>
+                <a16:creationId xmlns:a16="http://schemas.microsoft.com/office/drawing/2014/main" id="{2154E1AE-020A-4745-9769-99540709DE10}"/>
               </a:ext>
             </a:extLst>
           </p:cNvPr>
@@ -17278,7 +17804,7 @@
                 <a14:useLocalDpi xmlns:a14="http://schemas.microsoft.com/office/drawing/2010/main" val="0"/>
               </a:ext>
               <a:ext uri="{96DAC541-7B7A-43D3-8B79-37D633B846F1}">
-                <asvg:svgBlip xmlns:asvg="http://schemas.microsoft.com/office/drawing/2016/SVG/main" xmlns="" r:embed="rId3"/>
+                <asvg:svgBlip xmlns:asvg="http://schemas.microsoft.com/office/drawing/2016/SVG/main" r:embed="rId3"/>
               </a:ext>
             </a:extLst>
           </a:blip>
@@ -17301,7 +17827,7 @@
           <p:cNvPr id="40" name="그래픽 39" descr="닫기 단색으로 채워진">
             <a:extLst>
               <a:ext uri="{FF2B5EF4-FFF2-40B4-BE49-F238E27FC236}">
-                <a16:creationId xmlns:a16="http://schemas.microsoft.com/office/drawing/2014/main" xmlns="" id="{F9ABD043-E3B9-4EEC-84B8-304C9CF1D55B}"/>
+                <a16:creationId xmlns:a16="http://schemas.microsoft.com/office/drawing/2014/main" id="{F9ABD043-E3B9-4EEC-84B8-304C9CF1D55B}"/>
               </a:ext>
             </a:extLst>
           </p:cNvPr>
@@ -17317,7 +17843,7 @@
                 <a14:useLocalDpi xmlns:a14="http://schemas.microsoft.com/office/drawing/2010/main" val="0"/>
               </a:ext>
               <a:ext uri="{96DAC541-7B7A-43D3-8B79-37D633B846F1}">
-                <asvg:svgBlip xmlns:asvg="http://schemas.microsoft.com/office/drawing/2016/SVG/main" xmlns="" r:embed="rId3"/>
+                <asvg:svgBlip xmlns:asvg="http://schemas.microsoft.com/office/drawing/2016/SVG/main" r:embed="rId3"/>
               </a:ext>
             </a:extLst>
           </a:blip>
@@ -17340,7 +17866,7 @@
           <p:cNvPr id="41" name="그래픽 40" descr="닫기 단색으로 채워진">
             <a:extLst>
               <a:ext uri="{FF2B5EF4-FFF2-40B4-BE49-F238E27FC236}">
-                <a16:creationId xmlns:a16="http://schemas.microsoft.com/office/drawing/2014/main" xmlns="" id="{A5121F86-6991-4A5B-8669-8400396FD72F}"/>
+                <a16:creationId xmlns:a16="http://schemas.microsoft.com/office/drawing/2014/main" id="{A5121F86-6991-4A5B-8669-8400396FD72F}"/>
               </a:ext>
             </a:extLst>
           </p:cNvPr>
@@ -17356,7 +17882,7 @@
                 <a14:useLocalDpi xmlns:a14="http://schemas.microsoft.com/office/drawing/2010/main" val="0"/>
               </a:ext>
               <a:ext uri="{96DAC541-7B7A-43D3-8B79-37D633B846F1}">
-                <asvg:svgBlip xmlns:asvg="http://schemas.microsoft.com/office/drawing/2016/SVG/main" xmlns="" r:embed="rId3"/>
+                <asvg:svgBlip xmlns:asvg="http://schemas.microsoft.com/office/drawing/2016/SVG/main" r:embed="rId3"/>
               </a:ext>
             </a:extLst>
           </a:blip>
@@ -17379,7 +17905,7 @@
           <p:cNvPr id="42" name="그래픽 41" descr="닫기 단색으로 채워진">
             <a:extLst>
               <a:ext uri="{FF2B5EF4-FFF2-40B4-BE49-F238E27FC236}">
-                <a16:creationId xmlns:a16="http://schemas.microsoft.com/office/drawing/2014/main" xmlns="" id="{B28FF886-F483-4F1D-BEC0-3C0872058CA7}"/>
+                <a16:creationId xmlns:a16="http://schemas.microsoft.com/office/drawing/2014/main" id="{B28FF886-F483-4F1D-BEC0-3C0872058CA7}"/>
               </a:ext>
             </a:extLst>
           </p:cNvPr>
@@ -17395,7 +17921,7 @@
                 <a14:useLocalDpi xmlns:a14="http://schemas.microsoft.com/office/drawing/2010/main" val="0"/>
               </a:ext>
               <a:ext uri="{96DAC541-7B7A-43D3-8B79-37D633B846F1}">
-                <asvg:svgBlip xmlns:asvg="http://schemas.microsoft.com/office/drawing/2016/SVG/main" xmlns="" r:embed="rId3"/>
+                <asvg:svgBlip xmlns:asvg="http://schemas.microsoft.com/office/drawing/2016/SVG/main" r:embed="rId3"/>
               </a:ext>
             </a:extLst>
           </a:blip>
@@ -17418,7 +17944,7 @@
           <p:cNvPr id="43" name="그래픽 42" descr="닫기 단색으로 채워진">
             <a:extLst>
               <a:ext uri="{FF2B5EF4-FFF2-40B4-BE49-F238E27FC236}">
-                <a16:creationId xmlns:a16="http://schemas.microsoft.com/office/drawing/2014/main" xmlns="" id="{FCC5B37A-C5C5-4137-AB8D-5EA553A13D6F}"/>
+                <a16:creationId xmlns:a16="http://schemas.microsoft.com/office/drawing/2014/main" id="{FCC5B37A-C5C5-4137-AB8D-5EA553A13D6F}"/>
               </a:ext>
             </a:extLst>
           </p:cNvPr>
@@ -17434,7 +17960,7 @@
                 <a14:useLocalDpi xmlns:a14="http://schemas.microsoft.com/office/drawing/2010/main" val="0"/>
               </a:ext>
               <a:ext uri="{96DAC541-7B7A-43D3-8B79-37D633B846F1}">
-                <asvg:svgBlip xmlns:asvg="http://schemas.microsoft.com/office/drawing/2016/SVG/main" xmlns="" r:embed="rId3"/>
+                <asvg:svgBlip xmlns:asvg="http://schemas.microsoft.com/office/drawing/2016/SVG/main" r:embed="rId3"/>
               </a:ext>
             </a:extLst>
           </a:blip>
@@ -17457,7 +17983,7 @@
           <p:cNvPr id="44" name="그래픽 43" descr="닫기 단색으로 채워진">
             <a:extLst>
               <a:ext uri="{FF2B5EF4-FFF2-40B4-BE49-F238E27FC236}">
-                <a16:creationId xmlns:a16="http://schemas.microsoft.com/office/drawing/2014/main" xmlns="" id="{0EE8A0E2-620B-4336-B57E-7A845B776504}"/>
+                <a16:creationId xmlns:a16="http://schemas.microsoft.com/office/drawing/2014/main" id="{0EE8A0E2-620B-4336-B57E-7A845B776504}"/>
               </a:ext>
             </a:extLst>
           </p:cNvPr>
@@ -17473,7 +17999,7 @@
                 <a14:useLocalDpi xmlns:a14="http://schemas.microsoft.com/office/drawing/2010/main" val="0"/>
               </a:ext>
               <a:ext uri="{96DAC541-7B7A-43D3-8B79-37D633B846F1}">
-                <asvg:svgBlip xmlns:asvg="http://schemas.microsoft.com/office/drawing/2016/SVG/main" xmlns="" r:embed="rId3"/>
+                <asvg:svgBlip xmlns:asvg="http://schemas.microsoft.com/office/drawing/2016/SVG/main" r:embed="rId3"/>
               </a:ext>
             </a:extLst>
           </a:blip>
@@ -17496,7 +18022,7 @@
           <p:cNvPr id="45" name="타원 44">
             <a:extLst>
               <a:ext uri="{FF2B5EF4-FFF2-40B4-BE49-F238E27FC236}">
-                <a16:creationId xmlns:a16="http://schemas.microsoft.com/office/drawing/2014/main" xmlns="" id="{741A0954-0998-42D6-9148-8BF3D8DCBA08}"/>
+                <a16:creationId xmlns:a16="http://schemas.microsoft.com/office/drawing/2014/main" id="{741A0954-0998-42D6-9148-8BF3D8DCBA08}"/>
               </a:ext>
             </a:extLst>
           </p:cNvPr>
@@ -17542,7 +18068,7 @@
           <p:cNvPr id="46" name="타원 45">
             <a:extLst>
               <a:ext uri="{FF2B5EF4-FFF2-40B4-BE49-F238E27FC236}">
-                <a16:creationId xmlns:a16="http://schemas.microsoft.com/office/drawing/2014/main" xmlns="" id="{6D6D2501-06A7-4B79-8F5A-F982849F6B4B}"/>
+                <a16:creationId xmlns:a16="http://schemas.microsoft.com/office/drawing/2014/main" id="{6D6D2501-06A7-4B79-8F5A-F982849F6B4B}"/>
               </a:ext>
             </a:extLst>
           </p:cNvPr>
@@ -17593,7 +18119,7 @@
           <p:cNvPr id="47" name="TextBox 46">
             <a:extLst>
               <a:ext uri="{FF2B5EF4-FFF2-40B4-BE49-F238E27FC236}">
-                <a16:creationId xmlns:a16="http://schemas.microsoft.com/office/drawing/2014/main" xmlns="" id="{C25DB749-8700-4DB5-9604-91136D605E28}"/>
+                <a16:creationId xmlns:a16="http://schemas.microsoft.com/office/drawing/2014/main" id="{C25DB749-8700-4DB5-9604-91136D605E28}"/>
               </a:ext>
             </a:extLst>
           </p:cNvPr>
@@ -17635,7 +18161,7 @@
           <p:cNvPr id="48" name="타원 47">
             <a:extLst>
               <a:ext uri="{FF2B5EF4-FFF2-40B4-BE49-F238E27FC236}">
-                <a16:creationId xmlns:a16="http://schemas.microsoft.com/office/drawing/2014/main" xmlns="" id="{CA544B55-AFD9-45D2-A71B-0B135CB1BF8A}"/>
+                <a16:creationId xmlns:a16="http://schemas.microsoft.com/office/drawing/2014/main" id="{CA544B55-AFD9-45D2-A71B-0B135CB1BF8A}"/>
               </a:ext>
             </a:extLst>
           </p:cNvPr>
@@ -17686,7 +18212,7 @@
           <p:cNvPr id="49" name="TextBox 48">
             <a:extLst>
               <a:ext uri="{FF2B5EF4-FFF2-40B4-BE49-F238E27FC236}">
-                <a16:creationId xmlns:a16="http://schemas.microsoft.com/office/drawing/2014/main" xmlns="" id="{5D086091-A838-4363-ADF3-19A9802800D7}"/>
+                <a16:creationId xmlns:a16="http://schemas.microsoft.com/office/drawing/2014/main" id="{5D086091-A838-4363-ADF3-19A9802800D7}"/>
               </a:ext>
             </a:extLst>
           </p:cNvPr>
@@ -17728,7 +18254,7 @@
           <p:cNvPr id="50" name="Picture 8" descr="Bomb - PNG image with transparent background | Free Png Images">
             <a:extLst>
               <a:ext uri="{FF2B5EF4-FFF2-40B4-BE49-F238E27FC236}">
-                <a16:creationId xmlns:a16="http://schemas.microsoft.com/office/drawing/2014/main" xmlns="" id="{0695E9F7-B15D-4261-877C-7347074E5B87}"/>
+                <a16:creationId xmlns:a16="http://schemas.microsoft.com/office/drawing/2014/main" id="{0695E9F7-B15D-4261-877C-7347074E5B87}"/>
               </a:ext>
             </a:extLst>
           </p:cNvPr>
@@ -17775,7 +18301,7 @@
           <p:cNvPr id="51" name="TextBox 50">
             <a:extLst>
               <a:ext uri="{FF2B5EF4-FFF2-40B4-BE49-F238E27FC236}">
-                <a16:creationId xmlns:a16="http://schemas.microsoft.com/office/drawing/2014/main" xmlns="" id="{ACA0BD65-9EEF-4005-A2B5-F26A927ACCC9}"/>
+                <a16:creationId xmlns:a16="http://schemas.microsoft.com/office/drawing/2014/main" id="{ACA0BD65-9EEF-4005-A2B5-F26A927ACCC9}"/>
               </a:ext>
             </a:extLst>
           </p:cNvPr>
@@ -17817,7 +18343,7 @@
           <p:cNvPr id="4" name="직사각형 3">
             <a:extLst>
               <a:ext uri="{FF2B5EF4-FFF2-40B4-BE49-F238E27FC236}">
-                <a16:creationId xmlns:a16="http://schemas.microsoft.com/office/drawing/2014/main" xmlns="" id="{D92243F6-CEA5-4260-A5A6-E794AE98AA9B}"/>
+                <a16:creationId xmlns:a16="http://schemas.microsoft.com/office/drawing/2014/main" id="{D92243F6-CEA5-4260-A5A6-E794AE98AA9B}"/>
               </a:ext>
             </a:extLst>
           </p:cNvPr>
@@ -17871,7 +18397,7 @@
           <p:cNvPr id="53" name="직사각형 52">
             <a:extLst>
               <a:ext uri="{FF2B5EF4-FFF2-40B4-BE49-F238E27FC236}">
-                <a16:creationId xmlns:a16="http://schemas.microsoft.com/office/drawing/2014/main" xmlns="" id="{3E5FAA6D-35DA-468F-8E6D-13BD7DE7DBFA}"/>
+                <a16:creationId xmlns:a16="http://schemas.microsoft.com/office/drawing/2014/main" id="{3E5FAA6D-35DA-468F-8E6D-13BD7DE7DBFA}"/>
               </a:ext>
             </a:extLst>
           </p:cNvPr>
@@ -17925,7 +18451,7 @@
           <p:cNvPr id="54" name="직사각형 53">
             <a:extLst>
               <a:ext uri="{FF2B5EF4-FFF2-40B4-BE49-F238E27FC236}">
-                <a16:creationId xmlns:a16="http://schemas.microsoft.com/office/drawing/2014/main" xmlns="" id="{396649D0-5B00-4BF1-B19E-3C6AA4FD665E}"/>
+                <a16:creationId xmlns:a16="http://schemas.microsoft.com/office/drawing/2014/main" id="{396649D0-5B00-4BF1-B19E-3C6AA4FD665E}"/>
               </a:ext>
             </a:extLst>
           </p:cNvPr>
@@ -17979,7 +18505,7 @@
           <p:cNvPr id="55" name="직사각형 54">
             <a:extLst>
               <a:ext uri="{FF2B5EF4-FFF2-40B4-BE49-F238E27FC236}">
-                <a16:creationId xmlns:a16="http://schemas.microsoft.com/office/drawing/2014/main" xmlns="" id="{C6258F29-37BB-4532-9F9F-A54AF5333CBB}"/>
+                <a16:creationId xmlns:a16="http://schemas.microsoft.com/office/drawing/2014/main" id="{C6258F29-37BB-4532-9F9F-A54AF5333CBB}"/>
               </a:ext>
             </a:extLst>
           </p:cNvPr>
@@ -18033,7 +18559,7 @@
           <p:cNvPr id="56" name="TextBox 55">
             <a:extLst>
               <a:ext uri="{FF2B5EF4-FFF2-40B4-BE49-F238E27FC236}">
-                <a16:creationId xmlns:a16="http://schemas.microsoft.com/office/drawing/2014/main" xmlns="" id="{D05EC02E-8DED-40E7-8F52-2613652C9DCA}"/>
+                <a16:creationId xmlns:a16="http://schemas.microsoft.com/office/drawing/2014/main" id="{D05EC02E-8DED-40E7-8F52-2613652C9DCA}"/>
               </a:ext>
             </a:extLst>
           </p:cNvPr>
@@ -18075,7 +18601,7 @@
           <p:cNvPr id="57" name="그래픽 56" descr="닫기 단색으로 채워진">
             <a:extLst>
               <a:ext uri="{FF2B5EF4-FFF2-40B4-BE49-F238E27FC236}">
-                <a16:creationId xmlns:a16="http://schemas.microsoft.com/office/drawing/2014/main" xmlns="" id="{427F7DFF-E15B-460F-A408-B8CF17A7FFD8}"/>
+                <a16:creationId xmlns:a16="http://schemas.microsoft.com/office/drawing/2014/main" id="{427F7DFF-E15B-460F-A408-B8CF17A7FFD8}"/>
               </a:ext>
             </a:extLst>
           </p:cNvPr>
@@ -18091,7 +18617,7 @@
                 <a14:useLocalDpi xmlns:a14="http://schemas.microsoft.com/office/drawing/2010/main" val="0"/>
               </a:ext>
               <a:ext uri="{96DAC541-7B7A-43D3-8B79-37D633B846F1}">
-                <asvg:svgBlip xmlns:asvg="http://schemas.microsoft.com/office/drawing/2016/SVG/main" xmlns="" r:embed="rId3"/>
+                <asvg:svgBlip xmlns:asvg="http://schemas.microsoft.com/office/drawing/2016/SVG/main" r:embed="rId3"/>
               </a:ext>
             </a:extLst>
           </a:blip>
@@ -18114,7 +18640,7 @@
           <p:cNvPr id="34" name="타원 33">
             <a:extLst>
               <a:ext uri="{FF2B5EF4-FFF2-40B4-BE49-F238E27FC236}">
-                <a16:creationId xmlns:a16="http://schemas.microsoft.com/office/drawing/2014/main" xmlns="" id="{F7F95787-C7F7-44F4-8286-0BA3DF79CAD7}"/>
+                <a16:creationId xmlns:a16="http://schemas.microsoft.com/office/drawing/2014/main" id="{F7F95787-C7F7-44F4-8286-0BA3DF79CAD7}"/>
               </a:ext>
             </a:extLst>
           </p:cNvPr>
@@ -18160,7 +18686,7 @@
           <p:cNvPr id="39" name="타원 38">
             <a:extLst>
               <a:ext uri="{FF2B5EF4-FFF2-40B4-BE49-F238E27FC236}">
-                <a16:creationId xmlns:a16="http://schemas.microsoft.com/office/drawing/2014/main" xmlns="" id="{6A484C56-6A5D-4265-8D91-285D4B080168}"/>
+                <a16:creationId xmlns:a16="http://schemas.microsoft.com/office/drawing/2014/main" id="{6A484C56-6A5D-4265-8D91-285D4B080168}"/>
               </a:ext>
             </a:extLst>
           </p:cNvPr>
@@ -18211,7 +18737,7 @@
           <p:cNvPr id="52" name="그래픽 31" descr="닫기 단색으로 채워진">
             <a:extLst>
               <a:ext uri="{FF2B5EF4-FFF2-40B4-BE49-F238E27FC236}">
-                <a16:creationId xmlns:a16="http://schemas.microsoft.com/office/drawing/2014/main" xmlns="" id="{A6FA55BD-4756-4588-8243-E7AD6F067E94}"/>
+                <a16:creationId xmlns:a16="http://schemas.microsoft.com/office/drawing/2014/main" id="{A6FA55BD-4756-4588-8243-E7AD6F067E94}"/>
               </a:ext>
             </a:extLst>
           </p:cNvPr>
@@ -18227,7 +18753,7 @@
                 <a14:useLocalDpi xmlns:a14="http://schemas.microsoft.com/office/drawing/2010/main" val="0"/>
               </a:ext>
               <a:ext uri="{96DAC541-7B7A-43D3-8B79-37D633B846F1}">
-                <asvg:svgBlip xmlns:asvg="http://schemas.microsoft.com/office/drawing/2016/SVG/main" xmlns="" r:embed="rId3"/>
+                <asvg:svgBlip xmlns:asvg="http://schemas.microsoft.com/office/drawing/2016/SVG/main" r:embed="rId3"/>
               </a:ext>
             </a:extLst>
           </a:blip>
@@ -18250,7 +18776,7 @@
           <p:cNvPr id="58" name="그래픽 39" descr="닫기 단색으로 채워진">
             <a:extLst>
               <a:ext uri="{FF2B5EF4-FFF2-40B4-BE49-F238E27FC236}">
-                <a16:creationId xmlns:a16="http://schemas.microsoft.com/office/drawing/2014/main" xmlns="" id="{F9ABD043-E3B9-4EEC-84B8-304C9CF1D55B}"/>
+                <a16:creationId xmlns:a16="http://schemas.microsoft.com/office/drawing/2014/main" id="{F9ABD043-E3B9-4EEC-84B8-304C9CF1D55B}"/>
               </a:ext>
             </a:extLst>
           </p:cNvPr>
@@ -18266,7 +18792,7 @@
                 <a14:useLocalDpi xmlns:a14="http://schemas.microsoft.com/office/drawing/2010/main" val="0"/>
               </a:ext>
               <a:ext uri="{96DAC541-7B7A-43D3-8B79-37D633B846F1}">
-                <asvg:svgBlip xmlns:asvg="http://schemas.microsoft.com/office/drawing/2016/SVG/main" xmlns="" r:embed="rId3"/>
+                <asvg:svgBlip xmlns:asvg="http://schemas.microsoft.com/office/drawing/2016/SVG/main" r:embed="rId3"/>
               </a:ext>
             </a:extLst>
           </a:blip>
@@ -18294,13 +18820,13 @@
   <p:clrMapOvr>
     <a:masterClrMapping/>
   </p:clrMapOvr>
-  <mc:AlternateContent xmlns:mc="http://schemas.openxmlformats.org/markup-compatibility/2006">
-    <mc:Choice xmlns:p159="http://schemas.microsoft.com/office/powerpoint/2015/09/main" xmlns="" Requires="p159">
+  <mc:AlternateContent xmlns:mc="http://schemas.openxmlformats.org/markup-compatibility/2006" xmlns:p159="http://schemas.microsoft.com/office/powerpoint/2015/09/main">
+    <mc:Choice Requires="p159">
       <p:transition xmlns:p14="http://schemas.microsoft.com/office/powerpoint/2010/main" spd="slow" p14:dur="2000">
         <p159:morph option="byObject"/>
       </p:transition>
     </mc:Choice>
-    <mc:Fallback>
+    <mc:Fallback xmlns="">
       <p:transition spd="slow">
         <p:fade/>
       </p:transition>
@@ -18331,7 +18857,7 @@
           <p:cNvPr id="3" name="직선 연결선 2">
             <a:extLst>
               <a:ext uri="{FF2B5EF4-FFF2-40B4-BE49-F238E27FC236}">
-                <a16:creationId xmlns:a16="http://schemas.microsoft.com/office/drawing/2014/main" xmlns="" id="{F55676F0-C433-4456-BB57-3E5832581EF6}"/>
+                <a16:creationId xmlns:a16="http://schemas.microsoft.com/office/drawing/2014/main" id="{F55676F0-C433-4456-BB57-3E5832581EF6}"/>
               </a:ext>
             </a:extLst>
           </p:cNvPr>
@@ -18374,7 +18900,7 @@
           <p:cNvPr id="6" name="TextBox 5">
             <a:extLst>
               <a:ext uri="{FF2B5EF4-FFF2-40B4-BE49-F238E27FC236}">
-                <a16:creationId xmlns:a16="http://schemas.microsoft.com/office/drawing/2014/main" xmlns="" id="{C7B00371-8BBF-468F-BAB5-3B58CE59B669}"/>
+                <a16:creationId xmlns:a16="http://schemas.microsoft.com/office/drawing/2014/main" id="{C7B00371-8BBF-468F-BAB5-3B58CE59B669}"/>
               </a:ext>
             </a:extLst>
           </p:cNvPr>
@@ -18463,7 +18989,7 @@
           <p:cNvPr id="8" name="TextBox 7">
             <a:extLst>
               <a:ext uri="{FF2B5EF4-FFF2-40B4-BE49-F238E27FC236}">
-                <a16:creationId xmlns:a16="http://schemas.microsoft.com/office/drawing/2014/main" xmlns="" id="{5D0C9A45-A32B-45BB-B4DB-89BAF7E41E6D}"/>
+                <a16:creationId xmlns:a16="http://schemas.microsoft.com/office/drawing/2014/main" id="{5D0C9A45-A32B-45BB-B4DB-89BAF7E41E6D}"/>
               </a:ext>
             </a:extLst>
           </p:cNvPr>
@@ -18518,7 +19044,7 @@
           <p:cNvPr id="9" name="직선 연결선 8">
             <a:extLst>
               <a:ext uri="{FF2B5EF4-FFF2-40B4-BE49-F238E27FC236}">
-                <a16:creationId xmlns:a16="http://schemas.microsoft.com/office/drawing/2014/main" xmlns="" id="{5140239F-7841-40D4-B023-7486FD09274D}"/>
+                <a16:creationId xmlns:a16="http://schemas.microsoft.com/office/drawing/2014/main" id="{5140239F-7841-40D4-B023-7486FD09274D}"/>
               </a:ext>
             </a:extLst>
           </p:cNvPr>
@@ -18561,7 +19087,7 @@
           <p:cNvPr id="11" name="TextBox 10">
             <a:extLst>
               <a:ext uri="{FF2B5EF4-FFF2-40B4-BE49-F238E27FC236}">
-                <a16:creationId xmlns:a16="http://schemas.microsoft.com/office/drawing/2014/main" xmlns="" id="{796A3F55-A310-4812-82DA-85F76DEB9227}"/>
+                <a16:creationId xmlns:a16="http://schemas.microsoft.com/office/drawing/2014/main" id="{796A3F55-A310-4812-82DA-85F76DEB9227}"/>
               </a:ext>
             </a:extLst>
           </p:cNvPr>
@@ -18619,7 +19145,7 @@
           <p:cNvPr id="13" name="다이어그램 12">
             <a:extLst>
               <a:ext uri="{FF2B5EF4-FFF2-40B4-BE49-F238E27FC236}">
-                <a16:creationId xmlns:a16="http://schemas.microsoft.com/office/drawing/2014/main" xmlns="" id="{D3C42DFF-420A-473E-9A35-E20778983B2F}"/>
+                <a16:creationId xmlns:a16="http://schemas.microsoft.com/office/drawing/2014/main" id="{D3C42DFF-420A-473E-9A35-E20778983B2F}"/>
               </a:ext>
             </a:extLst>
           </p:cNvPr>
@@ -18647,7 +19173,7 @@
           <p:cNvPr id="4" name="그래픽 3" descr="사용자 크라운 남자 단색으로 채워진">
             <a:extLst>
               <a:ext uri="{FF2B5EF4-FFF2-40B4-BE49-F238E27FC236}">
-                <a16:creationId xmlns:a16="http://schemas.microsoft.com/office/drawing/2014/main" xmlns="" id="{7434BE5A-D5D9-4D7D-9E5A-C2030E56982C}"/>
+                <a16:creationId xmlns:a16="http://schemas.microsoft.com/office/drawing/2014/main" id="{7434BE5A-D5D9-4D7D-9E5A-C2030E56982C}"/>
               </a:ext>
             </a:extLst>
           </p:cNvPr>
@@ -18663,7 +19189,7 @@
                 <a14:useLocalDpi xmlns:a14="http://schemas.microsoft.com/office/drawing/2010/main" val="0"/>
               </a:ext>
               <a:ext uri="{96DAC541-7B7A-43D3-8B79-37D633B846F1}">
-                <asvg:svgBlip xmlns:asvg="http://schemas.microsoft.com/office/drawing/2016/SVG/main" xmlns="" r:embed="rId8"/>
+                <asvg:svgBlip xmlns:asvg="http://schemas.microsoft.com/office/drawing/2016/SVG/main" r:embed="rId8"/>
               </a:ext>
             </a:extLst>
           </a:blip>
@@ -18686,7 +19212,7 @@
           <p:cNvPr id="7" name="그래픽 6" descr="사용자 단색으로 채워진">
             <a:extLst>
               <a:ext uri="{FF2B5EF4-FFF2-40B4-BE49-F238E27FC236}">
-                <a16:creationId xmlns:a16="http://schemas.microsoft.com/office/drawing/2014/main" xmlns="" id="{26629C15-B121-464E-BC5F-A223C10C426F}"/>
+                <a16:creationId xmlns:a16="http://schemas.microsoft.com/office/drawing/2014/main" id="{26629C15-B121-464E-BC5F-A223C10C426F}"/>
               </a:ext>
             </a:extLst>
           </p:cNvPr>
@@ -18702,7 +19228,7 @@
                 <a14:useLocalDpi xmlns:a14="http://schemas.microsoft.com/office/drawing/2010/main" val="0"/>
               </a:ext>
               <a:ext uri="{96DAC541-7B7A-43D3-8B79-37D633B846F1}">
-                <asvg:svgBlip xmlns:asvg="http://schemas.microsoft.com/office/drawing/2016/SVG/main" xmlns="" r:embed="rId10"/>
+                <asvg:svgBlip xmlns:asvg="http://schemas.microsoft.com/office/drawing/2016/SVG/main" r:embed="rId10"/>
               </a:ext>
             </a:extLst>
           </a:blip>
@@ -18725,7 +19251,7 @@
           <p:cNvPr id="12" name="그래픽 11" descr="팔로우 취소 단색으로 채워진">
             <a:extLst>
               <a:ext uri="{FF2B5EF4-FFF2-40B4-BE49-F238E27FC236}">
-                <a16:creationId xmlns:a16="http://schemas.microsoft.com/office/drawing/2014/main" xmlns="" id="{8A9F97B4-9ADE-4283-AB98-8C06517428CB}"/>
+                <a16:creationId xmlns:a16="http://schemas.microsoft.com/office/drawing/2014/main" id="{8A9F97B4-9ADE-4283-AB98-8C06517428CB}"/>
               </a:ext>
             </a:extLst>
           </p:cNvPr>
@@ -18741,7 +19267,7 @@
                 <a14:useLocalDpi xmlns:a14="http://schemas.microsoft.com/office/drawing/2010/main" val="0"/>
               </a:ext>
               <a:ext uri="{96DAC541-7B7A-43D3-8B79-37D633B846F1}">
-                <asvg:svgBlip xmlns:asvg="http://schemas.microsoft.com/office/drawing/2016/SVG/main" xmlns="" r:embed="rId12"/>
+                <asvg:svgBlip xmlns:asvg="http://schemas.microsoft.com/office/drawing/2016/SVG/main" r:embed="rId12"/>
               </a:ext>
             </a:extLst>
           </a:blip>
@@ -18764,7 +19290,7 @@
           <p:cNvPr id="15" name="그래픽 14" descr="하비 공 30% 단색으로 채워진">
             <a:extLst>
               <a:ext uri="{FF2B5EF4-FFF2-40B4-BE49-F238E27FC236}">
-                <a16:creationId xmlns:a16="http://schemas.microsoft.com/office/drawing/2014/main" xmlns="" id="{C3763648-959F-4B7B-A822-33F49EAE8D82}"/>
+                <a16:creationId xmlns:a16="http://schemas.microsoft.com/office/drawing/2014/main" id="{C3763648-959F-4B7B-A822-33F49EAE8D82}"/>
               </a:ext>
             </a:extLst>
           </p:cNvPr>
@@ -18780,7 +19306,7 @@
                 <a14:useLocalDpi xmlns:a14="http://schemas.microsoft.com/office/drawing/2010/main" val="0"/>
               </a:ext>
               <a:ext uri="{96DAC541-7B7A-43D3-8B79-37D633B846F1}">
-                <asvg:svgBlip xmlns:asvg="http://schemas.microsoft.com/office/drawing/2016/SVG/main" xmlns="" r:embed="rId14"/>
+                <asvg:svgBlip xmlns:asvg="http://schemas.microsoft.com/office/drawing/2016/SVG/main" r:embed="rId14"/>
               </a:ext>
             </a:extLst>
           </a:blip>
@@ -18803,7 +19329,7 @@
           <p:cNvPr id="18" name="그래픽 17" descr="문이 열려 있음 단색으로 채워진">
             <a:extLst>
               <a:ext uri="{FF2B5EF4-FFF2-40B4-BE49-F238E27FC236}">
-                <a16:creationId xmlns:a16="http://schemas.microsoft.com/office/drawing/2014/main" xmlns="" id="{2167CDF3-CFAA-456B-900D-606F0696004E}"/>
+                <a16:creationId xmlns:a16="http://schemas.microsoft.com/office/drawing/2014/main" id="{2167CDF3-CFAA-456B-900D-606F0696004E}"/>
               </a:ext>
             </a:extLst>
           </p:cNvPr>
@@ -18819,7 +19345,7 @@
                 <a14:useLocalDpi xmlns:a14="http://schemas.microsoft.com/office/drawing/2010/main" val="0"/>
               </a:ext>
               <a:ext uri="{96DAC541-7B7A-43D3-8B79-37D633B846F1}">
-                <asvg:svgBlip xmlns:asvg="http://schemas.microsoft.com/office/drawing/2016/SVG/main" xmlns="" r:embed="rId16"/>
+                <asvg:svgBlip xmlns:asvg="http://schemas.microsoft.com/office/drawing/2016/SVG/main" r:embed="rId16"/>
               </a:ext>
             </a:extLst>
           </a:blip>
@@ -18842,7 +19368,7 @@
           <p:cNvPr id="19" name="TextBox 18">
             <a:extLst>
               <a:ext uri="{FF2B5EF4-FFF2-40B4-BE49-F238E27FC236}">
-                <a16:creationId xmlns:a16="http://schemas.microsoft.com/office/drawing/2014/main" xmlns="" id="{8E671599-D4B8-4762-AA6C-E0E1A77E2F9E}"/>
+                <a16:creationId xmlns:a16="http://schemas.microsoft.com/office/drawing/2014/main" id="{8E671599-D4B8-4762-AA6C-E0E1A77E2F9E}"/>
               </a:ext>
             </a:extLst>
           </p:cNvPr>
@@ -18894,7 +19420,7 @@
           <p:cNvPr id="21" name="그래픽 20" descr="게임 컨트롤러 단색으로 채워진">
             <a:extLst>
               <a:ext uri="{FF2B5EF4-FFF2-40B4-BE49-F238E27FC236}">
-                <a16:creationId xmlns:a16="http://schemas.microsoft.com/office/drawing/2014/main" xmlns="" id="{4F55DCF2-3DA9-4D5D-8F45-0B21C9CC7C37}"/>
+                <a16:creationId xmlns:a16="http://schemas.microsoft.com/office/drawing/2014/main" id="{4F55DCF2-3DA9-4D5D-8F45-0B21C9CC7C37}"/>
               </a:ext>
             </a:extLst>
           </p:cNvPr>
@@ -18910,7 +19436,7 @@
                 <a14:useLocalDpi xmlns:a14="http://schemas.microsoft.com/office/drawing/2010/main" val="0"/>
               </a:ext>
               <a:ext uri="{96DAC541-7B7A-43D3-8B79-37D633B846F1}">
-                <asvg:svgBlip xmlns:asvg="http://schemas.microsoft.com/office/drawing/2016/SVG/main" xmlns="" r:embed="rId18"/>
+                <asvg:svgBlip xmlns:asvg="http://schemas.microsoft.com/office/drawing/2016/SVG/main" r:embed="rId18"/>
               </a:ext>
             </a:extLst>
           </a:blip>
@@ -18933,7 +19459,7 @@
           <p:cNvPr id="22" name="TextBox 21">
             <a:extLst>
               <a:ext uri="{FF2B5EF4-FFF2-40B4-BE49-F238E27FC236}">
-                <a16:creationId xmlns:a16="http://schemas.microsoft.com/office/drawing/2014/main" xmlns="" id="{6FBC84E5-B2EE-4B8B-B7AB-7B576309F55C}"/>
+                <a16:creationId xmlns:a16="http://schemas.microsoft.com/office/drawing/2014/main" id="{6FBC84E5-B2EE-4B8B-B7AB-7B576309F55C}"/>
               </a:ext>
             </a:extLst>
           </p:cNvPr>
@@ -18971,7 +19497,7 @@
           <p:cNvPr id="23" name="그래픽 22" descr="팔로우 취소 단색으로 채워진">
             <a:extLst>
               <a:ext uri="{FF2B5EF4-FFF2-40B4-BE49-F238E27FC236}">
-                <a16:creationId xmlns:a16="http://schemas.microsoft.com/office/drawing/2014/main" xmlns="" id="{A8D922EB-93B2-47EF-BC57-D4AD1B007AB7}"/>
+                <a16:creationId xmlns:a16="http://schemas.microsoft.com/office/drawing/2014/main" id="{A8D922EB-93B2-47EF-BC57-D4AD1B007AB7}"/>
               </a:ext>
             </a:extLst>
           </p:cNvPr>
@@ -18987,7 +19513,7 @@
                 <a14:useLocalDpi xmlns:a14="http://schemas.microsoft.com/office/drawing/2010/main" val="0"/>
               </a:ext>
               <a:ext uri="{96DAC541-7B7A-43D3-8B79-37D633B846F1}">
-                <asvg:svgBlip xmlns:asvg="http://schemas.microsoft.com/office/drawing/2016/SVG/main" xmlns="" r:embed="rId12"/>
+                <asvg:svgBlip xmlns:asvg="http://schemas.microsoft.com/office/drawing/2016/SVG/main" r:embed="rId12"/>
               </a:ext>
             </a:extLst>
           </a:blip>
@@ -19010,7 +19536,7 @@
           <p:cNvPr id="24" name="TextBox 23">
             <a:extLst>
               <a:ext uri="{FF2B5EF4-FFF2-40B4-BE49-F238E27FC236}">
-                <a16:creationId xmlns:a16="http://schemas.microsoft.com/office/drawing/2014/main" xmlns="" id="{A9458F63-76DD-4189-9C91-FB33B0D41200}"/>
+                <a16:creationId xmlns:a16="http://schemas.microsoft.com/office/drawing/2014/main" id="{A9458F63-76DD-4189-9C91-FB33B0D41200}"/>
               </a:ext>
             </a:extLst>
           </p:cNvPr>
@@ -19048,7 +19574,7 @@
           <p:cNvPr id="25" name="그래픽 24" descr="사용자 크라운 남자 단색으로 채워진">
             <a:extLst>
               <a:ext uri="{FF2B5EF4-FFF2-40B4-BE49-F238E27FC236}">
-                <a16:creationId xmlns:a16="http://schemas.microsoft.com/office/drawing/2014/main" xmlns="" id="{6E98F044-4C9A-4DD2-9A87-AB4DFFF453B4}"/>
+                <a16:creationId xmlns:a16="http://schemas.microsoft.com/office/drawing/2014/main" id="{6E98F044-4C9A-4DD2-9A87-AB4DFFF453B4}"/>
               </a:ext>
             </a:extLst>
           </p:cNvPr>
@@ -19064,7 +19590,7 @@
                 <a14:useLocalDpi xmlns:a14="http://schemas.microsoft.com/office/drawing/2010/main" val="0"/>
               </a:ext>
               <a:ext uri="{96DAC541-7B7A-43D3-8B79-37D633B846F1}">
-                <asvg:svgBlip xmlns:asvg="http://schemas.microsoft.com/office/drawing/2016/SVG/main" xmlns="" r:embed="rId8"/>
+                <asvg:svgBlip xmlns:asvg="http://schemas.microsoft.com/office/drawing/2016/SVG/main" r:embed="rId8"/>
               </a:ext>
             </a:extLst>
           </a:blip>
@@ -19087,7 +19613,7 @@
           <p:cNvPr id="26" name="TextBox 25">
             <a:extLst>
               <a:ext uri="{FF2B5EF4-FFF2-40B4-BE49-F238E27FC236}">
-                <a16:creationId xmlns:a16="http://schemas.microsoft.com/office/drawing/2014/main" xmlns="" id="{033BF342-873C-4C13-BD89-E0CE51CF4C70}"/>
+                <a16:creationId xmlns:a16="http://schemas.microsoft.com/office/drawing/2014/main" id="{033BF342-873C-4C13-BD89-E0CE51CF4C70}"/>
               </a:ext>
             </a:extLst>
           </p:cNvPr>
@@ -19125,7 +19651,7 @@
           <p:cNvPr id="5" name="그래픽 4" descr="벌레 단색으로 채워진">
             <a:extLst>
               <a:ext uri="{FF2B5EF4-FFF2-40B4-BE49-F238E27FC236}">
-                <a16:creationId xmlns:a16="http://schemas.microsoft.com/office/drawing/2014/main" xmlns="" id="{65908816-2782-4567-89B3-BB2587A37AE1}"/>
+                <a16:creationId xmlns:a16="http://schemas.microsoft.com/office/drawing/2014/main" id="{65908816-2782-4567-89B3-BB2587A37AE1}"/>
               </a:ext>
             </a:extLst>
           </p:cNvPr>
@@ -19141,7 +19667,7 @@
                 <a14:useLocalDpi xmlns:a14="http://schemas.microsoft.com/office/drawing/2010/main" val="0"/>
               </a:ext>
               <a:ext uri="{96DAC541-7B7A-43D3-8B79-37D633B846F1}">
-                <asvg:svgBlip xmlns:asvg="http://schemas.microsoft.com/office/drawing/2016/SVG/main" xmlns="" r:embed="rId22"/>
+                <asvg:svgBlip xmlns:asvg="http://schemas.microsoft.com/office/drawing/2016/SVG/main" r:embed="rId22"/>
               </a:ext>
             </a:extLst>
           </a:blip>
@@ -19164,7 +19690,7 @@
           <p:cNvPr id="27" name="TextBox 26">
             <a:extLst>
               <a:ext uri="{FF2B5EF4-FFF2-40B4-BE49-F238E27FC236}">
-                <a16:creationId xmlns:a16="http://schemas.microsoft.com/office/drawing/2014/main" xmlns="" id="{D2C113BF-382B-434D-B2D7-B51F92D19ADA}"/>
+                <a16:creationId xmlns:a16="http://schemas.microsoft.com/office/drawing/2014/main" id="{D2C113BF-382B-434D-B2D7-B51F92D19ADA}"/>
               </a:ext>
             </a:extLst>
           </p:cNvPr>
@@ -19221,13 +19747,13 @@
   <p:clrMapOvr>
     <a:masterClrMapping/>
   </p:clrMapOvr>
-  <mc:AlternateContent xmlns:mc="http://schemas.openxmlformats.org/markup-compatibility/2006">
-    <mc:Choice xmlns:p159="http://schemas.microsoft.com/office/powerpoint/2015/09/main" xmlns="" Requires="p159">
+  <mc:AlternateContent xmlns:mc="http://schemas.openxmlformats.org/markup-compatibility/2006" xmlns:p159="http://schemas.microsoft.com/office/powerpoint/2015/09/main">
+    <mc:Choice Requires="p159">
       <p:transition xmlns:p14="http://schemas.microsoft.com/office/powerpoint/2010/main" spd="slow" p14:dur="2000">
         <p159:morph option="byObject"/>
       </p:transition>
     </mc:Choice>
-    <mc:Fallback>
+    <mc:Fallback xmlns="">
       <p:transition spd="slow">
         <p:fade/>
       </p:transition>
@@ -19258,7 +19784,7 @@
           <p:cNvPr id="3" name="직선 연결선 2">
             <a:extLst>
               <a:ext uri="{FF2B5EF4-FFF2-40B4-BE49-F238E27FC236}">
-                <a16:creationId xmlns:a16="http://schemas.microsoft.com/office/drawing/2014/main" xmlns="" id="{F55676F0-C433-4456-BB57-3E5832581EF6}"/>
+                <a16:creationId xmlns:a16="http://schemas.microsoft.com/office/drawing/2014/main" id="{F55676F0-C433-4456-BB57-3E5832581EF6}"/>
               </a:ext>
             </a:extLst>
           </p:cNvPr>
@@ -19301,7 +19827,7 @@
           <p:cNvPr id="6" name="TextBox 5">
             <a:extLst>
               <a:ext uri="{FF2B5EF4-FFF2-40B4-BE49-F238E27FC236}">
-                <a16:creationId xmlns:a16="http://schemas.microsoft.com/office/drawing/2014/main" xmlns="" id="{C7B00371-8BBF-468F-BAB5-3B58CE59B669}"/>
+                <a16:creationId xmlns:a16="http://schemas.microsoft.com/office/drawing/2014/main" id="{C7B00371-8BBF-468F-BAB5-3B58CE59B669}"/>
               </a:ext>
             </a:extLst>
           </p:cNvPr>
@@ -19390,7 +19916,7 @@
           <p:cNvPr id="8" name="TextBox 7">
             <a:extLst>
               <a:ext uri="{FF2B5EF4-FFF2-40B4-BE49-F238E27FC236}">
-                <a16:creationId xmlns:a16="http://schemas.microsoft.com/office/drawing/2014/main" xmlns="" id="{5D0C9A45-A32B-45BB-B4DB-89BAF7E41E6D}"/>
+                <a16:creationId xmlns:a16="http://schemas.microsoft.com/office/drawing/2014/main" id="{5D0C9A45-A32B-45BB-B4DB-89BAF7E41E6D}"/>
               </a:ext>
             </a:extLst>
           </p:cNvPr>
@@ -19445,7 +19971,7 @@
           <p:cNvPr id="9" name="직선 연결선 8">
             <a:extLst>
               <a:ext uri="{FF2B5EF4-FFF2-40B4-BE49-F238E27FC236}">
-                <a16:creationId xmlns:a16="http://schemas.microsoft.com/office/drawing/2014/main" xmlns="" id="{5140239F-7841-40D4-B023-7486FD09274D}"/>
+                <a16:creationId xmlns:a16="http://schemas.microsoft.com/office/drawing/2014/main" id="{5140239F-7841-40D4-B023-7486FD09274D}"/>
               </a:ext>
             </a:extLst>
           </p:cNvPr>
@@ -19488,7 +20014,7 @@
           <p:cNvPr id="11" name="TextBox 10">
             <a:extLst>
               <a:ext uri="{FF2B5EF4-FFF2-40B4-BE49-F238E27FC236}">
-                <a16:creationId xmlns:a16="http://schemas.microsoft.com/office/drawing/2014/main" xmlns="" id="{796A3F55-A310-4812-82DA-85F76DEB9227}"/>
+                <a16:creationId xmlns:a16="http://schemas.microsoft.com/office/drawing/2014/main" id="{796A3F55-A310-4812-82DA-85F76DEB9227}"/>
               </a:ext>
             </a:extLst>
           </p:cNvPr>
@@ -19558,13 +20084,13 @@
   <p:clrMapOvr>
     <a:masterClrMapping/>
   </p:clrMapOvr>
-  <mc:AlternateContent xmlns:mc="http://schemas.openxmlformats.org/markup-compatibility/2006">
-    <mc:Choice xmlns:p159="http://schemas.microsoft.com/office/powerpoint/2015/09/main" xmlns="" Requires="p159">
+  <mc:AlternateContent xmlns:mc="http://schemas.openxmlformats.org/markup-compatibility/2006" xmlns:p159="http://schemas.microsoft.com/office/powerpoint/2015/09/main">
+    <mc:Choice Requires="p159">
       <p:transition xmlns:p14="http://schemas.microsoft.com/office/powerpoint/2010/main" spd="slow" p14:dur="2000">
         <p159:morph option="byObject"/>
       </p:transition>
     </mc:Choice>
-    <mc:Fallback>
+    <mc:Fallback xmlns="">
       <p:transition spd="slow">
         <p:fade/>
       </p:transition>
@@ -19595,7 +20121,7 @@
           <p:cNvPr id="3" name="직선 연결선 2">
             <a:extLst>
               <a:ext uri="{FF2B5EF4-FFF2-40B4-BE49-F238E27FC236}">
-                <a16:creationId xmlns:a16="http://schemas.microsoft.com/office/drawing/2014/main" xmlns="" id="{F55676F0-C433-4456-BB57-3E5832581EF6}"/>
+                <a16:creationId xmlns:a16="http://schemas.microsoft.com/office/drawing/2014/main" id="{F55676F0-C433-4456-BB57-3E5832581EF6}"/>
               </a:ext>
             </a:extLst>
           </p:cNvPr>
@@ -19638,7 +20164,7 @@
           <p:cNvPr id="6" name="TextBox 5">
             <a:extLst>
               <a:ext uri="{FF2B5EF4-FFF2-40B4-BE49-F238E27FC236}">
-                <a16:creationId xmlns:a16="http://schemas.microsoft.com/office/drawing/2014/main" xmlns="" id="{C7B00371-8BBF-468F-BAB5-3B58CE59B669}"/>
+                <a16:creationId xmlns:a16="http://schemas.microsoft.com/office/drawing/2014/main" id="{C7B00371-8BBF-468F-BAB5-3B58CE59B669}"/>
               </a:ext>
             </a:extLst>
           </p:cNvPr>
@@ -19727,7 +20253,7 @@
           <p:cNvPr id="8" name="TextBox 7">
             <a:extLst>
               <a:ext uri="{FF2B5EF4-FFF2-40B4-BE49-F238E27FC236}">
-                <a16:creationId xmlns:a16="http://schemas.microsoft.com/office/drawing/2014/main" xmlns="" id="{5D0C9A45-A32B-45BB-B4DB-89BAF7E41E6D}"/>
+                <a16:creationId xmlns:a16="http://schemas.microsoft.com/office/drawing/2014/main" id="{5D0C9A45-A32B-45BB-B4DB-89BAF7E41E6D}"/>
               </a:ext>
             </a:extLst>
           </p:cNvPr>
@@ -19782,7 +20308,7 @@
           <p:cNvPr id="9" name="직선 연결선 8">
             <a:extLst>
               <a:ext uri="{FF2B5EF4-FFF2-40B4-BE49-F238E27FC236}">
-                <a16:creationId xmlns:a16="http://schemas.microsoft.com/office/drawing/2014/main" xmlns="" id="{5140239F-7841-40D4-B023-7486FD09274D}"/>
+                <a16:creationId xmlns:a16="http://schemas.microsoft.com/office/drawing/2014/main" id="{5140239F-7841-40D4-B023-7486FD09274D}"/>
               </a:ext>
             </a:extLst>
           </p:cNvPr>
@@ -19825,7 +20351,7 @@
           <p:cNvPr id="11" name="TextBox 10">
             <a:extLst>
               <a:ext uri="{FF2B5EF4-FFF2-40B4-BE49-F238E27FC236}">
-                <a16:creationId xmlns:a16="http://schemas.microsoft.com/office/drawing/2014/main" xmlns="" id="{796A3F55-A310-4812-82DA-85F76DEB9227}"/>
+                <a16:creationId xmlns:a16="http://schemas.microsoft.com/office/drawing/2014/main" id="{796A3F55-A310-4812-82DA-85F76DEB9227}"/>
               </a:ext>
             </a:extLst>
           </p:cNvPr>
@@ -19905,13 +20431,13 @@
   <p:clrMapOvr>
     <a:masterClrMapping/>
   </p:clrMapOvr>
-  <mc:AlternateContent xmlns:mc="http://schemas.openxmlformats.org/markup-compatibility/2006">
-    <mc:Choice xmlns:p159="http://schemas.microsoft.com/office/powerpoint/2015/09/main" xmlns="" Requires="p159">
+  <mc:AlternateContent xmlns:mc="http://schemas.openxmlformats.org/markup-compatibility/2006" xmlns:p159="http://schemas.microsoft.com/office/powerpoint/2015/09/main">
+    <mc:Choice Requires="p159">
       <p:transition xmlns:p14="http://schemas.microsoft.com/office/powerpoint/2010/main" spd="slow" p14:dur="2000">
         <p159:morph option="byObject"/>
       </p:transition>
     </mc:Choice>
-    <mc:Fallback>
+    <mc:Fallback xmlns="">
       <p:transition spd="slow">
         <p:fade/>
       </p:transition>
@@ -19942,7 +20468,7 @@
           <p:cNvPr id="3" name="직선 연결선 2">
             <a:extLst>
               <a:ext uri="{FF2B5EF4-FFF2-40B4-BE49-F238E27FC236}">
-                <a16:creationId xmlns:a16="http://schemas.microsoft.com/office/drawing/2014/main" xmlns="" id="{F55676F0-C433-4456-BB57-3E5832581EF6}"/>
+                <a16:creationId xmlns:a16="http://schemas.microsoft.com/office/drawing/2014/main" id="{F55676F0-C433-4456-BB57-3E5832581EF6}"/>
               </a:ext>
             </a:extLst>
           </p:cNvPr>
@@ -19985,7 +20511,7 @@
           <p:cNvPr id="6" name="TextBox 5">
             <a:extLst>
               <a:ext uri="{FF2B5EF4-FFF2-40B4-BE49-F238E27FC236}">
-                <a16:creationId xmlns:a16="http://schemas.microsoft.com/office/drawing/2014/main" xmlns="" id="{C7B00371-8BBF-468F-BAB5-3B58CE59B669}"/>
+                <a16:creationId xmlns:a16="http://schemas.microsoft.com/office/drawing/2014/main" id="{C7B00371-8BBF-468F-BAB5-3B58CE59B669}"/>
               </a:ext>
             </a:extLst>
           </p:cNvPr>
@@ -20074,7 +20600,7 @@
           <p:cNvPr id="8" name="TextBox 7">
             <a:extLst>
               <a:ext uri="{FF2B5EF4-FFF2-40B4-BE49-F238E27FC236}">
-                <a16:creationId xmlns:a16="http://schemas.microsoft.com/office/drawing/2014/main" xmlns="" id="{5D0C9A45-A32B-45BB-B4DB-89BAF7E41E6D}"/>
+                <a16:creationId xmlns:a16="http://schemas.microsoft.com/office/drawing/2014/main" id="{5D0C9A45-A32B-45BB-B4DB-89BAF7E41E6D}"/>
               </a:ext>
             </a:extLst>
           </p:cNvPr>
@@ -20129,7 +20655,7 @@
           <p:cNvPr id="9" name="직선 연결선 8">
             <a:extLst>
               <a:ext uri="{FF2B5EF4-FFF2-40B4-BE49-F238E27FC236}">
-                <a16:creationId xmlns:a16="http://schemas.microsoft.com/office/drawing/2014/main" xmlns="" id="{5140239F-7841-40D4-B023-7486FD09274D}"/>
+                <a16:creationId xmlns:a16="http://schemas.microsoft.com/office/drawing/2014/main" id="{5140239F-7841-40D4-B023-7486FD09274D}"/>
               </a:ext>
             </a:extLst>
           </p:cNvPr>
@@ -20172,7 +20698,7 @@
           <p:cNvPr id="11" name="TextBox 10">
             <a:extLst>
               <a:ext uri="{FF2B5EF4-FFF2-40B4-BE49-F238E27FC236}">
-                <a16:creationId xmlns:a16="http://schemas.microsoft.com/office/drawing/2014/main" xmlns="" id="{796A3F55-A310-4812-82DA-85F76DEB9227}"/>
+                <a16:creationId xmlns:a16="http://schemas.microsoft.com/office/drawing/2014/main" id="{796A3F55-A310-4812-82DA-85F76DEB9227}"/>
               </a:ext>
             </a:extLst>
           </p:cNvPr>
@@ -20243,7 +20769,7 @@
           <p:cNvPr id="4" name="그림 3">
             <a:extLst>
               <a:ext uri="{FF2B5EF4-FFF2-40B4-BE49-F238E27FC236}">
-                <a16:creationId xmlns:a16="http://schemas.microsoft.com/office/drawing/2014/main" xmlns="" id="{245590EC-306A-4006-A64D-4637067A4633}"/>
+                <a16:creationId xmlns:a16="http://schemas.microsoft.com/office/drawing/2014/main" id="{245590EC-306A-4006-A64D-4637067A4633}"/>
               </a:ext>
             </a:extLst>
           </p:cNvPr>
@@ -20273,7 +20799,7 @@
           <p:cNvPr id="7" name="그림 6">
             <a:extLst>
               <a:ext uri="{FF2B5EF4-FFF2-40B4-BE49-F238E27FC236}">
-                <a16:creationId xmlns:a16="http://schemas.microsoft.com/office/drawing/2014/main" xmlns="" id="{7502D650-AF8F-4F79-B59A-7FE266F47070}"/>
+                <a16:creationId xmlns:a16="http://schemas.microsoft.com/office/drawing/2014/main" id="{7502D650-AF8F-4F79-B59A-7FE266F47070}"/>
               </a:ext>
             </a:extLst>
           </p:cNvPr>
@@ -20302,7 +20828,7 @@
           <p:cNvPr id="16" name="사다리꼴 15">
             <a:extLst>
               <a:ext uri="{FF2B5EF4-FFF2-40B4-BE49-F238E27FC236}">
-                <a16:creationId xmlns:a16="http://schemas.microsoft.com/office/drawing/2014/main" xmlns="" id="{FD66CF5E-6E4D-4F17-98B3-E3DEBCBADF36}"/>
+                <a16:creationId xmlns:a16="http://schemas.microsoft.com/office/drawing/2014/main" id="{FD66CF5E-6E4D-4F17-98B3-E3DEBCBADF36}"/>
               </a:ext>
             </a:extLst>
           </p:cNvPr>
@@ -20358,7 +20884,7 @@
           <p:cNvPr id="17" name="TextBox 16">
             <a:extLst>
               <a:ext uri="{FF2B5EF4-FFF2-40B4-BE49-F238E27FC236}">
-                <a16:creationId xmlns:a16="http://schemas.microsoft.com/office/drawing/2014/main" xmlns="" id="{B537775D-13BF-411A-BD7F-7E60A50D2C54}"/>
+                <a16:creationId xmlns:a16="http://schemas.microsoft.com/office/drawing/2014/main" id="{B537775D-13BF-411A-BD7F-7E60A50D2C54}"/>
               </a:ext>
             </a:extLst>
           </p:cNvPr>
@@ -20403,7 +20929,7 @@
           <p:cNvPr id="18" name="TextBox 17">
             <a:extLst>
               <a:ext uri="{FF2B5EF4-FFF2-40B4-BE49-F238E27FC236}">
-                <a16:creationId xmlns:a16="http://schemas.microsoft.com/office/drawing/2014/main" xmlns="" id="{1EF38C5D-8CA8-49F4-B680-D399333A0A62}"/>
+                <a16:creationId xmlns:a16="http://schemas.microsoft.com/office/drawing/2014/main" id="{1EF38C5D-8CA8-49F4-B680-D399333A0A62}"/>
               </a:ext>
             </a:extLst>
           </p:cNvPr>
@@ -20490,13 +21016,13 @@
   <p:clrMapOvr>
     <a:masterClrMapping/>
   </p:clrMapOvr>
-  <mc:AlternateContent xmlns:mc="http://schemas.openxmlformats.org/markup-compatibility/2006">
-    <mc:Choice xmlns:p159="http://schemas.microsoft.com/office/powerpoint/2015/09/main" xmlns="" Requires="p159">
+  <mc:AlternateContent xmlns:mc="http://schemas.openxmlformats.org/markup-compatibility/2006" xmlns:p159="http://schemas.microsoft.com/office/powerpoint/2015/09/main">
+    <mc:Choice Requires="p159">
       <p:transition xmlns:p14="http://schemas.microsoft.com/office/powerpoint/2010/main" spd="slow" p14:dur="2000">
         <p159:morph option="byObject"/>
       </p:transition>
     </mc:Choice>
-    <mc:Fallback>
+    <mc:Fallback xmlns="">
       <p:transition spd="slow">
         <p:fade/>
       </p:transition>
